--- a/Teksta datnes informatīvais materiāls.pptx
+++ b/Teksta datnes informatīvais materiāls.pptx
@@ -288,6 +288,7 @@
           <a:p>
             <a:fld id="{29F434F8-D001-41C5-B56B-022538BFE3FA}" type="datetimeFigureOut">
               <a:rPr lang="lv-LV" smtClean="0"/>
+              <a:pPr/>
               <a:t>07.06.2022</a:t>
             </a:fld>
             <a:endParaRPr lang="lv-LV"/>
@@ -330,6 +331,7 @@
           <a:p>
             <a:fld id="{3FAF74E2-2FBE-4046-B081-2C955BE03488}" type="slidenum">
               <a:rPr lang="lv-LV" smtClean="0"/>
+              <a:pPr/>
               <a:t>‹#›</a:t>
             </a:fld>
             <a:endParaRPr lang="lv-LV"/>
@@ -453,6 +455,7 @@
           <a:p>
             <a:fld id="{29F434F8-D001-41C5-B56B-022538BFE3FA}" type="datetimeFigureOut">
               <a:rPr lang="lv-LV" smtClean="0"/>
+              <a:pPr/>
               <a:t>07.06.2022</a:t>
             </a:fld>
             <a:endParaRPr lang="lv-LV"/>
@@ -495,6 +498,7 @@
           <a:p>
             <a:fld id="{3FAF74E2-2FBE-4046-B081-2C955BE03488}" type="slidenum">
               <a:rPr lang="lv-LV" smtClean="0"/>
+              <a:pPr/>
               <a:t>‹#›</a:t>
             </a:fld>
             <a:endParaRPr lang="lv-LV"/>
@@ -628,6 +632,7 @@
           <a:p>
             <a:fld id="{29F434F8-D001-41C5-B56B-022538BFE3FA}" type="datetimeFigureOut">
               <a:rPr lang="lv-LV" smtClean="0"/>
+              <a:pPr/>
               <a:t>07.06.2022</a:t>
             </a:fld>
             <a:endParaRPr lang="lv-LV"/>
@@ -670,6 +675,7 @@
           <a:p>
             <a:fld id="{3FAF74E2-2FBE-4046-B081-2C955BE03488}" type="slidenum">
               <a:rPr lang="lv-LV" smtClean="0"/>
+              <a:pPr/>
               <a:t>‹#›</a:t>
             </a:fld>
             <a:endParaRPr lang="lv-LV"/>
@@ -793,6 +799,7 @@
           <a:p>
             <a:fld id="{29F434F8-D001-41C5-B56B-022538BFE3FA}" type="datetimeFigureOut">
               <a:rPr lang="lv-LV" smtClean="0"/>
+              <a:pPr/>
               <a:t>07.06.2022</a:t>
             </a:fld>
             <a:endParaRPr lang="lv-LV"/>
@@ -835,6 +842,7 @@
           <a:p>
             <a:fld id="{3FAF74E2-2FBE-4046-B081-2C955BE03488}" type="slidenum">
               <a:rPr lang="lv-LV" smtClean="0"/>
+              <a:pPr/>
               <a:t>‹#›</a:t>
             </a:fld>
             <a:endParaRPr lang="lv-LV"/>
@@ -1034,6 +1042,7 @@
           <a:p>
             <a:fld id="{29F434F8-D001-41C5-B56B-022538BFE3FA}" type="datetimeFigureOut">
               <a:rPr lang="lv-LV" smtClean="0"/>
+              <a:pPr/>
               <a:t>07.06.2022</a:t>
             </a:fld>
             <a:endParaRPr lang="lv-LV"/>
@@ -1076,6 +1085,7 @@
           <a:p>
             <a:fld id="{3FAF74E2-2FBE-4046-B081-2C955BE03488}" type="slidenum">
               <a:rPr lang="lv-LV" smtClean="0"/>
+              <a:pPr/>
               <a:t>‹#›</a:t>
             </a:fld>
             <a:endParaRPr lang="lv-LV"/>
@@ -1317,6 +1327,7 @@
           <a:p>
             <a:fld id="{29F434F8-D001-41C5-B56B-022538BFE3FA}" type="datetimeFigureOut">
               <a:rPr lang="lv-LV" smtClean="0"/>
+              <a:pPr/>
               <a:t>07.06.2022</a:t>
             </a:fld>
             <a:endParaRPr lang="lv-LV"/>
@@ -1359,6 +1370,7 @@
           <a:p>
             <a:fld id="{3FAF74E2-2FBE-4046-B081-2C955BE03488}" type="slidenum">
               <a:rPr lang="lv-LV" smtClean="0"/>
+              <a:pPr/>
               <a:t>‹#›</a:t>
             </a:fld>
             <a:endParaRPr lang="lv-LV"/>
@@ -1734,6 +1746,7 @@
           <a:p>
             <a:fld id="{29F434F8-D001-41C5-B56B-022538BFE3FA}" type="datetimeFigureOut">
               <a:rPr lang="lv-LV" smtClean="0"/>
+              <a:pPr/>
               <a:t>07.06.2022</a:t>
             </a:fld>
             <a:endParaRPr lang="lv-LV"/>
@@ -1776,6 +1789,7 @@
           <a:p>
             <a:fld id="{3FAF74E2-2FBE-4046-B081-2C955BE03488}" type="slidenum">
               <a:rPr lang="lv-LV" smtClean="0"/>
+              <a:pPr/>
               <a:t>‹#›</a:t>
             </a:fld>
             <a:endParaRPr lang="lv-LV"/>
@@ -1847,6 +1861,7 @@
           <a:p>
             <a:fld id="{29F434F8-D001-41C5-B56B-022538BFE3FA}" type="datetimeFigureOut">
               <a:rPr lang="lv-LV" smtClean="0"/>
+              <a:pPr/>
               <a:t>07.06.2022</a:t>
             </a:fld>
             <a:endParaRPr lang="lv-LV"/>
@@ -1889,6 +1904,7 @@
           <a:p>
             <a:fld id="{3FAF74E2-2FBE-4046-B081-2C955BE03488}" type="slidenum">
               <a:rPr lang="lv-LV" smtClean="0"/>
+              <a:pPr/>
               <a:t>‹#›</a:t>
             </a:fld>
             <a:endParaRPr lang="lv-LV"/>
@@ -1937,6 +1953,7 @@
           <a:p>
             <a:fld id="{29F434F8-D001-41C5-B56B-022538BFE3FA}" type="datetimeFigureOut">
               <a:rPr lang="lv-LV" smtClean="0"/>
+              <a:pPr/>
               <a:t>07.06.2022</a:t>
             </a:fld>
             <a:endParaRPr lang="lv-LV"/>
@@ -1979,6 +1996,7 @@
           <a:p>
             <a:fld id="{3FAF74E2-2FBE-4046-B081-2C955BE03488}" type="slidenum">
               <a:rPr lang="lv-LV" smtClean="0"/>
+              <a:pPr/>
               <a:t>‹#›</a:t>
             </a:fld>
             <a:endParaRPr lang="lv-LV"/>
@@ -2209,6 +2227,7 @@
           <a:p>
             <a:fld id="{29F434F8-D001-41C5-B56B-022538BFE3FA}" type="datetimeFigureOut">
               <a:rPr lang="lv-LV" smtClean="0"/>
+              <a:pPr/>
               <a:t>07.06.2022</a:t>
             </a:fld>
             <a:endParaRPr lang="lv-LV"/>
@@ -2251,6 +2270,7 @@
           <a:p>
             <a:fld id="{3FAF74E2-2FBE-4046-B081-2C955BE03488}" type="slidenum">
               <a:rPr lang="lv-LV" smtClean="0"/>
+              <a:pPr/>
               <a:t>‹#›</a:t>
             </a:fld>
             <a:endParaRPr lang="lv-LV"/>
@@ -2457,6 +2477,7 @@
           <a:p>
             <a:fld id="{29F434F8-D001-41C5-B56B-022538BFE3FA}" type="datetimeFigureOut">
               <a:rPr lang="lv-LV" smtClean="0"/>
+              <a:pPr/>
               <a:t>07.06.2022</a:t>
             </a:fld>
             <a:endParaRPr lang="lv-LV"/>
@@ -2499,6 +2520,7 @@
           <a:p>
             <a:fld id="{3FAF74E2-2FBE-4046-B081-2C955BE03488}" type="slidenum">
               <a:rPr lang="lv-LV" smtClean="0"/>
+              <a:pPr/>
               <a:t>‹#›</a:t>
             </a:fld>
             <a:endParaRPr lang="lv-LV"/>
@@ -2665,6 +2687,7 @@
           <a:p>
             <a:fld id="{29F434F8-D001-41C5-B56B-022538BFE3FA}" type="datetimeFigureOut">
               <a:rPr lang="lv-LV" smtClean="0"/>
+              <a:pPr/>
               <a:t>07.06.2022</a:t>
             </a:fld>
             <a:endParaRPr lang="lv-LV"/>
@@ -2743,6 +2766,7 @@
           <a:p>
             <a:fld id="{3FAF74E2-2FBE-4046-B081-2C955BE03488}" type="slidenum">
               <a:rPr lang="lv-LV" smtClean="0"/>
+              <a:pPr/>
               <a:t>‹#›</a:t>
             </a:fld>
             <a:endParaRPr lang="lv-LV"/>
@@ -3073,7 +3097,11 @@
           <a:bodyPr/>
           <a:lstStyle/>
           <a:p>
-            <a:endParaRPr lang="lv-LV"/>
+            <a:r>
+              <a:rPr lang="lv-LV" dirty="0" smtClean="0"/>
+              <a:t>Veidoja - Renārs</a:t>
+            </a:r>
+            <a:endParaRPr lang="lv-LV" dirty="0"/>
           </a:p>
         </p:txBody>
       </p:sp>

--- a/Teksta datnes informatīvais materiāls.pptx
+++ b/Teksta datnes informatīvais materiāls.pptx
@@ -2,10 +2,15 @@
 <file path=ppt/presentation.xml><?xml version="1.0" encoding="utf-8"?>
 <p:presentation xmlns:a="http://schemas.openxmlformats.org/drawingml/2006/main" xmlns:r="http://schemas.openxmlformats.org/officeDocument/2006/relationships" xmlns:p="http://schemas.openxmlformats.org/presentationml/2006/main" saveSubsetFonts="1">
   <p:sldMasterIdLst>
-    <p:sldMasterId id="2147483648" r:id="rId1"/>
+    <p:sldMasterId id="2147483684" r:id="rId1"/>
   </p:sldMasterIdLst>
   <p:sldIdLst>
     <p:sldId id="256" r:id="rId2"/>
+    <p:sldId id="259" r:id="rId3"/>
+    <p:sldId id="257" r:id="rId4"/>
+    <p:sldId id="260" r:id="rId5"/>
+    <p:sldId id="261" r:id="rId6"/>
+    <p:sldId id="258" r:id="rId7"/>
   </p:sldIdLst>
   <p:sldSz cx="9144000" cy="6858000" type="screen4x3"/>
   <p:notesSz cx="6858000" cy="9144000"/>
@@ -108,7 +113,7 @@
 </file>
 
 <file path=ppt/slideLayouts/slideLayout1.xml><?xml version="1.0" encoding="utf-8"?>
-<p:sldLayout xmlns:a="http://schemas.openxmlformats.org/drawingml/2006/main" xmlns:r="http://schemas.openxmlformats.org/officeDocument/2006/relationships" xmlns:p="http://schemas.openxmlformats.org/presentationml/2006/main" type="title" preserve="1">
+<p:sldLayout xmlns:a="http://schemas.openxmlformats.org/drawingml/2006/main" xmlns:r="http://schemas.openxmlformats.org/officeDocument/2006/relationships" xmlns:p="http://schemas.openxmlformats.org/presentationml/2006/main" showMasterSp="0" type="title" preserve="1">
   <p:cSld name="Title Slide">
     <p:spTree>
       <p:nvGrpSpPr>
@@ -126,170 +131,25 @@
       </p:grpSpPr>
       <p:sp>
         <p:nvSpPr>
-          <p:cNvPr id="2" name="Title 1"/>
-          <p:cNvSpPr>
-            <a:spLocks noGrp="1"/>
-          </p:cNvSpPr>
-          <p:nvPr>
-            <p:ph type="ctrTitle"/>
-          </p:nvPr>
-        </p:nvSpPr>
-        <p:spPr>
-          <a:xfrm>
-            <a:off x="685800" y="2130425"/>
-            <a:ext cx="7772400" cy="1470025"/>
-          </a:xfrm>
-        </p:spPr>
+          <p:cNvPr id="28" name="Date Placeholder 27"/>
+          <p:cNvSpPr>
+            <a:spLocks noGrp="1"/>
+          </p:cNvSpPr>
+          <p:nvPr>
+            <p:ph type="dt" sz="half" idx="10"/>
+          </p:nvPr>
+        </p:nvSpPr>
+        <p:spPr/>
         <p:txBody>
           <a:bodyPr/>
-          <a:lstStyle/>
-          <a:p>
-            <a:r>
-              <a:rPr lang="en-US" smtClean="0"/>
-              <a:t>Click to edit Master title style</a:t>
-            </a:r>
-            <a:endParaRPr lang="lv-LV"/>
-          </a:p>
-        </p:txBody>
-      </p:sp>
-      <p:sp>
-        <p:nvSpPr>
-          <p:cNvPr id="3" name="Subtitle 2"/>
-          <p:cNvSpPr>
-            <a:spLocks noGrp="1"/>
-          </p:cNvSpPr>
-          <p:nvPr>
-            <p:ph type="subTitle" idx="1"/>
-          </p:nvPr>
-        </p:nvSpPr>
-        <p:spPr>
-          <a:xfrm>
-            <a:off x="1371600" y="3886200"/>
-            <a:ext cx="6400800" cy="1752600"/>
-          </a:xfrm>
-        </p:spPr>
-        <p:txBody>
-          <a:bodyPr/>
-          <a:lstStyle>
-            <a:lvl1pPr marL="0" indent="0" algn="ctr">
-              <a:buNone/>
-              <a:defRPr>
-                <a:solidFill>
-                  <a:schemeClr val="tx1">
-                    <a:tint val="75000"/>
-                  </a:schemeClr>
-                </a:solidFill>
-              </a:defRPr>
-            </a:lvl1pPr>
-            <a:lvl2pPr marL="457200" indent="0" algn="ctr">
-              <a:buNone/>
-              <a:defRPr>
-                <a:solidFill>
-                  <a:schemeClr val="tx1">
-                    <a:tint val="75000"/>
-                  </a:schemeClr>
-                </a:solidFill>
-              </a:defRPr>
-            </a:lvl2pPr>
-            <a:lvl3pPr marL="914400" indent="0" algn="ctr">
-              <a:buNone/>
-              <a:defRPr>
-                <a:solidFill>
-                  <a:schemeClr val="tx1">
-                    <a:tint val="75000"/>
-                  </a:schemeClr>
-                </a:solidFill>
-              </a:defRPr>
-            </a:lvl3pPr>
-            <a:lvl4pPr marL="1371600" indent="0" algn="ctr">
-              <a:buNone/>
-              <a:defRPr>
-                <a:solidFill>
-                  <a:schemeClr val="tx1">
-                    <a:tint val="75000"/>
-                  </a:schemeClr>
-                </a:solidFill>
-              </a:defRPr>
-            </a:lvl4pPr>
-            <a:lvl5pPr marL="1828800" indent="0" algn="ctr">
-              <a:buNone/>
-              <a:defRPr>
-                <a:solidFill>
-                  <a:schemeClr val="tx1">
-                    <a:tint val="75000"/>
-                  </a:schemeClr>
-                </a:solidFill>
-              </a:defRPr>
-            </a:lvl5pPr>
-            <a:lvl6pPr marL="2286000" indent="0" algn="ctr">
-              <a:buNone/>
-              <a:defRPr>
-                <a:solidFill>
-                  <a:schemeClr val="tx1">
-                    <a:tint val="75000"/>
-                  </a:schemeClr>
-                </a:solidFill>
-              </a:defRPr>
-            </a:lvl6pPr>
-            <a:lvl7pPr marL="2743200" indent="0" algn="ctr">
-              <a:buNone/>
-              <a:defRPr>
-                <a:solidFill>
-                  <a:schemeClr val="tx1">
-                    <a:tint val="75000"/>
-                  </a:schemeClr>
-                </a:solidFill>
-              </a:defRPr>
-            </a:lvl7pPr>
-            <a:lvl8pPr marL="3200400" indent="0" algn="ctr">
-              <a:buNone/>
-              <a:defRPr>
-                <a:solidFill>
-                  <a:schemeClr val="tx1">
-                    <a:tint val="75000"/>
-                  </a:schemeClr>
-                </a:solidFill>
-              </a:defRPr>
-            </a:lvl8pPr>
-            <a:lvl9pPr marL="3657600" indent="0" algn="ctr">
-              <a:buNone/>
-              <a:defRPr>
-                <a:solidFill>
-                  <a:schemeClr val="tx1">
-                    <a:tint val="75000"/>
-                  </a:schemeClr>
-                </a:solidFill>
-              </a:defRPr>
-            </a:lvl9pPr>
-          </a:lstStyle>
-          <a:p>
-            <a:r>
-              <a:rPr lang="en-US" smtClean="0"/>
-              <a:t>Click to edit Master subtitle style</a:t>
-            </a:r>
-            <a:endParaRPr lang="lv-LV"/>
-          </a:p>
-        </p:txBody>
-      </p:sp>
-      <p:sp>
-        <p:nvSpPr>
-          <p:cNvPr id="4" name="Date Placeholder 3"/>
-          <p:cNvSpPr>
-            <a:spLocks noGrp="1"/>
-          </p:cNvSpPr>
-          <p:nvPr>
-            <p:ph type="dt" sz="half" idx="10"/>
-          </p:nvPr>
-        </p:nvSpPr>
-        <p:spPr/>
-        <p:txBody>
-          <a:bodyPr/>
-          <a:lstStyle/>
+          <a:lstStyle>
+            <a:extLst/>
+          </a:lstStyle>
           <a:p>
             <a:fld id="{29F434F8-D001-41C5-B56B-022538BFE3FA}" type="datetimeFigureOut">
               <a:rPr lang="lv-LV" smtClean="0"/>
               <a:pPr/>
-              <a:t>07.06.2022</a:t>
+              <a:t>09.06.2022</a:t>
             </a:fld>
             <a:endParaRPr lang="lv-LV"/>
           </a:p>
@@ -297,7 +157,7 @@
       </p:sp>
       <p:sp>
         <p:nvSpPr>
-          <p:cNvPr id="5" name="Footer Placeholder 4"/>
+          <p:cNvPr id="17" name="Footer Placeholder 16"/>
           <p:cNvSpPr>
             <a:spLocks noGrp="1"/>
           </p:cNvSpPr>
@@ -308,7 +168,9 @@
         <p:spPr/>
         <p:txBody>
           <a:bodyPr/>
-          <a:lstStyle/>
+          <a:lstStyle>
+            <a:extLst/>
+          </a:lstStyle>
           <a:p>
             <a:endParaRPr lang="lv-LV"/>
           </a:p>
@@ -316,7 +178,7 @@
       </p:sp>
       <p:sp>
         <p:nvSpPr>
-          <p:cNvPr id="6" name="Slide Number Placeholder 5"/>
+          <p:cNvPr id="29" name="Slide Number Placeholder 28"/>
           <p:cNvSpPr>
             <a:spLocks noGrp="1"/>
           </p:cNvSpPr>
@@ -327,7 +189,9 @@
         <p:spPr/>
         <p:txBody>
           <a:bodyPr/>
-          <a:lstStyle/>
+          <a:lstStyle>
+            <a:extLst/>
+          </a:lstStyle>
           <a:p>
             <a:fld id="{3FAF74E2-2FBE-4046-B081-2C955BE03488}" type="slidenum">
               <a:rPr lang="lv-LV" smtClean="0"/>
@@ -335,6 +199,548 @@
               <a:t>‹#›</a:t>
             </a:fld>
             <a:endParaRPr lang="lv-LV"/>
+          </a:p>
+        </p:txBody>
+      </p:sp>
+      <p:sp>
+        <p:nvSpPr>
+          <p:cNvPr id="32" name="Rectangle 31"/>
+          <p:cNvSpPr/>
+          <p:nvPr/>
+        </p:nvSpPr>
+        <p:spPr>
+          <a:xfrm>
+            <a:off x="0" y="-1"/>
+            <a:ext cx="365760" cy="6854456"/>
+          </a:xfrm>
+          <a:prstGeom prst="rect">
+            <a:avLst/>
+          </a:prstGeom>
+          <a:solidFill>
+            <a:srgbClr val="FFFFFF">
+              <a:alpha val="100000"/>
+            </a:srgbClr>
+          </a:solidFill>
+          <a:ln w="50800" cap="rnd" cmpd="dbl" algn="ctr">
+            <a:noFill/>
+            <a:prstDash val="solid"/>
+          </a:ln>
+          <a:effectLst/>
+        </p:spPr>
+        <p:style>
+          <a:lnRef idx="3">
+            <a:schemeClr val="lt1"/>
+          </a:lnRef>
+          <a:fillRef idx="1">
+            <a:schemeClr val="accent1"/>
+          </a:fillRef>
+          <a:effectRef idx="1">
+            <a:schemeClr val="accent1"/>
+          </a:effectRef>
+          <a:fontRef idx="minor">
+            <a:schemeClr val="lt1"/>
+          </a:fontRef>
+        </p:style>
+        <p:txBody>
+          <a:bodyPr anchor="ctr"/>
+          <a:lstStyle>
+            <a:extLst/>
+          </a:lstStyle>
+          <a:p>
+            <a:pPr algn="ctr" eaLnBrk="1" latinLnBrk="0" hangingPunct="1"/>
+            <a:endParaRPr kumimoji="0" lang="en-US"/>
+          </a:p>
+        </p:txBody>
+      </p:sp>
+      <p:sp>
+        <p:nvSpPr>
+          <p:cNvPr id="39" name="Rectangle 38"/>
+          <p:cNvSpPr/>
+          <p:nvPr/>
+        </p:nvSpPr>
+        <p:spPr>
+          <a:xfrm>
+            <a:off x="309558" y="680477"/>
+            <a:ext cx="45720" cy="365760"/>
+          </a:xfrm>
+          <a:prstGeom prst="rect">
+            <a:avLst/>
+          </a:prstGeom>
+          <a:solidFill>
+            <a:srgbClr val="000000"/>
+          </a:solidFill>
+          <a:ln w="50800" cap="rnd" cmpd="thickThin" algn="ctr">
+            <a:noFill/>
+            <a:prstDash val="solid"/>
+          </a:ln>
+          <a:effectLst/>
+        </p:spPr>
+        <p:style>
+          <a:lnRef idx="3">
+            <a:schemeClr val="lt1"/>
+          </a:lnRef>
+          <a:fillRef idx="1">
+            <a:schemeClr val="accent1"/>
+          </a:fillRef>
+          <a:effectRef idx="1">
+            <a:schemeClr val="accent1"/>
+          </a:effectRef>
+          <a:fontRef idx="minor">
+            <a:schemeClr val="lt1"/>
+          </a:fontRef>
+        </p:style>
+        <p:txBody>
+          <a:bodyPr anchor="ctr"/>
+          <a:lstStyle>
+            <a:extLst/>
+          </a:lstStyle>
+          <a:p>
+            <a:pPr algn="ctr" eaLnBrk="1" latinLnBrk="0" hangingPunct="1"/>
+            <a:endParaRPr kumimoji="0" lang="en-US" dirty="0"/>
+          </a:p>
+        </p:txBody>
+      </p:sp>
+      <p:sp>
+        <p:nvSpPr>
+          <p:cNvPr id="40" name="Rectangle 39"/>
+          <p:cNvSpPr/>
+          <p:nvPr/>
+        </p:nvSpPr>
+        <p:spPr>
+          <a:xfrm>
+            <a:off x="269073" y="680477"/>
+            <a:ext cx="27432" cy="365760"/>
+          </a:xfrm>
+          <a:prstGeom prst="rect">
+            <a:avLst/>
+          </a:prstGeom>
+          <a:solidFill>
+            <a:srgbClr val="000000"/>
+          </a:solidFill>
+          <a:ln w="50800" cap="rnd" cmpd="thickThin" algn="ctr">
+            <a:noFill/>
+            <a:prstDash val="solid"/>
+          </a:ln>
+          <a:effectLst/>
+        </p:spPr>
+        <p:style>
+          <a:lnRef idx="3">
+            <a:schemeClr val="lt1"/>
+          </a:lnRef>
+          <a:fillRef idx="1">
+            <a:schemeClr val="accent1"/>
+          </a:fillRef>
+          <a:effectRef idx="1">
+            <a:schemeClr val="accent1"/>
+          </a:effectRef>
+          <a:fontRef idx="minor">
+            <a:schemeClr val="lt1"/>
+          </a:fontRef>
+        </p:style>
+        <p:txBody>
+          <a:bodyPr anchor="ctr"/>
+          <a:lstStyle>
+            <a:extLst/>
+          </a:lstStyle>
+          <a:p>
+            <a:pPr algn="ctr" eaLnBrk="1" latinLnBrk="0" hangingPunct="1"/>
+            <a:endParaRPr kumimoji="0" lang="en-US" dirty="0"/>
+          </a:p>
+        </p:txBody>
+      </p:sp>
+      <p:sp>
+        <p:nvSpPr>
+          <p:cNvPr id="41" name="Rectangle 40"/>
+          <p:cNvSpPr/>
+          <p:nvPr/>
+        </p:nvSpPr>
+        <p:spPr>
+          <a:xfrm>
+            <a:off x="250020" y="680477"/>
+            <a:ext cx="9144" cy="365760"/>
+          </a:xfrm>
+          <a:prstGeom prst="rect">
+            <a:avLst/>
+          </a:prstGeom>
+          <a:solidFill>
+            <a:srgbClr val="000000"/>
+          </a:solidFill>
+          <a:ln w="50800" cap="rnd" cmpd="thickThin" algn="ctr">
+            <a:noFill/>
+            <a:prstDash val="solid"/>
+          </a:ln>
+          <a:effectLst/>
+        </p:spPr>
+        <p:style>
+          <a:lnRef idx="3">
+            <a:schemeClr val="lt1"/>
+          </a:lnRef>
+          <a:fillRef idx="1">
+            <a:schemeClr val="accent1"/>
+          </a:fillRef>
+          <a:effectRef idx="1">
+            <a:schemeClr val="accent1"/>
+          </a:effectRef>
+          <a:fontRef idx="minor">
+            <a:schemeClr val="lt1"/>
+          </a:fontRef>
+        </p:style>
+        <p:txBody>
+          <a:bodyPr anchor="ctr"/>
+          <a:lstStyle>
+            <a:extLst/>
+          </a:lstStyle>
+          <a:p>
+            <a:pPr algn="ctr" eaLnBrk="1" latinLnBrk="0" hangingPunct="1"/>
+            <a:endParaRPr kumimoji="0" lang="en-US"/>
+          </a:p>
+        </p:txBody>
+      </p:sp>
+      <p:sp>
+        <p:nvSpPr>
+          <p:cNvPr id="42" name="Rectangle 41"/>
+          <p:cNvSpPr/>
+          <p:nvPr/>
+        </p:nvSpPr>
+        <p:spPr>
+          <a:xfrm>
+            <a:off x="221768" y="680477"/>
+            <a:ext cx="9144" cy="365760"/>
+          </a:xfrm>
+          <a:prstGeom prst="rect">
+            <a:avLst/>
+          </a:prstGeom>
+          <a:solidFill>
+            <a:srgbClr val="000000"/>
+          </a:solidFill>
+          <a:ln w="50800" cap="rnd" cmpd="thickThin" algn="ctr">
+            <a:noFill/>
+            <a:prstDash val="solid"/>
+          </a:ln>
+          <a:effectLst/>
+        </p:spPr>
+        <p:style>
+          <a:lnRef idx="3">
+            <a:schemeClr val="lt1"/>
+          </a:lnRef>
+          <a:fillRef idx="1">
+            <a:schemeClr val="accent1"/>
+          </a:fillRef>
+          <a:effectRef idx="1">
+            <a:schemeClr val="accent1"/>
+          </a:effectRef>
+          <a:fontRef idx="minor">
+            <a:schemeClr val="lt1"/>
+          </a:fontRef>
+        </p:style>
+        <p:txBody>
+          <a:bodyPr anchor="ctr"/>
+          <a:lstStyle>
+            <a:extLst/>
+          </a:lstStyle>
+          <a:p>
+            <a:pPr algn="ctr" eaLnBrk="1" latinLnBrk="0" hangingPunct="1"/>
+            <a:endParaRPr kumimoji="0" lang="en-US" dirty="0"/>
+          </a:p>
+        </p:txBody>
+      </p:sp>
+      <p:sp>
+        <p:nvSpPr>
+          <p:cNvPr id="8" name="Title 7"/>
+          <p:cNvSpPr>
+            <a:spLocks noGrp="1"/>
+          </p:cNvSpPr>
+          <p:nvPr>
+            <p:ph type="ctrTitle"/>
+          </p:nvPr>
+        </p:nvSpPr>
+        <p:spPr>
+          <a:xfrm>
+            <a:off x="914400" y="4343400"/>
+            <a:ext cx="7772400" cy="1975104"/>
+          </a:xfrm>
+        </p:spPr>
+        <p:txBody>
+          <a:bodyPr/>
+          <a:lstStyle>
+            <a:lvl1pPr marR="9144" algn="l">
+              <a:defRPr sz="4000" b="1" cap="all" spc="0" baseline="0">
+                <a:effectLst>
+                  <a:reflection blurRad="12700" stA="34000" endA="740" endPos="53000" dir="5400000" sy="-100000" algn="bl" rotWithShape="0"/>
+                </a:effectLst>
+              </a:defRPr>
+            </a:lvl1pPr>
+            <a:extLst/>
+          </a:lstStyle>
+          <a:p>
+            <a:r>
+              <a:rPr kumimoji="0" lang="en-US" smtClean="0"/>
+              <a:t>Click to edit Master title style</a:t>
+            </a:r>
+            <a:endParaRPr kumimoji="0" lang="en-US"/>
+          </a:p>
+        </p:txBody>
+      </p:sp>
+      <p:sp>
+        <p:nvSpPr>
+          <p:cNvPr id="9" name="Subtitle 8"/>
+          <p:cNvSpPr>
+            <a:spLocks noGrp="1"/>
+          </p:cNvSpPr>
+          <p:nvPr>
+            <p:ph type="subTitle" idx="1"/>
+          </p:nvPr>
+        </p:nvSpPr>
+        <p:spPr>
+          <a:xfrm>
+            <a:off x="914400" y="2834640"/>
+            <a:ext cx="7772400" cy="1508760"/>
+          </a:xfrm>
+        </p:spPr>
+        <p:txBody>
+          <a:bodyPr lIns="100584" tIns="45720" anchor="b"/>
+          <a:lstStyle>
+            <a:lvl1pPr marL="0" indent="0" algn="l">
+              <a:spcBef>
+                <a:spcPts val="0"/>
+              </a:spcBef>
+              <a:buNone/>
+              <a:defRPr sz="2000">
+                <a:solidFill>
+                  <a:schemeClr val="tx1"/>
+                </a:solidFill>
+              </a:defRPr>
+            </a:lvl1pPr>
+            <a:lvl2pPr marL="457200" indent="0" algn="ctr">
+              <a:buNone/>
+            </a:lvl2pPr>
+            <a:lvl3pPr marL="914400" indent="0" algn="ctr">
+              <a:buNone/>
+            </a:lvl3pPr>
+            <a:lvl4pPr marL="1371600" indent="0" algn="ctr">
+              <a:buNone/>
+            </a:lvl4pPr>
+            <a:lvl5pPr marL="1828800" indent="0" algn="ctr">
+              <a:buNone/>
+            </a:lvl5pPr>
+            <a:lvl6pPr marL="2286000" indent="0" algn="ctr">
+              <a:buNone/>
+            </a:lvl6pPr>
+            <a:lvl7pPr marL="2743200" indent="0" algn="ctr">
+              <a:buNone/>
+            </a:lvl7pPr>
+            <a:lvl8pPr marL="3200400" indent="0" algn="ctr">
+              <a:buNone/>
+            </a:lvl8pPr>
+            <a:lvl9pPr marL="3657600" indent="0" algn="ctr">
+              <a:buNone/>
+            </a:lvl9pPr>
+            <a:extLst/>
+          </a:lstStyle>
+          <a:p>
+            <a:r>
+              <a:rPr kumimoji="0" lang="en-US" smtClean="0"/>
+              <a:t>Click to edit Master subtitle style</a:t>
+            </a:r>
+            <a:endParaRPr kumimoji="0" lang="en-US"/>
+          </a:p>
+        </p:txBody>
+      </p:sp>
+      <p:sp>
+        <p:nvSpPr>
+          <p:cNvPr id="56" name="Rectangle 55"/>
+          <p:cNvSpPr/>
+          <p:nvPr/>
+        </p:nvSpPr>
+        <p:spPr>
+          <a:xfrm>
+            <a:off x="255291" y="5047394"/>
+            <a:ext cx="73152" cy="1691640"/>
+          </a:xfrm>
+          <a:prstGeom prst="rect">
+            <a:avLst/>
+          </a:prstGeom>
+          <a:solidFill>
+            <a:schemeClr val="accent2">
+              <a:alpha val="100000"/>
+            </a:schemeClr>
+          </a:solidFill>
+          <a:ln w="50800" cap="rnd" cmpd="dbl" algn="ctr">
+            <a:noFill/>
+            <a:prstDash val="solid"/>
+          </a:ln>
+          <a:effectLst/>
+        </p:spPr>
+        <p:style>
+          <a:lnRef idx="3">
+            <a:schemeClr val="lt1"/>
+          </a:lnRef>
+          <a:fillRef idx="1">
+            <a:schemeClr val="accent1"/>
+          </a:fillRef>
+          <a:effectRef idx="1">
+            <a:schemeClr val="accent1"/>
+          </a:effectRef>
+          <a:fontRef idx="minor">
+            <a:schemeClr val="lt1"/>
+          </a:fontRef>
+        </p:style>
+        <p:txBody>
+          <a:bodyPr anchor="ctr"/>
+          <a:lstStyle>
+            <a:extLst/>
+          </a:lstStyle>
+          <a:p>
+            <a:pPr algn="ctr" eaLnBrk="1" latinLnBrk="0" hangingPunct="1"/>
+            <a:endParaRPr kumimoji="0" lang="en-US"/>
+          </a:p>
+        </p:txBody>
+      </p:sp>
+      <p:sp>
+        <p:nvSpPr>
+          <p:cNvPr id="65" name="Rectangle 64"/>
+          <p:cNvSpPr/>
+          <p:nvPr/>
+        </p:nvSpPr>
+        <p:spPr>
+          <a:xfrm>
+            <a:off x="255291" y="4796819"/>
+            <a:ext cx="73152" cy="228600"/>
+          </a:xfrm>
+          <a:prstGeom prst="rect">
+            <a:avLst/>
+          </a:prstGeom>
+          <a:solidFill>
+            <a:schemeClr val="accent3">
+              <a:alpha val="100000"/>
+            </a:schemeClr>
+          </a:solidFill>
+          <a:ln w="50800" cap="rnd" cmpd="dbl" algn="ctr">
+            <a:noFill/>
+            <a:prstDash val="solid"/>
+          </a:ln>
+          <a:effectLst/>
+        </p:spPr>
+        <p:style>
+          <a:lnRef idx="3">
+            <a:schemeClr val="lt1"/>
+          </a:lnRef>
+          <a:fillRef idx="1">
+            <a:schemeClr val="accent1"/>
+          </a:fillRef>
+          <a:effectRef idx="1">
+            <a:schemeClr val="accent1"/>
+          </a:effectRef>
+          <a:fontRef idx="minor">
+            <a:schemeClr val="lt1"/>
+          </a:fontRef>
+        </p:style>
+        <p:txBody>
+          <a:bodyPr anchor="ctr"/>
+          <a:lstStyle>
+            <a:extLst/>
+          </a:lstStyle>
+          <a:p>
+            <a:pPr algn="ctr" eaLnBrk="1" latinLnBrk="0" hangingPunct="1"/>
+            <a:endParaRPr kumimoji="0" lang="en-US"/>
+          </a:p>
+        </p:txBody>
+      </p:sp>
+      <p:sp>
+        <p:nvSpPr>
+          <p:cNvPr id="66" name="Rectangle 65"/>
+          <p:cNvSpPr/>
+          <p:nvPr/>
+        </p:nvSpPr>
+        <p:spPr>
+          <a:xfrm>
+            <a:off x="255291" y="4637685"/>
+            <a:ext cx="73152" cy="137160"/>
+          </a:xfrm>
+          <a:prstGeom prst="rect">
+            <a:avLst/>
+          </a:prstGeom>
+          <a:solidFill>
+            <a:schemeClr val="bg2"/>
+          </a:solidFill>
+          <a:ln w="50800" cap="rnd" cmpd="dbl" algn="ctr">
+            <a:noFill/>
+            <a:prstDash val="solid"/>
+          </a:ln>
+          <a:effectLst/>
+        </p:spPr>
+        <p:style>
+          <a:lnRef idx="3">
+            <a:schemeClr val="lt1"/>
+          </a:lnRef>
+          <a:fillRef idx="1">
+            <a:schemeClr val="accent1"/>
+          </a:fillRef>
+          <a:effectRef idx="1">
+            <a:schemeClr val="accent1"/>
+          </a:effectRef>
+          <a:fontRef idx="minor">
+            <a:schemeClr val="lt1"/>
+          </a:fontRef>
+        </p:style>
+        <p:txBody>
+          <a:bodyPr anchor="ctr"/>
+          <a:lstStyle>
+            <a:extLst/>
+          </a:lstStyle>
+          <a:p>
+            <a:pPr algn="ctr" eaLnBrk="1" latinLnBrk="0" hangingPunct="1"/>
+            <a:endParaRPr kumimoji="0" lang="en-US"/>
+          </a:p>
+        </p:txBody>
+      </p:sp>
+      <p:sp>
+        <p:nvSpPr>
+          <p:cNvPr id="67" name="Rectangle 66"/>
+          <p:cNvSpPr/>
+          <p:nvPr/>
+        </p:nvSpPr>
+        <p:spPr>
+          <a:xfrm>
+            <a:off x="255291" y="4542559"/>
+            <a:ext cx="73152" cy="73152"/>
+          </a:xfrm>
+          <a:prstGeom prst="rect">
+            <a:avLst/>
+          </a:prstGeom>
+          <a:solidFill>
+            <a:schemeClr val="accent2">
+              <a:alpha val="100000"/>
+            </a:schemeClr>
+          </a:solidFill>
+          <a:ln w="50800" cap="rnd" cmpd="dbl" algn="ctr">
+            <a:noFill/>
+            <a:prstDash val="solid"/>
+          </a:ln>
+          <a:effectLst/>
+        </p:spPr>
+        <p:style>
+          <a:lnRef idx="3">
+            <a:schemeClr val="lt1"/>
+          </a:lnRef>
+          <a:fillRef idx="1">
+            <a:schemeClr val="accent1"/>
+          </a:fillRef>
+          <a:effectRef idx="1">
+            <a:schemeClr val="accent1"/>
+          </a:effectRef>
+          <a:fontRef idx="minor">
+            <a:schemeClr val="lt1"/>
+          </a:fontRef>
+        </p:style>
+        <p:txBody>
+          <a:bodyPr anchor="ctr"/>
+          <a:lstStyle>
+            <a:extLst/>
+          </a:lstStyle>
+          <a:p>
+            <a:pPr algn="ctr" eaLnBrk="1" latinLnBrk="0" hangingPunct="1"/>
+            <a:endParaRPr kumimoji="0" lang="en-US" dirty="0"/>
           </a:p>
         </p:txBody>
       </p:sp>
@@ -376,13 +782,15 @@
         <p:spPr/>
         <p:txBody>
           <a:bodyPr/>
-          <a:lstStyle/>
-          <a:p>
-            <a:r>
-              <a:rPr lang="en-US" smtClean="0"/>
+          <a:lstStyle>
+            <a:extLst/>
+          </a:lstStyle>
+          <a:p>
+            <a:r>
+              <a:rPr kumimoji="0" lang="en-US" smtClean="0"/>
               <a:t>Click to edit Master title style</a:t>
             </a:r>
-            <a:endParaRPr lang="lv-LV"/>
+            <a:endParaRPr kumimoji="0" lang="en-US"/>
           </a:p>
         </p:txBody>
       </p:sp>
@@ -399,42 +807,44 @@
         <p:spPr/>
         <p:txBody>
           <a:bodyPr vert="eaVert"/>
-          <a:lstStyle/>
-          <a:p>
-            <a:pPr lvl="0"/>
+          <a:lstStyle>
+            <a:extLst/>
+          </a:lstStyle>
+          <a:p>
+            <a:pPr lvl="0" eaLnBrk="1" latinLnBrk="0" hangingPunct="1"/>
             <a:r>
               <a:rPr lang="en-US" smtClean="0"/>
               <a:t>Click to edit Master text styles</a:t>
             </a:r>
           </a:p>
           <a:p>
-            <a:pPr lvl="1"/>
+            <a:pPr lvl="1" eaLnBrk="1" latinLnBrk="0" hangingPunct="1"/>
             <a:r>
               <a:rPr lang="en-US" smtClean="0"/>
               <a:t>Second level</a:t>
             </a:r>
           </a:p>
           <a:p>
-            <a:pPr lvl="2"/>
+            <a:pPr lvl="2" eaLnBrk="1" latinLnBrk="0" hangingPunct="1"/>
             <a:r>
               <a:rPr lang="en-US" smtClean="0"/>
               <a:t>Third level</a:t>
             </a:r>
           </a:p>
           <a:p>
-            <a:pPr lvl="3"/>
+            <a:pPr lvl="3" eaLnBrk="1" latinLnBrk="0" hangingPunct="1"/>
             <a:r>
               <a:rPr lang="en-US" smtClean="0"/>
               <a:t>Fourth level</a:t>
             </a:r>
           </a:p>
           <a:p>
-            <a:pPr lvl="4"/>
+            <a:pPr lvl="4" eaLnBrk="1" latinLnBrk="0" hangingPunct="1"/>
             <a:r>
               <a:rPr lang="en-US" smtClean="0"/>
               <a:t>Fifth level</a:t>
             </a:r>
-            <a:endParaRPr lang="lv-LV"/>
+            <a:endParaRPr kumimoji="0" lang="en-US"/>
           </a:p>
         </p:txBody>
       </p:sp>
@@ -451,12 +861,14 @@
         <p:spPr/>
         <p:txBody>
           <a:bodyPr/>
-          <a:lstStyle/>
+          <a:lstStyle>
+            <a:extLst/>
+          </a:lstStyle>
           <a:p>
             <a:fld id="{29F434F8-D001-41C5-B56B-022538BFE3FA}" type="datetimeFigureOut">
               <a:rPr lang="lv-LV" smtClean="0"/>
               <a:pPr/>
-              <a:t>07.06.2022</a:t>
+              <a:t>09.06.2022</a:t>
             </a:fld>
             <a:endParaRPr lang="lv-LV"/>
           </a:p>
@@ -475,7 +887,9 @@
         <p:spPr/>
         <p:txBody>
           <a:bodyPr/>
-          <a:lstStyle/>
+          <a:lstStyle>
+            <a:extLst/>
+          </a:lstStyle>
           <a:p>
             <a:endParaRPr lang="lv-LV"/>
           </a:p>
@@ -494,7 +908,9 @@
         <p:spPr/>
         <p:txBody>
           <a:bodyPr/>
-          <a:lstStyle/>
+          <a:lstStyle>
+            <a:extLst/>
+          </a:lstStyle>
           <a:p>
             <a:fld id="{3FAF74E2-2FBE-4046-B081-2C955BE03488}" type="slidenum">
               <a:rPr lang="lv-LV" smtClean="0"/>
@@ -542,19 +958,21 @@
         </p:nvSpPr>
         <p:spPr>
           <a:xfrm>
-            <a:off x="6629400" y="274638"/>
-            <a:ext cx="2057400" cy="5851525"/>
-          </a:xfrm>
-        </p:spPr>
-        <p:txBody>
-          <a:bodyPr vert="eaVert"/>
-          <a:lstStyle/>
-          <a:p>
-            <a:r>
-              <a:rPr lang="en-US" smtClean="0"/>
+            <a:off x="6629400" y="274639"/>
+            <a:ext cx="1981200" cy="5851525"/>
+          </a:xfrm>
+        </p:spPr>
+        <p:txBody>
+          <a:bodyPr vert="eaVert" anchor="ctr"/>
+          <a:lstStyle>
+            <a:extLst/>
+          </a:lstStyle>
+          <a:p>
+            <a:r>
+              <a:rPr kumimoji="0" lang="en-US" smtClean="0"/>
               <a:t>Click to edit Master title style</a:t>
             </a:r>
-            <a:endParaRPr lang="lv-LV"/>
+            <a:endParaRPr kumimoji="0" lang="en-US"/>
           </a:p>
         </p:txBody>
       </p:sp>
@@ -570,48 +988,50 @@
         </p:nvSpPr>
         <p:spPr>
           <a:xfrm>
-            <a:off x="457200" y="274638"/>
-            <a:ext cx="6019800" cy="5851525"/>
+            <a:off x="609600" y="274639"/>
+            <a:ext cx="5867400" cy="5851525"/>
           </a:xfrm>
         </p:spPr>
         <p:txBody>
           <a:bodyPr vert="eaVert"/>
-          <a:lstStyle/>
-          <a:p>
-            <a:pPr lvl="0"/>
+          <a:lstStyle>
+            <a:extLst/>
+          </a:lstStyle>
+          <a:p>
+            <a:pPr lvl="0" eaLnBrk="1" latinLnBrk="0" hangingPunct="1"/>
             <a:r>
               <a:rPr lang="en-US" smtClean="0"/>
               <a:t>Click to edit Master text styles</a:t>
             </a:r>
           </a:p>
           <a:p>
-            <a:pPr lvl="1"/>
+            <a:pPr lvl="1" eaLnBrk="1" latinLnBrk="0" hangingPunct="1"/>
             <a:r>
               <a:rPr lang="en-US" smtClean="0"/>
               <a:t>Second level</a:t>
             </a:r>
           </a:p>
           <a:p>
-            <a:pPr lvl="2"/>
+            <a:pPr lvl="2" eaLnBrk="1" latinLnBrk="0" hangingPunct="1"/>
             <a:r>
               <a:rPr lang="en-US" smtClean="0"/>
               <a:t>Third level</a:t>
             </a:r>
           </a:p>
           <a:p>
-            <a:pPr lvl="3"/>
+            <a:pPr lvl="3" eaLnBrk="1" latinLnBrk="0" hangingPunct="1"/>
             <a:r>
               <a:rPr lang="en-US" smtClean="0"/>
               <a:t>Fourth level</a:t>
             </a:r>
           </a:p>
           <a:p>
-            <a:pPr lvl="4"/>
+            <a:pPr lvl="4" eaLnBrk="1" latinLnBrk="0" hangingPunct="1"/>
             <a:r>
               <a:rPr lang="en-US" smtClean="0"/>
               <a:t>Fifth level</a:t>
             </a:r>
-            <a:endParaRPr lang="lv-LV"/>
+            <a:endParaRPr kumimoji="0" lang="en-US"/>
           </a:p>
         </p:txBody>
       </p:sp>
@@ -628,12 +1048,14 @@
         <p:spPr/>
         <p:txBody>
           <a:bodyPr/>
-          <a:lstStyle/>
+          <a:lstStyle>
+            <a:extLst/>
+          </a:lstStyle>
           <a:p>
             <a:fld id="{29F434F8-D001-41C5-B56B-022538BFE3FA}" type="datetimeFigureOut">
               <a:rPr lang="lv-LV" smtClean="0"/>
               <a:pPr/>
-              <a:t>07.06.2022</a:t>
+              <a:t>09.06.2022</a:t>
             </a:fld>
             <a:endParaRPr lang="lv-LV"/>
           </a:p>
@@ -652,7 +1074,9 @@
         <p:spPr/>
         <p:txBody>
           <a:bodyPr/>
-          <a:lstStyle/>
+          <a:lstStyle>
+            <a:extLst/>
+          </a:lstStyle>
           <a:p>
             <a:endParaRPr lang="lv-LV"/>
           </a:p>
@@ -671,7 +1095,9 @@
         <p:spPr/>
         <p:txBody>
           <a:bodyPr/>
-          <a:lstStyle/>
+          <a:lstStyle>
+            <a:extLst/>
+          </a:lstStyle>
           <a:p>
             <a:fld id="{3FAF74E2-2FBE-4046-B081-2C955BE03488}" type="slidenum">
               <a:rPr lang="lv-LV" smtClean="0"/>
@@ -720,13 +1146,15 @@
         <p:spPr/>
         <p:txBody>
           <a:bodyPr/>
-          <a:lstStyle/>
-          <a:p>
-            <a:r>
-              <a:rPr lang="en-US" smtClean="0"/>
+          <a:lstStyle>
+            <a:extLst/>
+          </a:lstStyle>
+          <a:p>
+            <a:r>
+              <a:rPr kumimoji="0" lang="en-US" smtClean="0"/>
               <a:t>Click to edit Master title style</a:t>
             </a:r>
-            <a:endParaRPr lang="lv-LV"/>
+            <a:endParaRPr kumimoji="0" lang="en-US"/>
           </a:p>
         </p:txBody>
       </p:sp>
@@ -743,42 +1171,44 @@
         <p:spPr/>
         <p:txBody>
           <a:bodyPr/>
-          <a:lstStyle/>
-          <a:p>
-            <a:pPr lvl="0"/>
+          <a:lstStyle>
+            <a:extLst/>
+          </a:lstStyle>
+          <a:p>
+            <a:pPr lvl="0" eaLnBrk="1" latinLnBrk="0" hangingPunct="1"/>
             <a:r>
               <a:rPr lang="en-US" smtClean="0"/>
               <a:t>Click to edit Master text styles</a:t>
             </a:r>
           </a:p>
           <a:p>
-            <a:pPr lvl="1"/>
+            <a:pPr lvl="1" eaLnBrk="1" latinLnBrk="0" hangingPunct="1"/>
             <a:r>
               <a:rPr lang="en-US" smtClean="0"/>
               <a:t>Second level</a:t>
             </a:r>
           </a:p>
           <a:p>
-            <a:pPr lvl="2"/>
+            <a:pPr lvl="2" eaLnBrk="1" latinLnBrk="0" hangingPunct="1"/>
             <a:r>
               <a:rPr lang="en-US" smtClean="0"/>
               <a:t>Third level</a:t>
             </a:r>
           </a:p>
           <a:p>
-            <a:pPr lvl="3"/>
+            <a:pPr lvl="3" eaLnBrk="1" latinLnBrk="0" hangingPunct="1"/>
             <a:r>
               <a:rPr lang="en-US" smtClean="0"/>
               <a:t>Fourth level</a:t>
             </a:r>
           </a:p>
           <a:p>
-            <a:pPr lvl="4"/>
+            <a:pPr lvl="4" eaLnBrk="1" latinLnBrk="0" hangingPunct="1"/>
             <a:r>
               <a:rPr lang="en-US" smtClean="0"/>
               <a:t>Fifth level</a:t>
             </a:r>
-            <a:endParaRPr lang="lv-LV"/>
+            <a:endParaRPr kumimoji="0" lang="en-US"/>
           </a:p>
         </p:txBody>
       </p:sp>
@@ -795,12 +1225,14 @@
         <p:spPr/>
         <p:txBody>
           <a:bodyPr/>
-          <a:lstStyle/>
+          <a:lstStyle>
+            <a:extLst/>
+          </a:lstStyle>
           <a:p>
             <a:fld id="{29F434F8-D001-41C5-B56B-022538BFE3FA}" type="datetimeFigureOut">
               <a:rPr lang="lv-LV" smtClean="0"/>
               <a:pPr/>
-              <a:t>07.06.2022</a:t>
+              <a:t>09.06.2022</a:t>
             </a:fld>
             <a:endParaRPr lang="lv-LV"/>
           </a:p>
@@ -819,7 +1251,9 @@
         <p:spPr/>
         <p:txBody>
           <a:bodyPr/>
-          <a:lstStyle/>
+          <a:lstStyle>
+            <a:extLst/>
+          </a:lstStyle>
           <a:p>
             <a:endParaRPr lang="lv-LV"/>
           </a:p>
@@ -838,7 +1272,9 @@
         <p:spPr/>
         <p:txBody>
           <a:bodyPr/>
-          <a:lstStyle/>
+          <a:lstStyle>
+            <a:extLst/>
+          </a:lstStyle>
           <a:p>
             <a:fld id="{3FAF74E2-2FBE-4046-B081-2C955BE03488}" type="slidenum">
               <a:rPr lang="lv-LV" smtClean="0"/>
@@ -876,56 +1312,1331 @@
       </p:grpSpPr>
       <p:sp>
         <p:nvSpPr>
-          <p:cNvPr id="2" name="Title 1"/>
-          <p:cNvSpPr>
-            <a:spLocks noGrp="1"/>
-          </p:cNvSpPr>
-          <p:nvPr>
-            <p:ph type="title"/>
+          <p:cNvPr id="14" name="Freeform 13"/>
+          <p:cNvSpPr>
+            <a:spLocks/>
+          </p:cNvSpPr>
+          <p:nvPr/>
+        </p:nvSpPr>
+        <p:spPr bwMode="auto">
+          <a:xfrm>
+            <a:off x="4828952" y="1073888"/>
+            <a:ext cx="4322136" cy="5791200"/>
+          </a:xfrm>
+          <a:custGeom>
+            <a:avLst>
+              <a:gd name="A1" fmla="val 0"/>
+              <a:gd name="A2" fmla="val 0"/>
+              <a:gd name="A3" fmla="val 0"/>
+              <a:gd name="A4" fmla="val 0"/>
+              <a:gd name="A5" fmla="val 0"/>
+              <a:gd name="A6" fmla="val 0"/>
+              <a:gd name="A7" fmla="val 0"/>
+              <a:gd name="A8" fmla="val 0"/>
+            </a:avLst>
+            <a:gdLst/>
+            <a:ahLst/>
+            <a:cxnLst>
+              <a:cxn ang="0">
+                <a:pos x="0" y="3648"/>
+              </a:cxn>
+              <a:cxn ang="0">
+                <a:pos x="720" y="2016"/>
+              </a:cxn>
+              <a:cxn ang="0">
+                <a:pos x="2736" y="0"/>
+              </a:cxn>
+              <a:cxn ang="0">
+                <a:pos x="2736" y="96"/>
+              </a:cxn>
+              <a:cxn ang="0">
+                <a:pos x="744" y="2038"/>
+              </a:cxn>
+              <a:cxn ang="0">
+                <a:pos x="48" y="3648"/>
+              </a:cxn>
+              <a:cxn ang="0">
+                <a:pos x="0" y="3648"/>
+              </a:cxn>
+            </a:cxnLst>
+            <a:rect l="0" t="0" r="0" b="0"/>
+            <a:pathLst>
+              <a:path w="2736" h="3648">
+                <a:moveTo>
+                  <a:pt x="0" y="3648"/>
+                </a:moveTo>
+                <a:lnTo>
+                  <a:pt x="720" y="2016"/>
+                </a:lnTo>
+                <a:lnTo>
+                  <a:pt x="2736" y="672"/>
+                </a:lnTo>
+                <a:lnTo>
+                  <a:pt x="2736" y="720"/>
+                </a:lnTo>
+                <a:lnTo>
+                  <a:pt x="744" y="2038"/>
+                </a:lnTo>
+                <a:lnTo>
+                  <a:pt x="48" y="3648"/>
+                </a:lnTo>
+                <a:lnTo>
+                  <a:pt x="48" y="3648"/>
+                </a:lnTo>
+                <a:close/>
+              </a:path>
+            </a:pathLst>
+          </a:custGeom>
+          <a:noFill/>
+          <a:ln w="3175" cap="flat" cmpd="sng" algn="ctr">
+            <a:solidFill>
+              <a:schemeClr val="accent2">
+                <a:alpha val="53000"/>
+              </a:schemeClr>
+            </a:solidFill>
+            <a:prstDash val="solid"/>
+            <a:round/>
+            <a:headEnd type="none" w="med" len="med"/>
+            <a:tailEnd type="none" w="med" len="med"/>
+          </a:ln>
+          <a:effectLst/>
+        </p:spPr>
+        <p:txBody>
+          <a:bodyPr vert="horz" wrap="square" lIns="91440" tIns="45720" rIns="91440" bIns="45720" anchor="t" compatLnSpc="1"/>
+          <a:lstStyle>
+            <a:extLst/>
+          </a:lstStyle>
+          <a:p>
+            <a:endParaRPr kumimoji="0" lang="en-US"/>
+          </a:p>
+        </p:txBody>
+      </p:sp>
+      <p:sp>
+        <p:nvSpPr>
+          <p:cNvPr id="15" name="Freeform 14"/>
+          <p:cNvSpPr>
+            <a:spLocks/>
+          </p:cNvSpPr>
+          <p:nvPr/>
+        </p:nvSpPr>
+        <p:spPr bwMode="auto">
+          <a:xfrm>
+            <a:off x="373966" y="0"/>
+            <a:ext cx="5514536" cy="6615332"/>
+          </a:xfrm>
+          <a:custGeom>
+            <a:avLst>
+              <a:gd name="A1" fmla="val 0"/>
+              <a:gd name="A2" fmla="val 0"/>
+              <a:gd name="A3" fmla="val 0"/>
+              <a:gd name="A4" fmla="val 0"/>
+              <a:gd name="A5" fmla="val 0"/>
+              <a:gd name="A6" fmla="val 0"/>
+              <a:gd name="A7" fmla="val 0"/>
+              <a:gd name="A8" fmla="val 0"/>
+            </a:avLst>
+            <a:gdLst/>
+            <a:ahLst/>
+            <a:cxnLst>
+              <a:cxn ang="0">
+                <a:pos x="0" y="4080"/>
+              </a:cxn>
+              <a:cxn ang="0">
+                <a:pos x="0" y="4128"/>
+              </a:cxn>
+              <a:cxn ang="0">
+                <a:pos x="3504" y="2640"/>
+              </a:cxn>
+              <a:cxn ang="0">
+                <a:pos x="2880" y="0"/>
+              </a:cxn>
+              <a:cxn ang="0">
+                <a:pos x="2832" y="0"/>
+              </a:cxn>
+              <a:cxn ang="0">
+                <a:pos x="3465" y="2619"/>
+              </a:cxn>
+              <a:cxn ang="0">
+                <a:pos x="0" y="4080"/>
+              </a:cxn>
+            </a:cxnLst>
+            <a:rect l="0" t="0" r="0" b="0"/>
+            <a:pathLst>
+              <a:path w="3504" h="4128">
+                <a:moveTo>
+                  <a:pt x="0" y="4080"/>
+                </a:moveTo>
+                <a:lnTo>
+                  <a:pt x="0" y="4128"/>
+                </a:lnTo>
+                <a:lnTo>
+                  <a:pt x="3504" y="2640"/>
+                </a:lnTo>
+                <a:lnTo>
+                  <a:pt x="2880" y="0"/>
+                </a:lnTo>
+                <a:lnTo>
+                  <a:pt x="2832" y="0"/>
+                </a:lnTo>
+                <a:lnTo>
+                  <a:pt x="3465" y="2619"/>
+                </a:lnTo>
+                <a:lnTo>
+                  <a:pt x="0" y="4080"/>
+                </a:lnTo>
+                <a:close/>
+              </a:path>
+            </a:pathLst>
+          </a:custGeom>
+          <a:noFill/>
+          <a:ln w="3175" cap="flat" cmpd="sng" algn="ctr">
+            <a:solidFill>
+              <a:schemeClr val="accent2">
+                <a:alpha val="53000"/>
+              </a:schemeClr>
+            </a:solidFill>
+            <a:prstDash val="solid"/>
+            <a:round/>
+            <a:headEnd type="none" w="med" len="med"/>
+            <a:tailEnd type="none" w="med" len="med"/>
+          </a:ln>
+          <a:effectLst/>
+        </p:spPr>
+        <p:txBody>
+          <a:bodyPr vert="horz" wrap="square" lIns="91440" tIns="45720" rIns="91440" bIns="45720" anchor="t" compatLnSpc="1"/>
+          <a:lstStyle>
+            <a:extLst/>
+          </a:lstStyle>
+          <a:p>
+            <a:endParaRPr kumimoji="0" lang="en-US"/>
+          </a:p>
+        </p:txBody>
+      </p:sp>
+      <p:sp>
+        <p:nvSpPr>
+          <p:cNvPr id="13" name="Freeform 12"/>
+          <p:cNvSpPr>
+            <a:spLocks/>
+          </p:cNvSpPr>
+          <p:nvPr/>
+        </p:nvSpPr>
+        <p:spPr bwMode="auto">
+          <a:xfrm rot="5236414">
+            <a:off x="4462128" y="1483600"/>
+            <a:ext cx="4114800" cy="1188720"/>
+          </a:xfrm>
+          <a:custGeom>
+            <a:avLst>
+              <a:gd name="A1" fmla="val 0"/>
+              <a:gd name="A2" fmla="val 0"/>
+              <a:gd name="A3" fmla="val 0"/>
+              <a:gd name="A4" fmla="val 0"/>
+              <a:gd name="A5" fmla="val 0"/>
+              <a:gd name="A6" fmla="val 0"/>
+              <a:gd name="A7" fmla="val 0"/>
+              <a:gd name="A8" fmla="val 0"/>
+            </a:avLst>
+            <a:gdLst/>
+            <a:ahLst/>
+            <a:cxnLst>
+              <a:cxn ang="0">
+                <a:pos x="0" y="0"/>
+              </a:cxn>
+              <a:cxn ang="0">
+                <a:pos x="3552" y="1344"/>
+              </a:cxn>
+              <a:cxn ang="0">
+                <a:pos x="0" y="48"/>
+              </a:cxn>
+              <a:cxn ang="0">
+                <a:pos x="0" y="0"/>
+              </a:cxn>
+            </a:cxnLst>
+            <a:rect l="0" t="0" r="0" b="0"/>
+            <a:pathLst>
+              <a:path w="3552" h="1344">
+                <a:moveTo>
+                  <a:pt x="0" y="0"/>
+                </a:moveTo>
+                <a:lnTo>
+                  <a:pt x="3552" y="1344"/>
+                </a:lnTo>
+                <a:lnTo>
+                  <a:pt x="0" y="48"/>
+                </a:lnTo>
+                <a:lnTo>
+                  <a:pt x="0" y="0"/>
+                </a:lnTo>
+                <a:close/>
+              </a:path>
+            </a:pathLst>
+          </a:custGeom>
+          <a:solidFill>
+            <a:schemeClr val="bg2">
+              <a:tint val="95000"/>
+              <a:satMod val="180000"/>
+              <a:alpha val="30000"/>
+            </a:schemeClr>
+          </a:solidFill>
+          <a:ln w="9525" cap="flat" cmpd="sng" algn="ctr">
+            <a:noFill/>
+            <a:prstDash val="solid"/>
+            <a:round/>
+            <a:headEnd type="none" w="med" len="med"/>
+            <a:tailEnd type="none" w="med" len="med"/>
+          </a:ln>
+          <a:effectLst/>
+        </p:spPr>
+        <p:txBody>
+          <a:bodyPr vert="horz" wrap="square" lIns="91440" tIns="45720" rIns="91440" bIns="45720" anchor="t" compatLnSpc="1"/>
+          <a:lstStyle>
+            <a:extLst/>
+          </a:lstStyle>
+          <a:p>
+            <a:endParaRPr kumimoji="0" lang="en-US"/>
+          </a:p>
+        </p:txBody>
+      </p:sp>
+      <p:sp>
+        <p:nvSpPr>
+          <p:cNvPr id="16" name="Freeform 15"/>
+          <p:cNvSpPr>
+            <a:spLocks/>
+          </p:cNvSpPr>
+          <p:nvPr/>
+        </p:nvSpPr>
+        <p:spPr bwMode="auto">
+          <a:xfrm>
+            <a:off x="5943600" y="0"/>
+            <a:ext cx="2743200" cy="4267200"/>
+          </a:xfrm>
+          <a:custGeom>
+            <a:avLst>
+              <a:gd name="A1" fmla="val 0"/>
+              <a:gd name="A2" fmla="val 0"/>
+              <a:gd name="A3" fmla="val 0"/>
+              <a:gd name="A4" fmla="val 0"/>
+              <a:gd name="A5" fmla="val 0"/>
+              <a:gd name="A6" fmla="val 0"/>
+              <a:gd name="A7" fmla="val 0"/>
+              <a:gd name="A8" fmla="val 0"/>
+            </a:avLst>
+            <a:gdLst/>
+            <a:ahLst/>
+            <a:cxnLst>
+              <a:cxn ang="0">
+                <a:pos x="1104" y="0"/>
+              </a:cxn>
+              <a:cxn ang="0">
+                <a:pos x="1728" y="0"/>
+              </a:cxn>
+              <a:cxn ang="0">
+                <a:pos x="0" y="2688"/>
+              </a:cxn>
+              <a:cxn ang="0">
+                <a:pos x="1104" y="0"/>
+              </a:cxn>
+            </a:cxnLst>
+            <a:rect l="0" t="0" r="0" b="0"/>
+            <a:pathLst>
+              <a:path w="1728" h="2688">
+                <a:moveTo>
+                  <a:pt x="1104" y="0"/>
+                </a:moveTo>
+                <a:lnTo>
+                  <a:pt x="1728" y="0"/>
+                </a:lnTo>
+                <a:lnTo>
+                  <a:pt x="0" y="2688"/>
+                </a:lnTo>
+                <a:lnTo>
+                  <a:pt x="1104" y="0"/>
+                </a:lnTo>
+                <a:close/>
+              </a:path>
+            </a:pathLst>
+          </a:custGeom>
+          <a:solidFill>
+            <a:schemeClr val="bg2">
+              <a:tint val="95000"/>
+              <a:satMod val="200000"/>
+              <a:alpha val="30000"/>
+            </a:schemeClr>
+          </a:solidFill>
+          <a:ln w="9525" cap="flat" cmpd="sng" algn="ctr">
+            <a:noFill/>
+            <a:prstDash val="solid"/>
+            <a:round/>
+            <a:headEnd type="none" w="med" len="med"/>
+            <a:tailEnd type="none" w="med" len="med"/>
+          </a:ln>
+          <a:effectLst/>
+        </p:spPr>
+        <p:txBody>
+          <a:bodyPr vert="horz" wrap="square" lIns="91440" tIns="45720" rIns="91440" bIns="45720" anchor="t" compatLnSpc="1"/>
+          <a:lstStyle>
+            <a:extLst/>
+          </a:lstStyle>
+          <a:p>
+            <a:endParaRPr kumimoji="0" lang="en-US"/>
+          </a:p>
+        </p:txBody>
+      </p:sp>
+      <p:sp>
+        <p:nvSpPr>
+          <p:cNvPr id="17" name="Freeform 16"/>
+          <p:cNvSpPr>
+            <a:spLocks/>
+          </p:cNvSpPr>
+          <p:nvPr/>
+        </p:nvSpPr>
+        <p:spPr bwMode="auto">
+          <a:xfrm>
+            <a:off x="5943600" y="4267200"/>
+            <a:ext cx="3200400" cy="1143000"/>
+          </a:xfrm>
+          <a:custGeom>
+            <a:avLst>
+              <a:gd name="A1" fmla="val 0"/>
+              <a:gd name="A2" fmla="val 0"/>
+              <a:gd name="A3" fmla="val 0"/>
+              <a:gd name="A4" fmla="val 0"/>
+              <a:gd name="A5" fmla="val 0"/>
+              <a:gd name="A6" fmla="val 0"/>
+              <a:gd name="A7" fmla="val 0"/>
+              <a:gd name="A8" fmla="val 0"/>
+            </a:avLst>
+            <a:gdLst/>
+            <a:ahLst/>
+            <a:cxnLst>
+              <a:cxn ang="0">
+                <a:pos x="0" y="0"/>
+              </a:cxn>
+              <a:cxn ang="0">
+                <a:pos x="2016" y="240"/>
+              </a:cxn>
+              <a:cxn ang="0">
+                <a:pos x="2016" y="720"/>
+              </a:cxn>
+              <a:cxn ang="0">
+                <a:pos x="0" y="0"/>
+              </a:cxn>
+            </a:cxnLst>
+            <a:rect l="0" t="0" r="0" b="0"/>
+            <a:pathLst>
+              <a:path w="2016" h="720">
+                <a:moveTo>
+                  <a:pt x="0" y="0"/>
+                </a:moveTo>
+                <a:lnTo>
+                  <a:pt x="2016" y="240"/>
+                </a:lnTo>
+                <a:lnTo>
+                  <a:pt x="2016" y="720"/>
+                </a:lnTo>
+                <a:lnTo>
+                  <a:pt x="0" y="0"/>
+                </a:lnTo>
+                <a:close/>
+              </a:path>
+            </a:pathLst>
+          </a:custGeom>
+          <a:solidFill>
+            <a:schemeClr val="bg2">
+              <a:tint val="95000"/>
+              <a:satMod val="200000"/>
+              <a:alpha val="30000"/>
+            </a:schemeClr>
+          </a:solidFill>
+          <a:ln w="9525" cap="flat" cmpd="sng" algn="ctr">
+            <a:noFill/>
+            <a:prstDash val="solid"/>
+            <a:round/>
+            <a:headEnd type="none" w="med" len="med"/>
+            <a:tailEnd type="none" w="med" len="med"/>
+          </a:ln>
+          <a:effectLst/>
+        </p:spPr>
+        <p:txBody>
+          <a:bodyPr vert="horz" wrap="square" lIns="91440" tIns="45720" rIns="91440" bIns="45720" anchor="t" compatLnSpc="1"/>
+          <a:lstStyle>
+            <a:extLst/>
+          </a:lstStyle>
+          <a:p>
+            <a:endParaRPr kumimoji="0" lang="en-US"/>
+          </a:p>
+        </p:txBody>
+      </p:sp>
+      <p:sp>
+        <p:nvSpPr>
+          <p:cNvPr id="18" name="Freeform 17"/>
+          <p:cNvSpPr>
+            <a:spLocks/>
+          </p:cNvSpPr>
+          <p:nvPr/>
+        </p:nvSpPr>
+        <p:spPr bwMode="auto">
+          <a:xfrm>
+            <a:off x="5943600" y="0"/>
+            <a:ext cx="1371600" cy="4267200"/>
+          </a:xfrm>
+          <a:custGeom>
+            <a:avLst>
+              <a:gd name="A1" fmla="val 0"/>
+              <a:gd name="A2" fmla="val 0"/>
+              <a:gd name="A3" fmla="val 0"/>
+              <a:gd name="A4" fmla="val 0"/>
+              <a:gd name="A5" fmla="val 0"/>
+              <a:gd name="A6" fmla="val 0"/>
+              <a:gd name="A7" fmla="val 0"/>
+              <a:gd name="A8" fmla="val 0"/>
+            </a:avLst>
+            <a:gdLst/>
+            <a:ahLst/>
+            <a:cxnLst>
+              <a:cxn ang="0">
+                <a:pos x="864" y="0"/>
+              </a:cxn>
+              <a:cxn ang="0">
+                <a:pos x="0" y="2688"/>
+              </a:cxn>
+              <a:cxn ang="0">
+                <a:pos x="768" y="0"/>
+              </a:cxn>
+              <a:cxn ang="0">
+                <a:pos x="864" y="0"/>
+              </a:cxn>
+            </a:cxnLst>
+            <a:rect l="0" t="0" r="0" b="0"/>
+            <a:pathLst>
+              <a:path w="864" h="2688">
+                <a:moveTo>
+                  <a:pt x="864" y="0"/>
+                </a:moveTo>
+                <a:lnTo>
+                  <a:pt x="0" y="2688"/>
+                </a:lnTo>
+                <a:lnTo>
+                  <a:pt x="768" y="0"/>
+                </a:lnTo>
+                <a:lnTo>
+                  <a:pt x="864" y="0"/>
+                </a:lnTo>
+                <a:close/>
+              </a:path>
+            </a:pathLst>
+          </a:custGeom>
+          <a:solidFill>
+            <a:schemeClr val="bg2">
+              <a:tint val="95000"/>
+              <a:satMod val="200000"/>
+              <a:alpha val="30000"/>
+            </a:schemeClr>
+          </a:solidFill>
+          <a:ln w="9525" cap="flat" cmpd="sng" algn="ctr">
+            <a:noFill/>
+            <a:prstDash val="solid"/>
+            <a:round/>
+            <a:headEnd type="none" w="med" len="med"/>
+            <a:tailEnd type="none" w="med" len="med"/>
+          </a:ln>
+          <a:effectLst/>
+        </p:spPr>
+        <p:txBody>
+          <a:bodyPr vert="horz" wrap="square" lIns="91440" tIns="45720" rIns="91440" bIns="45720" anchor="t" compatLnSpc="1"/>
+          <a:lstStyle>
+            <a:extLst/>
+          </a:lstStyle>
+          <a:p>
+            <a:endParaRPr kumimoji="0" lang="en-US"/>
+          </a:p>
+        </p:txBody>
+      </p:sp>
+      <p:sp>
+        <p:nvSpPr>
+          <p:cNvPr id="19" name="Freeform 18"/>
+          <p:cNvSpPr>
+            <a:spLocks/>
+          </p:cNvSpPr>
+          <p:nvPr/>
+        </p:nvSpPr>
+        <p:spPr bwMode="auto">
+          <a:xfrm>
+            <a:off x="5948363" y="4246563"/>
+            <a:ext cx="2090737" cy="2611437"/>
+          </a:xfrm>
+          <a:custGeom>
+            <a:avLst>
+              <a:gd name="A1" fmla="val 0"/>
+              <a:gd name="A2" fmla="val 0"/>
+              <a:gd name="A3" fmla="val 0"/>
+              <a:gd name="A4" fmla="val 0"/>
+              <a:gd name="A5" fmla="val 0"/>
+              <a:gd name="A6" fmla="val 0"/>
+              <a:gd name="A7" fmla="val 0"/>
+              <a:gd name="A8" fmla="val 0"/>
+            </a:avLst>
+            <a:gdLst/>
+            <a:ahLst/>
+            <a:cxnLst>
+              <a:cxn ang="0">
+                <a:pos x="1071" y="1645"/>
+              </a:cxn>
+              <a:cxn ang="0">
+                <a:pos x="1317" y="1645"/>
+              </a:cxn>
+              <a:cxn ang="0">
+                <a:pos x="0" y="0"/>
+              </a:cxn>
+              <a:cxn ang="0">
+                <a:pos x="1071" y="1645"/>
+              </a:cxn>
+            </a:cxnLst>
+            <a:rect l="0" t="0" r="0" b="0"/>
+            <a:pathLst>
+              <a:path w="1317" h="1645">
+                <a:moveTo>
+                  <a:pt x="1071" y="1645"/>
+                </a:moveTo>
+                <a:lnTo>
+                  <a:pt x="1317" y="1645"/>
+                </a:lnTo>
+                <a:lnTo>
+                  <a:pt x="0" y="0"/>
+                </a:lnTo>
+                <a:lnTo>
+                  <a:pt x="1071" y="1645"/>
+                </a:lnTo>
+                <a:close/>
+              </a:path>
+            </a:pathLst>
+          </a:custGeom>
+          <a:solidFill>
+            <a:schemeClr val="bg2">
+              <a:tint val="95000"/>
+              <a:satMod val="200000"/>
+              <a:alpha val="30000"/>
+            </a:schemeClr>
+          </a:solidFill>
+          <a:ln w="9525" cap="flat" cmpd="sng" algn="ctr">
+            <a:noFill/>
+            <a:prstDash val="solid"/>
+            <a:round/>
+            <a:headEnd type="none" w="med" len="med"/>
+            <a:tailEnd type="none" w="med" len="med"/>
+          </a:ln>
+          <a:effectLst/>
+        </p:spPr>
+        <p:txBody>
+          <a:bodyPr vert="horz" wrap="square" lIns="91440" tIns="45720" rIns="91440" bIns="45720" anchor="t" compatLnSpc="1"/>
+          <a:lstStyle>
+            <a:extLst/>
+          </a:lstStyle>
+          <a:p>
+            <a:endParaRPr kumimoji="0" lang="en-US"/>
+          </a:p>
+        </p:txBody>
+      </p:sp>
+      <p:sp>
+        <p:nvSpPr>
+          <p:cNvPr id="20" name="Freeform 19"/>
+          <p:cNvSpPr>
+            <a:spLocks/>
+          </p:cNvSpPr>
+          <p:nvPr/>
+        </p:nvSpPr>
+        <p:spPr bwMode="auto">
+          <a:xfrm>
+            <a:off x="5943600" y="4267200"/>
+            <a:ext cx="1600200" cy="2590800"/>
+          </a:xfrm>
+          <a:custGeom>
+            <a:avLst>
+              <a:gd name="A1" fmla="val 0"/>
+              <a:gd name="A2" fmla="val 0"/>
+              <a:gd name="A3" fmla="val 0"/>
+              <a:gd name="A4" fmla="val 0"/>
+              <a:gd name="A5" fmla="val 0"/>
+              <a:gd name="A6" fmla="val 0"/>
+              <a:gd name="A7" fmla="val 0"/>
+              <a:gd name="A8" fmla="val 0"/>
+            </a:avLst>
+            <a:gdLst/>
+            <a:ahLst/>
+            <a:cxnLst>
+              <a:cxn ang="0">
+                <a:pos x="1008" y="1632"/>
+              </a:cxn>
+              <a:cxn ang="0">
+                <a:pos x="0" y="0"/>
+              </a:cxn>
+              <a:cxn ang="0">
+                <a:pos x="960" y="1632"/>
+              </a:cxn>
+              <a:cxn ang="0">
+                <a:pos x="1008" y="1632"/>
+              </a:cxn>
+            </a:cxnLst>
+            <a:rect l="0" t="0" r="0" b="0"/>
+            <a:pathLst>
+              <a:path w="1008" h="1632">
+                <a:moveTo>
+                  <a:pt x="1008" y="1632"/>
+                </a:moveTo>
+                <a:lnTo>
+                  <a:pt x="0" y="0"/>
+                </a:lnTo>
+                <a:lnTo>
+                  <a:pt x="960" y="1632"/>
+                </a:lnTo>
+                <a:lnTo>
+                  <a:pt x="1008" y="1632"/>
+                </a:lnTo>
+                <a:close/>
+              </a:path>
+            </a:pathLst>
+          </a:custGeom>
+          <a:solidFill>
+            <a:schemeClr val="bg2">
+              <a:tint val="95000"/>
+              <a:satMod val="200000"/>
+              <a:alpha val="30000"/>
+            </a:schemeClr>
+          </a:solidFill>
+          <a:ln w="9525" cap="flat" cmpd="sng" algn="ctr">
+            <a:noFill/>
+            <a:prstDash val="solid"/>
+            <a:round/>
+            <a:headEnd type="none" w="med" len="med"/>
+            <a:tailEnd type="none" w="med" len="med"/>
+          </a:ln>
+          <a:effectLst/>
+        </p:spPr>
+        <p:txBody>
+          <a:bodyPr vert="horz" wrap="square" lIns="91440" tIns="45720" rIns="91440" bIns="45720" anchor="t" compatLnSpc="1"/>
+          <a:lstStyle>
+            <a:extLst/>
+          </a:lstStyle>
+          <a:p>
+            <a:endParaRPr kumimoji="0" lang="en-US"/>
+          </a:p>
+        </p:txBody>
+      </p:sp>
+      <p:sp>
+        <p:nvSpPr>
+          <p:cNvPr id="21" name="Freeform 20"/>
+          <p:cNvSpPr>
+            <a:spLocks/>
+          </p:cNvSpPr>
+          <p:nvPr/>
+        </p:nvSpPr>
+        <p:spPr bwMode="auto">
+          <a:xfrm>
+            <a:off x="5943600" y="1371600"/>
+            <a:ext cx="3200400" cy="2895600"/>
+          </a:xfrm>
+          <a:custGeom>
+            <a:avLst>
+              <a:gd name="A1" fmla="val 0"/>
+              <a:gd name="A2" fmla="val 0"/>
+              <a:gd name="A3" fmla="val 0"/>
+              <a:gd name="A4" fmla="val 0"/>
+              <a:gd name="A5" fmla="val 0"/>
+              <a:gd name="A6" fmla="val 0"/>
+              <a:gd name="A7" fmla="val 0"/>
+              <a:gd name="A8" fmla="val 0"/>
+            </a:avLst>
+            <a:gdLst/>
+            <a:ahLst/>
+            <a:cxnLst>
+              <a:cxn ang="0">
+                <a:pos x="2016" y="0"/>
+              </a:cxn>
+              <a:cxn ang="0">
+                <a:pos x="2016" y="144"/>
+              </a:cxn>
+              <a:cxn ang="0">
+                <a:pos x="0" y="1824"/>
+              </a:cxn>
+              <a:cxn ang="0">
+                <a:pos x="2016" y="0"/>
+              </a:cxn>
+            </a:cxnLst>
+            <a:rect l="0" t="0" r="0" b="0"/>
+            <a:pathLst>
+              <a:path w="2016" h="1824">
+                <a:moveTo>
+                  <a:pt x="2016" y="0"/>
+                </a:moveTo>
+                <a:lnTo>
+                  <a:pt x="2016" y="144"/>
+                </a:lnTo>
+                <a:lnTo>
+                  <a:pt x="0" y="1824"/>
+                </a:lnTo>
+                <a:lnTo>
+                  <a:pt x="2016" y="0"/>
+                </a:lnTo>
+                <a:close/>
+              </a:path>
+            </a:pathLst>
+          </a:custGeom>
+          <a:solidFill>
+            <a:schemeClr val="bg2">
+              <a:tint val="95000"/>
+              <a:satMod val="200000"/>
+              <a:alpha val="30000"/>
+            </a:schemeClr>
+          </a:solidFill>
+          <a:ln w="9525" cap="flat" cmpd="sng" algn="ctr">
+            <a:noFill/>
+            <a:prstDash val="solid"/>
+            <a:round/>
+            <a:headEnd type="none" w="med" len="med"/>
+            <a:tailEnd type="none" w="med" len="med"/>
+          </a:ln>
+          <a:effectLst/>
+        </p:spPr>
+        <p:txBody>
+          <a:bodyPr vert="horz" wrap="square" lIns="91440" tIns="45720" rIns="91440" bIns="45720" anchor="t" compatLnSpc="1"/>
+          <a:lstStyle>
+            <a:extLst/>
+          </a:lstStyle>
+          <a:p>
+            <a:endParaRPr kumimoji="0" lang="en-US"/>
+          </a:p>
+        </p:txBody>
+      </p:sp>
+      <p:sp>
+        <p:nvSpPr>
+          <p:cNvPr id="22" name="Freeform 21"/>
+          <p:cNvSpPr>
+            <a:spLocks/>
+          </p:cNvSpPr>
+          <p:nvPr/>
+        </p:nvSpPr>
+        <p:spPr bwMode="auto">
+          <a:xfrm>
+            <a:off x="5943600" y="1752600"/>
+            <a:ext cx="3200400" cy="2514600"/>
+          </a:xfrm>
+          <a:custGeom>
+            <a:avLst>
+              <a:gd name="A1" fmla="val 0"/>
+              <a:gd name="A2" fmla="val 0"/>
+              <a:gd name="A3" fmla="val 0"/>
+              <a:gd name="A4" fmla="val 0"/>
+              <a:gd name="A5" fmla="val 0"/>
+              <a:gd name="A6" fmla="val 0"/>
+              <a:gd name="A7" fmla="val 0"/>
+              <a:gd name="A8" fmla="val 0"/>
+            </a:avLst>
+            <a:gdLst/>
+            <a:ahLst/>
+            <a:cxnLst>
+              <a:cxn ang="0">
+                <a:pos x="2016" y="0"/>
+              </a:cxn>
+              <a:cxn ang="0">
+                <a:pos x="0" y="1584"/>
+              </a:cxn>
+              <a:cxn ang="0">
+                <a:pos x="2016" y="48"/>
+              </a:cxn>
+              <a:cxn ang="0">
+                <a:pos x="2016" y="0"/>
+              </a:cxn>
+            </a:cxnLst>
+            <a:rect l="0" t="0" r="0" b="0"/>
+            <a:pathLst>
+              <a:path w="2016" h="1584">
+                <a:moveTo>
+                  <a:pt x="2016" y="0"/>
+                </a:moveTo>
+                <a:lnTo>
+                  <a:pt x="0" y="1584"/>
+                </a:lnTo>
+                <a:lnTo>
+                  <a:pt x="2016" y="48"/>
+                </a:lnTo>
+                <a:lnTo>
+                  <a:pt x="2016" y="0"/>
+                </a:lnTo>
+                <a:close/>
+              </a:path>
+            </a:pathLst>
+          </a:custGeom>
+          <a:solidFill>
+            <a:schemeClr val="bg2">
+              <a:tint val="95000"/>
+              <a:satMod val="200000"/>
+              <a:alpha val="30000"/>
+            </a:schemeClr>
+          </a:solidFill>
+          <a:ln w="9525" cap="flat" cmpd="sng" algn="ctr">
+            <a:noFill/>
+            <a:prstDash val="solid"/>
+            <a:round/>
+            <a:headEnd type="none" w="med" len="med"/>
+            <a:tailEnd type="none" w="med" len="med"/>
+          </a:ln>
+          <a:effectLst/>
+        </p:spPr>
+        <p:txBody>
+          <a:bodyPr vert="horz" wrap="square" lIns="91440" tIns="45720" rIns="91440" bIns="45720" anchor="t" compatLnSpc="1"/>
+          <a:lstStyle>
+            <a:extLst/>
+          </a:lstStyle>
+          <a:p>
+            <a:endParaRPr kumimoji="0" lang="en-US"/>
+          </a:p>
+        </p:txBody>
+      </p:sp>
+      <p:sp>
+        <p:nvSpPr>
+          <p:cNvPr id="23" name="Freeform 22"/>
+          <p:cNvSpPr>
+            <a:spLocks/>
+          </p:cNvSpPr>
+          <p:nvPr/>
+        </p:nvSpPr>
+        <p:spPr bwMode="auto">
+          <a:xfrm>
+            <a:off x="990600" y="4267200"/>
+            <a:ext cx="4953000" cy="2590800"/>
+          </a:xfrm>
+          <a:custGeom>
+            <a:avLst>
+              <a:gd name="A1" fmla="val 0"/>
+              <a:gd name="A2" fmla="val 0"/>
+              <a:gd name="A3" fmla="val 0"/>
+              <a:gd name="A4" fmla="val 0"/>
+              <a:gd name="A5" fmla="val 0"/>
+              <a:gd name="A6" fmla="val 0"/>
+              <a:gd name="A7" fmla="val 0"/>
+              <a:gd name="A8" fmla="val 0"/>
+            </a:avLst>
+            <a:gdLst/>
+            <a:ahLst/>
+            <a:cxnLst>
+              <a:cxn ang="0">
+                <a:pos x="0" y="1632"/>
+              </a:cxn>
+              <a:cxn ang="0">
+                <a:pos x="3120" y="0"/>
+              </a:cxn>
+              <a:cxn ang="0">
+                <a:pos x="1056" y="1632"/>
+              </a:cxn>
+              <a:cxn ang="0">
+                <a:pos x="0" y="1632"/>
+              </a:cxn>
+            </a:cxnLst>
+            <a:rect l="0" t="0" r="0" b="0"/>
+            <a:pathLst>
+              <a:path w="3120" h="1632">
+                <a:moveTo>
+                  <a:pt x="0" y="1632"/>
+                </a:moveTo>
+                <a:lnTo>
+                  <a:pt x="3120" y="0"/>
+                </a:lnTo>
+                <a:lnTo>
+                  <a:pt x="1056" y="1632"/>
+                </a:lnTo>
+                <a:lnTo>
+                  <a:pt x="0" y="1632"/>
+                </a:lnTo>
+                <a:close/>
+              </a:path>
+            </a:pathLst>
+          </a:custGeom>
+          <a:solidFill>
+            <a:schemeClr val="bg2">
+              <a:tint val="95000"/>
+              <a:satMod val="200000"/>
+              <a:alpha val="30000"/>
+            </a:schemeClr>
+          </a:solidFill>
+          <a:ln w="9525" cap="flat" cmpd="sng" algn="ctr">
+            <a:noFill/>
+            <a:prstDash val="solid"/>
+            <a:round/>
+            <a:headEnd type="none" w="med" len="med"/>
+            <a:tailEnd type="none" w="med" len="med"/>
+          </a:ln>
+          <a:effectLst/>
+        </p:spPr>
+        <p:txBody>
+          <a:bodyPr vert="horz" wrap="square" lIns="91440" tIns="45720" rIns="91440" bIns="45720" anchor="t" compatLnSpc="1"/>
+          <a:lstStyle>
+            <a:extLst/>
+          </a:lstStyle>
+          <a:p>
+            <a:endParaRPr kumimoji="0" lang="en-US"/>
+          </a:p>
+        </p:txBody>
+      </p:sp>
+      <p:sp>
+        <p:nvSpPr>
+          <p:cNvPr id="24" name="Freeform 23"/>
+          <p:cNvSpPr>
+            <a:spLocks/>
+          </p:cNvSpPr>
+          <p:nvPr/>
+        </p:nvSpPr>
+        <p:spPr bwMode="auto">
+          <a:xfrm>
+            <a:off x="533400" y="4267200"/>
+            <a:ext cx="5334000" cy="2590800"/>
+          </a:xfrm>
+          <a:custGeom>
+            <a:avLst>
+              <a:gd name="A1" fmla="val 0"/>
+              <a:gd name="A2" fmla="val 0"/>
+              <a:gd name="A3" fmla="val 0"/>
+              <a:gd name="A4" fmla="val 0"/>
+              <a:gd name="A5" fmla="val 0"/>
+              <a:gd name="A6" fmla="val 0"/>
+              <a:gd name="A7" fmla="val 0"/>
+              <a:gd name="A8" fmla="val 0"/>
+            </a:avLst>
+            <a:gdLst/>
+            <a:ahLst/>
+            <a:cxnLst>
+              <a:cxn ang="0">
+                <a:pos x="0" y="1632"/>
+              </a:cxn>
+              <a:cxn ang="0">
+                <a:pos x="3360" y="0"/>
+              </a:cxn>
+              <a:cxn ang="0">
+                <a:pos x="144" y="1632"/>
+              </a:cxn>
+              <a:cxn ang="0">
+                <a:pos x="0" y="1632"/>
+              </a:cxn>
+            </a:cxnLst>
+            <a:rect l="0" t="0" r="0" b="0"/>
+            <a:pathLst>
+              <a:path w="3360" h="1632">
+                <a:moveTo>
+                  <a:pt x="0" y="1632"/>
+                </a:moveTo>
+                <a:lnTo>
+                  <a:pt x="3360" y="0"/>
+                </a:lnTo>
+                <a:lnTo>
+                  <a:pt x="144" y="1632"/>
+                </a:lnTo>
+                <a:lnTo>
+                  <a:pt x="0" y="1632"/>
+                </a:lnTo>
+                <a:close/>
+              </a:path>
+            </a:pathLst>
+          </a:custGeom>
+          <a:solidFill>
+            <a:schemeClr val="bg2">
+              <a:tint val="95000"/>
+              <a:satMod val="200000"/>
+              <a:alpha val="30000"/>
+            </a:schemeClr>
+          </a:solidFill>
+          <a:ln w="9525" cap="flat" cmpd="sng" algn="ctr">
+            <a:noFill/>
+            <a:prstDash val="solid"/>
+            <a:round/>
+            <a:headEnd type="none" w="med" len="med"/>
+            <a:tailEnd type="none" w="med" len="med"/>
+          </a:ln>
+          <a:effectLst/>
+        </p:spPr>
+        <p:txBody>
+          <a:bodyPr vert="horz" wrap="square" lIns="91440" tIns="45720" rIns="91440" bIns="45720" anchor="t" compatLnSpc="1"/>
+          <a:lstStyle>
+            <a:extLst/>
+          </a:lstStyle>
+          <a:p>
+            <a:endParaRPr kumimoji="0" lang="en-US"/>
+          </a:p>
+        </p:txBody>
+      </p:sp>
+      <p:sp>
+        <p:nvSpPr>
+          <p:cNvPr id="25" name="Freeform 24"/>
+          <p:cNvSpPr>
+            <a:spLocks/>
+          </p:cNvSpPr>
+          <p:nvPr/>
+        </p:nvSpPr>
+        <p:spPr bwMode="auto">
+          <a:xfrm>
+            <a:off x="366824" y="2438400"/>
+            <a:ext cx="5638800" cy="1828800"/>
+          </a:xfrm>
+          <a:custGeom>
+            <a:avLst>
+              <a:gd name="A1" fmla="val 0"/>
+              <a:gd name="A2" fmla="val 0"/>
+              <a:gd name="A3" fmla="val 0"/>
+              <a:gd name="A4" fmla="val 0"/>
+              <a:gd name="A5" fmla="val 0"/>
+              <a:gd name="A6" fmla="val 0"/>
+              <a:gd name="A7" fmla="val 0"/>
+              <a:gd name="A8" fmla="val 0"/>
+            </a:avLst>
+            <a:gdLst/>
+            <a:ahLst/>
+            <a:cxnLst>
+              <a:cxn ang="0">
+                <a:pos x="0" y="0"/>
+              </a:cxn>
+              <a:cxn ang="0">
+                <a:pos x="3552" y="1152"/>
+              </a:cxn>
+              <a:cxn ang="0">
+                <a:pos x="0" y="384"/>
+              </a:cxn>
+              <a:cxn ang="0">
+                <a:pos x="0" y="0"/>
+              </a:cxn>
+            </a:cxnLst>
+            <a:rect l="0" t="0" r="0" b="0"/>
+            <a:pathLst>
+              <a:path w="3552" h="1152">
+                <a:moveTo>
+                  <a:pt x="0" y="0"/>
+                </a:moveTo>
+                <a:lnTo>
+                  <a:pt x="3504" y="1152"/>
+                </a:lnTo>
+                <a:lnTo>
+                  <a:pt x="0" y="384"/>
+                </a:lnTo>
+                <a:lnTo>
+                  <a:pt x="0" y="0"/>
+                </a:lnTo>
+                <a:close/>
+              </a:path>
+            </a:pathLst>
+          </a:custGeom>
+          <a:solidFill>
+            <a:schemeClr val="bg2">
+              <a:tint val="95000"/>
+              <a:satMod val="200000"/>
+              <a:alpha val="30000"/>
+            </a:schemeClr>
+          </a:solidFill>
+          <a:ln w="9525" cap="flat" cmpd="sng" algn="ctr">
+            <a:noFill/>
+            <a:prstDash val="solid"/>
+            <a:round/>
+            <a:headEnd type="none" w="med" len="med"/>
+            <a:tailEnd type="none" w="med" len="med"/>
+          </a:ln>
+          <a:effectLst/>
+        </p:spPr>
+        <p:txBody>
+          <a:bodyPr vert="horz" wrap="square" lIns="91440" tIns="45720" rIns="91440" bIns="45720" anchor="t" compatLnSpc="1"/>
+          <a:lstStyle>
+            <a:extLst/>
+          </a:lstStyle>
+          <a:p>
+            <a:endParaRPr kumimoji="0" lang="en-US"/>
+          </a:p>
+        </p:txBody>
+      </p:sp>
+      <p:sp>
+        <p:nvSpPr>
+          <p:cNvPr id="26" name="Freeform 25"/>
+          <p:cNvSpPr>
+            <a:spLocks/>
+          </p:cNvSpPr>
+          <p:nvPr/>
+        </p:nvSpPr>
+        <p:spPr bwMode="auto">
+          <a:xfrm>
+            <a:off x="366824" y="2133600"/>
+            <a:ext cx="5638800" cy="2133600"/>
+          </a:xfrm>
+          <a:custGeom>
+            <a:avLst>
+              <a:gd name="A1" fmla="val 0"/>
+              <a:gd name="A2" fmla="val 0"/>
+              <a:gd name="A3" fmla="val 0"/>
+              <a:gd name="A4" fmla="val 0"/>
+              <a:gd name="A5" fmla="val 0"/>
+              <a:gd name="A6" fmla="val 0"/>
+              <a:gd name="A7" fmla="val 0"/>
+              <a:gd name="A8" fmla="val 0"/>
+            </a:avLst>
+            <a:gdLst/>
+            <a:ahLst/>
+            <a:cxnLst>
+              <a:cxn ang="0">
+                <a:pos x="0" y="0"/>
+              </a:cxn>
+              <a:cxn ang="0">
+                <a:pos x="3552" y="1344"/>
+              </a:cxn>
+              <a:cxn ang="0">
+                <a:pos x="0" y="48"/>
+              </a:cxn>
+              <a:cxn ang="0">
+                <a:pos x="0" y="0"/>
+              </a:cxn>
+            </a:cxnLst>
+            <a:rect l="0" t="0" r="0" b="0"/>
+            <a:pathLst>
+              <a:path w="3552" h="1344">
+                <a:moveTo>
+                  <a:pt x="0" y="0"/>
+                </a:moveTo>
+                <a:lnTo>
+                  <a:pt x="3552" y="1344"/>
+                </a:lnTo>
+                <a:lnTo>
+                  <a:pt x="0" y="48"/>
+                </a:lnTo>
+                <a:lnTo>
+                  <a:pt x="0" y="0"/>
+                </a:lnTo>
+                <a:close/>
+              </a:path>
+            </a:pathLst>
+          </a:custGeom>
+          <a:solidFill>
+            <a:schemeClr val="bg2">
+              <a:tint val="95000"/>
+              <a:satMod val="200000"/>
+              <a:alpha val="30000"/>
+            </a:schemeClr>
+          </a:solidFill>
+          <a:ln w="9525" cap="flat" cmpd="sng" algn="ctr">
+            <a:noFill/>
+            <a:prstDash val="solid"/>
+            <a:round/>
+            <a:headEnd type="none" w="med" len="med"/>
+            <a:tailEnd type="none" w="med" len="med"/>
+          </a:ln>
+          <a:effectLst/>
+        </p:spPr>
+        <p:txBody>
+          <a:bodyPr vert="horz" wrap="square" lIns="91440" tIns="45720" rIns="91440" bIns="45720" anchor="t" compatLnSpc="1"/>
+          <a:lstStyle>
+            <a:extLst/>
+          </a:lstStyle>
+          <a:p>
+            <a:endParaRPr kumimoji="0" lang="en-US"/>
+          </a:p>
+        </p:txBody>
+      </p:sp>
+      <p:sp>
+        <p:nvSpPr>
+          <p:cNvPr id="27" name="Freeform 26"/>
+          <p:cNvSpPr>
+            <a:spLocks/>
+          </p:cNvSpPr>
+          <p:nvPr/>
+        </p:nvSpPr>
+        <p:spPr bwMode="auto">
+          <a:xfrm>
+            <a:off x="4572000" y="4267200"/>
+            <a:ext cx="1371600" cy="2590800"/>
+          </a:xfrm>
+          <a:custGeom>
+            <a:avLst>
+              <a:gd name="A1" fmla="val 0"/>
+              <a:gd name="A2" fmla="val 0"/>
+              <a:gd name="A3" fmla="val 0"/>
+              <a:gd name="A4" fmla="val 0"/>
+              <a:gd name="A5" fmla="val 0"/>
+              <a:gd name="A6" fmla="val 0"/>
+              <a:gd name="A7" fmla="val 0"/>
+              <a:gd name="A8" fmla="val 0"/>
+            </a:avLst>
+            <a:gdLst/>
+            <a:ahLst/>
+            <a:cxnLst>
+              <a:cxn ang="0">
+                <a:pos x="0" y="1632"/>
+              </a:cxn>
+              <a:cxn ang="0">
+                <a:pos x="96" y="1632"/>
+              </a:cxn>
+              <a:cxn ang="0">
+                <a:pos x="864" y="0"/>
+              </a:cxn>
+              <a:cxn ang="0">
+                <a:pos x="0" y="1632"/>
+              </a:cxn>
+            </a:cxnLst>
+            <a:rect l="0" t="0" r="0" b="0"/>
+            <a:pathLst>
+              <a:path w="864" h="1632">
+                <a:moveTo>
+                  <a:pt x="0" y="1632"/>
+                </a:moveTo>
+                <a:lnTo>
+                  <a:pt x="96" y="1632"/>
+                </a:lnTo>
+                <a:lnTo>
+                  <a:pt x="864" y="0"/>
+                </a:lnTo>
+                <a:lnTo>
+                  <a:pt x="0" y="1632"/>
+                </a:lnTo>
+                <a:close/>
+              </a:path>
+            </a:pathLst>
+          </a:custGeom>
+          <a:solidFill>
+            <a:schemeClr val="bg2">
+              <a:tint val="95000"/>
+              <a:satMod val="180000"/>
+              <a:alpha val="30000"/>
+            </a:schemeClr>
+          </a:solidFill>
+          <a:ln w="9525" cap="flat" cmpd="sng" algn="ctr">
+            <a:noFill/>
+            <a:prstDash val="solid"/>
+            <a:round/>
+            <a:headEnd type="none" w="med" len="med"/>
+            <a:tailEnd type="none" w="med" len="med"/>
+          </a:ln>
+          <a:effectLst/>
+        </p:spPr>
+        <p:txBody>
+          <a:bodyPr vert="horz" wrap="square" lIns="91440" tIns="45720" rIns="91440" bIns="45720" anchor="t" compatLnSpc="1"/>
+          <a:lstStyle>
+            <a:extLst/>
+          </a:lstStyle>
+          <a:p>
+            <a:endParaRPr kumimoji="0" lang="en-US"/>
+          </a:p>
+        </p:txBody>
+      </p:sp>
+      <p:sp>
+        <p:nvSpPr>
+          <p:cNvPr id="3" name="Text Placeholder 2"/>
+          <p:cNvSpPr>
+            <a:spLocks noGrp="1"/>
+          </p:cNvSpPr>
+          <p:nvPr>
+            <p:ph type="body" idx="1"/>
           </p:nvPr>
         </p:nvSpPr>
         <p:spPr>
           <a:xfrm>
-            <a:off x="722313" y="4406900"/>
-            <a:ext cx="7772400" cy="1362075"/>
-          </a:xfrm>
-        </p:spPr>
-        <p:txBody>
-          <a:bodyPr anchor="t"/>
-          <a:lstStyle>
-            <a:lvl1pPr algn="l">
-              <a:defRPr sz="4000" b="1" cap="all"/>
-            </a:lvl1pPr>
-          </a:lstStyle>
-          <a:p>
-            <a:r>
-              <a:rPr lang="en-US" smtClean="0"/>
-              <a:t>Click to edit Master title style</a:t>
-            </a:r>
-            <a:endParaRPr lang="lv-LV"/>
-          </a:p>
-        </p:txBody>
-      </p:sp>
-      <p:sp>
-        <p:nvSpPr>
-          <p:cNvPr id="3" name="Text Placeholder 2"/>
-          <p:cNvSpPr>
-            <a:spLocks noGrp="1"/>
-          </p:cNvSpPr>
-          <p:nvPr>
-            <p:ph type="body" idx="1"/>
-          </p:nvPr>
-        </p:nvSpPr>
-        <p:spPr>
-          <a:xfrm>
-            <a:off x="722313" y="2906713"/>
-            <a:ext cx="7772400" cy="1500187"/>
-          </a:xfrm>
-        </p:spPr>
-        <p:txBody>
-          <a:bodyPr anchor="b"/>
-          <a:lstStyle>
-            <a:lvl1pPr marL="0" indent="0">
+            <a:off x="706902" y="1351672"/>
+            <a:ext cx="5718048" cy="977486"/>
+          </a:xfrm>
+        </p:spPr>
+        <p:txBody>
+          <a:bodyPr lIns="82296" tIns="45720" bIns="0" anchor="t"/>
+          <a:lstStyle>
+            <a:lvl1pPr marL="54864" indent="0">
               <a:buNone/>
               <a:defRPr sz="2000">
                 <a:solidFill>
@@ -935,7 +2646,7 @@
                 </a:solidFill>
               </a:defRPr>
             </a:lvl1pPr>
-            <a:lvl2pPr marL="457200" indent="0">
+            <a:lvl2pPr>
               <a:buNone/>
               <a:defRPr sz="1800">
                 <a:solidFill>
@@ -945,7 +2656,7 @@
                 </a:solidFill>
               </a:defRPr>
             </a:lvl2pPr>
-            <a:lvl3pPr marL="914400" indent="0">
+            <a:lvl3pPr>
               <a:buNone/>
               <a:defRPr sz="1600">
                 <a:solidFill>
@@ -955,7 +2666,7 @@
                 </a:solidFill>
               </a:defRPr>
             </a:lvl3pPr>
-            <a:lvl4pPr marL="1371600" indent="0">
+            <a:lvl4pPr>
               <a:buNone/>
               <a:defRPr sz="1400">
                 <a:solidFill>
@@ -965,7 +2676,7 @@
                 </a:solidFill>
               </a:defRPr>
             </a:lvl4pPr>
-            <a:lvl5pPr marL="1828800" indent="0">
+            <a:lvl5pPr>
               <a:buNone/>
               <a:defRPr sz="1400">
                 <a:solidFill>
@@ -975,51 +2686,12 @@
                 </a:solidFill>
               </a:defRPr>
             </a:lvl5pPr>
-            <a:lvl6pPr marL="2286000" indent="0">
-              <a:buNone/>
-              <a:defRPr sz="1400">
-                <a:solidFill>
-                  <a:schemeClr val="tx1">
-                    <a:tint val="75000"/>
-                  </a:schemeClr>
-                </a:solidFill>
-              </a:defRPr>
-            </a:lvl6pPr>
-            <a:lvl7pPr marL="2743200" indent="0">
-              <a:buNone/>
-              <a:defRPr sz="1400">
-                <a:solidFill>
-                  <a:schemeClr val="tx1">
-                    <a:tint val="75000"/>
-                  </a:schemeClr>
-                </a:solidFill>
-              </a:defRPr>
-            </a:lvl7pPr>
-            <a:lvl8pPr marL="3200400" indent="0">
-              <a:buNone/>
-              <a:defRPr sz="1400">
-                <a:solidFill>
-                  <a:schemeClr val="tx1">
-                    <a:tint val="75000"/>
-                  </a:schemeClr>
-                </a:solidFill>
-              </a:defRPr>
-            </a:lvl8pPr>
-            <a:lvl9pPr marL="3657600" indent="0">
-              <a:buNone/>
-              <a:defRPr sz="1400">
-                <a:solidFill>
-                  <a:schemeClr val="tx1">
-                    <a:tint val="75000"/>
-                  </a:schemeClr>
-                </a:solidFill>
-              </a:defRPr>
-            </a:lvl9pPr>
-          </a:lstStyle>
-          <a:p>
-            <a:pPr lvl="0"/>
-            <a:r>
-              <a:rPr lang="en-US" smtClean="0"/>
+            <a:extLst/>
+          </a:lstStyle>
+          <a:p>
+            <a:pPr lvl="0" eaLnBrk="1" latinLnBrk="0" hangingPunct="1"/>
+            <a:r>
+              <a:rPr kumimoji="0" lang="en-US" smtClean="0"/>
               <a:t>Click to edit Master text styles</a:t>
             </a:r>
           </a:p>
@@ -1038,12 +2710,14 @@
         <p:spPr/>
         <p:txBody>
           <a:bodyPr/>
-          <a:lstStyle/>
+          <a:lstStyle>
+            <a:extLst/>
+          </a:lstStyle>
           <a:p>
             <a:fld id="{29F434F8-D001-41C5-B56B-022538BFE3FA}" type="datetimeFigureOut">
               <a:rPr lang="lv-LV" smtClean="0"/>
               <a:pPr/>
-              <a:t>07.06.2022</a:t>
+              <a:t>09.06.2022</a:t>
             </a:fld>
             <a:endParaRPr lang="lv-LV"/>
           </a:p>
@@ -1062,7 +2736,9 @@
         <p:spPr/>
         <p:txBody>
           <a:bodyPr/>
-          <a:lstStyle/>
+          <a:lstStyle>
+            <a:extLst/>
+          </a:lstStyle>
           <a:p>
             <a:endParaRPr lang="lv-LV"/>
           </a:p>
@@ -1081,7 +2757,9 @@
         <p:spPr/>
         <p:txBody>
           <a:bodyPr/>
-          <a:lstStyle/>
+          <a:lstStyle>
+            <a:extLst/>
+          </a:lstStyle>
           <a:p>
             <a:fld id="{3FAF74E2-2FBE-4046-B081-2C955BE03488}" type="slidenum">
               <a:rPr lang="lv-LV" smtClean="0"/>
@@ -1089,6 +2767,332 @@
               <a:t>‹#›</a:t>
             </a:fld>
             <a:endParaRPr lang="lv-LV"/>
+          </a:p>
+        </p:txBody>
+      </p:sp>
+      <p:sp>
+        <p:nvSpPr>
+          <p:cNvPr id="7" name="Rectangle 6"/>
+          <p:cNvSpPr/>
+          <p:nvPr/>
+        </p:nvSpPr>
+        <p:spPr>
+          <a:xfrm>
+            <a:off x="363160" y="402264"/>
+            <a:ext cx="8503920" cy="886265"/>
+          </a:xfrm>
+          <a:prstGeom prst="rect">
+            <a:avLst/>
+          </a:prstGeom>
+          <a:solidFill>
+            <a:schemeClr val="bg2">
+              <a:tint val="95000"/>
+              <a:satMod val="180000"/>
+              <a:alpha val="40000"/>
+            </a:schemeClr>
+          </a:solidFill>
+          <a:ln w="50800" cap="rnd" cmpd="dbl" algn="ctr">
+            <a:noFill/>
+            <a:prstDash val="solid"/>
+          </a:ln>
+          <a:effectLst/>
+        </p:spPr>
+        <p:style>
+          <a:lnRef idx="3">
+            <a:schemeClr val="lt1"/>
+          </a:lnRef>
+          <a:fillRef idx="1">
+            <a:schemeClr val="accent1"/>
+          </a:fillRef>
+          <a:effectRef idx="1">
+            <a:schemeClr val="accent1"/>
+          </a:effectRef>
+          <a:fontRef idx="minor">
+            <a:schemeClr val="lt1"/>
+          </a:fontRef>
+        </p:style>
+        <p:txBody>
+          <a:bodyPr anchor="ctr"/>
+          <a:lstStyle>
+            <a:extLst/>
+          </a:lstStyle>
+          <a:p>
+            <a:pPr algn="ctr" eaLnBrk="1" latinLnBrk="0" hangingPunct="1"/>
+            <a:endParaRPr kumimoji="0" lang="en-US"/>
+          </a:p>
+        </p:txBody>
+      </p:sp>
+      <p:sp>
+        <p:nvSpPr>
+          <p:cNvPr id="2" name="Title 1"/>
+          <p:cNvSpPr>
+            <a:spLocks noGrp="1"/>
+          </p:cNvSpPr>
+          <p:nvPr>
+            <p:ph type="title"/>
+          </p:nvPr>
+        </p:nvSpPr>
+        <p:spPr>
+          <a:xfrm>
+            <a:off x="706902" y="512064"/>
+            <a:ext cx="8156448" cy="777240"/>
+          </a:xfrm>
+        </p:spPr>
+        <p:txBody>
+          <a:bodyPr tIns="64008"/>
+          <a:lstStyle>
+            <a:lvl1pPr algn="l">
+              <a:buNone/>
+              <a:defRPr sz="3800" b="0" cap="none" spc="-150" baseline="0"/>
+            </a:lvl1pPr>
+            <a:extLst/>
+          </a:lstStyle>
+          <a:p>
+            <a:r>
+              <a:rPr kumimoji="0" lang="en-US" smtClean="0"/>
+              <a:t>Click to edit Master title style</a:t>
+            </a:r>
+            <a:endParaRPr kumimoji="0" lang="en-US"/>
+          </a:p>
+        </p:txBody>
+      </p:sp>
+      <p:sp>
+        <p:nvSpPr>
+          <p:cNvPr id="8" name="Rectangle 7"/>
+          <p:cNvSpPr/>
+          <p:nvPr/>
+        </p:nvSpPr>
+        <p:spPr>
+          <a:xfrm flipH="1">
+            <a:off x="371538" y="680477"/>
+            <a:ext cx="27432" cy="365760"/>
+          </a:xfrm>
+          <a:prstGeom prst="rect">
+            <a:avLst/>
+          </a:prstGeom>
+          <a:solidFill>
+            <a:srgbClr val="000000"/>
+          </a:solidFill>
+          <a:ln w="50800" cap="rnd" cmpd="thickThin" algn="ctr">
+            <a:noFill/>
+            <a:prstDash val="solid"/>
+          </a:ln>
+          <a:effectLst/>
+        </p:spPr>
+        <p:style>
+          <a:lnRef idx="3">
+            <a:schemeClr val="lt1"/>
+          </a:lnRef>
+          <a:fillRef idx="1">
+            <a:schemeClr val="accent1"/>
+          </a:fillRef>
+          <a:effectRef idx="1">
+            <a:schemeClr val="accent1"/>
+          </a:effectRef>
+          <a:fontRef idx="minor">
+            <a:schemeClr val="lt1"/>
+          </a:fontRef>
+        </p:style>
+        <p:txBody>
+          <a:bodyPr anchor="ctr"/>
+          <a:lstStyle>
+            <a:extLst/>
+          </a:lstStyle>
+          <a:p>
+            <a:pPr algn="ctr" eaLnBrk="1" latinLnBrk="0" hangingPunct="1"/>
+            <a:endParaRPr kumimoji="0" lang="en-US" dirty="0"/>
+          </a:p>
+        </p:txBody>
+      </p:sp>
+      <p:sp>
+        <p:nvSpPr>
+          <p:cNvPr id="9" name="Rectangle 8"/>
+          <p:cNvSpPr/>
+          <p:nvPr/>
+        </p:nvSpPr>
+        <p:spPr>
+          <a:xfrm flipH="1">
+            <a:off x="411109" y="680477"/>
+            <a:ext cx="27432" cy="365760"/>
+          </a:xfrm>
+          <a:prstGeom prst="rect">
+            <a:avLst/>
+          </a:prstGeom>
+          <a:solidFill>
+            <a:srgbClr val="000000"/>
+          </a:solidFill>
+          <a:ln w="50800" cap="rnd" cmpd="thickThin" algn="ctr">
+            <a:noFill/>
+            <a:prstDash val="solid"/>
+          </a:ln>
+          <a:effectLst/>
+        </p:spPr>
+        <p:style>
+          <a:lnRef idx="3">
+            <a:schemeClr val="lt1"/>
+          </a:lnRef>
+          <a:fillRef idx="1">
+            <a:schemeClr val="accent1"/>
+          </a:fillRef>
+          <a:effectRef idx="1">
+            <a:schemeClr val="accent1"/>
+          </a:effectRef>
+          <a:fontRef idx="minor">
+            <a:schemeClr val="lt1"/>
+          </a:fontRef>
+        </p:style>
+        <p:txBody>
+          <a:bodyPr anchor="ctr"/>
+          <a:lstStyle>
+            <a:extLst/>
+          </a:lstStyle>
+          <a:p>
+            <a:pPr algn="ctr" eaLnBrk="1" latinLnBrk="0" hangingPunct="1"/>
+            <a:endParaRPr kumimoji="0" lang="en-US" dirty="0"/>
+          </a:p>
+        </p:txBody>
+      </p:sp>
+      <p:sp>
+        <p:nvSpPr>
+          <p:cNvPr id="10" name="Rectangle 9"/>
+          <p:cNvSpPr/>
+          <p:nvPr/>
+        </p:nvSpPr>
+        <p:spPr>
+          <a:xfrm flipH="1">
+            <a:off x="448450" y="680477"/>
+            <a:ext cx="9144" cy="365760"/>
+          </a:xfrm>
+          <a:prstGeom prst="rect">
+            <a:avLst/>
+          </a:prstGeom>
+          <a:solidFill>
+            <a:srgbClr val="000000"/>
+          </a:solidFill>
+          <a:ln w="50800" cap="rnd" cmpd="thickThin" algn="ctr">
+            <a:noFill/>
+            <a:prstDash val="solid"/>
+          </a:ln>
+          <a:effectLst/>
+        </p:spPr>
+        <p:style>
+          <a:lnRef idx="3">
+            <a:schemeClr val="lt1"/>
+          </a:lnRef>
+          <a:fillRef idx="1">
+            <a:schemeClr val="accent1"/>
+          </a:fillRef>
+          <a:effectRef idx="1">
+            <a:schemeClr val="accent1"/>
+          </a:effectRef>
+          <a:fontRef idx="minor">
+            <a:schemeClr val="lt1"/>
+          </a:fontRef>
+        </p:style>
+        <p:txBody>
+          <a:bodyPr anchor="ctr"/>
+          <a:lstStyle>
+            <a:extLst/>
+          </a:lstStyle>
+          <a:p>
+            <a:pPr algn="ctr" eaLnBrk="1" latinLnBrk="0" hangingPunct="1"/>
+            <a:endParaRPr kumimoji="0" lang="en-US"/>
+          </a:p>
+        </p:txBody>
+      </p:sp>
+      <p:sp>
+        <p:nvSpPr>
+          <p:cNvPr id="11" name="Rectangle 10"/>
+          <p:cNvSpPr/>
+          <p:nvPr/>
+        </p:nvSpPr>
+        <p:spPr>
+          <a:xfrm flipH="1">
+            <a:off x="476702" y="680477"/>
+            <a:ext cx="9144" cy="365760"/>
+          </a:xfrm>
+          <a:prstGeom prst="rect">
+            <a:avLst/>
+          </a:prstGeom>
+          <a:solidFill>
+            <a:srgbClr val="000000"/>
+          </a:solidFill>
+          <a:ln w="50800" cap="rnd" cmpd="thickThin" algn="ctr">
+            <a:noFill/>
+            <a:prstDash val="solid"/>
+          </a:ln>
+          <a:effectLst/>
+        </p:spPr>
+        <p:style>
+          <a:lnRef idx="3">
+            <a:schemeClr val="lt1"/>
+          </a:lnRef>
+          <a:fillRef idx="1">
+            <a:schemeClr val="accent1"/>
+          </a:fillRef>
+          <a:effectRef idx="1">
+            <a:schemeClr val="accent1"/>
+          </a:effectRef>
+          <a:fontRef idx="minor">
+            <a:schemeClr val="lt1"/>
+          </a:fontRef>
+        </p:style>
+        <p:txBody>
+          <a:bodyPr anchor="ctr"/>
+          <a:lstStyle>
+            <a:extLst/>
+          </a:lstStyle>
+          <a:p>
+            <a:pPr algn="ctr" eaLnBrk="1" latinLnBrk="0" hangingPunct="1"/>
+            <a:endParaRPr kumimoji="0" lang="en-US" dirty="0"/>
+          </a:p>
+        </p:txBody>
+      </p:sp>
+      <p:sp>
+        <p:nvSpPr>
+          <p:cNvPr id="12" name="Rectangle 11"/>
+          <p:cNvSpPr/>
+          <p:nvPr/>
+        </p:nvSpPr>
+        <p:spPr>
+          <a:xfrm>
+            <a:off x="500478" y="680477"/>
+            <a:ext cx="36576" cy="365760"/>
+          </a:xfrm>
+          <a:prstGeom prst="rect">
+            <a:avLst/>
+          </a:prstGeom>
+          <a:solidFill>
+            <a:srgbClr val="000000"/>
+          </a:solidFill>
+          <a:ln w="50800" cap="rnd" cmpd="thickThin" algn="ctr">
+            <a:noFill/>
+            <a:prstDash val="solid"/>
+          </a:ln>
+          <a:effectLst/>
+        </p:spPr>
+        <p:style>
+          <a:lnRef idx="3">
+            <a:schemeClr val="lt1"/>
+          </a:lnRef>
+          <a:fillRef idx="1">
+            <a:schemeClr val="accent1"/>
+          </a:fillRef>
+          <a:effectRef idx="1">
+            <a:schemeClr val="accent1"/>
+          </a:effectRef>
+          <a:fontRef idx="minor">
+            <a:schemeClr val="lt1"/>
+          </a:fontRef>
+        </p:style>
+        <p:txBody>
+          <a:bodyPr anchor="ctr"/>
+          <a:lstStyle>
+            <a:extLst/>
+          </a:lstStyle>
+          <a:p>
+            <a:pPr algn="ctr" eaLnBrk="1" latinLnBrk="0" hangingPunct="1"/>
+            <a:endParaRPr kumimoji="0" lang="en-US" dirty="0"/>
           </a:p>
         </p:txBody>
       </p:sp>
@@ -1101,7 +3105,7 @@
 </file>
 
 <file path=ppt/slideLayouts/slideLayout4.xml><?xml version="1.0" encoding="utf-8"?>
-<p:sldLayout xmlns:a="http://schemas.openxmlformats.org/drawingml/2006/main" xmlns:r="http://schemas.openxmlformats.org/officeDocument/2006/relationships" xmlns:p="http://schemas.openxmlformats.org/presentationml/2006/main" type="twoObj" preserve="1">
+<p:sldLayout xmlns:a="http://schemas.openxmlformats.org/drawingml/2006/main" xmlns:r="http://schemas.openxmlformats.org/officeDocument/2006/relationships" xmlns:p="http://schemas.openxmlformats.org/presentationml/2006/main" showMasterSp="0" type="twoObj" preserve="1">
   <p:cSld name="Two Content">
     <p:spTree>
       <p:nvGrpSpPr>
@@ -1127,32 +3131,39 @@
             <p:ph type="title"/>
           </p:nvPr>
         </p:nvSpPr>
-        <p:spPr/>
-        <p:txBody>
-          <a:bodyPr/>
-          <a:lstStyle/>
-          <a:p>
-            <a:r>
-              <a:rPr lang="en-US" smtClean="0"/>
-              <a:t>Click to edit Master title style</a:t>
-            </a:r>
-            <a:endParaRPr lang="lv-LV"/>
-          </a:p>
-        </p:txBody>
-      </p:sp>
-      <p:sp>
-        <p:nvSpPr>
-          <p:cNvPr id="3" name="Content Placeholder 2"/>
-          <p:cNvSpPr>
-            <a:spLocks noGrp="1"/>
-          </p:cNvSpPr>
-          <p:nvPr>
-            <p:ph sz="half" idx="1"/>
-          </p:nvPr>
-        </p:nvSpPr>
         <p:spPr>
           <a:xfrm>
-            <a:off x="457200" y="1600200"/>
+            <a:off x="457200" y="512064"/>
+            <a:ext cx="8229600" cy="914400"/>
+          </a:xfrm>
+        </p:spPr>
+        <p:txBody>
+          <a:bodyPr/>
+          <a:lstStyle>
+            <a:extLst/>
+          </a:lstStyle>
+          <a:p>
+            <a:r>
+              <a:rPr kumimoji="0" lang="en-US" smtClean="0"/>
+              <a:t>Click to edit Master title style</a:t>
+            </a:r>
+            <a:endParaRPr kumimoji="0" lang="en-US"/>
+          </a:p>
+        </p:txBody>
+      </p:sp>
+      <p:sp>
+        <p:nvSpPr>
+          <p:cNvPr id="3" name="Content Placeholder 2"/>
+          <p:cNvSpPr>
+            <a:spLocks noGrp="1"/>
+          </p:cNvSpPr>
+          <p:nvPr>
+            <p:ph sz="half" idx="1"/>
+          </p:nvPr>
+        </p:nvSpPr>
+        <p:spPr>
+          <a:xfrm>
+            <a:off x="464344" y="1770501"/>
             <a:ext cx="4038600" cy="4525963"/>
           </a:xfrm>
         </p:spPr>
@@ -1174,54 +3185,43 @@
             <a:lvl5pPr>
               <a:defRPr sz="1800"/>
             </a:lvl5pPr>
-            <a:lvl6pPr>
-              <a:defRPr sz="1800"/>
-            </a:lvl6pPr>
-            <a:lvl7pPr>
-              <a:defRPr sz="1800"/>
-            </a:lvl7pPr>
-            <a:lvl8pPr>
-              <a:defRPr sz="1800"/>
-            </a:lvl8pPr>
-            <a:lvl9pPr>
-              <a:defRPr sz="1800"/>
-            </a:lvl9pPr>
-          </a:lstStyle>
-          <a:p>
-            <a:pPr lvl="0"/>
+            <a:extLst/>
+          </a:lstStyle>
+          <a:p>
+            <a:pPr lvl="0" eaLnBrk="1" latinLnBrk="0" hangingPunct="1"/>
             <a:r>
               <a:rPr lang="en-US" smtClean="0"/>
               <a:t>Click to edit Master text styles</a:t>
             </a:r>
           </a:p>
           <a:p>
-            <a:pPr lvl="1"/>
+            <a:pPr lvl="1" eaLnBrk="1" latinLnBrk="0" hangingPunct="1"/>
             <a:r>
               <a:rPr lang="en-US" smtClean="0"/>
               <a:t>Second level</a:t>
             </a:r>
           </a:p>
           <a:p>
-            <a:pPr lvl="2"/>
+            <a:pPr lvl="2" eaLnBrk="1" latinLnBrk="0" hangingPunct="1"/>
             <a:r>
               <a:rPr lang="en-US" smtClean="0"/>
               <a:t>Third level</a:t>
             </a:r>
           </a:p>
           <a:p>
-            <a:pPr lvl="3"/>
+            <a:pPr lvl="3" eaLnBrk="1" latinLnBrk="0" hangingPunct="1"/>
             <a:r>
               <a:rPr lang="en-US" smtClean="0"/>
               <a:t>Fourth level</a:t>
             </a:r>
           </a:p>
           <a:p>
-            <a:pPr lvl="4"/>
+            <a:pPr lvl="4" eaLnBrk="1" latinLnBrk="0" hangingPunct="1"/>
             <a:r>
               <a:rPr lang="en-US" smtClean="0"/>
               <a:t>Fifth level</a:t>
             </a:r>
-            <a:endParaRPr lang="lv-LV"/>
+            <a:endParaRPr kumimoji="0" lang="en-US"/>
           </a:p>
         </p:txBody>
       </p:sp>
@@ -1237,7 +3237,7 @@
         </p:nvSpPr>
         <p:spPr>
           <a:xfrm>
-            <a:off x="4648200" y="1600200"/>
+            <a:off x="4655344" y="1770501"/>
             <a:ext cx="4038600" cy="4525963"/>
           </a:xfrm>
         </p:spPr>
@@ -1259,54 +3259,43 @@
             <a:lvl5pPr>
               <a:defRPr sz="1800"/>
             </a:lvl5pPr>
-            <a:lvl6pPr>
-              <a:defRPr sz="1800"/>
-            </a:lvl6pPr>
-            <a:lvl7pPr>
-              <a:defRPr sz="1800"/>
-            </a:lvl7pPr>
-            <a:lvl8pPr>
-              <a:defRPr sz="1800"/>
-            </a:lvl8pPr>
-            <a:lvl9pPr>
-              <a:defRPr sz="1800"/>
-            </a:lvl9pPr>
-          </a:lstStyle>
-          <a:p>
-            <a:pPr lvl="0"/>
+            <a:extLst/>
+          </a:lstStyle>
+          <a:p>
+            <a:pPr lvl="0" eaLnBrk="1" latinLnBrk="0" hangingPunct="1"/>
             <a:r>
               <a:rPr lang="en-US" smtClean="0"/>
               <a:t>Click to edit Master text styles</a:t>
             </a:r>
           </a:p>
           <a:p>
-            <a:pPr lvl="1"/>
+            <a:pPr lvl="1" eaLnBrk="1" latinLnBrk="0" hangingPunct="1"/>
             <a:r>
               <a:rPr lang="en-US" smtClean="0"/>
               <a:t>Second level</a:t>
             </a:r>
           </a:p>
           <a:p>
-            <a:pPr lvl="2"/>
+            <a:pPr lvl="2" eaLnBrk="1" latinLnBrk="0" hangingPunct="1"/>
             <a:r>
               <a:rPr lang="en-US" smtClean="0"/>
               <a:t>Third level</a:t>
             </a:r>
           </a:p>
           <a:p>
-            <a:pPr lvl="3"/>
+            <a:pPr lvl="3" eaLnBrk="1" latinLnBrk="0" hangingPunct="1"/>
             <a:r>
               <a:rPr lang="en-US" smtClean="0"/>
               <a:t>Fourth level</a:t>
             </a:r>
           </a:p>
           <a:p>
-            <a:pPr lvl="4"/>
+            <a:pPr lvl="4" eaLnBrk="1" latinLnBrk="0" hangingPunct="1"/>
             <a:r>
               <a:rPr lang="en-US" smtClean="0"/>
               <a:t>Fifth level</a:t>
             </a:r>
-            <a:endParaRPr lang="lv-LV"/>
+            <a:endParaRPr kumimoji="0" lang="en-US"/>
           </a:p>
         </p:txBody>
       </p:sp>
@@ -1323,12 +3312,14 @@
         <p:spPr/>
         <p:txBody>
           <a:bodyPr/>
-          <a:lstStyle/>
+          <a:lstStyle>
+            <a:extLst/>
+          </a:lstStyle>
           <a:p>
             <a:fld id="{29F434F8-D001-41C5-B56B-022538BFE3FA}" type="datetimeFigureOut">
               <a:rPr lang="lv-LV" smtClean="0"/>
               <a:pPr/>
-              <a:t>07.06.2022</a:t>
+              <a:t>09.06.2022</a:t>
             </a:fld>
             <a:endParaRPr lang="lv-LV"/>
           </a:p>
@@ -1347,7 +3338,9 @@
         <p:spPr/>
         <p:txBody>
           <a:bodyPr/>
-          <a:lstStyle/>
+          <a:lstStyle>
+            <a:extLst/>
+          </a:lstStyle>
           <a:p>
             <a:endParaRPr lang="lv-LV"/>
           </a:p>
@@ -1366,7 +3359,9 @@
         <p:spPr/>
         <p:txBody>
           <a:bodyPr/>
-          <a:lstStyle/>
+          <a:lstStyle>
+            <a:extLst/>
+          </a:lstStyle>
           <a:p>
             <a:fld id="{3FAF74E2-2FBE-4046-B081-2C955BE03488}" type="slidenum">
               <a:rPr lang="lv-LV" smtClean="0"/>
@@ -1386,7 +3381,7 @@
 </file>
 
 <file path=ppt/slideLayouts/slideLayout5.xml><?xml version="1.0" encoding="utf-8"?>
-<p:sldLayout xmlns:a="http://schemas.openxmlformats.org/drawingml/2006/main" xmlns:r="http://schemas.openxmlformats.org/officeDocument/2006/relationships" xmlns:p="http://schemas.openxmlformats.org/presentationml/2006/main" type="twoTxTwoObj" preserve="1">
+<p:sldLayout xmlns:a="http://schemas.openxmlformats.org/drawingml/2006/main" xmlns:r="http://schemas.openxmlformats.org/officeDocument/2006/relationships" xmlns:p="http://schemas.openxmlformats.org/presentationml/2006/main" showMasterSp="0" type="twoTxTwoObj" preserve="1">
   <p:cSld name="Comparison">
     <p:spTree>
       <p:nvGrpSpPr>
@@ -1404,91 +3399,192 @@
       </p:grpSpPr>
       <p:sp>
         <p:nvSpPr>
-          <p:cNvPr id="2" name="Title 1"/>
-          <p:cNvSpPr>
-            <a:spLocks noGrp="1"/>
-          </p:cNvSpPr>
-          <p:nvPr>
-            <p:ph type="title"/>
-          </p:nvPr>
-        </p:nvSpPr>
-        <p:spPr/>
-        <p:txBody>
-          <a:bodyPr/>
-          <a:lstStyle>
-            <a:lvl1pPr>
-              <a:defRPr/>
-            </a:lvl1pPr>
-          </a:lstStyle>
-          <a:p>
-            <a:r>
-              <a:rPr lang="en-US" smtClean="0"/>
-              <a:t>Click to edit Master title style</a:t>
-            </a:r>
-            <a:endParaRPr lang="lv-LV"/>
-          </a:p>
-        </p:txBody>
-      </p:sp>
-      <p:sp>
-        <p:nvSpPr>
-          <p:cNvPr id="3" name="Text Placeholder 2"/>
-          <p:cNvSpPr>
-            <a:spLocks noGrp="1"/>
-          </p:cNvSpPr>
-          <p:nvPr>
-            <p:ph type="body" idx="1"/>
-          </p:nvPr>
+          <p:cNvPr id="25" name="Rectangle 24"/>
+          <p:cNvSpPr/>
+          <p:nvPr/>
         </p:nvSpPr>
         <p:spPr>
           <a:xfrm>
-            <a:off x="457200" y="1535113"/>
+            <a:off x="0" y="402265"/>
+            <a:ext cx="8867080" cy="886265"/>
+          </a:xfrm>
+          <a:prstGeom prst="rect">
+            <a:avLst/>
+          </a:prstGeom>
+          <a:solidFill>
+            <a:schemeClr val="bg2">
+              <a:tint val="95000"/>
+              <a:satMod val="180000"/>
+              <a:alpha val="40000"/>
+            </a:schemeClr>
+          </a:solidFill>
+          <a:ln w="50800" cap="rnd" cmpd="dbl" algn="ctr">
+            <a:noFill/>
+            <a:prstDash val="solid"/>
+          </a:ln>
+          <a:effectLst/>
+        </p:spPr>
+        <p:style>
+          <a:lnRef idx="3">
+            <a:schemeClr val="lt1"/>
+          </a:lnRef>
+          <a:fillRef idx="1">
+            <a:schemeClr val="accent1"/>
+          </a:fillRef>
+          <a:effectRef idx="1">
+            <a:schemeClr val="accent1"/>
+          </a:effectRef>
+          <a:fontRef idx="minor">
+            <a:schemeClr val="lt1"/>
+          </a:fontRef>
+        </p:style>
+        <p:txBody>
+          <a:bodyPr anchor="ctr"/>
+          <a:lstStyle>
+            <a:extLst/>
+          </a:lstStyle>
+          <a:p>
+            <a:pPr algn="ctr" eaLnBrk="1" latinLnBrk="0" hangingPunct="1"/>
+            <a:endParaRPr kumimoji="0" lang="en-US"/>
+          </a:p>
+        </p:txBody>
+      </p:sp>
+      <p:sp>
+        <p:nvSpPr>
+          <p:cNvPr id="2" name="Title 1"/>
+          <p:cNvSpPr>
+            <a:spLocks noGrp="1"/>
+          </p:cNvSpPr>
+          <p:nvPr>
+            <p:ph type="title"/>
+          </p:nvPr>
+        </p:nvSpPr>
+        <p:spPr>
+          <a:xfrm>
+            <a:off x="504824" y="512064"/>
+            <a:ext cx="7772400" cy="914400"/>
+          </a:xfrm>
+        </p:spPr>
+        <p:txBody>
+          <a:bodyPr anchor="t"/>
+          <a:lstStyle>
+            <a:lvl1pPr>
+              <a:defRPr sz="4000"/>
+            </a:lvl1pPr>
+            <a:extLst/>
+          </a:lstStyle>
+          <a:p>
+            <a:r>
+              <a:rPr kumimoji="0" lang="en-US" smtClean="0"/>
+              <a:t>Click to edit Master title style</a:t>
+            </a:r>
+            <a:endParaRPr kumimoji="0" lang="en-US"/>
+          </a:p>
+        </p:txBody>
+      </p:sp>
+      <p:sp>
+        <p:nvSpPr>
+          <p:cNvPr id="3" name="Text Placeholder 2"/>
+          <p:cNvSpPr>
+            <a:spLocks noGrp="1"/>
+          </p:cNvSpPr>
+          <p:nvPr>
+            <p:ph type="body" idx="1"/>
+          </p:nvPr>
+        </p:nvSpPr>
+        <p:spPr>
+          <a:xfrm>
+            <a:off x="457200" y="1809750"/>
             <a:ext cx="4040188" cy="639762"/>
           </a:xfrm>
         </p:spPr>
         <p:txBody>
-          <a:bodyPr anchor="b"/>
-          <a:lstStyle>
-            <a:lvl1pPr marL="0" indent="0">
+          <a:bodyPr anchor="ctr"/>
+          <a:lstStyle>
+            <a:lvl1pPr marL="73152" indent="0" algn="l">
               <a:buNone/>
-              <a:defRPr sz="2400" b="1"/>
+              <a:defRPr sz="2400" b="1">
+                <a:solidFill>
+                  <a:schemeClr val="accent2"/>
+                </a:solidFill>
+              </a:defRPr>
             </a:lvl1pPr>
-            <a:lvl2pPr marL="457200" indent="0">
+            <a:lvl2pPr>
               <a:buNone/>
               <a:defRPr sz="2000" b="1"/>
             </a:lvl2pPr>
-            <a:lvl3pPr marL="914400" indent="0">
+            <a:lvl3pPr>
               <a:buNone/>
               <a:defRPr sz="1800" b="1"/>
             </a:lvl3pPr>
-            <a:lvl4pPr marL="1371600" indent="0">
+            <a:lvl4pPr>
               <a:buNone/>
               <a:defRPr sz="1600" b="1"/>
             </a:lvl4pPr>
-            <a:lvl5pPr marL="1828800" indent="0">
+            <a:lvl5pPr>
               <a:buNone/>
               <a:defRPr sz="1600" b="1"/>
             </a:lvl5pPr>
-            <a:lvl6pPr marL="2286000" indent="0">
+            <a:extLst/>
+          </a:lstStyle>
+          <a:p>
+            <a:pPr lvl="0" eaLnBrk="1" latinLnBrk="0" hangingPunct="1"/>
+            <a:r>
+              <a:rPr kumimoji="0" lang="en-US" smtClean="0"/>
+              <a:t>Click to edit Master text styles</a:t>
+            </a:r>
+          </a:p>
+        </p:txBody>
+      </p:sp>
+      <p:sp>
+        <p:nvSpPr>
+          <p:cNvPr id="4" name="Text Placeholder 3"/>
+          <p:cNvSpPr>
+            <a:spLocks noGrp="1"/>
+          </p:cNvSpPr>
+          <p:nvPr>
+            <p:ph type="body" sz="half" idx="3"/>
+          </p:nvPr>
+        </p:nvSpPr>
+        <p:spPr>
+          <a:xfrm>
+            <a:off x="4645025" y="1809750"/>
+            <a:ext cx="4041775" cy="639762"/>
+          </a:xfrm>
+        </p:spPr>
+        <p:txBody>
+          <a:bodyPr anchor="ctr"/>
+          <a:lstStyle>
+            <a:lvl1pPr marL="73152" indent="0">
+              <a:buNone/>
+              <a:defRPr sz="2400" b="1">
+                <a:solidFill>
+                  <a:schemeClr val="accent2"/>
+                </a:solidFill>
+              </a:defRPr>
+            </a:lvl1pPr>
+            <a:lvl2pPr>
+              <a:buNone/>
+              <a:defRPr sz="2000" b="1"/>
+            </a:lvl2pPr>
+            <a:lvl3pPr>
+              <a:buNone/>
+              <a:defRPr sz="1800" b="1"/>
+            </a:lvl3pPr>
+            <a:lvl4pPr>
               <a:buNone/>
               <a:defRPr sz="1600" b="1"/>
-            </a:lvl6pPr>
-            <a:lvl7pPr marL="2743200" indent="0">
+            </a:lvl4pPr>
+            <a:lvl5pPr>
               <a:buNone/>
               <a:defRPr sz="1600" b="1"/>
-            </a:lvl7pPr>
-            <a:lvl8pPr marL="3200400" indent="0">
-              <a:buNone/>
-              <a:defRPr sz="1600" b="1"/>
-            </a:lvl8pPr>
-            <a:lvl9pPr marL="3657600" indent="0">
-              <a:buNone/>
-              <a:defRPr sz="1600" b="1"/>
-            </a:lvl9pPr>
-          </a:lstStyle>
-          <a:p>
-            <a:pPr lvl="0"/>
-            <a:r>
-              <a:rPr lang="en-US" smtClean="0"/>
+            </a:lvl5pPr>
+            <a:extLst/>
+          </a:lstStyle>
+          <a:p>
+            <a:pPr lvl="0" eaLnBrk="1" latinLnBrk="0" hangingPunct="1"/>
+            <a:r>
+              <a:rPr kumimoji="0" lang="en-US" smtClean="0"/>
               <a:t>Click to edit Master text styles</a:t>
             </a:r>
           </a:p>
@@ -1496,18 +3592,18 @@
       </p:sp>
       <p:sp>
         <p:nvSpPr>
-          <p:cNvPr id="4" name="Content Placeholder 3"/>
-          <p:cNvSpPr>
-            <a:spLocks noGrp="1"/>
-          </p:cNvSpPr>
-          <p:nvPr>
-            <p:ph sz="half" idx="2"/>
+          <p:cNvPr id="5" name="Content Placeholder 4"/>
+          <p:cNvSpPr>
+            <a:spLocks noGrp="1"/>
+          </p:cNvSpPr>
+          <p:nvPr>
+            <p:ph sz="quarter" idx="2"/>
           </p:nvPr>
         </p:nvSpPr>
         <p:spPr>
           <a:xfrm>
-            <a:off x="457200" y="2174875"/>
-            <a:ext cx="4040188" cy="3951288"/>
+            <a:off x="457200" y="2459037"/>
+            <a:ext cx="4040188" cy="3959352"/>
           </a:xfrm>
         </p:spPr>
         <p:txBody>
@@ -1528,136 +3624,60 @@
             <a:lvl5pPr>
               <a:defRPr sz="1600"/>
             </a:lvl5pPr>
-            <a:lvl6pPr>
-              <a:defRPr sz="1600"/>
-            </a:lvl6pPr>
-            <a:lvl7pPr>
-              <a:defRPr sz="1600"/>
-            </a:lvl7pPr>
-            <a:lvl8pPr>
-              <a:defRPr sz="1600"/>
-            </a:lvl8pPr>
-            <a:lvl9pPr>
-              <a:defRPr sz="1600"/>
-            </a:lvl9pPr>
-          </a:lstStyle>
-          <a:p>
-            <a:pPr lvl="0"/>
+            <a:extLst/>
+          </a:lstStyle>
+          <a:p>
+            <a:pPr lvl="0" eaLnBrk="1" latinLnBrk="0" hangingPunct="1"/>
             <a:r>
               <a:rPr lang="en-US" smtClean="0"/>
               <a:t>Click to edit Master text styles</a:t>
             </a:r>
           </a:p>
           <a:p>
-            <a:pPr lvl="1"/>
+            <a:pPr lvl="1" eaLnBrk="1" latinLnBrk="0" hangingPunct="1"/>
             <a:r>
               <a:rPr lang="en-US" smtClean="0"/>
               <a:t>Second level</a:t>
             </a:r>
           </a:p>
           <a:p>
-            <a:pPr lvl="2"/>
+            <a:pPr lvl="2" eaLnBrk="1" latinLnBrk="0" hangingPunct="1"/>
             <a:r>
               <a:rPr lang="en-US" smtClean="0"/>
               <a:t>Third level</a:t>
             </a:r>
           </a:p>
           <a:p>
-            <a:pPr lvl="3"/>
+            <a:pPr lvl="3" eaLnBrk="1" latinLnBrk="0" hangingPunct="1"/>
             <a:r>
               <a:rPr lang="en-US" smtClean="0"/>
               <a:t>Fourth level</a:t>
             </a:r>
           </a:p>
           <a:p>
-            <a:pPr lvl="4"/>
+            <a:pPr lvl="4" eaLnBrk="1" latinLnBrk="0" hangingPunct="1"/>
             <a:r>
               <a:rPr lang="en-US" smtClean="0"/>
               <a:t>Fifth level</a:t>
             </a:r>
-            <a:endParaRPr lang="lv-LV"/>
-          </a:p>
-        </p:txBody>
-      </p:sp>
-      <p:sp>
-        <p:nvSpPr>
-          <p:cNvPr id="5" name="Text Placeholder 4"/>
-          <p:cNvSpPr>
-            <a:spLocks noGrp="1"/>
-          </p:cNvSpPr>
-          <p:nvPr>
-            <p:ph type="body" sz="quarter" idx="3"/>
+            <a:endParaRPr kumimoji="0" lang="en-US"/>
+          </a:p>
+        </p:txBody>
+      </p:sp>
+      <p:sp>
+        <p:nvSpPr>
+          <p:cNvPr id="6" name="Content Placeholder 5"/>
+          <p:cNvSpPr>
+            <a:spLocks noGrp="1"/>
+          </p:cNvSpPr>
+          <p:nvPr>
+            <p:ph sz="quarter" idx="4"/>
           </p:nvPr>
         </p:nvSpPr>
         <p:spPr>
           <a:xfrm>
-            <a:off x="4645025" y="1535113"/>
-            <a:ext cx="4041775" cy="639762"/>
-          </a:xfrm>
-        </p:spPr>
-        <p:txBody>
-          <a:bodyPr anchor="b"/>
-          <a:lstStyle>
-            <a:lvl1pPr marL="0" indent="0">
-              <a:buNone/>
-              <a:defRPr sz="2400" b="1"/>
-            </a:lvl1pPr>
-            <a:lvl2pPr marL="457200" indent="0">
-              <a:buNone/>
-              <a:defRPr sz="2000" b="1"/>
-            </a:lvl2pPr>
-            <a:lvl3pPr marL="914400" indent="0">
-              <a:buNone/>
-              <a:defRPr sz="1800" b="1"/>
-            </a:lvl3pPr>
-            <a:lvl4pPr marL="1371600" indent="0">
-              <a:buNone/>
-              <a:defRPr sz="1600" b="1"/>
-            </a:lvl4pPr>
-            <a:lvl5pPr marL="1828800" indent="0">
-              <a:buNone/>
-              <a:defRPr sz="1600" b="1"/>
-            </a:lvl5pPr>
-            <a:lvl6pPr marL="2286000" indent="0">
-              <a:buNone/>
-              <a:defRPr sz="1600" b="1"/>
-            </a:lvl6pPr>
-            <a:lvl7pPr marL="2743200" indent="0">
-              <a:buNone/>
-              <a:defRPr sz="1600" b="1"/>
-            </a:lvl7pPr>
-            <a:lvl8pPr marL="3200400" indent="0">
-              <a:buNone/>
-              <a:defRPr sz="1600" b="1"/>
-            </a:lvl8pPr>
-            <a:lvl9pPr marL="3657600" indent="0">
-              <a:buNone/>
-              <a:defRPr sz="1600" b="1"/>
-            </a:lvl9pPr>
-          </a:lstStyle>
-          <a:p>
-            <a:pPr lvl="0"/>
-            <a:r>
-              <a:rPr lang="en-US" smtClean="0"/>
-              <a:t>Click to edit Master text styles</a:t>
-            </a:r>
-          </a:p>
-        </p:txBody>
-      </p:sp>
-      <p:sp>
-        <p:nvSpPr>
-          <p:cNvPr id="6" name="Content Placeholder 5"/>
-          <p:cNvSpPr>
-            <a:spLocks noGrp="1"/>
-          </p:cNvSpPr>
-          <p:nvPr>
-            <p:ph sz="quarter" idx="4"/>
-          </p:nvPr>
-        </p:nvSpPr>
-        <p:spPr>
-          <a:xfrm>
-            <a:off x="4645025" y="2174875"/>
-            <a:ext cx="4041775" cy="3951288"/>
+            <a:off x="4645025" y="2459037"/>
+            <a:ext cx="4041775" cy="3959352"/>
           </a:xfrm>
         </p:spPr>
         <p:txBody>
@@ -1678,54 +3698,43 @@
             <a:lvl5pPr>
               <a:defRPr sz="1600"/>
             </a:lvl5pPr>
-            <a:lvl6pPr>
-              <a:defRPr sz="1600"/>
-            </a:lvl6pPr>
-            <a:lvl7pPr>
-              <a:defRPr sz="1600"/>
-            </a:lvl7pPr>
-            <a:lvl8pPr>
-              <a:defRPr sz="1600"/>
-            </a:lvl8pPr>
-            <a:lvl9pPr>
-              <a:defRPr sz="1600"/>
-            </a:lvl9pPr>
-          </a:lstStyle>
-          <a:p>
-            <a:pPr lvl="0"/>
+            <a:extLst/>
+          </a:lstStyle>
+          <a:p>
+            <a:pPr lvl="0" eaLnBrk="1" latinLnBrk="0" hangingPunct="1"/>
             <a:r>
               <a:rPr lang="en-US" smtClean="0"/>
               <a:t>Click to edit Master text styles</a:t>
             </a:r>
           </a:p>
           <a:p>
-            <a:pPr lvl="1"/>
+            <a:pPr lvl="1" eaLnBrk="1" latinLnBrk="0" hangingPunct="1"/>
             <a:r>
               <a:rPr lang="en-US" smtClean="0"/>
               <a:t>Second level</a:t>
             </a:r>
           </a:p>
           <a:p>
-            <a:pPr lvl="2"/>
+            <a:pPr lvl="2" eaLnBrk="1" latinLnBrk="0" hangingPunct="1"/>
             <a:r>
               <a:rPr lang="en-US" smtClean="0"/>
               <a:t>Third level</a:t>
             </a:r>
           </a:p>
           <a:p>
-            <a:pPr lvl="3"/>
+            <a:pPr lvl="3" eaLnBrk="1" latinLnBrk="0" hangingPunct="1"/>
             <a:r>
               <a:rPr lang="en-US" smtClean="0"/>
               <a:t>Fourth level</a:t>
             </a:r>
           </a:p>
           <a:p>
-            <a:pPr lvl="4"/>
+            <a:pPr lvl="4" eaLnBrk="1" latinLnBrk="0" hangingPunct="1"/>
             <a:r>
               <a:rPr lang="en-US" smtClean="0"/>
               <a:t>Fifth level</a:t>
             </a:r>
-            <a:endParaRPr lang="lv-LV"/>
+            <a:endParaRPr kumimoji="0" lang="en-US"/>
           </a:p>
         </p:txBody>
       </p:sp>
@@ -1742,12 +3751,14 @@
         <p:spPr/>
         <p:txBody>
           <a:bodyPr/>
-          <a:lstStyle/>
+          <a:lstStyle>
+            <a:extLst/>
+          </a:lstStyle>
           <a:p>
             <a:fld id="{29F434F8-D001-41C5-B56B-022538BFE3FA}" type="datetimeFigureOut">
               <a:rPr lang="lv-LV" smtClean="0"/>
               <a:pPr/>
-              <a:t>07.06.2022</a:t>
+              <a:t>09.06.2022</a:t>
             </a:fld>
             <a:endParaRPr lang="lv-LV"/>
           </a:p>
@@ -1766,7 +3777,9 @@
         <p:spPr/>
         <p:txBody>
           <a:bodyPr/>
-          <a:lstStyle/>
+          <a:lstStyle>
+            <a:extLst/>
+          </a:lstStyle>
           <a:p>
             <a:endParaRPr lang="lv-LV"/>
           </a:p>
@@ -1785,7 +3798,9 @@
         <p:spPr/>
         <p:txBody>
           <a:bodyPr/>
-          <a:lstStyle/>
+          <a:lstStyle>
+            <a:extLst/>
+          </a:lstStyle>
           <a:p>
             <a:fld id="{3FAF74E2-2FBE-4046-B081-2C955BE03488}" type="slidenum">
               <a:rPr lang="lv-LV" smtClean="0"/>
@@ -1793,6 +3808,438 @@
               <a:t>‹#›</a:t>
             </a:fld>
             <a:endParaRPr lang="lv-LV"/>
+          </a:p>
+        </p:txBody>
+      </p:sp>
+      <p:sp>
+        <p:nvSpPr>
+          <p:cNvPr id="16" name="Rectangle 15"/>
+          <p:cNvSpPr/>
+          <p:nvPr/>
+        </p:nvSpPr>
+        <p:spPr>
+          <a:xfrm>
+            <a:off x="87790" y="680477"/>
+            <a:ext cx="45720" cy="365760"/>
+          </a:xfrm>
+          <a:prstGeom prst="rect">
+            <a:avLst/>
+          </a:prstGeom>
+          <a:solidFill>
+            <a:schemeClr val="bg2"/>
+          </a:solidFill>
+          <a:ln w="50800" cap="rnd" cmpd="thickThin" algn="ctr">
+            <a:noFill/>
+            <a:prstDash val="solid"/>
+          </a:ln>
+          <a:effectLst/>
+        </p:spPr>
+        <p:style>
+          <a:lnRef idx="3">
+            <a:schemeClr val="lt1"/>
+          </a:lnRef>
+          <a:fillRef idx="1">
+            <a:schemeClr val="accent1"/>
+          </a:fillRef>
+          <a:effectRef idx="1">
+            <a:schemeClr val="accent1"/>
+          </a:effectRef>
+          <a:fontRef idx="minor">
+            <a:schemeClr val="lt1"/>
+          </a:fontRef>
+        </p:style>
+        <p:txBody>
+          <a:bodyPr anchor="ctr"/>
+          <a:lstStyle>
+            <a:extLst/>
+          </a:lstStyle>
+          <a:p>
+            <a:pPr algn="ctr" eaLnBrk="1" latinLnBrk="0" hangingPunct="1"/>
+            <a:endParaRPr kumimoji="0" lang="en-US" dirty="0"/>
+          </a:p>
+        </p:txBody>
+      </p:sp>
+      <p:sp>
+        <p:nvSpPr>
+          <p:cNvPr id="17" name="Rectangle 16"/>
+          <p:cNvSpPr/>
+          <p:nvPr/>
+        </p:nvSpPr>
+        <p:spPr>
+          <a:xfrm>
+            <a:off x="47305" y="680477"/>
+            <a:ext cx="27432" cy="365760"/>
+          </a:xfrm>
+          <a:prstGeom prst="rect">
+            <a:avLst/>
+          </a:prstGeom>
+          <a:solidFill>
+            <a:schemeClr val="bg2"/>
+          </a:solidFill>
+          <a:ln w="50800" cap="rnd" cmpd="thickThin" algn="ctr">
+            <a:noFill/>
+            <a:prstDash val="solid"/>
+          </a:ln>
+          <a:effectLst/>
+        </p:spPr>
+        <p:style>
+          <a:lnRef idx="3">
+            <a:schemeClr val="lt1"/>
+          </a:lnRef>
+          <a:fillRef idx="1">
+            <a:schemeClr val="accent1"/>
+          </a:fillRef>
+          <a:effectRef idx="1">
+            <a:schemeClr val="accent1"/>
+          </a:effectRef>
+          <a:fontRef idx="minor">
+            <a:schemeClr val="lt1"/>
+          </a:fontRef>
+        </p:style>
+        <p:txBody>
+          <a:bodyPr anchor="ctr"/>
+          <a:lstStyle>
+            <a:extLst/>
+          </a:lstStyle>
+          <a:p>
+            <a:pPr algn="ctr" eaLnBrk="1" latinLnBrk="0" hangingPunct="1"/>
+            <a:endParaRPr kumimoji="0" lang="en-US" dirty="0"/>
+          </a:p>
+        </p:txBody>
+      </p:sp>
+      <p:sp>
+        <p:nvSpPr>
+          <p:cNvPr id="18" name="Rectangle 17"/>
+          <p:cNvSpPr/>
+          <p:nvPr/>
+        </p:nvSpPr>
+        <p:spPr>
+          <a:xfrm>
+            <a:off x="28252" y="680477"/>
+            <a:ext cx="9144" cy="365760"/>
+          </a:xfrm>
+          <a:prstGeom prst="rect">
+            <a:avLst/>
+          </a:prstGeom>
+          <a:solidFill>
+            <a:schemeClr val="bg2"/>
+          </a:solidFill>
+          <a:ln w="50800" cap="rnd" cmpd="thickThin" algn="ctr">
+            <a:noFill/>
+            <a:prstDash val="solid"/>
+          </a:ln>
+          <a:effectLst/>
+        </p:spPr>
+        <p:style>
+          <a:lnRef idx="3">
+            <a:schemeClr val="lt1"/>
+          </a:lnRef>
+          <a:fillRef idx="1">
+            <a:schemeClr val="accent1"/>
+          </a:fillRef>
+          <a:effectRef idx="1">
+            <a:schemeClr val="accent1"/>
+          </a:effectRef>
+          <a:fontRef idx="minor">
+            <a:schemeClr val="lt1"/>
+          </a:fontRef>
+        </p:style>
+        <p:txBody>
+          <a:bodyPr anchor="ctr"/>
+          <a:lstStyle>
+            <a:extLst/>
+          </a:lstStyle>
+          <a:p>
+            <a:pPr algn="ctr" eaLnBrk="1" latinLnBrk="0" hangingPunct="1"/>
+            <a:endParaRPr kumimoji="0" lang="en-US"/>
+          </a:p>
+        </p:txBody>
+      </p:sp>
+      <p:sp>
+        <p:nvSpPr>
+          <p:cNvPr id="19" name="Rectangle 18"/>
+          <p:cNvSpPr/>
+          <p:nvPr/>
+        </p:nvSpPr>
+        <p:spPr>
+          <a:xfrm>
+            <a:off x="0" y="680477"/>
+            <a:ext cx="9144" cy="365760"/>
+          </a:xfrm>
+          <a:prstGeom prst="rect">
+            <a:avLst/>
+          </a:prstGeom>
+          <a:solidFill>
+            <a:schemeClr val="bg2"/>
+          </a:solidFill>
+          <a:ln w="50800" cap="rnd" cmpd="thickThin" algn="ctr">
+            <a:noFill/>
+            <a:prstDash val="solid"/>
+          </a:ln>
+          <a:effectLst/>
+        </p:spPr>
+        <p:style>
+          <a:lnRef idx="3">
+            <a:schemeClr val="lt1"/>
+          </a:lnRef>
+          <a:fillRef idx="1">
+            <a:schemeClr val="accent1"/>
+          </a:fillRef>
+          <a:effectRef idx="1">
+            <a:schemeClr val="accent1"/>
+          </a:effectRef>
+          <a:fontRef idx="minor">
+            <a:schemeClr val="lt1"/>
+          </a:fontRef>
+        </p:style>
+        <p:txBody>
+          <a:bodyPr anchor="ctr"/>
+          <a:lstStyle>
+            <a:extLst/>
+          </a:lstStyle>
+          <a:p>
+            <a:pPr algn="ctr" eaLnBrk="1" latinLnBrk="0" hangingPunct="1"/>
+            <a:endParaRPr kumimoji="0" lang="en-US" dirty="0"/>
+          </a:p>
+        </p:txBody>
+      </p:sp>
+      <p:sp>
+        <p:nvSpPr>
+          <p:cNvPr id="20" name="Rectangle 19"/>
+          <p:cNvSpPr/>
+          <p:nvPr/>
+        </p:nvSpPr>
+        <p:spPr>
+          <a:xfrm flipH="1">
+            <a:off x="149770" y="680477"/>
+            <a:ext cx="27432" cy="365760"/>
+          </a:xfrm>
+          <a:prstGeom prst="rect">
+            <a:avLst/>
+          </a:prstGeom>
+          <a:solidFill>
+            <a:schemeClr val="bg2"/>
+          </a:solidFill>
+          <a:ln w="50800" cap="rnd" cmpd="thickThin" algn="ctr">
+            <a:noFill/>
+            <a:prstDash val="solid"/>
+          </a:ln>
+          <a:effectLst/>
+        </p:spPr>
+        <p:style>
+          <a:lnRef idx="3">
+            <a:schemeClr val="lt1"/>
+          </a:lnRef>
+          <a:fillRef idx="1">
+            <a:schemeClr val="accent1"/>
+          </a:fillRef>
+          <a:effectRef idx="1">
+            <a:schemeClr val="accent1"/>
+          </a:effectRef>
+          <a:fontRef idx="minor">
+            <a:schemeClr val="lt1"/>
+          </a:fontRef>
+        </p:style>
+        <p:txBody>
+          <a:bodyPr anchor="ctr"/>
+          <a:lstStyle>
+            <a:extLst/>
+          </a:lstStyle>
+          <a:p>
+            <a:pPr algn="ctr" eaLnBrk="1" latinLnBrk="0" hangingPunct="1"/>
+            <a:endParaRPr kumimoji="0" lang="en-US" dirty="0"/>
+          </a:p>
+        </p:txBody>
+      </p:sp>
+      <p:sp>
+        <p:nvSpPr>
+          <p:cNvPr id="21" name="Rectangle 20"/>
+          <p:cNvSpPr/>
+          <p:nvPr/>
+        </p:nvSpPr>
+        <p:spPr>
+          <a:xfrm flipH="1">
+            <a:off x="189341" y="680477"/>
+            <a:ext cx="27432" cy="365760"/>
+          </a:xfrm>
+          <a:prstGeom prst="rect">
+            <a:avLst/>
+          </a:prstGeom>
+          <a:solidFill>
+            <a:schemeClr val="bg2"/>
+          </a:solidFill>
+          <a:ln w="50800" cap="rnd" cmpd="thickThin" algn="ctr">
+            <a:noFill/>
+            <a:prstDash val="solid"/>
+          </a:ln>
+          <a:effectLst/>
+        </p:spPr>
+        <p:style>
+          <a:lnRef idx="3">
+            <a:schemeClr val="lt1"/>
+          </a:lnRef>
+          <a:fillRef idx="1">
+            <a:schemeClr val="accent1"/>
+          </a:fillRef>
+          <a:effectRef idx="1">
+            <a:schemeClr val="accent1"/>
+          </a:effectRef>
+          <a:fontRef idx="minor">
+            <a:schemeClr val="lt1"/>
+          </a:fontRef>
+        </p:style>
+        <p:txBody>
+          <a:bodyPr anchor="ctr"/>
+          <a:lstStyle>
+            <a:extLst/>
+          </a:lstStyle>
+          <a:p>
+            <a:pPr algn="ctr" eaLnBrk="1" latinLnBrk="0" hangingPunct="1"/>
+            <a:endParaRPr kumimoji="0" lang="en-US" dirty="0"/>
+          </a:p>
+        </p:txBody>
+      </p:sp>
+      <p:sp>
+        <p:nvSpPr>
+          <p:cNvPr id="22" name="Rectangle 21"/>
+          <p:cNvSpPr/>
+          <p:nvPr/>
+        </p:nvSpPr>
+        <p:spPr>
+          <a:xfrm flipH="1">
+            <a:off x="226682" y="680477"/>
+            <a:ext cx="9144" cy="365760"/>
+          </a:xfrm>
+          <a:prstGeom prst="rect">
+            <a:avLst/>
+          </a:prstGeom>
+          <a:solidFill>
+            <a:schemeClr val="bg2"/>
+          </a:solidFill>
+          <a:ln w="50800" cap="rnd" cmpd="thickThin" algn="ctr">
+            <a:noFill/>
+            <a:prstDash val="solid"/>
+          </a:ln>
+          <a:effectLst/>
+        </p:spPr>
+        <p:style>
+          <a:lnRef idx="3">
+            <a:schemeClr val="lt1"/>
+          </a:lnRef>
+          <a:fillRef idx="1">
+            <a:schemeClr val="accent1"/>
+          </a:fillRef>
+          <a:effectRef idx="1">
+            <a:schemeClr val="accent1"/>
+          </a:effectRef>
+          <a:fontRef idx="minor">
+            <a:schemeClr val="lt1"/>
+          </a:fontRef>
+        </p:style>
+        <p:txBody>
+          <a:bodyPr anchor="ctr"/>
+          <a:lstStyle>
+            <a:extLst/>
+          </a:lstStyle>
+          <a:p>
+            <a:pPr algn="ctr" eaLnBrk="1" latinLnBrk="0" hangingPunct="1"/>
+            <a:endParaRPr kumimoji="0" lang="en-US"/>
+          </a:p>
+        </p:txBody>
+      </p:sp>
+      <p:sp>
+        <p:nvSpPr>
+          <p:cNvPr id="29" name="Rectangle 28"/>
+          <p:cNvSpPr/>
+          <p:nvPr/>
+        </p:nvSpPr>
+        <p:spPr>
+          <a:xfrm flipH="1">
+            <a:off x="254934" y="680477"/>
+            <a:ext cx="9144" cy="365760"/>
+          </a:xfrm>
+          <a:prstGeom prst="rect">
+            <a:avLst/>
+          </a:prstGeom>
+          <a:solidFill>
+            <a:schemeClr val="bg2"/>
+          </a:solidFill>
+          <a:ln w="50800" cap="rnd" cmpd="thickThin" algn="ctr">
+            <a:noFill/>
+            <a:prstDash val="solid"/>
+          </a:ln>
+          <a:effectLst/>
+        </p:spPr>
+        <p:style>
+          <a:lnRef idx="3">
+            <a:schemeClr val="lt1"/>
+          </a:lnRef>
+          <a:fillRef idx="1">
+            <a:schemeClr val="accent1"/>
+          </a:fillRef>
+          <a:effectRef idx="1">
+            <a:schemeClr val="accent1"/>
+          </a:effectRef>
+          <a:fontRef idx="minor">
+            <a:schemeClr val="lt1"/>
+          </a:fontRef>
+        </p:style>
+        <p:txBody>
+          <a:bodyPr anchor="ctr"/>
+          <a:lstStyle>
+            <a:extLst/>
+          </a:lstStyle>
+          <a:p>
+            <a:pPr algn="ctr" eaLnBrk="1" latinLnBrk="0" hangingPunct="1"/>
+            <a:endParaRPr kumimoji="0" lang="en-US" dirty="0"/>
+          </a:p>
+        </p:txBody>
+      </p:sp>
+      <p:sp>
+        <p:nvSpPr>
+          <p:cNvPr id="30" name="Rectangle 29"/>
+          <p:cNvSpPr/>
+          <p:nvPr/>
+        </p:nvSpPr>
+        <p:spPr>
+          <a:xfrm>
+            <a:off x="278710" y="680477"/>
+            <a:ext cx="36576" cy="365760"/>
+          </a:xfrm>
+          <a:prstGeom prst="rect">
+            <a:avLst/>
+          </a:prstGeom>
+          <a:solidFill>
+            <a:schemeClr val="bg2"/>
+          </a:solidFill>
+          <a:ln w="50800" cap="rnd" cmpd="thickThin" algn="ctr">
+            <a:noFill/>
+            <a:prstDash val="solid"/>
+          </a:ln>
+          <a:effectLst/>
+        </p:spPr>
+        <p:style>
+          <a:lnRef idx="3">
+            <a:schemeClr val="lt1"/>
+          </a:lnRef>
+          <a:fillRef idx="1">
+            <a:schemeClr val="accent1"/>
+          </a:fillRef>
+          <a:effectRef idx="1">
+            <a:schemeClr val="accent1"/>
+          </a:effectRef>
+          <a:fontRef idx="minor">
+            <a:schemeClr val="lt1"/>
+          </a:fontRef>
+        </p:style>
+        <p:txBody>
+          <a:bodyPr anchor="ctr"/>
+          <a:lstStyle>
+            <a:extLst/>
+          </a:lstStyle>
+          <a:p>
+            <a:pPr algn="ctr" eaLnBrk="1" latinLnBrk="0" hangingPunct="1"/>
+            <a:endParaRPr kumimoji="0" lang="en-US" dirty="0"/>
           </a:p>
         </p:txBody>
       </p:sp>
@@ -1831,38 +4278,50 @@
             <p:ph type="title"/>
           </p:nvPr>
         </p:nvSpPr>
+        <p:spPr>
+          <a:xfrm>
+            <a:off x="914400" y="512064"/>
+            <a:ext cx="7772400" cy="914400"/>
+          </a:xfrm>
+        </p:spPr>
+        <p:txBody>
+          <a:bodyPr/>
+          <a:lstStyle>
+            <a:lvl1pPr>
+              <a:defRPr sz="4000" cap="none" baseline="0"/>
+            </a:lvl1pPr>
+            <a:extLst/>
+          </a:lstStyle>
+          <a:p>
+            <a:r>
+              <a:rPr kumimoji="0" lang="en-US" smtClean="0"/>
+              <a:t>Click to edit Master title style</a:t>
+            </a:r>
+            <a:endParaRPr kumimoji="0" lang="en-US"/>
+          </a:p>
+        </p:txBody>
+      </p:sp>
+      <p:sp>
+        <p:nvSpPr>
+          <p:cNvPr id="3" name="Date Placeholder 2"/>
+          <p:cNvSpPr>
+            <a:spLocks noGrp="1"/>
+          </p:cNvSpPr>
+          <p:nvPr>
+            <p:ph type="dt" sz="half" idx="10"/>
+          </p:nvPr>
+        </p:nvSpPr>
         <p:spPr/>
         <p:txBody>
           <a:bodyPr/>
-          <a:lstStyle/>
-          <a:p>
-            <a:r>
-              <a:rPr lang="en-US" smtClean="0"/>
-              <a:t>Click to edit Master title style</a:t>
-            </a:r>
-            <a:endParaRPr lang="lv-LV"/>
-          </a:p>
-        </p:txBody>
-      </p:sp>
-      <p:sp>
-        <p:nvSpPr>
-          <p:cNvPr id="3" name="Date Placeholder 2"/>
-          <p:cNvSpPr>
-            <a:spLocks noGrp="1"/>
-          </p:cNvSpPr>
-          <p:nvPr>
-            <p:ph type="dt" sz="half" idx="10"/>
-          </p:nvPr>
-        </p:nvSpPr>
-        <p:spPr/>
-        <p:txBody>
-          <a:bodyPr/>
-          <a:lstStyle/>
+          <a:lstStyle>
+            <a:extLst/>
+          </a:lstStyle>
           <a:p>
             <a:fld id="{29F434F8-D001-41C5-B56B-022538BFE3FA}" type="datetimeFigureOut">
               <a:rPr lang="lv-LV" smtClean="0"/>
               <a:pPr/>
-              <a:t>07.06.2022</a:t>
+              <a:t>09.06.2022</a:t>
             </a:fld>
             <a:endParaRPr lang="lv-LV"/>
           </a:p>
@@ -1881,7 +4340,9 @@
         <p:spPr/>
         <p:txBody>
           <a:bodyPr/>
-          <a:lstStyle/>
+          <a:lstStyle>
+            <a:extLst/>
+          </a:lstStyle>
           <a:p>
             <a:endParaRPr lang="lv-LV"/>
           </a:p>
@@ -1900,7 +4361,9 @@
         <p:spPr/>
         <p:txBody>
           <a:bodyPr/>
-          <a:lstStyle/>
+          <a:lstStyle>
+            <a:extLst/>
+          </a:lstStyle>
           <a:p>
             <a:fld id="{3FAF74E2-2FBE-4046-B081-2C955BE03488}" type="slidenum">
               <a:rPr lang="lv-LV" smtClean="0"/>
@@ -1920,7 +4383,7 @@
 </file>
 
 <file path=ppt/slideLayouts/slideLayout7.xml><?xml version="1.0" encoding="utf-8"?>
-<p:sldLayout xmlns:a="http://schemas.openxmlformats.org/drawingml/2006/main" xmlns:r="http://schemas.openxmlformats.org/officeDocument/2006/relationships" xmlns:p="http://schemas.openxmlformats.org/presentationml/2006/main" type="blank" preserve="1">
+<p:sldLayout xmlns:a="http://schemas.openxmlformats.org/drawingml/2006/main" xmlns:r="http://schemas.openxmlformats.org/officeDocument/2006/relationships" xmlns:p="http://schemas.openxmlformats.org/presentationml/2006/main" showMasterSp="0" type="blank" preserve="1">
   <p:cSld name="Blank">
     <p:spTree>
       <p:nvGrpSpPr>
@@ -1949,12 +4412,14 @@
         <p:spPr/>
         <p:txBody>
           <a:bodyPr/>
-          <a:lstStyle/>
+          <a:lstStyle>
+            <a:extLst/>
+          </a:lstStyle>
           <a:p>
             <a:fld id="{29F434F8-D001-41C5-B56B-022538BFE3FA}" type="datetimeFigureOut">
               <a:rPr lang="lv-LV" smtClean="0"/>
               <a:pPr/>
-              <a:t>07.06.2022</a:t>
+              <a:t>09.06.2022</a:t>
             </a:fld>
             <a:endParaRPr lang="lv-LV"/>
           </a:p>
@@ -1973,7 +4438,9 @@
         <p:spPr/>
         <p:txBody>
           <a:bodyPr/>
-          <a:lstStyle/>
+          <a:lstStyle>
+            <a:extLst/>
+          </a:lstStyle>
           <a:p>
             <a:endParaRPr lang="lv-LV"/>
           </a:p>
@@ -1992,7 +4459,9 @@
         <p:spPr/>
         <p:txBody>
           <a:bodyPr/>
-          <a:lstStyle/>
+          <a:lstStyle>
+            <a:extLst/>
+          </a:lstStyle>
           <a:p>
             <a:fld id="{3FAF74E2-2FBE-4046-B081-2C955BE03488}" type="slidenum">
               <a:rPr lang="lv-LV" smtClean="0"/>
@@ -2040,40 +4509,92 @@
         </p:nvSpPr>
         <p:spPr>
           <a:xfrm>
-            <a:off x="457200" y="273050"/>
-            <a:ext cx="3008313" cy="1162050"/>
-          </a:xfrm>
-        </p:spPr>
-        <p:txBody>
-          <a:bodyPr anchor="b"/>
+            <a:off x="685800" y="273050"/>
+            <a:ext cx="8229600" cy="1162050"/>
+          </a:xfrm>
+        </p:spPr>
+        <p:txBody>
+          <a:bodyPr anchor="ctr"/>
           <a:lstStyle>
             <a:lvl1pPr algn="l">
-              <a:defRPr sz="2000" b="1"/>
+              <a:buNone/>
+              <a:defRPr sz="3600" b="0"/>
             </a:lvl1pPr>
-          </a:lstStyle>
-          <a:p>
-            <a:r>
-              <a:rPr lang="en-US" smtClean="0"/>
+            <a:extLst/>
+          </a:lstStyle>
+          <a:p>
+            <a:r>
+              <a:rPr kumimoji="0" lang="en-US" smtClean="0"/>
               <a:t>Click to edit Master title style</a:t>
             </a:r>
-            <a:endParaRPr lang="lv-LV"/>
-          </a:p>
-        </p:txBody>
-      </p:sp>
-      <p:sp>
-        <p:nvSpPr>
-          <p:cNvPr id="3" name="Content Placeholder 2"/>
-          <p:cNvSpPr>
-            <a:spLocks noGrp="1"/>
-          </p:cNvSpPr>
-          <p:nvPr>
-            <p:ph idx="1"/>
+            <a:endParaRPr kumimoji="0" lang="en-US"/>
+          </a:p>
+        </p:txBody>
+      </p:sp>
+      <p:sp>
+        <p:nvSpPr>
+          <p:cNvPr id="3" name="Text Placeholder 2"/>
+          <p:cNvSpPr>
+            <a:spLocks noGrp="1"/>
+          </p:cNvSpPr>
+          <p:nvPr>
+            <p:ph type="body" idx="2"/>
           </p:nvPr>
         </p:nvSpPr>
         <p:spPr>
           <a:xfrm>
-            <a:off x="3575050" y="273050"/>
-            <a:ext cx="5111750" cy="5853113"/>
+            <a:off x="685800" y="1435100"/>
+            <a:ext cx="2514600" cy="4572000"/>
+          </a:xfrm>
+        </p:spPr>
+        <p:txBody>
+          <a:bodyPr/>
+          <a:lstStyle>
+            <a:lvl1pPr marL="54864" indent="0">
+              <a:buNone/>
+              <a:defRPr sz="1800"/>
+            </a:lvl1pPr>
+            <a:lvl2pPr>
+              <a:buNone/>
+              <a:defRPr sz="1200"/>
+            </a:lvl2pPr>
+            <a:lvl3pPr>
+              <a:buNone/>
+              <a:defRPr sz="1000"/>
+            </a:lvl3pPr>
+            <a:lvl4pPr>
+              <a:buNone/>
+              <a:defRPr sz="900"/>
+            </a:lvl4pPr>
+            <a:lvl5pPr>
+              <a:buNone/>
+              <a:defRPr sz="900"/>
+            </a:lvl5pPr>
+            <a:extLst/>
+          </a:lstStyle>
+          <a:p>
+            <a:pPr lvl="0" eaLnBrk="1" latinLnBrk="0" hangingPunct="1"/>
+            <a:r>
+              <a:rPr kumimoji="0" lang="en-US" smtClean="0"/>
+              <a:t>Click to edit Master text styles</a:t>
+            </a:r>
+          </a:p>
+        </p:txBody>
+      </p:sp>
+      <p:sp>
+        <p:nvSpPr>
+          <p:cNvPr id="4" name="Content Placeholder 3"/>
+          <p:cNvSpPr>
+            <a:spLocks noGrp="1"/>
+          </p:cNvSpPr>
+          <p:nvPr>
+            <p:ph sz="half" idx="1"/>
+          </p:nvPr>
+        </p:nvSpPr>
+        <p:spPr>
+          <a:xfrm>
+            <a:off x="3429000" y="1435100"/>
+            <a:ext cx="5486400" cy="4572000"/>
           </a:xfrm>
         </p:spPr>
         <p:txBody>
@@ -2094,141 +4615,67 @@
             <a:lvl5pPr>
               <a:defRPr sz="2000"/>
             </a:lvl5pPr>
-            <a:lvl6pPr>
-              <a:defRPr sz="2000"/>
-            </a:lvl6pPr>
-            <a:lvl7pPr>
-              <a:defRPr sz="2000"/>
-            </a:lvl7pPr>
-            <a:lvl8pPr>
-              <a:defRPr sz="2000"/>
-            </a:lvl8pPr>
-            <a:lvl9pPr>
-              <a:defRPr sz="2000"/>
-            </a:lvl9pPr>
-          </a:lstStyle>
-          <a:p>
-            <a:pPr lvl="0"/>
+            <a:extLst/>
+          </a:lstStyle>
+          <a:p>
+            <a:pPr lvl="0" eaLnBrk="1" latinLnBrk="0" hangingPunct="1"/>
             <a:r>
               <a:rPr lang="en-US" smtClean="0"/>
               <a:t>Click to edit Master text styles</a:t>
             </a:r>
           </a:p>
           <a:p>
-            <a:pPr lvl="1"/>
+            <a:pPr lvl="1" eaLnBrk="1" latinLnBrk="0" hangingPunct="1"/>
             <a:r>
               <a:rPr lang="en-US" smtClean="0"/>
               <a:t>Second level</a:t>
             </a:r>
           </a:p>
           <a:p>
-            <a:pPr lvl="2"/>
+            <a:pPr lvl="2" eaLnBrk="1" latinLnBrk="0" hangingPunct="1"/>
             <a:r>
               <a:rPr lang="en-US" smtClean="0"/>
               <a:t>Third level</a:t>
             </a:r>
           </a:p>
           <a:p>
-            <a:pPr lvl="3"/>
+            <a:pPr lvl="3" eaLnBrk="1" latinLnBrk="0" hangingPunct="1"/>
             <a:r>
               <a:rPr lang="en-US" smtClean="0"/>
               <a:t>Fourth level</a:t>
             </a:r>
           </a:p>
           <a:p>
-            <a:pPr lvl="4"/>
+            <a:pPr lvl="4" eaLnBrk="1" latinLnBrk="0" hangingPunct="1"/>
             <a:r>
               <a:rPr lang="en-US" smtClean="0"/>
               <a:t>Fifth level</a:t>
             </a:r>
-            <a:endParaRPr lang="lv-LV"/>
-          </a:p>
-        </p:txBody>
-      </p:sp>
-      <p:sp>
-        <p:nvSpPr>
-          <p:cNvPr id="4" name="Text Placeholder 3"/>
-          <p:cNvSpPr>
-            <a:spLocks noGrp="1"/>
-          </p:cNvSpPr>
-          <p:nvPr>
-            <p:ph type="body" sz="half" idx="2"/>
-          </p:nvPr>
-        </p:nvSpPr>
-        <p:spPr>
-          <a:xfrm>
-            <a:off x="457200" y="1435100"/>
-            <a:ext cx="3008313" cy="4691063"/>
-          </a:xfrm>
-        </p:spPr>
+            <a:endParaRPr kumimoji="0" lang="en-US"/>
+          </a:p>
+        </p:txBody>
+      </p:sp>
+      <p:sp>
+        <p:nvSpPr>
+          <p:cNvPr id="5" name="Date Placeholder 4"/>
+          <p:cNvSpPr>
+            <a:spLocks noGrp="1"/>
+          </p:cNvSpPr>
+          <p:nvPr>
+            <p:ph type="dt" sz="half" idx="10"/>
+          </p:nvPr>
+        </p:nvSpPr>
+        <p:spPr/>
         <p:txBody>
           <a:bodyPr/>
           <a:lstStyle>
-            <a:lvl1pPr marL="0" indent="0">
-              <a:buNone/>
-              <a:defRPr sz="1400"/>
-            </a:lvl1pPr>
-            <a:lvl2pPr marL="457200" indent="0">
-              <a:buNone/>
-              <a:defRPr sz="1200"/>
-            </a:lvl2pPr>
-            <a:lvl3pPr marL="914400" indent="0">
-              <a:buNone/>
-              <a:defRPr sz="1000"/>
-            </a:lvl3pPr>
-            <a:lvl4pPr marL="1371600" indent="0">
-              <a:buNone/>
-              <a:defRPr sz="900"/>
-            </a:lvl4pPr>
-            <a:lvl5pPr marL="1828800" indent="0">
-              <a:buNone/>
-              <a:defRPr sz="900"/>
-            </a:lvl5pPr>
-            <a:lvl6pPr marL="2286000" indent="0">
-              <a:buNone/>
-              <a:defRPr sz="900"/>
-            </a:lvl6pPr>
-            <a:lvl7pPr marL="2743200" indent="0">
-              <a:buNone/>
-              <a:defRPr sz="900"/>
-            </a:lvl7pPr>
-            <a:lvl8pPr marL="3200400" indent="0">
-              <a:buNone/>
-              <a:defRPr sz="900"/>
-            </a:lvl8pPr>
-            <a:lvl9pPr marL="3657600" indent="0">
-              <a:buNone/>
-              <a:defRPr sz="900"/>
-            </a:lvl9pPr>
-          </a:lstStyle>
-          <a:p>
-            <a:pPr lvl="0"/>
-            <a:r>
-              <a:rPr lang="en-US" smtClean="0"/>
-              <a:t>Click to edit Master text styles</a:t>
-            </a:r>
-          </a:p>
-        </p:txBody>
-      </p:sp>
-      <p:sp>
-        <p:nvSpPr>
-          <p:cNvPr id="5" name="Date Placeholder 4"/>
-          <p:cNvSpPr>
-            <a:spLocks noGrp="1"/>
-          </p:cNvSpPr>
-          <p:nvPr>
-            <p:ph type="dt" sz="half" idx="10"/>
-          </p:nvPr>
-        </p:nvSpPr>
-        <p:spPr/>
-        <p:txBody>
-          <a:bodyPr/>
-          <a:lstStyle/>
+            <a:extLst/>
+          </a:lstStyle>
           <a:p>
             <a:fld id="{29F434F8-D001-41C5-B56B-022538BFE3FA}" type="datetimeFigureOut">
               <a:rPr lang="lv-LV" smtClean="0"/>
               <a:pPr/>
-              <a:t>07.06.2022</a:t>
+              <a:t>09.06.2022</a:t>
             </a:fld>
             <a:endParaRPr lang="lv-LV"/>
           </a:p>
@@ -2247,7 +4694,9 @@
         <p:spPr/>
         <p:txBody>
           <a:bodyPr/>
-          <a:lstStyle/>
+          <a:lstStyle>
+            <a:extLst/>
+          </a:lstStyle>
           <a:p>
             <a:endParaRPr lang="lv-LV"/>
           </a:p>
@@ -2266,7 +4715,9 @@
         <p:spPr/>
         <p:txBody>
           <a:bodyPr/>
-          <a:lstStyle/>
+          <a:lstStyle>
+            <a:extLst/>
+          </a:lstStyle>
           <a:p>
             <a:fld id="{3FAF74E2-2FBE-4046-B081-2C955BE03488}" type="slidenum">
               <a:rPr lang="lv-LV" smtClean="0"/>
@@ -2304,33 +4755,261 @@
       </p:grpSpPr>
       <p:sp>
         <p:nvSpPr>
-          <p:cNvPr id="2" name="Title 1"/>
-          <p:cNvSpPr>
-            <a:spLocks noGrp="1"/>
-          </p:cNvSpPr>
-          <p:nvPr>
-            <p:ph type="title"/>
-          </p:nvPr>
+          <p:cNvPr id="8" name="Rectangle 7"/>
+          <p:cNvSpPr/>
+          <p:nvPr/>
         </p:nvSpPr>
         <p:spPr>
           <a:xfrm>
-            <a:off x="1792288" y="4800600"/>
-            <a:ext cx="5486400" cy="566738"/>
+            <a:off x="368032" y="0"/>
+            <a:ext cx="8778240" cy="1878037"/>
+          </a:xfrm>
+          <a:prstGeom prst="rect">
+            <a:avLst/>
+          </a:prstGeom>
+          <a:solidFill>
+            <a:srgbClr val="000000">
+              <a:alpha val="100000"/>
+            </a:srgbClr>
+          </a:solidFill>
+          <a:ln w="50800" cap="rnd" cmpd="dbl" algn="ctr">
+            <a:noFill/>
+            <a:prstDash val="solid"/>
+          </a:ln>
+          <a:effectLst/>
+        </p:spPr>
+        <p:style>
+          <a:lnRef idx="3">
+            <a:schemeClr val="lt1"/>
+          </a:lnRef>
+          <a:fillRef idx="1">
+            <a:schemeClr val="accent1"/>
+          </a:fillRef>
+          <a:effectRef idx="1">
+            <a:schemeClr val="accent1"/>
+          </a:effectRef>
+          <a:fontRef idx="minor">
+            <a:schemeClr val="lt1"/>
+          </a:fontRef>
+        </p:style>
+        <p:txBody>
+          <a:bodyPr anchor="ctr"/>
+          <a:lstStyle>
+            <a:extLst/>
+          </a:lstStyle>
+          <a:p>
+            <a:pPr algn="ctr" eaLnBrk="1" latinLnBrk="0" hangingPunct="1"/>
+            <a:endParaRPr kumimoji="0" lang="en-US"/>
+          </a:p>
+        </p:txBody>
+      </p:sp>
+      <p:cxnSp>
+        <p:nvCxnSpPr>
+          <p:cNvPr id="9" name="Straight Connector 8"/>
+          <p:cNvCxnSpPr/>
+          <p:nvPr/>
+        </p:nvCxnSpPr>
+        <p:spPr>
+          <a:xfrm flipV="1">
+            <a:off x="363195" y="1885028"/>
+            <a:ext cx="8782622" cy="0"/>
+          </a:xfrm>
+          <a:prstGeom prst="line">
+            <a:avLst/>
+          </a:prstGeom>
+          <a:noFill/>
+          <a:ln w="19050" cap="flat" cmpd="sng" algn="ctr">
+            <a:solidFill>
+              <a:srgbClr val="FFFFFF">
+                <a:alpha val="100000"/>
+              </a:srgbClr>
+            </a:solidFill>
+            <a:prstDash val="solid"/>
+            <a:miter lim="800000"/>
+          </a:ln>
+          <a:effectLst/>
+        </p:spPr>
+        <p:style>
+          <a:lnRef idx="2">
+            <a:schemeClr val="accent1"/>
+          </a:lnRef>
+          <a:fillRef idx="0">
+            <a:schemeClr val="accent1"/>
+          </a:fillRef>
+          <a:effectRef idx="1">
+            <a:schemeClr val="accent1"/>
+          </a:effectRef>
+          <a:fontRef idx="minor">
+            <a:schemeClr val="tx1"/>
+          </a:fontRef>
+        </p:style>
+      </p:cxnSp>
+      <p:grpSp>
+        <p:nvGrpSpPr>
+          <p:cNvPr id="10" name="Group 9"/>
+          <p:cNvGrpSpPr/>
+          <p:nvPr/>
+        </p:nvGrpSpPr>
+        <p:grpSpPr>
+          <a:xfrm rot="5400000">
+            <a:off x="8514581" y="1219200"/>
+            <a:ext cx="132763" cy="128466"/>
+            <a:chOff x="6668087" y="1297746"/>
+            <a:chExt cx="161840" cy="156602"/>
+          </a:xfrm>
+        </p:grpSpPr>
+        <p:cxnSp>
+          <p:nvCxnSpPr>
+            <p:cNvPr id="15" name="Straight Connector 14"/>
+            <p:cNvCxnSpPr/>
+            <p:nvPr/>
+          </p:nvCxnSpPr>
+          <p:spPr>
+            <a:xfrm rot="16200000">
+              <a:off x="6664064" y="1301769"/>
+              <a:ext cx="88509" cy="80463"/>
+            </a:xfrm>
+            <a:prstGeom prst="line">
+              <a:avLst/>
+            </a:prstGeom>
+            <a:noFill/>
+            <a:ln w="25400" cap="rnd" cmpd="sng" algn="ctr">
+              <a:solidFill>
+                <a:srgbClr val="FFFFFF">
+                  <a:alpha val="100000"/>
+                </a:srgbClr>
+              </a:solidFill>
+              <a:prstDash val="solid"/>
+            </a:ln>
+            <a:effectLst/>
+          </p:spPr>
+          <p:style>
+            <a:lnRef idx="2">
+              <a:schemeClr val="accent1"/>
+            </a:lnRef>
+            <a:fillRef idx="0">
+              <a:schemeClr val="accent1"/>
+            </a:fillRef>
+            <a:effectRef idx="1">
+              <a:schemeClr val="accent1"/>
+            </a:effectRef>
+            <a:fontRef idx="minor">
+              <a:schemeClr val="tx1"/>
+            </a:fontRef>
+          </p:style>
+        </p:cxnSp>
+        <p:cxnSp>
+          <p:nvCxnSpPr>
+            <p:cNvPr id="16" name="Straight Connector 15"/>
+            <p:cNvCxnSpPr/>
+            <p:nvPr/>
+          </p:nvCxnSpPr>
+          <p:spPr>
+            <a:xfrm rot="16200000" flipV="1">
+              <a:off x="6685888" y="1391257"/>
+              <a:ext cx="125755" cy="427"/>
+            </a:xfrm>
+            <a:prstGeom prst="line">
+              <a:avLst/>
+            </a:prstGeom>
+            <a:noFill/>
+            <a:ln w="25400" cap="rnd" cmpd="sng" algn="ctr">
+              <a:solidFill>
+                <a:srgbClr val="FFFFFF">
+                  <a:alpha val="100000"/>
+                </a:srgbClr>
+              </a:solidFill>
+              <a:prstDash val="solid"/>
+            </a:ln>
+            <a:effectLst/>
+          </p:spPr>
+          <p:style>
+            <a:lnRef idx="2">
+              <a:schemeClr val="accent1"/>
+            </a:lnRef>
+            <a:fillRef idx="0">
+              <a:schemeClr val="accent1"/>
+            </a:fillRef>
+            <a:effectRef idx="1">
+              <a:schemeClr val="accent1"/>
+            </a:effectRef>
+            <a:fontRef idx="minor">
+              <a:schemeClr val="tx1"/>
+            </a:fontRef>
+          </p:style>
+        </p:cxnSp>
+        <p:cxnSp>
+          <p:nvCxnSpPr>
+            <p:cNvPr id="17" name="Straight Connector 16"/>
+            <p:cNvCxnSpPr/>
+            <p:nvPr/>
+          </p:nvCxnSpPr>
+          <p:spPr>
+            <a:xfrm rot="5400000" flipH="1">
+              <a:off x="6744524" y="1300853"/>
+              <a:ext cx="88509" cy="82296"/>
+            </a:xfrm>
+            <a:prstGeom prst="line">
+              <a:avLst/>
+            </a:prstGeom>
+            <a:noFill/>
+            <a:ln w="25400" cap="rnd" cmpd="sng" algn="ctr">
+              <a:solidFill>
+                <a:srgbClr val="FFFFFF">
+                  <a:alpha val="100000"/>
+                </a:srgbClr>
+              </a:solidFill>
+              <a:prstDash val="solid"/>
+            </a:ln>
+            <a:effectLst/>
+          </p:spPr>
+          <p:style>
+            <a:lnRef idx="2">
+              <a:schemeClr val="accent1"/>
+            </a:lnRef>
+            <a:fillRef idx="0">
+              <a:schemeClr val="accent1"/>
+            </a:fillRef>
+            <a:effectRef idx="1">
+              <a:schemeClr val="accent1"/>
+            </a:effectRef>
+            <a:fontRef idx="minor">
+              <a:schemeClr val="tx1"/>
+            </a:fontRef>
+          </p:style>
+        </p:cxnSp>
+      </p:grpSp>
+      <p:sp>
+        <p:nvSpPr>
+          <p:cNvPr id="2" name="Title 1"/>
+          <p:cNvSpPr>
+            <a:spLocks noGrp="1"/>
+          </p:cNvSpPr>
+          <p:nvPr>
+            <p:ph type="title"/>
+          </p:nvPr>
+        </p:nvSpPr>
+        <p:spPr bwMode="grayWhite">
+          <a:xfrm>
+            <a:off x="914400" y="441251"/>
+            <a:ext cx="6858000" cy="701749"/>
           </a:xfrm>
         </p:spPr>
         <p:txBody>
           <a:bodyPr anchor="b"/>
           <a:lstStyle>
             <a:lvl1pPr algn="l">
-              <a:defRPr sz="2000" b="1"/>
+              <a:buNone/>
+              <a:defRPr sz="2100" b="0"/>
             </a:lvl1pPr>
-          </a:lstStyle>
-          <a:p>
-            <a:r>
-              <a:rPr lang="en-US" smtClean="0"/>
+            <a:extLst/>
+          </a:lstStyle>
+          <a:p>
+            <a:r>
+              <a:rPr kumimoji="0" lang="en-US" smtClean="0"/>
               <a:t>Click to edit Master title style</a:t>
             </a:r>
-            <a:endParaRPr lang="lv-LV"/>
+            <a:endParaRPr kumimoji="0" lang="en-US"/>
           </a:p>
         </p:txBody>
       </p:sp>
@@ -2346,9 +5025,12 @@
         </p:nvSpPr>
         <p:spPr>
           <a:xfrm>
-            <a:off x="1792288" y="612775"/>
-            <a:ext cx="5486400" cy="4114800"/>
-          </a:xfrm>
+            <a:off x="368032" y="1893781"/>
+            <a:ext cx="8778240" cy="4960144"/>
+          </a:xfrm>
+          <a:solidFill>
+            <a:schemeClr val="bg2"/>
+          </a:solidFill>
         </p:spPr>
         <p:txBody>
           <a:bodyPr/>
@@ -2357,128 +5039,366 @@
               <a:buNone/>
               <a:defRPr sz="3200"/>
             </a:lvl1pPr>
-            <a:lvl2pPr marL="457200" indent="0">
+            <a:extLst/>
+          </a:lstStyle>
+          <a:p>
+            <a:r>
+              <a:rPr kumimoji="0" lang="en-US" smtClean="0"/>
+              <a:t>Click icon to add picture</a:t>
+            </a:r>
+            <a:endParaRPr kumimoji="0" lang="en-US"/>
+          </a:p>
+        </p:txBody>
+      </p:sp>
+      <p:sp>
+        <p:nvSpPr>
+          <p:cNvPr id="4" name="Text Placeholder 3"/>
+          <p:cNvSpPr>
+            <a:spLocks noGrp="1"/>
+          </p:cNvSpPr>
+          <p:nvPr>
+            <p:ph type="body" sz="half" idx="2"/>
+          </p:nvPr>
+        </p:nvSpPr>
+        <p:spPr bwMode="grayWhite">
+          <a:xfrm>
+            <a:off x="914400" y="1150144"/>
+            <a:ext cx="6858000" cy="685800"/>
+          </a:xfrm>
+        </p:spPr>
+        <p:txBody>
+          <a:bodyPr/>
+          <a:lstStyle>
+            <a:lvl1pPr marL="27432" indent="0">
+              <a:spcBef>
+                <a:spcPts val="0"/>
+              </a:spcBef>
               <a:buNone/>
-              <a:defRPr sz="2800"/>
+              <a:defRPr sz="1400">
+                <a:solidFill>
+                  <a:srgbClr val="FFFFFF"/>
+                </a:solidFill>
+              </a:defRPr>
+            </a:lvl1pPr>
+            <a:lvl2pPr>
+              <a:defRPr sz="1200"/>
             </a:lvl2pPr>
-            <a:lvl3pPr marL="914400" indent="0">
-              <a:buNone/>
-              <a:defRPr sz="2400"/>
+            <a:lvl3pPr>
+              <a:defRPr sz="1000"/>
             </a:lvl3pPr>
-            <a:lvl4pPr marL="1371600" indent="0">
-              <a:buNone/>
-              <a:defRPr sz="2000"/>
+            <a:lvl4pPr>
+              <a:defRPr sz="900"/>
             </a:lvl4pPr>
-            <a:lvl5pPr marL="1828800" indent="0">
-              <a:buNone/>
-              <a:defRPr sz="2000"/>
+            <a:lvl5pPr>
+              <a:defRPr sz="900"/>
             </a:lvl5pPr>
-            <a:lvl6pPr marL="2286000" indent="0">
-              <a:buNone/>
-              <a:defRPr sz="2000"/>
-            </a:lvl6pPr>
-            <a:lvl7pPr marL="2743200" indent="0">
-              <a:buNone/>
-              <a:defRPr sz="2000"/>
-            </a:lvl7pPr>
-            <a:lvl8pPr marL="3200400" indent="0">
-              <a:buNone/>
-              <a:defRPr sz="2000"/>
-            </a:lvl8pPr>
-            <a:lvl9pPr marL="3657600" indent="0">
-              <a:buNone/>
-              <a:defRPr sz="2000"/>
-            </a:lvl9pPr>
-          </a:lstStyle>
-          <a:p>
-            <a:endParaRPr lang="lv-LV"/>
-          </a:p>
-        </p:txBody>
-      </p:sp>
-      <p:sp>
-        <p:nvSpPr>
-          <p:cNvPr id="4" name="Text Placeholder 3"/>
-          <p:cNvSpPr>
-            <a:spLocks noGrp="1"/>
-          </p:cNvSpPr>
-          <p:nvPr>
-            <p:ph type="body" sz="half" idx="2"/>
+            <a:extLst/>
+          </a:lstStyle>
+          <a:p>
+            <a:pPr lvl="0" eaLnBrk="1" latinLnBrk="0" hangingPunct="1"/>
+            <a:r>
+              <a:rPr kumimoji="0" lang="en-US" smtClean="0"/>
+              <a:t>Click to edit Master text styles</a:t>
+            </a:r>
+          </a:p>
+        </p:txBody>
+      </p:sp>
+      <p:grpSp>
+        <p:nvGrpSpPr>
+          <p:cNvPr id="14" name="Group 13"/>
+          <p:cNvGrpSpPr/>
+          <p:nvPr/>
+        </p:nvGrpSpPr>
+        <p:grpSpPr>
+          <a:xfrm rot="5400000">
+            <a:off x="8666981" y="1371600"/>
+            <a:ext cx="132763" cy="128466"/>
+            <a:chOff x="6668087" y="1297746"/>
+            <a:chExt cx="161840" cy="156602"/>
+          </a:xfrm>
+        </p:grpSpPr>
+        <p:cxnSp>
+          <p:nvCxnSpPr>
+            <p:cNvPr id="11" name="Straight Connector 10"/>
+            <p:cNvCxnSpPr/>
+            <p:nvPr/>
+          </p:nvCxnSpPr>
+          <p:spPr>
+            <a:xfrm rot="16200000">
+              <a:off x="6664064" y="1301769"/>
+              <a:ext cx="88509" cy="80463"/>
+            </a:xfrm>
+            <a:prstGeom prst="line">
+              <a:avLst/>
+            </a:prstGeom>
+            <a:noFill/>
+            <a:ln w="25400" cap="rnd" cmpd="sng" algn="ctr">
+              <a:solidFill>
+                <a:srgbClr val="FFFFFF">
+                  <a:alpha val="100000"/>
+                </a:srgbClr>
+              </a:solidFill>
+              <a:prstDash val="solid"/>
+            </a:ln>
+            <a:effectLst/>
+          </p:spPr>
+          <p:style>
+            <a:lnRef idx="2">
+              <a:schemeClr val="accent1"/>
+            </a:lnRef>
+            <a:fillRef idx="0">
+              <a:schemeClr val="accent1"/>
+            </a:fillRef>
+            <a:effectRef idx="1">
+              <a:schemeClr val="accent1"/>
+            </a:effectRef>
+            <a:fontRef idx="minor">
+              <a:schemeClr val="tx1"/>
+            </a:fontRef>
+          </p:style>
+        </p:cxnSp>
+        <p:cxnSp>
+          <p:nvCxnSpPr>
+            <p:cNvPr id="12" name="Straight Connector 11"/>
+            <p:cNvCxnSpPr/>
+            <p:nvPr/>
+          </p:nvCxnSpPr>
+          <p:spPr>
+            <a:xfrm rot="16200000" flipV="1">
+              <a:off x="6685888" y="1391257"/>
+              <a:ext cx="125755" cy="427"/>
+            </a:xfrm>
+            <a:prstGeom prst="line">
+              <a:avLst/>
+            </a:prstGeom>
+            <a:noFill/>
+            <a:ln w="25400" cap="rnd" cmpd="sng" algn="ctr">
+              <a:solidFill>
+                <a:srgbClr val="FFFFFF">
+                  <a:alpha val="100000"/>
+                </a:srgbClr>
+              </a:solidFill>
+              <a:prstDash val="solid"/>
+            </a:ln>
+            <a:effectLst/>
+          </p:spPr>
+          <p:style>
+            <a:lnRef idx="2">
+              <a:schemeClr val="accent1"/>
+            </a:lnRef>
+            <a:fillRef idx="0">
+              <a:schemeClr val="accent1"/>
+            </a:fillRef>
+            <a:effectRef idx="1">
+              <a:schemeClr val="accent1"/>
+            </a:effectRef>
+            <a:fontRef idx="minor">
+              <a:schemeClr val="tx1"/>
+            </a:fontRef>
+          </p:style>
+        </p:cxnSp>
+        <p:cxnSp>
+          <p:nvCxnSpPr>
+            <p:cNvPr id="13" name="Straight Connector 12"/>
+            <p:cNvCxnSpPr/>
+            <p:nvPr/>
+          </p:nvCxnSpPr>
+          <p:spPr>
+            <a:xfrm rot="5400000" flipH="1">
+              <a:off x="6744524" y="1300853"/>
+              <a:ext cx="88509" cy="82296"/>
+            </a:xfrm>
+            <a:prstGeom prst="line">
+              <a:avLst/>
+            </a:prstGeom>
+            <a:noFill/>
+            <a:ln w="25400" cap="rnd" cmpd="sng" algn="ctr">
+              <a:solidFill>
+                <a:srgbClr val="FFFFFF">
+                  <a:alpha val="100000"/>
+                </a:srgbClr>
+              </a:solidFill>
+              <a:prstDash val="solid"/>
+            </a:ln>
+            <a:effectLst/>
+          </p:spPr>
+          <p:style>
+            <a:lnRef idx="2">
+              <a:schemeClr val="accent1"/>
+            </a:lnRef>
+            <a:fillRef idx="0">
+              <a:schemeClr val="accent1"/>
+            </a:fillRef>
+            <a:effectRef idx="1">
+              <a:schemeClr val="accent1"/>
+            </a:effectRef>
+            <a:fontRef idx="minor">
+              <a:schemeClr val="tx1"/>
+            </a:fontRef>
+          </p:style>
+        </p:cxnSp>
+      </p:grpSp>
+      <p:grpSp>
+        <p:nvGrpSpPr>
+          <p:cNvPr id="18" name="Group 17"/>
+          <p:cNvGrpSpPr/>
+          <p:nvPr/>
+        </p:nvGrpSpPr>
+        <p:grpSpPr>
+          <a:xfrm rot="5400000">
+            <a:off x="8320088" y="1474763"/>
+            <a:ext cx="132763" cy="128466"/>
+            <a:chOff x="6668087" y="1297746"/>
+            <a:chExt cx="161840" cy="156602"/>
+          </a:xfrm>
+        </p:grpSpPr>
+        <p:cxnSp>
+          <p:nvCxnSpPr>
+            <p:cNvPr id="19" name="Straight Connector 18"/>
+            <p:cNvCxnSpPr/>
+            <p:nvPr/>
+          </p:nvCxnSpPr>
+          <p:spPr>
+            <a:xfrm rot="16200000">
+              <a:off x="6664064" y="1301769"/>
+              <a:ext cx="88509" cy="80463"/>
+            </a:xfrm>
+            <a:prstGeom prst="line">
+              <a:avLst/>
+            </a:prstGeom>
+            <a:noFill/>
+            <a:ln w="25400" cap="rnd" cmpd="sng" algn="ctr">
+              <a:solidFill>
+                <a:srgbClr val="FFFFFF">
+                  <a:alpha val="100000"/>
+                </a:srgbClr>
+              </a:solidFill>
+              <a:prstDash val="solid"/>
+            </a:ln>
+            <a:effectLst/>
+          </p:spPr>
+          <p:style>
+            <a:lnRef idx="2">
+              <a:schemeClr val="accent1"/>
+            </a:lnRef>
+            <a:fillRef idx="0">
+              <a:schemeClr val="accent1"/>
+            </a:fillRef>
+            <a:effectRef idx="1">
+              <a:schemeClr val="accent1"/>
+            </a:effectRef>
+            <a:fontRef idx="minor">
+              <a:schemeClr val="tx1"/>
+            </a:fontRef>
+          </p:style>
+        </p:cxnSp>
+        <p:cxnSp>
+          <p:nvCxnSpPr>
+            <p:cNvPr id="20" name="Straight Connector 19"/>
+            <p:cNvCxnSpPr/>
+            <p:nvPr/>
+          </p:nvCxnSpPr>
+          <p:spPr>
+            <a:xfrm rot="16200000" flipV="1">
+              <a:off x="6685888" y="1391257"/>
+              <a:ext cx="125755" cy="427"/>
+            </a:xfrm>
+            <a:prstGeom prst="line">
+              <a:avLst/>
+            </a:prstGeom>
+            <a:noFill/>
+            <a:ln w="25400" cap="rnd" cmpd="sng" algn="ctr">
+              <a:solidFill>
+                <a:srgbClr val="FFFFFF">
+                  <a:alpha val="100000"/>
+                </a:srgbClr>
+              </a:solidFill>
+              <a:prstDash val="solid"/>
+            </a:ln>
+            <a:effectLst/>
+          </p:spPr>
+          <p:style>
+            <a:lnRef idx="2">
+              <a:schemeClr val="accent1"/>
+            </a:lnRef>
+            <a:fillRef idx="0">
+              <a:schemeClr val="accent1"/>
+            </a:fillRef>
+            <a:effectRef idx="1">
+              <a:schemeClr val="accent1"/>
+            </a:effectRef>
+            <a:fontRef idx="minor">
+              <a:schemeClr val="tx1"/>
+            </a:fontRef>
+          </p:style>
+        </p:cxnSp>
+        <p:cxnSp>
+          <p:nvCxnSpPr>
+            <p:cNvPr id="21" name="Straight Connector 20"/>
+            <p:cNvCxnSpPr/>
+            <p:nvPr/>
+          </p:nvCxnSpPr>
+          <p:spPr>
+            <a:xfrm rot="5400000" flipH="1">
+              <a:off x="6744524" y="1300853"/>
+              <a:ext cx="88509" cy="82296"/>
+            </a:xfrm>
+            <a:prstGeom prst="line">
+              <a:avLst/>
+            </a:prstGeom>
+            <a:noFill/>
+            <a:ln w="25400" cap="rnd" cmpd="sng" algn="ctr">
+              <a:solidFill>
+                <a:srgbClr val="FFFFFF">
+                  <a:alpha val="100000"/>
+                </a:srgbClr>
+              </a:solidFill>
+              <a:prstDash val="solid"/>
+            </a:ln>
+            <a:effectLst/>
+          </p:spPr>
+          <p:style>
+            <a:lnRef idx="2">
+              <a:schemeClr val="accent1"/>
+            </a:lnRef>
+            <a:fillRef idx="0">
+              <a:schemeClr val="accent1"/>
+            </a:fillRef>
+            <a:effectRef idx="1">
+              <a:schemeClr val="accent1"/>
+            </a:effectRef>
+            <a:fontRef idx="minor">
+              <a:schemeClr val="tx1"/>
+            </a:fontRef>
+          </p:style>
+        </p:cxnSp>
+      </p:grpSp>
+      <p:sp>
+        <p:nvSpPr>
+          <p:cNvPr id="5" name="Date Placeholder 4"/>
+          <p:cNvSpPr>
+            <a:spLocks noGrp="1"/>
+          </p:cNvSpPr>
+          <p:nvPr>
+            <p:ph type="dt" sz="half" idx="10"/>
           </p:nvPr>
         </p:nvSpPr>
         <p:spPr>
           <a:xfrm>
-            <a:off x="1792288" y="5367338"/>
-            <a:ext cx="5486400" cy="804862"/>
+            <a:off x="6477000" y="55499"/>
+            <a:ext cx="2133600" cy="365125"/>
           </a:xfrm>
         </p:spPr>
         <p:txBody>
           <a:bodyPr/>
           <a:lstStyle>
-            <a:lvl1pPr marL="0" indent="0">
-              <a:buNone/>
-              <a:defRPr sz="1400"/>
-            </a:lvl1pPr>
-            <a:lvl2pPr marL="457200" indent="0">
-              <a:buNone/>
-              <a:defRPr sz="1200"/>
-            </a:lvl2pPr>
-            <a:lvl3pPr marL="914400" indent="0">
-              <a:buNone/>
-              <a:defRPr sz="1000"/>
-            </a:lvl3pPr>
-            <a:lvl4pPr marL="1371600" indent="0">
-              <a:buNone/>
-              <a:defRPr sz="900"/>
-            </a:lvl4pPr>
-            <a:lvl5pPr marL="1828800" indent="0">
-              <a:buNone/>
-              <a:defRPr sz="900"/>
-            </a:lvl5pPr>
-            <a:lvl6pPr marL="2286000" indent="0">
-              <a:buNone/>
-              <a:defRPr sz="900"/>
-            </a:lvl6pPr>
-            <a:lvl7pPr marL="2743200" indent="0">
-              <a:buNone/>
-              <a:defRPr sz="900"/>
-            </a:lvl7pPr>
-            <a:lvl8pPr marL="3200400" indent="0">
-              <a:buNone/>
-              <a:defRPr sz="900"/>
-            </a:lvl8pPr>
-            <a:lvl9pPr marL="3657600" indent="0">
-              <a:buNone/>
-              <a:defRPr sz="900"/>
-            </a:lvl9pPr>
-          </a:lstStyle>
-          <a:p>
-            <a:pPr lvl="0"/>
-            <a:r>
-              <a:rPr lang="en-US" smtClean="0"/>
-              <a:t>Click to edit Master text styles</a:t>
-            </a:r>
-          </a:p>
-        </p:txBody>
-      </p:sp>
-      <p:sp>
-        <p:nvSpPr>
-          <p:cNvPr id="5" name="Date Placeholder 4"/>
-          <p:cNvSpPr>
-            <a:spLocks noGrp="1"/>
-          </p:cNvSpPr>
-          <p:nvPr>
-            <p:ph type="dt" sz="half" idx="10"/>
-          </p:nvPr>
-        </p:nvSpPr>
-        <p:spPr/>
-        <p:txBody>
-          <a:bodyPr/>
-          <a:lstStyle/>
+            <a:extLst/>
+          </a:lstStyle>
           <a:p>
             <a:fld id="{29F434F8-D001-41C5-B56B-022538BFE3FA}" type="datetimeFigureOut">
               <a:rPr lang="lv-LV" smtClean="0"/>
               <a:pPr/>
-              <a:t>07.06.2022</a:t>
+              <a:t>09.06.2022</a:t>
             </a:fld>
             <a:endParaRPr lang="lv-LV"/>
           </a:p>
@@ -2494,10 +5414,17 @@
             <p:ph type="ftr" sz="quarter" idx="11"/>
           </p:nvPr>
         </p:nvSpPr>
-        <p:spPr/>
+        <p:spPr>
+          <a:xfrm>
+            <a:off x="914400" y="55499"/>
+            <a:ext cx="5562600" cy="365125"/>
+          </a:xfrm>
+        </p:spPr>
         <p:txBody>
           <a:bodyPr/>
-          <a:lstStyle/>
+          <a:lstStyle>
+            <a:extLst/>
+          </a:lstStyle>
           <a:p>
             <a:endParaRPr lang="lv-LV"/>
           </a:p>
@@ -2513,10 +5440,17 @@
             <p:ph type="sldNum" sz="quarter" idx="12"/>
           </p:nvPr>
         </p:nvSpPr>
-        <p:spPr/>
+        <p:spPr>
+          <a:xfrm>
+            <a:off x="8610600" y="55499"/>
+            <a:ext cx="457200" cy="365125"/>
+          </a:xfrm>
+        </p:spPr>
         <p:txBody>
           <a:bodyPr/>
-          <a:lstStyle/>
+          <a:lstStyle>
+            <a:extLst/>
+          </a:lstStyle>
           <a:p>
             <a:fld id="{3FAF74E2-2FBE-4046-B081-2C955BE03488}" type="slidenum">
               <a:rPr lang="lv-LV" smtClean="0"/>
@@ -2539,8 +5473,8 @@
 <p:sldMaster xmlns:a="http://schemas.openxmlformats.org/drawingml/2006/main" xmlns:r="http://schemas.openxmlformats.org/officeDocument/2006/relationships" xmlns:p="http://schemas.openxmlformats.org/presentationml/2006/main">
   <p:cSld>
     <p:bg>
-      <p:bgRef idx="1001">
-        <a:schemeClr val="bg1"/>
+      <p:bgRef idx="1002">
+        <a:schemeClr val="bg2"/>
       </p:bgRef>
     </p:bg>
     <p:spTree>
@@ -2559,136 +5493,587 @@
       </p:grpSpPr>
       <p:sp>
         <p:nvSpPr>
-          <p:cNvPr id="2" name="Title Placeholder 1"/>
-          <p:cNvSpPr>
-            <a:spLocks noGrp="1"/>
-          </p:cNvSpPr>
-          <p:nvPr>
-            <p:ph type="title"/>
-          </p:nvPr>
+          <p:cNvPr id="7" name="Rectangle 6"/>
+          <p:cNvSpPr/>
+          <p:nvPr/>
         </p:nvSpPr>
         <p:spPr>
           <a:xfrm>
-            <a:off x="457200" y="274638"/>
-            <a:ext cx="8229600" cy="1143000"/>
+            <a:off x="0" y="-1"/>
+            <a:ext cx="365760" cy="6854456"/>
           </a:xfrm>
           <a:prstGeom prst="rect">
             <a:avLst/>
           </a:prstGeom>
-        </p:spPr>
-        <p:txBody>
-          <a:bodyPr vert="horz" lIns="91440" tIns="45720" rIns="91440" bIns="45720" rtlCol="0" anchor="ctr">
-            <a:normAutofit/>
-          </a:bodyPr>
-          <a:lstStyle/>
-          <a:p>
-            <a:r>
-              <a:rPr lang="en-US" smtClean="0"/>
-              <a:t>Click to edit Master title style</a:t>
-            </a:r>
-            <a:endParaRPr lang="lv-LV"/>
-          </a:p>
-        </p:txBody>
-      </p:sp>
-      <p:sp>
-        <p:nvSpPr>
-          <p:cNvPr id="3" name="Text Placeholder 2"/>
-          <p:cNvSpPr>
-            <a:spLocks noGrp="1"/>
-          </p:cNvSpPr>
-          <p:nvPr>
-            <p:ph type="body" idx="1"/>
-          </p:nvPr>
+          <a:solidFill>
+            <a:srgbClr val="FFFFFF">
+              <a:alpha val="100000"/>
+            </a:srgbClr>
+          </a:solidFill>
+          <a:ln w="50800" cap="rnd" cmpd="dbl" algn="ctr">
+            <a:noFill/>
+            <a:prstDash val="solid"/>
+          </a:ln>
+          <a:effectLst/>
+        </p:spPr>
+        <p:style>
+          <a:lnRef idx="3">
+            <a:schemeClr val="lt1"/>
+          </a:lnRef>
+          <a:fillRef idx="1">
+            <a:schemeClr val="accent1"/>
+          </a:fillRef>
+          <a:effectRef idx="1">
+            <a:schemeClr val="accent1"/>
+          </a:effectRef>
+          <a:fontRef idx="minor">
+            <a:schemeClr val="lt1"/>
+          </a:fontRef>
+        </p:style>
+        <p:txBody>
+          <a:bodyPr anchor="ctr"/>
+          <a:lstStyle>
+            <a:extLst/>
+          </a:lstStyle>
+          <a:p>
+            <a:pPr algn="ctr" eaLnBrk="1" latinLnBrk="0" hangingPunct="1"/>
+            <a:endParaRPr kumimoji="0" lang="en-US"/>
+          </a:p>
+        </p:txBody>
+      </p:sp>
+      <p:sp>
+        <p:nvSpPr>
+          <p:cNvPr id="8" name="Rectangle 7"/>
+          <p:cNvSpPr/>
+          <p:nvPr/>
         </p:nvSpPr>
         <p:spPr>
           <a:xfrm>
-            <a:off x="457200" y="1600200"/>
-            <a:ext cx="8229600" cy="4525963"/>
+            <a:off x="255291" y="5047394"/>
+            <a:ext cx="73152" cy="1691640"/>
           </a:xfrm>
           <a:prstGeom prst="rect">
             <a:avLst/>
           </a:prstGeom>
-        </p:spPr>
-        <p:txBody>
-          <a:bodyPr vert="horz" lIns="91440" tIns="45720" rIns="91440" bIns="45720" rtlCol="0">
-            <a:normAutofit/>
-          </a:bodyPr>
-          <a:lstStyle/>
-          <a:p>
-            <a:pPr lvl="0"/>
-            <a:r>
-              <a:rPr lang="en-US" smtClean="0"/>
-              <a:t>Click to edit Master text styles</a:t>
-            </a:r>
-          </a:p>
-          <a:p>
-            <a:pPr lvl="1"/>
-            <a:r>
-              <a:rPr lang="en-US" smtClean="0"/>
-              <a:t>Second level</a:t>
-            </a:r>
-          </a:p>
-          <a:p>
-            <a:pPr lvl="2"/>
-            <a:r>
-              <a:rPr lang="en-US" smtClean="0"/>
-              <a:t>Third level</a:t>
-            </a:r>
-          </a:p>
-          <a:p>
-            <a:pPr lvl="3"/>
-            <a:r>
-              <a:rPr lang="en-US" smtClean="0"/>
-              <a:t>Fourth level</a:t>
-            </a:r>
-          </a:p>
-          <a:p>
-            <a:pPr lvl="4"/>
-            <a:r>
-              <a:rPr lang="en-US" smtClean="0"/>
-              <a:t>Fifth level</a:t>
-            </a:r>
-            <a:endParaRPr lang="lv-LV"/>
-          </a:p>
-        </p:txBody>
-      </p:sp>
-      <p:sp>
-        <p:nvSpPr>
-          <p:cNvPr id="4" name="Date Placeholder 3"/>
-          <p:cNvSpPr>
-            <a:spLocks noGrp="1"/>
-          </p:cNvSpPr>
-          <p:nvPr>
-            <p:ph type="dt" sz="half" idx="2"/>
-          </p:nvPr>
+          <a:solidFill>
+            <a:schemeClr val="accent2">
+              <a:alpha val="100000"/>
+            </a:schemeClr>
+          </a:solidFill>
+          <a:ln w="50800" cap="rnd" cmpd="dbl" algn="ctr">
+            <a:noFill/>
+            <a:prstDash val="solid"/>
+          </a:ln>
+          <a:effectLst/>
+        </p:spPr>
+        <p:style>
+          <a:lnRef idx="3">
+            <a:schemeClr val="lt1"/>
+          </a:lnRef>
+          <a:fillRef idx="1">
+            <a:schemeClr val="accent1"/>
+          </a:fillRef>
+          <a:effectRef idx="1">
+            <a:schemeClr val="accent1"/>
+          </a:effectRef>
+          <a:fontRef idx="minor">
+            <a:schemeClr val="lt1"/>
+          </a:fontRef>
+        </p:style>
+        <p:txBody>
+          <a:bodyPr anchor="ctr"/>
+          <a:lstStyle>
+            <a:extLst/>
+          </a:lstStyle>
+          <a:p>
+            <a:pPr algn="ctr" eaLnBrk="1" latinLnBrk="0" hangingPunct="1"/>
+            <a:endParaRPr kumimoji="0" lang="en-US"/>
+          </a:p>
+        </p:txBody>
+      </p:sp>
+      <p:sp>
+        <p:nvSpPr>
+          <p:cNvPr id="9" name="Rectangle 8"/>
+          <p:cNvSpPr/>
+          <p:nvPr/>
         </p:nvSpPr>
         <p:spPr>
           <a:xfrm>
-            <a:off x="457200" y="6356350"/>
-            <a:ext cx="2133600" cy="365125"/>
+            <a:off x="255291" y="4796819"/>
+            <a:ext cx="73152" cy="228600"/>
           </a:xfrm>
           <a:prstGeom prst="rect">
             <a:avLst/>
           </a:prstGeom>
-        </p:spPr>
-        <p:txBody>
-          <a:bodyPr vert="horz" lIns="91440" tIns="45720" rIns="91440" bIns="45720" rtlCol="0" anchor="ctr"/>
-          <a:lstStyle>
-            <a:lvl1pPr algn="l">
-              <a:defRPr sz="1200">
+          <a:solidFill>
+            <a:schemeClr val="accent3">
+              <a:alpha val="100000"/>
+            </a:schemeClr>
+          </a:solidFill>
+          <a:ln w="50800" cap="rnd" cmpd="dbl" algn="ctr">
+            <a:noFill/>
+            <a:prstDash val="solid"/>
+          </a:ln>
+          <a:effectLst/>
+        </p:spPr>
+        <p:style>
+          <a:lnRef idx="3">
+            <a:schemeClr val="lt1"/>
+          </a:lnRef>
+          <a:fillRef idx="1">
+            <a:schemeClr val="accent1"/>
+          </a:fillRef>
+          <a:effectRef idx="1">
+            <a:schemeClr val="accent1"/>
+          </a:effectRef>
+          <a:fontRef idx="minor">
+            <a:schemeClr val="lt1"/>
+          </a:fontRef>
+        </p:style>
+        <p:txBody>
+          <a:bodyPr anchor="ctr"/>
+          <a:lstStyle>
+            <a:extLst/>
+          </a:lstStyle>
+          <a:p>
+            <a:pPr algn="ctr" eaLnBrk="1" latinLnBrk="0" hangingPunct="1"/>
+            <a:endParaRPr kumimoji="0" lang="en-US"/>
+          </a:p>
+        </p:txBody>
+      </p:sp>
+      <p:sp>
+        <p:nvSpPr>
+          <p:cNvPr id="10" name="Rectangle 9"/>
+          <p:cNvSpPr/>
+          <p:nvPr/>
+        </p:nvSpPr>
+        <p:spPr>
+          <a:xfrm>
+            <a:off x="255291" y="4637685"/>
+            <a:ext cx="73152" cy="137160"/>
+          </a:xfrm>
+          <a:prstGeom prst="rect">
+            <a:avLst/>
+          </a:prstGeom>
+          <a:solidFill>
+            <a:schemeClr val="bg2"/>
+          </a:solidFill>
+          <a:ln w="50800" cap="rnd" cmpd="dbl" algn="ctr">
+            <a:noFill/>
+            <a:prstDash val="solid"/>
+          </a:ln>
+          <a:effectLst/>
+        </p:spPr>
+        <p:style>
+          <a:lnRef idx="3">
+            <a:schemeClr val="lt1"/>
+          </a:lnRef>
+          <a:fillRef idx="1">
+            <a:schemeClr val="accent1"/>
+          </a:fillRef>
+          <a:effectRef idx="1">
+            <a:schemeClr val="accent1"/>
+          </a:effectRef>
+          <a:fontRef idx="minor">
+            <a:schemeClr val="lt1"/>
+          </a:fontRef>
+        </p:style>
+        <p:txBody>
+          <a:bodyPr anchor="ctr"/>
+          <a:lstStyle>
+            <a:extLst/>
+          </a:lstStyle>
+          <a:p>
+            <a:pPr algn="ctr" eaLnBrk="1" latinLnBrk="0" hangingPunct="1"/>
+            <a:endParaRPr kumimoji="0" lang="en-US"/>
+          </a:p>
+        </p:txBody>
+      </p:sp>
+      <p:sp>
+        <p:nvSpPr>
+          <p:cNvPr id="11" name="Rectangle 10"/>
+          <p:cNvSpPr/>
+          <p:nvPr/>
+        </p:nvSpPr>
+        <p:spPr>
+          <a:xfrm>
+            <a:off x="255291" y="4542559"/>
+            <a:ext cx="73152" cy="73152"/>
+          </a:xfrm>
+          <a:prstGeom prst="rect">
+            <a:avLst/>
+          </a:prstGeom>
+          <a:solidFill>
+            <a:schemeClr val="accent2">
+              <a:alpha val="100000"/>
+            </a:schemeClr>
+          </a:solidFill>
+          <a:ln w="50800" cap="rnd" cmpd="dbl" algn="ctr">
+            <a:noFill/>
+            <a:prstDash val="solid"/>
+          </a:ln>
+          <a:effectLst/>
+        </p:spPr>
+        <p:style>
+          <a:lnRef idx="3">
+            <a:schemeClr val="lt1"/>
+          </a:lnRef>
+          <a:fillRef idx="1">
+            <a:schemeClr val="accent1"/>
+          </a:fillRef>
+          <a:effectRef idx="1">
+            <a:schemeClr val="accent1"/>
+          </a:effectRef>
+          <a:fontRef idx="minor">
+            <a:schemeClr val="lt1"/>
+          </a:fontRef>
+        </p:style>
+        <p:txBody>
+          <a:bodyPr anchor="ctr"/>
+          <a:lstStyle>
+            <a:extLst/>
+          </a:lstStyle>
+          <a:p>
+            <a:pPr algn="ctr" eaLnBrk="1" latinLnBrk="0" hangingPunct="1"/>
+            <a:endParaRPr kumimoji="0" lang="en-US" dirty="0"/>
+          </a:p>
+        </p:txBody>
+      </p:sp>
+      <p:sp>
+        <p:nvSpPr>
+          <p:cNvPr id="12" name="Rectangle 11"/>
+          <p:cNvSpPr/>
+          <p:nvPr/>
+        </p:nvSpPr>
+        <p:spPr>
+          <a:xfrm>
+            <a:off x="309558" y="680477"/>
+            <a:ext cx="45720" cy="365760"/>
+          </a:xfrm>
+          <a:prstGeom prst="rect">
+            <a:avLst/>
+          </a:prstGeom>
+          <a:solidFill>
+            <a:srgbClr val="000000">
+              <a:alpha val="100000"/>
+            </a:srgbClr>
+          </a:solidFill>
+          <a:ln w="50800" cap="rnd" cmpd="thickThin" algn="ctr">
+            <a:noFill/>
+            <a:prstDash val="solid"/>
+          </a:ln>
+          <a:effectLst/>
+        </p:spPr>
+        <p:style>
+          <a:lnRef idx="3">
+            <a:schemeClr val="lt1"/>
+          </a:lnRef>
+          <a:fillRef idx="1">
+            <a:schemeClr val="accent1"/>
+          </a:fillRef>
+          <a:effectRef idx="1">
+            <a:schemeClr val="accent1"/>
+          </a:effectRef>
+          <a:fontRef idx="minor">
+            <a:schemeClr val="lt1"/>
+          </a:fontRef>
+        </p:style>
+        <p:txBody>
+          <a:bodyPr anchor="ctr"/>
+          <a:lstStyle>
+            <a:extLst/>
+          </a:lstStyle>
+          <a:p>
+            <a:pPr algn="ctr" eaLnBrk="1" latinLnBrk="0" hangingPunct="1"/>
+            <a:endParaRPr kumimoji="0" lang="en-US" dirty="0"/>
+          </a:p>
+        </p:txBody>
+      </p:sp>
+      <p:sp>
+        <p:nvSpPr>
+          <p:cNvPr id="15" name="Rectangle 14"/>
+          <p:cNvSpPr/>
+          <p:nvPr/>
+        </p:nvSpPr>
+        <p:spPr>
+          <a:xfrm>
+            <a:off x="269073" y="680477"/>
+            <a:ext cx="27432" cy="365760"/>
+          </a:xfrm>
+          <a:prstGeom prst="rect">
+            <a:avLst/>
+          </a:prstGeom>
+          <a:solidFill>
+            <a:srgbClr val="000000">
+              <a:alpha val="100000"/>
+            </a:srgbClr>
+          </a:solidFill>
+          <a:ln w="50800" cap="rnd" cmpd="thickThin" algn="ctr">
+            <a:noFill/>
+            <a:prstDash val="solid"/>
+          </a:ln>
+          <a:effectLst/>
+        </p:spPr>
+        <p:style>
+          <a:lnRef idx="3">
+            <a:schemeClr val="lt1"/>
+          </a:lnRef>
+          <a:fillRef idx="1">
+            <a:schemeClr val="accent1"/>
+          </a:fillRef>
+          <a:effectRef idx="1">
+            <a:schemeClr val="accent1"/>
+          </a:effectRef>
+          <a:fontRef idx="minor">
+            <a:schemeClr val="lt1"/>
+          </a:fontRef>
+        </p:style>
+        <p:txBody>
+          <a:bodyPr anchor="ctr"/>
+          <a:lstStyle>
+            <a:extLst/>
+          </a:lstStyle>
+          <a:p>
+            <a:pPr algn="ctr" eaLnBrk="1" latinLnBrk="0" hangingPunct="1"/>
+            <a:endParaRPr kumimoji="0" lang="en-US" dirty="0"/>
+          </a:p>
+        </p:txBody>
+      </p:sp>
+      <p:sp>
+        <p:nvSpPr>
+          <p:cNvPr id="16" name="Rectangle 15"/>
+          <p:cNvSpPr/>
+          <p:nvPr/>
+        </p:nvSpPr>
+        <p:spPr>
+          <a:xfrm>
+            <a:off x="250020" y="680477"/>
+            <a:ext cx="9144" cy="365760"/>
+          </a:xfrm>
+          <a:prstGeom prst="rect">
+            <a:avLst/>
+          </a:prstGeom>
+          <a:solidFill>
+            <a:srgbClr val="000000">
+              <a:alpha val="100000"/>
+            </a:srgbClr>
+          </a:solidFill>
+          <a:ln w="50800" cap="rnd" cmpd="thickThin" algn="ctr">
+            <a:noFill/>
+            <a:prstDash val="solid"/>
+          </a:ln>
+          <a:effectLst/>
+        </p:spPr>
+        <p:style>
+          <a:lnRef idx="3">
+            <a:schemeClr val="lt1"/>
+          </a:lnRef>
+          <a:fillRef idx="1">
+            <a:schemeClr val="accent1"/>
+          </a:fillRef>
+          <a:effectRef idx="1">
+            <a:schemeClr val="accent1"/>
+          </a:effectRef>
+          <a:fontRef idx="minor">
+            <a:schemeClr val="lt1"/>
+          </a:fontRef>
+        </p:style>
+        <p:txBody>
+          <a:bodyPr anchor="ctr"/>
+          <a:lstStyle>
+            <a:extLst/>
+          </a:lstStyle>
+          <a:p>
+            <a:pPr algn="ctr" eaLnBrk="1" latinLnBrk="0" hangingPunct="1"/>
+            <a:endParaRPr kumimoji="0" lang="en-US"/>
+          </a:p>
+        </p:txBody>
+      </p:sp>
+      <p:sp>
+        <p:nvSpPr>
+          <p:cNvPr id="17" name="Rectangle 16"/>
+          <p:cNvSpPr/>
+          <p:nvPr/>
+        </p:nvSpPr>
+        <p:spPr>
+          <a:xfrm>
+            <a:off x="221768" y="680477"/>
+            <a:ext cx="9144" cy="365760"/>
+          </a:xfrm>
+          <a:prstGeom prst="rect">
+            <a:avLst/>
+          </a:prstGeom>
+          <a:solidFill>
+            <a:srgbClr val="000000">
+              <a:alpha val="100000"/>
+            </a:srgbClr>
+          </a:solidFill>
+          <a:ln w="50800" cap="rnd" cmpd="thickThin" algn="ctr">
+            <a:noFill/>
+            <a:prstDash val="solid"/>
+          </a:ln>
+          <a:effectLst/>
+        </p:spPr>
+        <p:style>
+          <a:lnRef idx="3">
+            <a:schemeClr val="lt1"/>
+          </a:lnRef>
+          <a:fillRef idx="1">
+            <a:schemeClr val="accent1"/>
+          </a:fillRef>
+          <a:effectRef idx="1">
+            <a:schemeClr val="accent1"/>
+          </a:effectRef>
+          <a:fontRef idx="minor">
+            <a:schemeClr val="lt1"/>
+          </a:fontRef>
+        </p:style>
+        <p:txBody>
+          <a:bodyPr anchor="ctr"/>
+          <a:lstStyle>
+            <a:extLst/>
+          </a:lstStyle>
+          <a:p>
+            <a:pPr algn="ctr" eaLnBrk="1" latinLnBrk="0" hangingPunct="1"/>
+            <a:endParaRPr kumimoji="0" lang="en-US" dirty="0"/>
+          </a:p>
+        </p:txBody>
+      </p:sp>
+      <p:sp>
+        <p:nvSpPr>
+          <p:cNvPr id="22" name="Title Placeholder 21"/>
+          <p:cNvSpPr>
+            <a:spLocks noGrp="1"/>
+          </p:cNvSpPr>
+          <p:nvPr>
+            <p:ph type="title"/>
+          </p:nvPr>
+        </p:nvSpPr>
+        <p:spPr>
+          <a:xfrm>
+            <a:off x="914400" y="512064"/>
+            <a:ext cx="7772400" cy="914400"/>
+          </a:xfrm>
+          <a:prstGeom prst="rect">
+            <a:avLst/>
+          </a:prstGeom>
+        </p:spPr>
+        <p:txBody>
+          <a:bodyPr vert="horz" anchor="t">
+            <a:noAutofit/>
+          </a:bodyPr>
+          <a:lstStyle>
+            <a:extLst/>
+          </a:lstStyle>
+          <a:p>
+            <a:r>
+              <a:rPr kumimoji="0" lang="en-US" smtClean="0"/>
+              <a:t>Click to edit Master title style</a:t>
+            </a:r>
+            <a:endParaRPr kumimoji="0" lang="en-US"/>
+          </a:p>
+        </p:txBody>
+      </p:sp>
+      <p:sp>
+        <p:nvSpPr>
+          <p:cNvPr id="13" name="Text Placeholder 12"/>
+          <p:cNvSpPr>
+            <a:spLocks noGrp="1"/>
+          </p:cNvSpPr>
+          <p:nvPr>
+            <p:ph type="body" idx="1"/>
+          </p:nvPr>
+        </p:nvSpPr>
+        <p:spPr>
+          <a:xfrm>
+            <a:off x="914400" y="1783560"/>
+            <a:ext cx="7772400" cy="4572000"/>
+          </a:xfrm>
+          <a:prstGeom prst="rect">
+            <a:avLst/>
+          </a:prstGeom>
+        </p:spPr>
+        <p:txBody>
+          <a:bodyPr vert="horz">
+            <a:normAutofit/>
+          </a:bodyPr>
+          <a:lstStyle>
+            <a:extLst/>
+          </a:lstStyle>
+          <a:p>
+            <a:pPr lvl="0" eaLnBrk="1" latinLnBrk="0" hangingPunct="1"/>
+            <a:r>
+              <a:rPr kumimoji="0" lang="en-US" smtClean="0"/>
+              <a:t>Click to edit Master text styles</a:t>
+            </a:r>
+          </a:p>
+          <a:p>
+            <a:pPr lvl="1" eaLnBrk="1" latinLnBrk="0" hangingPunct="1"/>
+            <a:r>
+              <a:rPr kumimoji="0" lang="en-US" smtClean="0"/>
+              <a:t>Second level</a:t>
+            </a:r>
+          </a:p>
+          <a:p>
+            <a:pPr lvl="2" eaLnBrk="1" latinLnBrk="0" hangingPunct="1"/>
+            <a:r>
+              <a:rPr kumimoji="0" lang="en-US" smtClean="0"/>
+              <a:t>Third level</a:t>
+            </a:r>
+          </a:p>
+          <a:p>
+            <a:pPr lvl="3" eaLnBrk="1" latinLnBrk="0" hangingPunct="1"/>
+            <a:r>
+              <a:rPr kumimoji="0" lang="en-US" smtClean="0"/>
+              <a:t>Fourth level</a:t>
+            </a:r>
+          </a:p>
+          <a:p>
+            <a:pPr lvl="4" eaLnBrk="1" latinLnBrk="0" hangingPunct="1"/>
+            <a:r>
+              <a:rPr kumimoji="0" lang="en-US" smtClean="0"/>
+              <a:t>Fifth level</a:t>
+            </a:r>
+            <a:endParaRPr kumimoji="0" lang="en-US"/>
+          </a:p>
+        </p:txBody>
+      </p:sp>
+      <p:sp>
+        <p:nvSpPr>
+          <p:cNvPr id="14" name="Date Placeholder 13"/>
+          <p:cNvSpPr>
+            <a:spLocks noGrp="1"/>
+          </p:cNvSpPr>
+          <p:nvPr>
+            <p:ph type="dt" sz="half" idx="2"/>
+          </p:nvPr>
+        </p:nvSpPr>
+        <p:spPr>
+          <a:xfrm>
+            <a:off x="6477000" y="6416675"/>
+            <a:ext cx="2133600" cy="365125"/>
+          </a:xfrm>
+          <a:prstGeom prst="rect">
+            <a:avLst/>
+          </a:prstGeom>
+        </p:spPr>
+        <p:txBody>
+          <a:bodyPr vert="horz" anchor="b"/>
+          <a:lstStyle>
+            <a:lvl1pPr algn="l" eaLnBrk="1" latinLnBrk="0" hangingPunct="1">
+              <a:defRPr kumimoji="0" sz="1100">
                 <a:solidFill>
-                  <a:schemeClr val="tx1">
-                    <a:tint val="75000"/>
-                  </a:schemeClr>
+                  <a:schemeClr val="tx2"/>
                 </a:solidFill>
               </a:defRPr>
             </a:lvl1pPr>
+            <a:extLst/>
           </a:lstStyle>
           <a:p>
             <a:fld id="{29F434F8-D001-41C5-B56B-022538BFE3FA}" type="datetimeFigureOut">
               <a:rPr lang="lv-LV" smtClean="0"/>
               <a:pPr/>
-              <a:t>07.06.2022</a:t>
+              <a:t>09.06.2022</a:t>
             </a:fld>
             <a:endParaRPr lang="lv-LV"/>
           </a:p>
@@ -2696,7 +6081,7 @@
       </p:sp>
       <p:sp>
         <p:nvSpPr>
-          <p:cNvPr id="5" name="Footer Placeholder 4"/>
+          <p:cNvPr id="3" name="Footer Placeholder 2"/>
           <p:cNvSpPr>
             <a:spLocks noGrp="1"/>
           </p:cNvSpPr>
@@ -2706,25 +6091,24 @@
         </p:nvSpPr>
         <p:spPr>
           <a:xfrm>
-            <a:off x="3124200" y="6356350"/>
-            <a:ext cx="2895600" cy="365125"/>
+            <a:off x="914400" y="6416675"/>
+            <a:ext cx="5562600" cy="365125"/>
           </a:xfrm>
           <a:prstGeom prst="rect">
             <a:avLst/>
           </a:prstGeom>
         </p:spPr>
         <p:txBody>
-          <a:bodyPr vert="horz" lIns="91440" tIns="45720" rIns="91440" bIns="45720" rtlCol="0" anchor="ctr"/>
-          <a:lstStyle>
-            <a:lvl1pPr algn="ctr">
-              <a:defRPr sz="1200">
+          <a:bodyPr vert="horz" anchor="b"/>
+          <a:lstStyle>
+            <a:lvl1pPr algn="r" eaLnBrk="1" latinLnBrk="0" hangingPunct="1">
+              <a:defRPr kumimoji="0" sz="1100">
                 <a:solidFill>
-                  <a:schemeClr val="tx1">
-                    <a:tint val="75000"/>
-                  </a:schemeClr>
+                  <a:schemeClr val="tx2"/>
                 </a:solidFill>
               </a:defRPr>
             </a:lvl1pPr>
+            <a:extLst/>
           </a:lstStyle>
           <a:p>
             <a:endParaRPr lang="lv-LV"/>
@@ -2733,7 +6117,7 @@
       </p:sp>
       <p:sp>
         <p:nvSpPr>
-          <p:cNvPr id="6" name="Slide Number Placeholder 5"/>
+          <p:cNvPr id="23" name="Slide Number Placeholder 22"/>
           <p:cNvSpPr>
             <a:spLocks noGrp="1"/>
           </p:cNvSpPr>
@@ -2743,25 +6127,24 @@
         </p:nvSpPr>
         <p:spPr>
           <a:xfrm>
-            <a:off x="6553200" y="6356350"/>
-            <a:ext cx="2133600" cy="365125"/>
+            <a:off x="8610600" y="6416675"/>
+            <a:ext cx="457200" cy="365125"/>
           </a:xfrm>
           <a:prstGeom prst="rect">
             <a:avLst/>
           </a:prstGeom>
         </p:spPr>
         <p:txBody>
-          <a:bodyPr vert="horz" lIns="91440" tIns="45720" rIns="91440" bIns="45720" rtlCol="0" anchor="ctr"/>
-          <a:lstStyle>
-            <a:lvl1pPr algn="r">
-              <a:defRPr sz="1200">
+          <a:bodyPr vert="horz" anchor="b"/>
+          <a:lstStyle>
+            <a:lvl1pPr algn="l" eaLnBrk="1" latinLnBrk="0" hangingPunct="1">
+              <a:defRPr kumimoji="0" sz="1200">
                 <a:solidFill>
-                  <a:schemeClr val="tx1">
-                    <a:tint val="75000"/>
-                  </a:schemeClr>
+                  <a:schemeClr val="tx2"/>
                 </a:solidFill>
               </a:defRPr>
             </a:lvl1pPr>
+            <a:extLst/>
           </a:lstStyle>
           <a:p>
             <a:fld id="{3FAF74E2-2FBE-4046-B081-2C955BE03488}" type="slidenum">
@@ -2775,45 +6158,52 @@
       </p:sp>
     </p:spTree>
   </p:cSld>
-  <p:clrMap bg1="lt1" tx1="dk1" bg2="lt2" tx2="dk2" accent1="accent1" accent2="accent2" accent3="accent3" accent4="accent4" accent5="accent5" accent6="accent6" hlink="hlink" folHlink="folHlink"/>
+  <p:clrMap bg1="dk1" tx1="lt1" bg2="dk2" tx2="lt2" accent1="accent1" accent2="accent2" accent3="accent3" accent4="accent4" accent5="accent5" accent6="accent6" hlink="hlink" folHlink="folHlink"/>
   <p:sldLayoutIdLst>
-    <p:sldLayoutId id="2147483649" r:id="rId1"/>
-    <p:sldLayoutId id="2147483650" r:id="rId2"/>
-    <p:sldLayoutId id="2147483651" r:id="rId3"/>
-    <p:sldLayoutId id="2147483652" r:id="rId4"/>
-    <p:sldLayoutId id="2147483653" r:id="rId5"/>
-    <p:sldLayoutId id="2147483654" r:id="rId6"/>
-    <p:sldLayoutId id="2147483655" r:id="rId7"/>
-    <p:sldLayoutId id="2147483656" r:id="rId8"/>
-    <p:sldLayoutId id="2147483657" r:id="rId9"/>
-    <p:sldLayoutId id="2147483658" r:id="rId10"/>
-    <p:sldLayoutId id="2147483659" r:id="rId11"/>
+    <p:sldLayoutId id="2147483685" r:id="rId1"/>
+    <p:sldLayoutId id="2147483686" r:id="rId2"/>
+    <p:sldLayoutId id="2147483687" r:id="rId3"/>
+    <p:sldLayoutId id="2147483688" r:id="rId4"/>
+    <p:sldLayoutId id="2147483689" r:id="rId5"/>
+    <p:sldLayoutId id="2147483690" r:id="rId6"/>
+    <p:sldLayoutId id="2147483691" r:id="rId7"/>
+    <p:sldLayoutId id="2147483692" r:id="rId8"/>
+    <p:sldLayoutId id="2147483693" r:id="rId9"/>
+    <p:sldLayoutId id="2147483694" r:id="rId10"/>
+    <p:sldLayoutId id="2147483695" r:id="rId11"/>
   </p:sldLayoutIdLst>
   <p:txStyles>
     <p:titleStyle>
-      <a:lvl1pPr algn="ctr" defTabSz="914400" rtl="0" eaLnBrk="1" latinLnBrk="0" hangingPunct="1">
+      <a:lvl1pPr algn="l" rtl="0" eaLnBrk="1" latinLnBrk="0" hangingPunct="1">
         <a:spcBef>
           <a:spcPct val="0"/>
         </a:spcBef>
         <a:buNone/>
-        <a:defRPr sz="4400" kern="1200">
+        <a:defRPr kumimoji="0" sz="4000" kern="1200" spc="-100" baseline="0">
           <a:solidFill>
-            <a:schemeClr val="tx1"/>
+            <a:schemeClr val="tx2">
+              <a:satMod val="200000"/>
+            </a:schemeClr>
           </a:solidFill>
           <a:latin typeface="+mj-lt"/>
           <a:ea typeface="+mj-ea"/>
           <a:cs typeface="+mj-cs"/>
         </a:defRPr>
       </a:lvl1pPr>
+      <a:extLst/>
     </p:titleStyle>
     <p:bodyStyle>
-      <a:lvl1pPr marL="342900" indent="-342900" algn="l" defTabSz="914400" rtl="0" eaLnBrk="1" latinLnBrk="0" hangingPunct="1">
+      <a:lvl1pPr marL="411480" indent="-342900" algn="l" rtl="0" eaLnBrk="1" latinLnBrk="0" hangingPunct="1">
         <a:spcBef>
-          <a:spcPct val="20000"/>
+          <a:spcPts val="700"/>
         </a:spcBef>
-        <a:buFont typeface="Arial" pitchFamily="34" charset="0"/>
-        <a:buChar char="•"/>
-        <a:defRPr sz="3200" kern="1200">
+        <a:buClr>
+          <a:schemeClr val="tx2"/>
+        </a:buClr>
+        <a:buSzPct val="95000"/>
+        <a:buFont typeface="Wingdings"/>
+        <a:buChar char=""/>
+        <a:defRPr kumimoji="0" sz="3000" kern="1200">
           <a:solidFill>
             <a:schemeClr val="tx1"/>
           </a:solidFill>
@@ -2822,13 +6212,17 @@
           <a:cs typeface="+mn-cs"/>
         </a:defRPr>
       </a:lvl1pPr>
-      <a:lvl2pPr marL="742950" indent="-285750" algn="l" defTabSz="914400" rtl="0" eaLnBrk="1" latinLnBrk="0" hangingPunct="1">
+      <a:lvl2pPr marL="740664" indent="-285750" algn="l" rtl="0" eaLnBrk="1" latinLnBrk="0" hangingPunct="1">
         <a:spcBef>
           <a:spcPct val="20000"/>
         </a:spcBef>
-        <a:buFont typeface="Arial" pitchFamily="34" charset="0"/>
-        <a:buChar char="–"/>
-        <a:defRPr sz="2800" kern="1200">
+        <a:buClr>
+          <a:schemeClr val="accent2"/>
+        </a:buClr>
+        <a:buSzPct val="90000"/>
+        <a:buFont typeface="Wingdings"/>
+        <a:buChar char=""/>
+        <a:defRPr kumimoji="0" sz="2600" kern="1200">
           <a:solidFill>
             <a:schemeClr val="tx1"/>
           </a:solidFill>
@@ -2837,13 +6231,16 @@
           <a:cs typeface="+mn-cs"/>
         </a:defRPr>
       </a:lvl2pPr>
-      <a:lvl3pPr marL="1143000" indent="-228600" algn="l" defTabSz="914400" rtl="0" eaLnBrk="1" latinLnBrk="0" hangingPunct="1">
+      <a:lvl3pPr marL="996696" indent="-228600" algn="l" rtl="0" eaLnBrk="1" latinLnBrk="0" hangingPunct="1">
         <a:spcBef>
           <a:spcPct val="20000"/>
         </a:spcBef>
-        <a:buFont typeface="Arial" pitchFamily="34" charset="0"/>
-        <a:buChar char="•"/>
-        <a:defRPr sz="2400" kern="1200">
+        <a:buClr>
+          <a:schemeClr val="accent2"/>
+        </a:buClr>
+        <a:buFont typeface="Wingdings 2"/>
+        <a:buChar char=""/>
+        <a:defRPr kumimoji="0" sz="2400" kern="1200">
           <a:solidFill>
             <a:schemeClr val="tx1"/>
           </a:solidFill>
@@ -2852,13 +6249,16 @@
           <a:cs typeface="+mn-cs"/>
         </a:defRPr>
       </a:lvl3pPr>
-      <a:lvl4pPr marL="1600200" indent="-228600" algn="l" defTabSz="914400" rtl="0" eaLnBrk="1" latinLnBrk="0" hangingPunct="1">
+      <a:lvl4pPr marL="1261872" indent="-228600" algn="l" rtl="0" eaLnBrk="1" latinLnBrk="0" hangingPunct="1">
         <a:spcBef>
           <a:spcPct val="20000"/>
         </a:spcBef>
-        <a:buFont typeface="Arial" pitchFamily="34" charset="0"/>
-        <a:buChar char="–"/>
-        <a:defRPr sz="2000" kern="1200">
+        <a:buClr>
+          <a:schemeClr val="accent3"/>
+        </a:buClr>
+        <a:buFont typeface="Wingdings 3"/>
+        <a:buChar char=""/>
+        <a:defRPr kumimoji="0" sz="2200" kern="1200">
           <a:solidFill>
             <a:schemeClr val="tx1"/>
           </a:solidFill>
@@ -2867,13 +6267,16 @@
           <a:cs typeface="+mn-cs"/>
         </a:defRPr>
       </a:lvl4pPr>
-      <a:lvl5pPr marL="2057400" indent="-228600" algn="l" defTabSz="914400" rtl="0" eaLnBrk="1" latinLnBrk="0" hangingPunct="1">
+      <a:lvl5pPr marL="1481328" indent="-210312" algn="l" rtl="0" eaLnBrk="1" latinLnBrk="0" hangingPunct="1">
         <a:spcBef>
           <a:spcPct val="20000"/>
         </a:spcBef>
-        <a:buFont typeface="Arial" pitchFamily="34" charset="0"/>
-        <a:buChar char="»"/>
-        <a:defRPr sz="2000" kern="1200">
+        <a:buClr>
+          <a:schemeClr val="accent3"/>
+        </a:buClr>
+        <a:buFont typeface="Wingdings 2"/>
+        <a:buChar char=""/>
+        <a:defRPr kumimoji="0" sz="2000" kern="1200">
           <a:solidFill>
             <a:schemeClr val="tx1"/>
           </a:solidFill>
@@ -2882,13 +6285,16 @@
           <a:cs typeface="+mn-cs"/>
         </a:defRPr>
       </a:lvl5pPr>
-      <a:lvl6pPr marL="2514600" indent="-228600" algn="l" defTabSz="914400" rtl="0" eaLnBrk="1" latinLnBrk="0" hangingPunct="1">
+      <a:lvl6pPr marL="1709928" indent="-210312" algn="l" rtl="0" eaLnBrk="1" latinLnBrk="0" hangingPunct="1">
         <a:spcBef>
           <a:spcPct val="20000"/>
         </a:spcBef>
-        <a:buFont typeface="Arial" pitchFamily="34" charset="0"/>
-        <a:buChar char="•"/>
-        <a:defRPr sz="2000" kern="1200">
+        <a:buClr>
+          <a:schemeClr val="accent3"/>
+        </a:buClr>
+        <a:buFont typeface="Wingdings 2"/>
+        <a:buChar char=""/>
+        <a:defRPr kumimoji="0" sz="1800" kern="1200">
           <a:solidFill>
             <a:schemeClr val="tx1"/>
           </a:solidFill>
@@ -2897,13 +6303,16 @@
           <a:cs typeface="+mn-cs"/>
         </a:defRPr>
       </a:lvl6pPr>
-      <a:lvl7pPr marL="2971800" indent="-228600" algn="l" defTabSz="914400" rtl="0" eaLnBrk="1" latinLnBrk="0" hangingPunct="1">
+      <a:lvl7pPr marL="1901952" indent="-182880" algn="l" rtl="0" eaLnBrk="1" latinLnBrk="0" hangingPunct="1">
         <a:spcBef>
           <a:spcPct val="20000"/>
         </a:spcBef>
-        <a:buFont typeface="Arial" pitchFamily="34" charset="0"/>
-        <a:buChar char="•"/>
-        <a:defRPr sz="2000" kern="1200">
+        <a:buClr>
+          <a:schemeClr val="accent4"/>
+        </a:buClr>
+        <a:buFont typeface="Wingdings 2"/>
+        <a:buChar char=""/>
+        <a:defRPr kumimoji="0" sz="1600" kern="1200">
           <a:solidFill>
             <a:schemeClr val="tx1"/>
           </a:solidFill>
@@ -2912,13 +6321,16 @@
           <a:cs typeface="+mn-cs"/>
         </a:defRPr>
       </a:lvl7pPr>
-      <a:lvl8pPr marL="3429000" indent="-228600" algn="l" defTabSz="914400" rtl="0" eaLnBrk="1" latinLnBrk="0" hangingPunct="1">
+      <a:lvl8pPr marL="2093976" indent="-182880" algn="l" rtl="0" eaLnBrk="1" latinLnBrk="0" hangingPunct="1">
         <a:spcBef>
           <a:spcPct val="20000"/>
         </a:spcBef>
-        <a:buFont typeface="Arial" pitchFamily="34" charset="0"/>
-        <a:buChar char="•"/>
-        <a:defRPr sz="2000" kern="1200">
+        <a:buClr>
+          <a:schemeClr val="accent4"/>
+        </a:buClr>
+        <a:buFont typeface="Wingdings 2"/>
+        <a:buChar char=""/>
+        <a:defRPr kumimoji="0" sz="1600" kern="1200">
           <a:solidFill>
             <a:schemeClr val="tx1"/>
           </a:solidFill>
@@ -2927,13 +6339,16 @@
           <a:cs typeface="+mn-cs"/>
         </a:defRPr>
       </a:lvl8pPr>
-      <a:lvl9pPr marL="3886200" indent="-228600" algn="l" defTabSz="914400" rtl="0" eaLnBrk="1" latinLnBrk="0" hangingPunct="1">
+      <a:lvl9pPr marL="2286000" indent="-182880" algn="l" rtl="0" eaLnBrk="1" latinLnBrk="0" hangingPunct="1">
         <a:spcBef>
           <a:spcPct val="20000"/>
         </a:spcBef>
-        <a:buFont typeface="Arial" pitchFamily="34" charset="0"/>
-        <a:buChar char="•"/>
-        <a:defRPr sz="2000" kern="1200">
+        <a:buClr>
+          <a:schemeClr val="accent4"/>
+        </a:buClr>
+        <a:buFont typeface="Wingdings 2"/>
+        <a:buChar char=""/>
+        <a:defRPr kumimoji="0" sz="1600" kern="1200">
           <a:solidFill>
             <a:schemeClr val="tx1"/>
           </a:solidFill>
@@ -2942,13 +6357,11 @@
           <a:cs typeface="+mn-cs"/>
         </a:defRPr>
       </a:lvl9pPr>
+      <a:extLst/>
     </p:bodyStyle>
     <p:otherStyle>
-      <a:defPPr>
-        <a:defRPr lang="lv-LV"/>
-      </a:defPPr>
-      <a:lvl1pPr marL="0" algn="l" defTabSz="914400" rtl="0" eaLnBrk="1" latinLnBrk="0" hangingPunct="1">
-        <a:defRPr sz="1800" kern="1200">
+      <a:lvl1pPr marL="0" algn="l" rtl="0" eaLnBrk="1" latinLnBrk="0" hangingPunct="1">
+        <a:defRPr kumimoji="0" kern="1200">
           <a:solidFill>
             <a:schemeClr val="tx1"/>
           </a:solidFill>
@@ -2957,8 +6370,8 @@
           <a:cs typeface="+mn-cs"/>
         </a:defRPr>
       </a:lvl1pPr>
-      <a:lvl2pPr marL="457200" algn="l" defTabSz="914400" rtl="0" eaLnBrk="1" latinLnBrk="0" hangingPunct="1">
-        <a:defRPr sz="1800" kern="1200">
+      <a:lvl2pPr marL="457200" algn="l" rtl="0" eaLnBrk="1" latinLnBrk="0" hangingPunct="1">
+        <a:defRPr kumimoji="0" kern="1200">
           <a:solidFill>
             <a:schemeClr val="tx1"/>
           </a:solidFill>
@@ -2967,8 +6380,8 @@
           <a:cs typeface="+mn-cs"/>
         </a:defRPr>
       </a:lvl2pPr>
-      <a:lvl3pPr marL="914400" algn="l" defTabSz="914400" rtl="0" eaLnBrk="1" latinLnBrk="0" hangingPunct="1">
-        <a:defRPr sz="1800" kern="1200">
+      <a:lvl3pPr marL="914400" algn="l" rtl="0" eaLnBrk="1" latinLnBrk="0" hangingPunct="1">
+        <a:defRPr kumimoji="0" kern="1200">
           <a:solidFill>
             <a:schemeClr val="tx1"/>
           </a:solidFill>
@@ -2977,8 +6390,8 @@
           <a:cs typeface="+mn-cs"/>
         </a:defRPr>
       </a:lvl3pPr>
-      <a:lvl4pPr marL="1371600" algn="l" defTabSz="914400" rtl="0" eaLnBrk="1" latinLnBrk="0" hangingPunct="1">
-        <a:defRPr sz="1800" kern="1200">
+      <a:lvl4pPr marL="1371600" algn="l" rtl="0" eaLnBrk="1" latinLnBrk="0" hangingPunct="1">
+        <a:defRPr kumimoji="0" kern="1200">
           <a:solidFill>
             <a:schemeClr val="tx1"/>
           </a:solidFill>
@@ -2987,8 +6400,8 @@
           <a:cs typeface="+mn-cs"/>
         </a:defRPr>
       </a:lvl4pPr>
-      <a:lvl5pPr marL="1828800" algn="l" defTabSz="914400" rtl="0" eaLnBrk="1" latinLnBrk="0" hangingPunct="1">
-        <a:defRPr sz="1800" kern="1200">
+      <a:lvl5pPr marL="1828800" algn="l" rtl="0" eaLnBrk="1" latinLnBrk="0" hangingPunct="1">
+        <a:defRPr kumimoji="0" kern="1200">
           <a:solidFill>
             <a:schemeClr val="tx1"/>
           </a:solidFill>
@@ -2997,8 +6410,8 @@
           <a:cs typeface="+mn-cs"/>
         </a:defRPr>
       </a:lvl5pPr>
-      <a:lvl6pPr marL="2286000" algn="l" defTabSz="914400" rtl="0" eaLnBrk="1" latinLnBrk="0" hangingPunct="1">
-        <a:defRPr sz="1800" kern="1200">
+      <a:lvl6pPr marL="2286000" algn="l" rtl="0" eaLnBrk="1" latinLnBrk="0" hangingPunct="1">
+        <a:defRPr kumimoji="0" kern="1200">
           <a:solidFill>
             <a:schemeClr val="tx1"/>
           </a:solidFill>
@@ -3007,8 +6420,8 @@
           <a:cs typeface="+mn-cs"/>
         </a:defRPr>
       </a:lvl6pPr>
-      <a:lvl7pPr marL="2743200" algn="l" defTabSz="914400" rtl="0" eaLnBrk="1" latinLnBrk="0" hangingPunct="1">
-        <a:defRPr sz="1800" kern="1200">
+      <a:lvl7pPr marL="2743200" algn="l" rtl="0" eaLnBrk="1" latinLnBrk="0" hangingPunct="1">
+        <a:defRPr kumimoji="0" kern="1200">
           <a:solidFill>
             <a:schemeClr val="tx1"/>
           </a:solidFill>
@@ -3017,8 +6430,8 @@
           <a:cs typeface="+mn-cs"/>
         </a:defRPr>
       </a:lvl7pPr>
-      <a:lvl8pPr marL="3200400" algn="l" defTabSz="914400" rtl="0" eaLnBrk="1" latinLnBrk="0" hangingPunct="1">
-        <a:defRPr sz="1800" kern="1200">
+      <a:lvl8pPr marL="3200400" algn="l" rtl="0" eaLnBrk="1" latinLnBrk="0" hangingPunct="1">
+        <a:defRPr kumimoji="0" kern="1200">
           <a:solidFill>
             <a:schemeClr val="tx1"/>
           </a:solidFill>
@@ -3027,8 +6440,8 @@
           <a:cs typeface="+mn-cs"/>
         </a:defRPr>
       </a:lvl8pPr>
-      <a:lvl9pPr marL="3657600" algn="l" defTabSz="914400" rtl="0" eaLnBrk="1" latinLnBrk="0" hangingPunct="1">
-        <a:defRPr sz="1800" kern="1200">
+      <a:lvl9pPr marL="3657600" algn="l" rtl="0" eaLnBrk="1" latinLnBrk="0" hangingPunct="1">
+        <a:defRPr kumimoji="0" kern="1200">
           <a:solidFill>
             <a:schemeClr val="tx1"/>
           </a:solidFill>
@@ -3037,6 +6450,7 @@
           <a:cs typeface="+mn-cs"/>
         </a:defRPr>
       </a:lvl9pPr>
+      <a:extLst/>
     </p:otherStyle>
   </p:txStyles>
 </p:sldMaster>
@@ -3113,10 +6527,446 @@
 </p:sld>
 </file>
 
+<file path=ppt/slides/slide2.xml><?xml version="1.0" encoding="utf-8"?>
+<p:sld xmlns:a="http://schemas.openxmlformats.org/drawingml/2006/main" xmlns:r="http://schemas.openxmlformats.org/officeDocument/2006/relationships" xmlns:p="http://schemas.openxmlformats.org/presentationml/2006/main">
+  <p:cSld>
+    <p:spTree>
+      <p:nvGrpSpPr>
+        <p:cNvPr id="1" name=""/>
+        <p:cNvGrpSpPr/>
+        <p:nvPr/>
+      </p:nvGrpSpPr>
+      <p:grpSpPr>
+        <a:xfrm>
+          <a:off x="0" y="0"/>
+          <a:ext cx="0" cy="0"/>
+          <a:chOff x="0" y="0"/>
+          <a:chExt cx="0" cy="0"/>
+        </a:xfrm>
+      </p:grpSpPr>
+      <p:sp>
+        <p:nvSpPr>
+          <p:cNvPr id="2" name="Title 1"/>
+          <p:cNvSpPr>
+            <a:spLocks noGrp="1"/>
+          </p:cNvSpPr>
+          <p:nvPr>
+            <p:ph type="title"/>
+          </p:nvPr>
+        </p:nvSpPr>
+        <p:spPr/>
+        <p:txBody>
+          <a:bodyPr/>
+          <a:lstStyle/>
+          <a:p>
+            <a:r>
+              <a:rPr lang="lv-LV" dirty="0" smtClean="0"/>
+              <a:t>Saturs</a:t>
+            </a:r>
+            <a:endParaRPr lang="lv-LV" dirty="0"/>
+          </a:p>
+        </p:txBody>
+      </p:sp>
+      <p:sp>
+        <p:nvSpPr>
+          <p:cNvPr id="3" name="Content Placeholder 2"/>
+          <p:cNvSpPr>
+            <a:spLocks noGrp="1"/>
+          </p:cNvSpPr>
+          <p:nvPr>
+            <p:ph idx="1"/>
+          </p:nvPr>
+        </p:nvSpPr>
+        <p:spPr/>
+        <p:txBody>
+          <a:bodyPr/>
+          <a:lstStyle/>
+          <a:p>
+            <a:r>
+              <a:rPr lang="lv-LV" dirty="0" smtClean="0"/>
+              <a:t>Kas ir teksta datnes?</a:t>
+            </a:r>
+          </a:p>
+          <a:p>
+            <a:endParaRPr lang="lv-LV" dirty="0"/>
+          </a:p>
+        </p:txBody>
+      </p:sp>
+    </p:spTree>
+  </p:cSld>
+  <p:clrMapOvr>
+    <a:masterClrMapping/>
+  </p:clrMapOvr>
+</p:sld>
+</file>
+
+<file path=ppt/slides/slide3.xml><?xml version="1.0" encoding="utf-8"?>
+<p:sld xmlns:a="http://schemas.openxmlformats.org/drawingml/2006/main" xmlns:r="http://schemas.openxmlformats.org/officeDocument/2006/relationships" xmlns:p="http://schemas.openxmlformats.org/presentationml/2006/main">
+  <p:cSld>
+    <p:spTree>
+      <p:nvGrpSpPr>
+        <p:cNvPr id="1" name=""/>
+        <p:cNvGrpSpPr/>
+        <p:nvPr/>
+      </p:nvGrpSpPr>
+      <p:grpSpPr>
+        <a:xfrm>
+          <a:off x="0" y="0"/>
+          <a:ext cx="0" cy="0"/>
+          <a:chOff x="0" y="0"/>
+          <a:chExt cx="0" cy="0"/>
+        </a:xfrm>
+      </p:grpSpPr>
+      <p:sp>
+        <p:nvSpPr>
+          <p:cNvPr id="2" name="Title 1"/>
+          <p:cNvSpPr>
+            <a:spLocks noGrp="1"/>
+          </p:cNvSpPr>
+          <p:nvPr>
+            <p:ph type="title"/>
+          </p:nvPr>
+        </p:nvSpPr>
+        <p:spPr/>
+        <p:txBody>
+          <a:bodyPr/>
+          <a:lstStyle/>
+          <a:p>
+            <a:r>
+              <a:rPr lang="lv-LV" dirty="0" smtClean="0"/>
+              <a:t>Kas ir teksta datnes?</a:t>
+            </a:r>
+            <a:endParaRPr lang="lv-LV" dirty="0"/>
+          </a:p>
+        </p:txBody>
+      </p:sp>
+      <p:sp>
+        <p:nvSpPr>
+          <p:cNvPr id="3" name="Content Placeholder 2"/>
+          <p:cNvSpPr>
+            <a:spLocks noGrp="1"/>
+          </p:cNvSpPr>
+          <p:nvPr>
+            <p:ph idx="1"/>
+          </p:nvPr>
+        </p:nvSpPr>
+        <p:spPr/>
+        <p:txBody>
+          <a:bodyPr>
+            <a:normAutofit/>
+          </a:bodyPr>
+          <a:lstStyle/>
+          <a:p>
+            <a:r>
+              <a:rPr lang="lv-LV" sz="2800" dirty="0" smtClean="0"/>
+              <a:t>Praktiski </a:t>
+            </a:r>
+            <a:r>
+              <a:rPr lang="lv-LV" sz="2800" dirty="0" smtClean="0"/>
+              <a:t>visos datoros burtciparu datiem </a:t>
+            </a:r>
+            <a:r>
+              <a:rPr lang="lv-LV" sz="2800" dirty="0" smtClean="0"/>
+              <a:t>un īpašajām </a:t>
+            </a:r>
+            <a:r>
+              <a:rPr lang="lv-LV" sz="2800" dirty="0" smtClean="0"/>
+              <a:t>rakstzīmēm katram tiek piešķirta noteikta binārā vērtība, ko sauc par rakstzīmju kodu</a:t>
+            </a:r>
+            <a:r>
+              <a:rPr lang="lv-LV" sz="2800" dirty="0" smtClean="0"/>
+              <a:t>.</a:t>
+            </a:r>
+          </a:p>
+          <a:p>
+            <a:r>
+              <a:rPr lang="lv-LV" sz="2800" dirty="0" smtClean="0"/>
+              <a:t>ASCII kods ir kodēšanas sistēma, lai parādītu un darbotos ar simboliem, tekstiem</a:t>
+            </a:r>
+          </a:p>
+          <a:p>
+            <a:r>
+              <a:rPr lang="lv-LV" sz="2800" dirty="0" smtClean="0"/>
+              <a:t>Lai izvadītu sakarīgu tekstu konsolē, GUI, ir vajadzīgs ASCII vai Unicode</a:t>
+            </a:r>
+          </a:p>
+          <a:p>
+            <a:r>
+              <a:rPr lang="lv-LV" sz="2800" dirty="0" smtClean="0"/>
+              <a:t>C++ var pārveidot mainigos kā teksta datni.</a:t>
+            </a:r>
+            <a:endParaRPr lang="lv-LV" sz="2800" dirty="0"/>
+          </a:p>
+        </p:txBody>
+      </p:sp>
+    </p:spTree>
+  </p:cSld>
+  <p:clrMapOvr>
+    <a:masterClrMapping/>
+  </p:clrMapOvr>
+</p:sld>
+</file>
+
+<file path=ppt/slides/slide4.xml><?xml version="1.0" encoding="utf-8"?>
+<p:sld xmlns:a="http://schemas.openxmlformats.org/drawingml/2006/main" xmlns:r="http://schemas.openxmlformats.org/officeDocument/2006/relationships" xmlns:p="http://schemas.openxmlformats.org/presentationml/2006/main">
+  <p:cSld>
+    <p:spTree>
+      <p:nvGrpSpPr>
+        <p:cNvPr id="1" name=""/>
+        <p:cNvGrpSpPr/>
+        <p:nvPr/>
+      </p:nvGrpSpPr>
+      <p:grpSpPr>
+        <a:xfrm>
+          <a:off x="0" y="0"/>
+          <a:ext cx="0" cy="0"/>
+          <a:chOff x="0" y="0"/>
+          <a:chExt cx="0" cy="0"/>
+        </a:xfrm>
+      </p:grpSpPr>
+      <p:sp>
+        <p:nvSpPr>
+          <p:cNvPr id="2" name="Title 1"/>
+          <p:cNvSpPr>
+            <a:spLocks noGrp="1"/>
+          </p:cNvSpPr>
+          <p:nvPr>
+            <p:ph type="title"/>
+          </p:nvPr>
+        </p:nvSpPr>
+        <p:spPr/>
+        <p:txBody>
+          <a:bodyPr/>
+          <a:lstStyle/>
+          <a:p>
+            <a:r>
+              <a:rPr lang="lv-LV" dirty="0" smtClean="0"/>
+              <a:t>Kā C++ darbojās ar teksta datnēm?</a:t>
+            </a:r>
+            <a:endParaRPr lang="lv-LV" dirty="0"/>
+          </a:p>
+        </p:txBody>
+      </p:sp>
+      <p:sp>
+        <p:nvSpPr>
+          <p:cNvPr id="3" name="Content Placeholder 2"/>
+          <p:cNvSpPr>
+            <a:spLocks noGrp="1"/>
+          </p:cNvSpPr>
+          <p:nvPr>
+            <p:ph idx="1"/>
+          </p:nvPr>
+        </p:nvSpPr>
+        <p:spPr/>
+        <p:txBody>
+          <a:bodyPr>
+            <a:normAutofit lnSpcReduction="10000"/>
+          </a:bodyPr>
+          <a:lstStyle/>
+          <a:p>
+            <a:r>
+              <a:rPr lang="lv-LV" sz="2800" dirty="0" smtClean="0"/>
+              <a:t>Ir dažādi veidi kā var izvadīt un ievadīt teksta datnes</a:t>
+            </a:r>
+          </a:p>
+          <a:p>
+            <a:r>
+              <a:rPr lang="lv-LV" sz="2800" dirty="0" smtClean="0"/>
+              <a:t>Izvade: cout&lt;&lt;, printf(), system(), </a:t>
+            </a:r>
+          </a:p>
+          <a:p>
+            <a:r>
+              <a:rPr lang="lv-LV" sz="2800" dirty="0" smtClean="0"/>
+              <a:t>Ievade: cin&gt;&gt;</a:t>
+            </a:r>
+          </a:p>
+          <a:p>
+            <a:r>
+              <a:rPr lang="lv-LV" sz="2800" dirty="0" smtClean="0"/>
+              <a:t>Protams, var daudz dažādus interface taisīt, kur ir savi veidi kā ievadīt un izvadīt tekstu, GUI, extensions.</a:t>
+            </a:r>
+          </a:p>
+          <a:p>
+            <a:r>
+              <a:rPr lang="lv-LV" sz="2800" dirty="0" smtClean="0"/>
+              <a:t>Teksts C++ ir principā ka string, tādēļ ar to var darboties matemātiski. </a:t>
+            </a:r>
+          </a:p>
+          <a:p>
+            <a:r>
+              <a:rPr lang="lv-LV" sz="2800" dirty="0" smtClean="0"/>
+              <a:t>Viena string vērtība ir char masīvs.</a:t>
+            </a:r>
+            <a:endParaRPr lang="lv-LV" sz="2800" dirty="0"/>
+          </a:p>
+        </p:txBody>
+      </p:sp>
+    </p:spTree>
+  </p:cSld>
+  <p:clrMapOvr>
+    <a:masterClrMapping/>
+  </p:clrMapOvr>
+</p:sld>
+</file>
+
+<file path=ppt/slides/slide5.xml><?xml version="1.0" encoding="utf-8"?>
+<p:sld xmlns:a="http://schemas.openxmlformats.org/drawingml/2006/main" xmlns:r="http://schemas.openxmlformats.org/officeDocument/2006/relationships" xmlns:p="http://schemas.openxmlformats.org/presentationml/2006/main">
+  <p:cSld>
+    <p:spTree>
+      <p:nvGrpSpPr>
+        <p:cNvPr id="1" name=""/>
+        <p:cNvGrpSpPr/>
+        <p:nvPr/>
+      </p:nvGrpSpPr>
+      <p:grpSpPr>
+        <a:xfrm>
+          <a:off x="0" y="0"/>
+          <a:ext cx="0" cy="0"/>
+          <a:chOff x="0" y="0"/>
+          <a:chExt cx="0" cy="0"/>
+        </a:xfrm>
+      </p:grpSpPr>
+      <p:sp>
+        <p:nvSpPr>
+          <p:cNvPr id="2" name="Title 1"/>
+          <p:cNvSpPr>
+            <a:spLocks noGrp="1"/>
+          </p:cNvSpPr>
+          <p:nvPr>
+            <p:ph type="title"/>
+          </p:nvPr>
+        </p:nvSpPr>
+        <p:spPr/>
+        <p:txBody>
+          <a:bodyPr/>
+          <a:lstStyle/>
+          <a:p>
+            <a:r>
+              <a:rPr lang="lv-LV" dirty="0" smtClean="0"/>
+              <a:t>1. Uzdevuma piemērs</a:t>
+            </a:r>
+            <a:endParaRPr lang="lv-LV" dirty="0"/>
+          </a:p>
+        </p:txBody>
+      </p:sp>
+      <p:sp>
+        <p:nvSpPr>
+          <p:cNvPr id="3" name="Content Placeholder 2"/>
+          <p:cNvSpPr>
+            <a:spLocks noGrp="1"/>
+          </p:cNvSpPr>
+          <p:nvPr>
+            <p:ph idx="1"/>
+          </p:nvPr>
+        </p:nvSpPr>
+        <p:spPr/>
+        <p:txBody>
+          <a:bodyPr/>
+          <a:lstStyle/>
+          <a:p>
+            <a:r>
+              <a:rPr lang="lv-LV" smtClean="0"/>
+              <a:t>Ar string mainīgo palīdzību un datnes ievades palīdzību</a:t>
+            </a:r>
+            <a:endParaRPr lang="lv-LV"/>
+          </a:p>
+        </p:txBody>
+      </p:sp>
+    </p:spTree>
+  </p:cSld>
+  <p:clrMapOvr>
+    <a:masterClrMapping/>
+  </p:clrMapOvr>
+</p:sld>
+</file>
+
+<file path=ppt/slides/slide6.xml><?xml version="1.0" encoding="utf-8"?>
+<p:sld xmlns:a="http://schemas.openxmlformats.org/drawingml/2006/main" xmlns:r="http://schemas.openxmlformats.org/officeDocument/2006/relationships" xmlns:p="http://schemas.openxmlformats.org/presentationml/2006/main">
+  <p:cSld>
+    <p:spTree>
+      <p:nvGrpSpPr>
+        <p:cNvPr id="1" name=""/>
+        <p:cNvGrpSpPr/>
+        <p:nvPr/>
+      </p:nvGrpSpPr>
+      <p:grpSpPr>
+        <a:xfrm>
+          <a:off x="0" y="0"/>
+          <a:ext cx="0" cy="0"/>
+          <a:chOff x="0" y="0"/>
+          <a:chExt cx="0" cy="0"/>
+        </a:xfrm>
+      </p:grpSpPr>
+      <p:sp>
+        <p:nvSpPr>
+          <p:cNvPr id="2" name="Title 1"/>
+          <p:cNvSpPr>
+            <a:spLocks noGrp="1"/>
+          </p:cNvSpPr>
+          <p:nvPr>
+            <p:ph type="title"/>
+          </p:nvPr>
+        </p:nvSpPr>
+        <p:spPr/>
+        <p:txBody>
+          <a:bodyPr/>
+          <a:lstStyle/>
+          <a:p>
+            <a:r>
+              <a:rPr lang="lv-LV" dirty="0" smtClean="0"/>
+              <a:t>Avoti</a:t>
+            </a:r>
+            <a:endParaRPr lang="lv-LV" dirty="0"/>
+          </a:p>
+        </p:txBody>
+      </p:sp>
+      <p:sp>
+        <p:nvSpPr>
+          <p:cNvPr id="3" name="Content Placeholder 2"/>
+          <p:cNvSpPr>
+            <a:spLocks noGrp="1"/>
+          </p:cNvSpPr>
+          <p:nvPr>
+            <p:ph idx="1"/>
+          </p:nvPr>
+        </p:nvSpPr>
+        <p:spPr/>
+        <p:txBody>
+          <a:bodyPr/>
+          <a:lstStyle/>
+          <a:p>
+            <a:r>
+              <a:rPr lang="lv-LV" sz="2400" dirty="0" smtClean="0">
+                <a:hlinkClick r:id="rId2"/>
+              </a:rPr>
+              <a:t>http://</a:t>
+            </a:r>
+            <a:r>
+              <a:rPr lang="lv-LV" sz="2400" dirty="0" smtClean="0">
+                <a:hlinkClick r:id="rId2"/>
+              </a:rPr>
+              <a:t>www.yorku.ca/pkashiya/binary/text-data.html</a:t>
+            </a:r>
+            <a:endParaRPr lang="lv-LV" sz="2400" dirty="0" smtClean="0"/>
+          </a:p>
+          <a:p>
+            <a:endParaRPr lang="lv-LV" dirty="0"/>
+          </a:p>
+        </p:txBody>
+      </p:sp>
+    </p:spTree>
+  </p:cSld>
+  <p:clrMapOvr>
+    <a:masterClrMapping/>
+  </p:clrMapOvr>
+</p:sld>
+</file>
+
 <file path=ppt/theme/theme1.xml><?xml version="1.0" encoding="utf-8"?>
-<a:theme xmlns:a="http://schemas.openxmlformats.org/drawingml/2006/main" name="Office Theme">
+<a:theme xmlns:a="http://schemas.openxmlformats.org/drawingml/2006/main" name="Metro">
   <a:themeElements>
-    <a:clrScheme name="Office">
+    <a:clrScheme name="Metro">
       <a:dk1>
         <a:sysClr val="windowText" lastClr="000000"/>
       </a:dk1>
@@ -3124,82 +6974,48 @@
         <a:sysClr val="window" lastClr="FFFFFF"/>
       </a:lt1>
       <a:dk2>
-        <a:srgbClr val="1F497D"/>
+        <a:srgbClr val="4E5B6F"/>
       </a:dk2>
       <a:lt2>
-        <a:srgbClr val="EEECE1"/>
+        <a:srgbClr val="D6ECFF"/>
       </a:lt2>
       <a:accent1>
-        <a:srgbClr val="4F81BD"/>
+        <a:srgbClr val="7FD13B"/>
       </a:accent1>
       <a:accent2>
-        <a:srgbClr val="C0504D"/>
+        <a:srgbClr val="EA157A"/>
       </a:accent2>
       <a:accent3>
-        <a:srgbClr val="9BBB59"/>
+        <a:srgbClr val="FEB80A"/>
       </a:accent3>
       <a:accent4>
-        <a:srgbClr val="8064A2"/>
+        <a:srgbClr val="00ADDC"/>
       </a:accent4>
       <a:accent5>
-        <a:srgbClr val="4BACC6"/>
+        <a:srgbClr val="738AC8"/>
       </a:accent5>
       <a:accent6>
-        <a:srgbClr val="F79646"/>
+        <a:srgbClr val="1AB39F"/>
       </a:accent6>
       <a:hlink>
-        <a:srgbClr val="0000FF"/>
+        <a:srgbClr val="EB8803"/>
       </a:hlink>
       <a:folHlink>
-        <a:srgbClr val="800080"/>
+        <a:srgbClr val="5F7791"/>
       </a:folHlink>
     </a:clrScheme>
-    <a:fontScheme name="Office">
+    <a:fontScheme name="Metro">
       <a:majorFont>
-        <a:latin typeface="Calibri"/>
+        <a:latin typeface="Consolas"/>
         <a:ea typeface=""/>
         <a:cs typeface=""/>
-        <a:font script="Jpan" typeface="ＭＳ Ｐゴシック"/>
-        <a:font script="Hang" typeface="맑은 고딕"/>
-        <a:font script="Hans" typeface="宋体"/>
+        <a:font script="Jpan" typeface="HG丸ｺﾞｼｯｸM-PRO"/>
+        <a:font script="Hang" typeface="HY중고딕"/>
+        <a:font script="Hans" typeface="华文楷体"/>
         <a:font script="Hant" typeface="新細明體"/>
-        <a:font script="Arab" typeface="Times New Roman"/>
-        <a:font script="Hebr" typeface="Times New Roman"/>
-        <a:font script="Thai" typeface="Angsana New"/>
-        <a:font script="Ethi" typeface="Nyala"/>
-        <a:font script="Beng" typeface="Vrinda"/>
-        <a:font script="Gujr" typeface="Shruti"/>
-        <a:font script="Khmr" typeface="MoolBoran"/>
-        <a:font script="Knda" typeface="Tunga"/>
-        <a:font script="Guru" typeface="Raavi"/>
-        <a:font script="Cans" typeface="Euphemia"/>
-        <a:font script="Cher" typeface="Plantagenet Cherokee"/>
-        <a:font script="Yiii" typeface="Microsoft Yi Baiti"/>
-        <a:font script="Tibt" typeface="Microsoft Himalaya"/>
-        <a:font script="Thaa" typeface="MV Boli"/>
-        <a:font script="Deva" typeface="Mangal"/>
-        <a:font script="Telu" typeface="Gautami"/>
-        <a:font script="Taml" typeface="Latha"/>
-        <a:font script="Syrc" typeface="Estrangelo Edessa"/>
-        <a:font script="Orya" typeface="Kalinga"/>
-        <a:font script="Mlym" typeface="Kartika"/>
-        <a:font script="Laoo" typeface="DokChampa"/>
-        <a:font script="Sinh" typeface="Iskoola Pota"/>
-        <a:font script="Mong" typeface="Mongolian Baiti"/>
-        <a:font script="Viet" typeface="Times New Roman"/>
-        <a:font script="Uigh" typeface="Microsoft Uighur"/>
-      </a:majorFont>
-      <a:minorFont>
-        <a:latin typeface="Calibri"/>
-        <a:ea typeface=""/>
-        <a:cs typeface=""/>
-        <a:font script="Jpan" typeface="ＭＳ Ｐゴシック"/>
-        <a:font script="Hang" typeface="맑은 고딕"/>
-        <a:font script="Hans" typeface="宋体"/>
-        <a:font script="Hant" typeface="新細明體"/>
-        <a:font script="Arab" typeface="Arial"/>
-        <a:font script="Hebr" typeface="Arial"/>
-        <a:font script="Thai" typeface="Cordia New"/>
+        <a:font script="Arab" typeface="Tahoma"/>
+        <a:font script="Hebr" typeface="Levenim MT"/>
+        <a:font script="Thai" typeface="DilleniaUPC"/>
         <a:font script="Ethi" typeface="Nyala"/>
         <a:font script="Beng" typeface="Vrinda"/>
         <a:font script="Gujr" typeface="Shruti"/>
@@ -3220,11 +7036,45 @@
         <a:font script="Laoo" typeface="DokChampa"/>
         <a:font script="Sinh" typeface="Iskoola Pota"/>
         <a:font script="Mong" typeface="Mongolian Baiti"/>
-        <a:font script="Viet" typeface="Arial"/>
+        <a:font script="Viet" typeface="Tahoma"/>
+        <a:font script="Uigh" typeface="Microsoft Uighur"/>
+      </a:majorFont>
+      <a:minorFont>
+        <a:latin typeface="Corbel"/>
+        <a:ea typeface=""/>
+        <a:cs typeface=""/>
+        <a:font script="Jpan" typeface="HGｺﾞｼｯｸM"/>
+        <a:font script="Hang" typeface="맑은 고딕"/>
+        <a:font script="Hans" typeface="宋体"/>
+        <a:font script="Hant" typeface="新細明體"/>
+        <a:font script="Arab" typeface="Tahoma"/>
+        <a:font script="Hebr" typeface="Miriam"/>
+        <a:font script="Thai" typeface="DilleniaUPC"/>
+        <a:font script="Ethi" typeface="Nyala"/>
+        <a:font script="Beng" typeface="Vrinda"/>
+        <a:font script="Gujr" typeface="Shruti"/>
+        <a:font script="Khmr" typeface="DaunPenh"/>
+        <a:font script="Knda" typeface="Tunga"/>
+        <a:font script="Guru" typeface="Raavi"/>
+        <a:font script="Cans" typeface="Euphemia"/>
+        <a:font script="Cher" typeface="Plantagenet Cherokee"/>
+        <a:font script="Yiii" typeface="Microsoft Yi Baiti"/>
+        <a:font script="Tibt" typeface="Microsoft Himalaya"/>
+        <a:font script="Thaa" typeface="MV Boli"/>
+        <a:font script="Deva" typeface="Mangal"/>
+        <a:font script="Telu" typeface="Gautami"/>
+        <a:font script="Taml" typeface="Latha"/>
+        <a:font script="Syrc" typeface="Estrangelo Edessa"/>
+        <a:font script="Orya" typeface="Kalinga"/>
+        <a:font script="Mlym" typeface="Kartika"/>
+        <a:font script="Laoo" typeface="DokChampa"/>
+        <a:font script="Sinh" typeface="Iskoola Pota"/>
+        <a:font script="Mong" typeface="Mongolian Baiti"/>
+        <a:font script="Viet" typeface="Tahoma"/>
         <a:font script="Uigh" typeface="Microsoft Uighur"/>
       </a:minorFont>
     </a:fontScheme>
-    <a:fmtScheme name="Office">
+    <a:fmtScheme name="Metro">
       <a:fillStyleLst>
         <a:solidFill>
           <a:schemeClr val="phClr"/>
@@ -3233,60 +7083,89 @@
           <a:gsLst>
             <a:gs pos="0">
               <a:schemeClr val="phClr">
-                <a:tint val="50000"/>
-                <a:satMod val="300000"/>
+                <a:tint val="25000"/>
+                <a:satMod val="125000"/>
               </a:schemeClr>
             </a:gs>
-            <a:gs pos="35000">
+            <a:gs pos="40000">
               <a:schemeClr val="phClr">
-                <a:tint val="37000"/>
-                <a:satMod val="300000"/>
+                <a:tint val="55000"/>
+                <a:satMod val="130000"/>
+              </a:schemeClr>
+            </a:gs>
+            <a:gs pos="50000">
+              <a:schemeClr val="phClr">
+                <a:tint val="59000"/>
+                <a:satMod val="130000"/>
+              </a:schemeClr>
+            </a:gs>
+            <a:gs pos="65000">
+              <a:schemeClr val="phClr">
+                <a:tint val="55000"/>
+                <a:satMod val="130000"/>
               </a:schemeClr>
             </a:gs>
             <a:gs pos="100000">
               <a:schemeClr val="phClr">
-                <a:tint val="15000"/>
-                <a:satMod val="350000"/>
+                <a:tint val="20000"/>
+                <a:satMod val="125000"/>
               </a:schemeClr>
             </a:gs>
           </a:gsLst>
-          <a:lin ang="16200000" scaled="1"/>
+          <a:lin ang="5400000" scaled="0"/>
         </a:gradFill>
         <a:gradFill rotWithShape="1">
           <a:gsLst>
             <a:gs pos="0">
               <a:schemeClr val="phClr">
-                <a:shade val="51000"/>
-                <a:satMod val="130000"/>
+                <a:tint val="48000"/>
+                <a:satMod val="138000"/>
               </a:schemeClr>
             </a:gs>
-            <a:gs pos="80000">
+            <a:gs pos="25000">
               <a:schemeClr val="phClr">
-                <a:shade val="93000"/>
-                <a:satMod val="130000"/>
+                <a:tint val="85000"/>
+              </a:schemeClr>
+            </a:gs>
+            <a:gs pos="40000">
+              <a:schemeClr val="phClr">
+                <a:tint val="92000"/>
+              </a:schemeClr>
+            </a:gs>
+            <a:gs pos="50000">
+              <a:schemeClr val="phClr">
+                <a:tint val="93000"/>
+              </a:schemeClr>
+            </a:gs>
+            <a:gs pos="60000">
+              <a:schemeClr val="phClr">
+                <a:tint val="92000"/>
+              </a:schemeClr>
+            </a:gs>
+            <a:gs pos="75000">
+              <a:schemeClr val="phClr">
+                <a:tint val="83000"/>
+                <a:satMod val="108000"/>
               </a:schemeClr>
             </a:gs>
             <a:gs pos="100000">
               <a:schemeClr val="phClr">
-                <a:shade val="94000"/>
-                <a:satMod val="135000"/>
+                <a:tint val="48000"/>
+                <a:satMod val="150000"/>
               </a:schemeClr>
             </a:gs>
           </a:gsLst>
-          <a:lin ang="16200000" scaled="0"/>
+          <a:lin ang="5400000" scaled="0"/>
         </a:gradFill>
       </a:fillStyleLst>
       <a:lnStyleLst>
-        <a:ln w="9525" cap="flat" cmpd="sng" algn="ctr">
+        <a:ln w="12000" cap="flat" cmpd="sng" algn="ctr">
           <a:solidFill>
-            <a:schemeClr val="phClr">
-              <a:shade val="95000"/>
-              <a:satMod val="105000"/>
-            </a:schemeClr>
+            <a:schemeClr val="phClr"/>
           </a:solidFill>
           <a:prstDash val="solid"/>
         </a:ln>
-        <a:ln w="25400" cap="flat" cmpd="sng" algn="ctr">
+        <a:ln w="19050" cap="flat" cmpd="sng" algn="ctr">
           <a:solidFill>
             <a:schemeClr val="phClr"/>
           </a:solidFill>
@@ -3302,40 +7181,62 @@
       <a:effectStyleLst>
         <a:effectStyle>
           <a:effectLst>
-            <a:outerShdw blurRad="40000" dist="20000" dir="5400000" rotWithShape="0">
-              <a:srgbClr val="000000">
-                <a:alpha val="38000"/>
-              </a:srgbClr>
-            </a:outerShdw>
+            <a:glow rad="63500">
+              <a:schemeClr val="phClr">
+                <a:alpha val="45000"/>
+                <a:satMod val="120000"/>
+              </a:schemeClr>
+            </a:glow>
           </a:effectLst>
         </a:effectStyle>
         <a:effectStyle>
           <a:effectLst>
-            <a:outerShdw blurRad="40000" dist="23000" dir="5400000" rotWithShape="0">
-              <a:srgbClr val="000000">
-                <a:alpha val="35000"/>
-              </a:srgbClr>
-            </a:outerShdw>
+            <a:glow rad="63500">
+              <a:schemeClr val="phClr">
+                <a:alpha val="45000"/>
+                <a:satMod val="120000"/>
+              </a:schemeClr>
+            </a:glow>
           </a:effectLst>
+          <a:scene3d>
+            <a:camera prst="orthographicFront" fov="0">
+              <a:rot lat="0" lon="0" rev="0"/>
+            </a:camera>
+            <a:lightRig rig="brightRoom" dir="tl">
+              <a:rot lat="0" lon="0" rev="8700000"/>
+            </a:lightRig>
+          </a:scene3d>
+          <a:sp3d>
+            <a:bevelT w="0" h="0"/>
+            <a:contourClr>
+              <a:schemeClr val="phClr">
+                <a:tint val="70000"/>
+              </a:schemeClr>
+            </a:contourClr>
+          </a:sp3d>
         </a:effectStyle>
         <a:effectStyle>
           <a:effectLst>
-            <a:outerShdw blurRad="40000" dist="23000" dir="5400000" rotWithShape="0">
-              <a:srgbClr val="000000">
-                <a:alpha val="35000"/>
-              </a:srgbClr>
-            </a:outerShdw>
+            <a:glow rad="101500">
+              <a:schemeClr val="phClr">
+                <a:alpha val="42000"/>
+                <a:satMod val="120000"/>
+              </a:schemeClr>
+            </a:glow>
           </a:effectLst>
           <a:scene3d>
-            <a:camera prst="orthographicFront">
+            <a:camera prst="orthographicFront" fov="0">
               <a:rot lat="0" lon="0" rev="0"/>
             </a:camera>
-            <a:lightRig rig="threePt" dir="t">
-              <a:rot lat="0" lon="0" rev="1200000"/>
+            <a:lightRig rig="glow" dir="t">
+              <a:rot lat="0" lon="0" rev="4800000"/>
             </a:lightRig>
           </a:scene3d>
-          <a:sp3d>
-            <a:bevelT w="63500" h="25400"/>
+          <a:sp3d prstMaterial="powder">
+            <a:bevelT w="50800" h="50800"/>
+            <a:contourClr>
+              <a:schemeClr val="phClr"/>
+            </a:contourClr>
           </a:sp3d>
         </a:effectStyle>
       </a:effectStyleLst>
@@ -3346,48 +7247,41 @@
         <a:gradFill rotWithShape="1">
           <a:gsLst>
             <a:gs pos="0">
-              <a:schemeClr val="phClr">
-                <a:tint val="40000"/>
-                <a:satMod val="350000"/>
+              <a:schemeClr val="bg1">
+                <a:shade val="100000"/>
+                <a:satMod val="150000"/>
               </a:schemeClr>
             </a:gs>
-            <a:gs pos="40000">
-              <a:schemeClr val="phClr">
-                <a:tint val="45000"/>
-                <a:shade val="99000"/>
-                <a:satMod val="350000"/>
+            <a:gs pos="65000">
+              <a:schemeClr val="bg1">
+                <a:shade val="90000"/>
+                <a:satMod val="375000"/>
               </a:schemeClr>
             </a:gs>
             <a:gs pos="100000">
               <a:schemeClr val="phClr">
-                <a:shade val="20000"/>
-                <a:satMod val="255000"/>
+                <a:tint val="88000"/>
+                <a:satMod val="400000"/>
               </a:schemeClr>
             </a:gs>
           </a:gsLst>
-          <a:path path="circle">
-            <a:fillToRect l="50000" t="-80000" r="50000" b="180000"/>
-          </a:path>
+          <a:lin ang="5400000" scaled="0"/>
         </a:gradFill>
-        <a:gradFill rotWithShape="1">
-          <a:gsLst>
-            <a:gs pos="0">
+        <a:blipFill>
+          <a:blip xmlns:r="http://schemas.openxmlformats.org/officeDocument/2006/relationships" r:embed="rId1">
+            <a:duotone>
               <a:schemeClr val="phClr">
-                <a:tint val="80000"/>
-                <a:satMod val="300000"/>
+                <a:shade val="40000"/>
+                <a:satMod val="180000"/>
               </a:schemeClr>
-            </a:gs>
-            <a:gs pos="100000">
               <a:schemeClr val="phClr">
-                <a:shade val="30000"/>
+                <a:tint val="90000"/>
                 <a:satMod val="200000"/>
               </a:schemeClr>
-            </a:gs>
-          </a:gsLst>
-          <a:path path="circle">
-            <a:fillToRect l="50000" t="50000" r="50000" b="50000"/>
-          </a:path>
-        </a:gradFill>
+            </a:duotone>
+          </a:blip>
+          <a:tile tx="0" ty="0" sx="80000" sy="80000" flip="none" algn="tl"/>
+        </a:blipFill>
       </a:bgFillStyleLst>
     </a:fmtScheme>
   </a:themeElements>

--- a/Teksta datnes informatīvais materiāls.pptx
+++ b/Teksta datnes informatīvais materiāls.pptx
@@ -10,7 +10,16 @@
     <p:sldId id="257" r:id="rId4"/>
     <p:sldId id="260" r:id="rId5"/>
     <p:sldId id="261" r:id="rId6"/>
-    <p:sldId id="258" r:id="rId7"/>
+    <p:sldId id="262" r:id="rId7"/>
+    <p:sldId id="263" r:id="rId8"/>
+    <p:sldId id="264" r:id="rId9"/>
+    <p:sldId id="265" r:id="rId10"/>
+    <p:sldId id="266" r:id="rId11"/>
+    <p:sldId id="267" r:id="rId12"/>
+    <p:sldId id="268" r:id="rId13"/>
+    <p:sldId id="269" r:id="rId14"/>
+    <p:sldId id="270" r:id="rId15"/>
+    <p:sldId id="258" r:id="rId16"/>
   </p:sldIdLst>
   <p:sldSz cx="9144000" cy="6858000" type="screen4x3"/>
   <p:notesSz cx="6858000" cy="9144000"/>
@@ -6527,6 +6536,476 @@
 </p:sld>
 </file>
 
+<file path=ppt/slides/slide10.xml><?xml version="1.0" encoding="utf-8"?>
+<p:sld xmlns:a="http://schemas.openxmlformats.org/drawingml/2006/main" xmlns:r="http://schemas.openxmlformats.org/officeDocument/2006/relationships" xmlns:p="http://schemas.openxmlformats.org/presentationml/2006/main">
+  <p:cSld>
+    <p:spTree>
+      <p:nvGrpSpPr>
+        <p:cNvPr id="1" name=""/>
+        <p:cNvGrpSpPr/>
+        <p:nvPr/>
+      </p:nvGrpSpPr>
+      <p:grpSpPr>
+        <a:xfrm>
+          <a:off x="0" y="0"/>
+          <a:ext cx="0" cy="0"/>
+          <a:chOff x="0" y="0"/>
+          <a:chExt cx="0" cy="0"/>
+        </a:xfrm>
+      </p:grpSpPr>
+      <p:sp>
+        <p:nvSpPr>
+          <p:cNvPr id="2" name="Title 1"/>
+          <p:cNvSpPr>
+            <a:spLocks noGrp="1"/>
+          </p:cNvSpPr>
+          <p:nvPr>
+            <p:ph type="title"/>
+          </p:nvPr>
+        </p:nvSpPr>
+        <p:spPr/>
+        <p:txBody>
+          <a:bodyPr/>
+          <a:lstStyle/>
+          <a:p>
+            <a:r>
+              <a:rPr lang="lv-LV" dirty="0" smtClean="0"/>
+              <a:t>Piemērs</a:t>
+            </a:r>
+            <a:endParaRPr lang="lv-LV" dirty="0"/>
+          </a:p>
+        </p:txBody>
+      </p:sp>
+      <p:sp>
+        <p:nvSpPr>
+          <p:cNvPr id="3" name="Content Placeholder 2"/>
+          <p:cNvSpPr>
+            <a:spLocks noGrp="1"/>
+          </p:cNvSpPr>
+          <p:nvPr>
+            <p:ph idx="1"/>
+          </p:nvPr>
+        </p:nvSpPr>
+        <p:spPr/>
+        <p:txBody>
+          <a:bodyPr/>
+          <a:lstStyle/>
+          <a:p>
+            <a:endParaRPr lang="lv-LV"/>
+          </a:p>
+        </p:txBody>
+      </p:sp>
+    </p:spTree>
+  </p:cSld>
+  <p:clrMapOvr>
+    <a:masterClrMapping/>
+  </p:clrMapOvr>
+</p:sld>
+</file>
+
+<file path=ppt/slides/slide11.xml><?xml version="1.0" encoding="utf-8"?>
+<p:sld xmlns:a="http://schemas.openxmlformats.org/drawingml/2006/main" xmlns:r="http://schemas.openxmlformats.org/officeDocument/2006/relationships" xmlns:p="http://schemas.openxmlformats.org/presentationml/2006/main">
+  <p:cSld>
+    <p:spTree>
+      <p:nvGrpSpPr>
+        <p:cNvPr id="1" name=""/>
+        <p:cNvGrpSpPr/>
+        <p:nvPr/>
+      </p:nvGrpSpPr>
+      <p:grpSpPr>
+        <a:xfrm>
+          <a:off x="0" y="0"/>
+          <a:ext cx="0" cy="0"/>
+          <a:chOff x="0" y="0"/>
+          <a:chExt cx="0" cy="0"/>
+        </a:xfrm>
+      </p:grpSpPr>
+      <p:sp>
+        <p:nvSpPr>
+          <p:cNvPr id="2" name="Title 1"/>
+          <p:cNvSpPr>
+            <a:spLocks noGrp="1"/>
+          </p:cNvSpPr>
+          <p:nvPr>
+            <p:ph type="title"/>
+          </p:nvPr>
+        </p:nvSpPr>
+        <p:spPr/>
+        <p:txBody>
+          <a:bodyPr/>
+          <a:lstStyle/>
+          <a:p>
+            <a:r>
+              <a:rPr lang="lv-LV" dirty="0" smtClean="0"/>
+              <a:t>4.Uzdevuma piemers</a:t>
+            </a:r>
+            <a:endParaRPr lang="lv-LV" dirty="0"/>
+          </a:p>
+        </p:txBody>
+      </p:sp>
+      <p:sp>
+        <p:nvSpPr>
+          <p:cNvPr id="3" name="Content Placeholder 2"/>
+          <p:cNvSpPr>
+            <a:spLocks noGrp="1"/>
+          </p:cNvSpPr>
+          <p:nvPr>
+            <p:ph idx="1"/>
+          </p:nvPr>
+        </p:nvSpPr>
+        <p:spPr/>
+        <p:txBody>
+          <a:bodyPr/>
+          <a:lstStyle/>
+          <a:p>
+            <a:r>
+              <a:rPr lang="lv-LV" dirty="0" smtClean="0"/>
+              <a:t>Izveidot programmu, kas lietotāja ievadīto tekstu izvada konsolē, bet tikai otrādi apmestu, piemēram, no “sula” uz “alus”.</a:t>
+            </a:r>
+            <a:endParaRPr lang="lv-LV" dirty="0"/>
+          </a:p>
+        </p:txBody>
+      </p:sp>
+    </p:spTree>
+  </p:cSld>
+  <p:clrMapOvr>
+    <a:masterClrMapping/>
+  </p:clrMapOvr>
+</p:sld>
+</file>
+
+<file path=ppt/slides/slide12.xml><?xml version="1.0" encoding="utf-8"?>
+<p:sld xmlns:a="http://schemas.openxmlformats.org/drawingml/2006/main" xmlns:r="http://schemas.openxmlformats.org/officeDocument/2006/relationships" xmlns:p="http://schemas.openxmlformats.org/presentationml/2006/main">
+  <p:cSld>
+    <p:spTree>
+      <p:nvGrpSpPr>
+        <p:cNvPr id="1" name=""/>
+        <p:cNvGrpSpPr/>
+        <p:nvPr/>
+      </p:nvGrpSpPr>
+      <p:grpSpPr>
+        <a:xfrm>
+          <a:off x="0" y="0"/>
+          <a:ext cx="0" cy="0"/>
+          <a:chOff x="0" y="0"/>
+          <a:chExt cx="0" cy="0"/>
+        </a:xfrm>
+      </p:grpSpPr>
+      <p:sp>
+        <p:nvSpPr>
+          <p:cNvPr id="2" name="Title 1"/>
+          <p:cNvSpPr>
+            <a:spLocks noGrp="1"/>
+          </p:cNvSpPr>
+          <p:nvPr>
+            <p:ph type="title"/>
+          </p:nvPr>
+        </p:nvSpPr>
+        <p:spPr/>
+        <p:txBody>
+          <a:bodyPr/>
+          <a:lstStyle/>
+          <a:p>
+            <a:r>
+              <a:rPr lang="lv-LV" dirty="0" smtClean="0"/>
+              <a:t>Piemērs</a:t>
+            </a:r>
+            <a:endParaRPr lang="lv-LV" dirty="0"/>
+          </a:p>
+        </p:txBody>
+      </p:sp>
+      <p:sp>
+        <p:nvSpPr>
+          <p:cNvPr id="3" name="Content Placeholder 2"/>
+          <p:cNvSpPr>
+            <a:spLocks noGrp="1"/>
+          </p:cNvSpPr>
+          <p:nvPr>
+            <p:ph idx="1"/>
+          </p:nvPr>
+        </p:nvSpPr>
+        <p:spPr/>
+        <p:txBody>
+          <a:bodyPr/>
+          <a:lstStyle/>
+          <a:p>
+            <a:endParaRPr lang="lv-LV"/>
+          </a:p>
+        </p:txBody>
+      </p:sp>
+    </p:spTree>
+  </p:cSld>
+  <p:clrMapOvr>
+    <a:masterClrMapping/>
+  </p:clrMapOvr>
+</p:sld>
+</file>
+
+<file path=ppt/slides/slide13.xml><?xml version="1.0" encoding="utf-8"?>
+<p:sld xmlns:a="http://schemas.openxmlformats.org/drawingml/2006/main" xmlns:r="http://schemas.openxmlformats.org/officeDocument/2006/relationships" xmlns:p="http://schemas.openxmlformats.org/presentationml/2006/main">
+  <p:cSld>
+    <p:spTree>
+      <p:nvGrpSpPr>
+        <p:cNvPr id="1" name=""/>
+        <p:cNvGrpSpPr/>
+        <p:nvPr/>
+      </p:nvGrpSpPr>
+      <p:grpSpPr>
+        <a:xfrm>
+          <a:off x="0" y="0"/>
+          <a:ext cx="0" cy="0"/>
+          <a:chOff x="0" y="0"/>
+          <a:chExt cx="0" cy="0"/>
+        </a:xfrm>
+      </p:grpSpPr>
+      <p:sp>
+        <p:nvSpPr>
+          <p:cNvPr id="2" name="Title 1"/>
+          <p:cNvSpPr>
+            <a:spLocks noGrp="1"/>
+          </p:cNvSpPr>
+          <p:nvPr>
+            <p:ph type="title"/>
+          </p:nvPr>
+        </p:nvSpPr>
+        <p:spPr/>
+        <p:txBody>
+          <a:bodyPr/>
+          <a:lstStyle/>
+          <a:p>
+            <a:r>
+              <a:rPr lang="lv-LV" dirty="0" smtClean="0"/>
+              <a:t>5.Uzdevuma piemērs</a:t>
+            </a:r>
+            <a:endParaRPr lang="lv-LV" dirty="0"/>
+          </a:p>
+        </p:txBody>
+      </p:sp>
+      <p:sp>
+        <p:nvSpPr>
+          <p:cNvPr id="3" name="Content Placeholder 2"/>
+          <p:cNvSpPr>
+            <a:spLocks noGrp="1"/>
+          </p:cNvSpPr>
+          <p:nvPr>
+            <p:ph idx="1"/>
+          </p:nvPr>
+        </p:nvSpPr>
+        <p:spPr/>
+        <p:txBody>
+          <a:bodyPr/>
+          <a:lstStyle/>
+          <a:p>
+            <a:r>
+              <a:rPr lang="lv-LV" dirty="0" smtClean="0"/>
+              <a:t>Izveidot programmu, kas izvada un ieliek failā ASCII.txt šādu ASCII koda zīmējumu:</a:t>
+            </a:r>
+          </a:p>
+          <a:p>
+            <a:pPr>
+              <a:buNone/>
+            </a:pPr>
+            <a:endParaRPr lang="lv-LV" sz="2000" dirty="0"/>
+          </a:p>
+        </p:txBody>
+      </p:sp>
+      <p:pic>
+        <p:nvPicPr>
+          <p:cNvPr id="1026" name="Picture 2"/>
+          <p:cNvPicPr>
+            <a:picLocks noChangeAspect="1" noChangeArrowheads="1"/>
+          </p:cNvPicPr>
+          <p:nvPr/>
+        </p:nvPicPr>
+        <p:blipFill>
+          <a:blip r:embed="rId2"/>
+          <a:srcRect/>
+          <a:stretch>
+            <a:fillRect/>
+          </a:stretch>
+        </p:blipFill>
+        <p:spPr bwMode="auto">
+          <a:xfrm>
+            <a:off x="1500166" y="3143248"/>
+            <a:ext cx="1571636" cy="2364533"/>
+          </a:xfrm>
+          <a:prstGeom prst="rect">
+            <a:avLst/>
+          </a:prstGeom>
+          <a:noFill/>
+          <a:ln w="9525">
+            <a:noFill/>
+            <a:miter lim="800000"/>
+            <a:headEnd/>
+            <a:tailEnd/>
+          </a:ln>
+          <a:effectLst/>
+        </p:spPr>
+      </p:pic>
+    </p:spTree>
+  </p:cSld>
+  <p:clrMapOvr>
+    <a:masterClrMapping/>
+  </p:clrMapOvr>
+</p:sld>
+</file>
+
+<file path=ppt/slides/slide14.xml><?xml version="1.0" encoding="utf-8"?>
+<p:sld xmlns:a="http://schemas.openxmlformats.org/drawingml/2006/main" xmlns:r="http://schemas.openxmlformats.org/officeDocument/2006/relationships" xmlns:p="http://schemas.openxmlformats.org/presentationml/2006/main">
+  <p:cSld>
+    <p:spTree>
+      <p:nvGrpSpPr>
+        <p:cNvPr id="1" name=""/>
+        <p:cNvGrpSpPr/>
+        <p:nvPr/>
+      </p:nvGrpSpPr>
+      <p:grpSpPr>
+        <a:xfrm>
+          <a:off x="0" y="0"/>
+          <a:ext cx="0" cy="0"/>
+          <a:chOff x="0" y="0"/>
+          <a:chExt cx="0" cy="0"/>
+        </a:xfrm>
+      </p:grpSpPr>
+      <p:sp>
+        <p:nvSpPr>
+          <p:cNvPr id="2" name="Title 1"/>
+          <p:cNvSpPr>
+            <a:spLocks noGrp="1"/>
+          </p:cNvSpPr>
+          <p:nvPr>
+            <p:ph type="title"/>
+          </p:nvPr>
+        </p:nvSpPr>
+        <p:spPr/>
+        <p:txBody>
+          <a:bodyPr/>
+          <a:lstStyle/>
+          <a:p>
+            <a:r>
+              <a:rPr lang="lv-LV" dirty="0" smtClean="0"/>
+              <a:t>Piemērs</a:t>
+            </a:r>
+            <a:endParaRPr lang="lv-LV" dirty="0"/>
+          </a:p>
+        </p:txBody>
+      </p:sp>
+      <p:sp>
+        <p:nvSpPr>
+          <p:cNvPr id="3" name="Content Placeholder 2"/>
+          <p:cNvSpPr>
+            <a:spLocks noGrp="1"/>
+          </p:cNvSpPr>
+          <p:nvPr>
+            <p:ph idx="1"/>
+          </p:nvPr>
+        </p:nvSpPr>
+        <p:spPr/>
+        <p:txBody>
+          <a:bodyPr/>
+          <a:lstStyle/>
+          <a:p>
+            <a:endParaRPr lang="lv-LV"/>
+          </a:p>
+        </p:txBody>
+      </p:sp>
+    </p:spTree>
+  </p:cSld>
+  <p:clrMapOvr>
+    <a:masterClrMapping/>
+  </p:clrMapOvr>
+</p:sld>
+</file>
+
+<file path=ppt/slides/slide15.xml><?xml version="1.0" encoding="utf-8"?>
+<p:sld xmlns:a="http://schemas.openxmlformats.org/drawingml/2006/main" xmlns:r="http://schemas.openxmlformats.org/officeDocument/2006/relationships" xmlns:p="http://schemas.openxmlformats.org/presentationml/2006/main">
+  <p:cSld>
+    <p:spTree>
+      <p:nvGrpSpPr>
+        <p:cNvPr id="1" name=""/>
+        <p:cNvGrpSpPr/>
+        <p:nvPr/>
+      </p:nvGrpSpPr>
+      <p:grpSpPr>
+        <a:xfrm>
+          <a:off x="0" y="0"/>
+          <a:ext cx="0" cy="0"/>
+          <a:chOff x="0" y="0"/>
+          <a:chExt cx="0" cy="0"/>
+        </a:xfrm>
+      </p:grpSpPr>
+      <p:sp>
+        <p:nvSpPr>
+          <p:cNvPr id="2" name="Title 1"/>
+          <p:cNvSpPr>
+            <a:spLocks noGrp="1"/>
+          </p:cNvSpPr>
+          <p:nvPr>
+            <p:ph type="title"/>
+          </p:nvPr>
+        </p:nvSpPr>
+        <p:spPr/>
+        <p:txBody>
+          <a:bodyPr/>
+          <a:lstStyle/>
+          <a:p>
+            <a:r>
+              <a:rPr lang="lv-LV" dirty="0" smtClean="0"/>
+              <a:t>Avoti</a:t>
+            </a:r>
+            <a:endParaRPr lang="lv-LV" dirty="0"/>
+          </a:p>
+        </p:txBody>
+      </p:sp>
+      <p:sp>
+        <p:nvSpPr>
+          <p:cNvPr id="3" name="Content Placeholder 2"/>
+          <p:cNvSpPr>
+            <a:spLocks noGrp="1"/>
+          </p:cNvSpPr>
+          <p:nvPr>
+            <p:ph idx="1"/>
+          </p:nvPr>
+        </p:nvSpPr>
+        <p:spPr/>
+        <p:txBody>
+          <a:bodyPr/>
+          <a:lstStyle/>
+          <a:p>
+            <a:r>
+              <a:rPr lang="lv-LV" sz="2400" dirty="0" smtClean="0">
+                <a:hlinkClick r:id="rId2"/>
+              </a:rPr>
+              <a:t>http://</a:t>
+            </a:r>
+            <a:r>
+              <a:rPr lang="lv-LV" sz="2400" dirty="0" smtClean="0">
+                <a:hlinkClick r:id="rId2"/>
+              </a:rPr>
+              <a:t>www.yorku.ca/pkashiya/binary/text-data.html</a:t>
+            </a:r>
+            <a:endParaRPr lang="lv-LV" sz="2400" dirty="0" smtClean="0"/>
+          </a:p>
+          <a:p>
+            <a:r>
+              <a:rPr lang="lv-LV" sz="2400" dirty="0" smtClean="0"/>
+              <a:t>https://www.asciiart.eu/electronics/calculators</a:t>
+            </a:r>
+            <a:endParaRPr lang="lv-LV" sz="2400" dirty="0" smtClean="0"/>
+          </a:p>
+          <a:p>
+            <a:endParaRPr lang="lv-LV" dirty="0"/>
+          </a:p>
+        </p:txBody>
+      </p:sp>
+    </p:spTree>
+  </p:cSld>
+  <p:clrMapOvr>
+    <a:masterClrMapping/>
+  </p:clrMapOvr>
+</p:sld>
+</file>
+
 <file path=ppt/slides/slide2.xml><?xml version="1.0" encoding="utf-8"?>
 <p:sld xmlns:a="http://schemas.openxmlformats.org/drawingml/2006/main" xmlns:r="http://schemas.openxmlformats.org/officeDocument/2006/relationships" xmlns:p="http://schemas.openxmlformats.org/presentationml/2006/main">
   <p:cSld>
@@ -6584,8 +7063,85 @@
           <a:p>
             <a:r>
               <a:rPr lang="lv-LV" dirty="0" smtClean="0"/>
-              <a:t>Kas ir teksta datnes?</a:t>
-            </a:r>
+              <a:t>Kas ir teksta datnes</a:t>
+            </a:r>
+            <a:r>
+              <a:rPr lang="lv-LV" dirty="0" smtClean="0"/>
+              <a:t>?</a:t>
+            </a:r>
+          </a:p>
+          <a:p>
+            <a:r>
+              <a:rPr lang="lv-LV" dirty="0" smtClean="0"/>
+              <a:t>Kā C++ darbojās ar teksta datnēm</a:t>
+            </a:r>
+            <a:r>
+              <a:rPr lang="lv-LV" dirty="0" smtClean="0"/>
+              <a:t>?</a:t>
+            </a:r>
+          </a:p>
+          <a:p>
+            <a:r>
+              <a:rPr lang="lv-LV" dirty="0" smtClean="0"/>
+              <a:t>1. Uzdevuma </a:t>
+            </a:r>
+            <a:r>
+              <a:rPr lang="lv-LV" dirty="0" smtClean="0"/>
+              <a:t>piemērs</a:t>
+            </a:r>
+          </a:p>
+          <a:p>
+            <a:r>
+              <a:rPr lang="lv-LV" dirty="0" smtClean="0"/>
+              <a:t>2. </a:t>
+            </a:r>
+            <a:r>
+              <a:rPr lang="lv-LV" dirty="0" smtClean="0"/>
+              <a:t>Uzdevuma </a:t>
+            </a:r>
+            <a:r>
+              <a:rPr lang="lv-LV" dirty="0" smtClean="0"/>
+              <a:t>piemērs</a:t>
+            </a:r>
+          </a:p>
+          <a:p>
+            <a:r>
+              <a:rPr lang="lv-LV" dirty="0" smtClean="0"/>
+              <a:t>3. </a:t>
+            </a:r>
+            <a:r>
+              <a:rPr lang="lv-LV" dirty="0" smtClean="0"/>
+              <a:t>Uzdevuma </a:t>
+            </a:r>
+            <a:r>
+              <a:rPr lang="lv-LV" dirty="0" smtClean="0"/>
+              <a:t>piemērs</a:t>
+            </a:r>
+          </a:p>
+          <a:p>
+            <a:r>
+              <a:rPr lang="lv-LV" dirty="0" smtClean="0"/>
+              <a:t>4. </a:t>
+            </a:r>
+            <a:r>
+              <a:rPr lang="lv-LV" dirty="0" smtClean="0"/>
+              <a:t>Uzdevuma </a:t>
+            </a:r>
+            <a:r>
+              <a:rPr lang="lv-LV" dirty="0" smtClean="0"/>
+              <a:t>piemērs</a:t>
+            </a:r>
+          </a:p>
+          <a:p>
+            <a:r>
+              <a:rPr lang="lv-LV" dirty="0" smtClean="0"/>
+              <a:t>5. </a:t>
+            </a:r>
+            <a:r>
+              <a:rPr lang="lv-LV" dirty="0" smtClean="0"/>
+              <a:t>Uzdevuma piemērs</a:t>
+            </a:r>
+            <a:endParaRPr lang="lv-LV" dirty="0" smtClean="0"/>
           </a:p>
           <a:p>
             <a:endParaRPr lang="lv-LV" dirty="0"/>
@@ -6659,23 +7215,7 @@
           <a:p>
             <a:r>
               <a:rPr lang="lv-LV" sz="2800" dirty="0" smtClean="0"/>
-              <a:t>Praktiski </a:t>
-            </a:r>
-            <a:r>
-              <a:rPr lang="lv-LV" sz="2800" dirty="0" smtClean="0"/>
-              <a:t>visos datoros burtciparu datiem </a:t>
-            </a:r>
-            <a:r>
-              <a:rPr lang="lv-LV" sz="2800" dirty="0" smtClean="0"/>
-              <a:t>un īpašajām </a:t>
-            </a:r>
-            <a:r>
-              <a:rPr lang="lv-LV" sz="2800" dirty="0" smtClean="0"/>
-              <a:t>rakstzīmēm katram tiek piešķirta noteikta binārā vērtība, ko sauc par rakstzīmju kodu</a:t>
-            </a:r>
-            <a:r>
-              <a:rPr lang="lv-LV" sz="2800" dirty="0" smtClean="0"/>
-              <a:t>.</a:t>
+              <a:t>Praktiski visos datoros burtciparu datiem un īpašajām rakstzīmēm katram tiek piešķirta noteikta binārā vērtība, ko sauc par rakstzīmju kodu.</a:t>
             </a:r>
           </a:p>
           <a:p>
@@ -6760,45 +7300,70 @@
         <p:spPr/>
         <p:txBody>
           <a:bodyPr>
-            <a:normAutofit lnSpcReduction="10000"/>
+            <a:normAutofit/>
           </a:bodyPr>
           <a:lstStyle/>
           <a:p>
             <a:r>
-              <a:rPr lang="lv-LV" sz="2800" dirty="0" smtClean="0"/>
-              <a:t>Ir dažādi veidi kā var izvadīt un ievadīt teksta datnes</a:t>
-            </a:r>
-          </a:p>
-          <a:p>
-            <a:r>
-              <a:rPr lang="lv-LV" sz="2800" dirty="0" smtClean="0"/>
-              <a:t>Izvade: cout&lt;&lt;, printf(), system(), </a:t>
-            </a:r>
-          </a:p>
-          <a:p>
-            <a:r>
-              <a:rPr lang="lv-LV" sz="2800" dirty="0" smtClean="0"/>
-              <a:t>Ievade: cin&gt;&gt;</a:t>
-            </a:r>
-          </a:p>
-          <a:p>
-            <a:r>
-              <a:rPr lang="lv-LV" sz="2800" dirty="0" smtClean="0"/>
+              <a:rPr lang="lv-LV" sz="2400" dirty="0" smtClean="0"/>
+              <a:t>Ir dažādi veidi kā var izvadīt un ievadīt teksta </a:t>
+            </a:r>
+            <a:r>
+              <a:rPr lang="lv-LV" sz="2400" dirty="0" smtClean="0"/>
+              <a:t>datnes.</a:t>
+            </a:r>
+            <a:endParaRPr lang="lv-LV" sz="2400" dirty="0" smtClean="0"/>
+          </a:p>
+          <a:p>
+            <a:r>
+              <a:rPr lang="lv-LV" sz="2400" dirty="0" smtClean="0"/>
+              <a:t>Izvade: cout&lt;&lt;, printf(), system</a:t>
+            </a:r>
+            <a:r>
+              <a:rPr lang="lv-LV" sz="2400" dirty="0" smtClean="0"/>
+              <a:t>().</a:t>
+            </a:r>
+            <a:endParaRPr lang="lv-LV" sz="2400" dirty="0" smtClean="0"/>
+          </a:p>
+          <a:p>
+            <a:r>
+              <a:rPr lang="lv-LV" sz="2400" dirty="0" smtClean="0"/>
+              <a:t>Ievade: cin</a:t>
+            </a:r>
+            <a:r>
+              <a:rPr lang="lv-LV" sz="2400" dirty="0" smtClean="0"/>
+              <a:t>&gt;&gt;.</a:t>
+            </a:r>
+            <a:endParaRPr lang="lv-LV" sz="2400" dirty="0" smtClean="0"/>
+          </a:p>
+          <a:p>
+            <a:r>
+              <a:rPr lang="lv-LV" sz="2400" dirty="0" smtClean="0"/>
               <a:t>Protams, var daudz dažādus interface taisīt, kur ir savi veidi kā ievadīt un izvadīt tekstu, GUI, extensions.</a:t>
             </a:r>
           </a:p>
           <a:p>
             <a:r>
-              <a:rPr lang="lv-LV" sz="2800" dirty="0" smtClean="0"/>
+              <a:rPr lang="lv-LV" sz="2400" dirty="0" smtClean="0"/>
               <a:t>Teksts C++ ir principā ka string, tādēļ ar to var darboties matemātiski. </a:t>
             </a:r>
           </a:p>
           <a:p>
             <a:r>
-              <a:rPr lang="lv-LV" sz="2800" dirty="0" smtClean="0"/>
-              <a:t>Viena string vērtība ir char masīvs.</a:t>
-            </a:r>
-            <a:endParaRPr lang="lv-LV" sz="2800" dirty="0"/>
+              <a:rPr lang="lv-LV" sz="2400" dirty="0" smtClean="0"/>
+              <a:t>Viena string vērtība ir char masīvs</a:t>
+            </a:r>
+            <a:r>
+              <a:rPr lang="lv-LV" sz="2400" dirty="0" smtClean="0"/>
+              <a:t>.</a:t>
+            </a:r>
+          </a:p>
+          <a:p>
+            <a:r>
+              <a:rPr lang="lv-LV" sz="2400" dirty="0" smtClean="0"/>
+              <a:t>Var arī nolasīt un izprintēt ar ofstream, ifstream, fstream palīdzību.</a:t>
+            </a:r>
+            <a:endParaRPr lang="lv-LV" sz="2400" dirty="0"/>
           </a:p>
         </p:txBody>
       </p:sp>
@@ -6866,10 +7431,14 @@
           <a:lstStyle/>
           <a:p>
             <a:r>
-              <a:rPr lang="lv-LV" smtClean="0"/>
-              <a:t>Ar string mainīgo palīdzību un datnes ievades palīdzību</a:t>
-            </a:r>
-            <a:endParaRPr lang="lv-LV"/>
+              <a:rPr lang="lv-LV" dirty="0" smtClean="0"/>
+              <a:t>Ar string mainīgo palīdzību un datnes ievades </a:t>
+            </a:r>
+            <a:r>
+              <a:rPr lang="lv-LV" dirty="0" smtClean="0"/>
+              <a:t>palīdzību lietotājam jāsaliek kopā teikums “Man miegs nāk ;).”(konsolē paziņo teikumu). Nosacījums ir tāds, ka ir jāizmanto par katru vārdu savs string mainīgais kuru lietotājs ievada.</a:t>
+            </a:r>
+            <a:endParaRPr lang="lv-LV" dirty="0"/>
           </a:p>
         </p:txBody>
       </p:sp>
@@ -6915,7 +7484,7 @@
           <a:p>
             <a:r>
               <a:rPr lang="lv-LV" dirty="0" smtClean="0"/>
-              <a:t>Avoti</a:t>
+              <a:t>Piemērs</a:t>
             </a:r>
             <a:endParaRPr lang="lv-LV" dirty="0"/>
           </a:p>
@@ -6936,21 +7505,215 @@
           <a:bodyPr/>
           <a:lstStyle/>
           <a:p>
-            <a:r>
-              <a:rPr lang="lv-LV" sz="2400" dirty="0" smtClean="0">
-                <a:hlinkClick r:id="rId2"/>
-              </a:rPr>
-              <a:t>http://</a:t>
-            </a:r>
-            <a:r>
-              <a:rPr lang="lv-LV" sz="2400" dirty="0" smtClean="0">
-                <a:hlinkClick r:id="rId2"/>
-              </a:rPr>
-              <a:t>www.yorku.ca/pkashiya/binary/text-data.html</a:t>
-            </a:r>
-            <a:endParaRPr lang="lv-LV" sz="2400" dirty="0" smtClean="0"/>
-          </a:p>
-          <a:p>
+            <a:endParaRPr lang="lv-LV"/>
+          </a:p>
+        </p:txBody>
+      </p:sp>
+    </p:spTree>
+  </p:cSld>
+  <p:clrMapOvr>
+    <a:masterClrMapping/>
+  </p:clrMapOvr>
+</p:sld>
+</file>
+
+<file path=ppt/slides/slide7.xml><?xml version="1.0" encoding="utf-8"?>
+<p:sld xmlns:a="http://schemas.openxmlformats.org/drawingml/2006/main" xmlns:r="http://schemas.openxmlformats.org/officeDocument/2006/relationships" xmlns:p="http://schemas.openxmlformats.org/presentationml/2006/main">
+  <p:cSld>
+    <p:spTree>
+      <p:nvGrpSpPr>
+        <p:cNvPr id="1" name=""/>
+        <p:cNvGrpSpPr/>
+        <p:nvPr/>
+      </p:nvGrpSpPr>
+      <p:grpSpPr>
+        <a:xfrm>
+          <a:off x="0" y="0"/>
+          <a:ext cx="0" cy="0"/>
+          <a:chOff x="0" y="0"/>
+          <a:chExt cx="0" cy="0"/>
+        </a:xfrm>
+      </p:grpSpPr>
+      <p:sp>
+        <p:nvSpPr>
+          <p:cNvPr id="2" name="Title 1"/>
+          <p:cNvSpPr>
+            <a:spLocks noGrp="1"/>
+          </p:cNvSpPr>
+          <p:nvPr>
+            <p:ph type="title"/>
+          </p:nvPr>
+        </p:nvSpPr>
+        <p:spPr/>
+        <p:txBody>
+          <a:bodyPr/>
+          <a:lstStyle/>
+          <a:p>
+            <a:r>
+              <a:rPr lang="lv-LV" dirty="0" smtClean="0"/>
+              <a:t>2. Uzdevuma piemērs</a:t>
+            </a:r>
+            <a:endParaRPr lang="lv-LV" dirty="0"/>
+          </a:p>
+        </p:txBody>
+      </p:sp>
+      <p:sp>
+        <p:nvSpPr>
+          <p:cNvPr id="3" name="Content Placeholder 2"/>
+          <p:cNvSpPr>
+            <a:spLocks noGrp="1"/>
+          </p:cNvSpPr>
+          <p:nvPr>
+            <p:ph idx="1"/>
+          </p:nvPr>
+        </p:nvSpPr>
+        <p:spPr/>
+        <p:txBody>
+          <a:bodyPr/>
+          <a:lstStyle/>
+          <a:p>
+            <a:r>
+              <a:rPr lang="lv-LV" dirty="0" smtClean="0"/>
+              <a:t>No faila text.txt nolasīt teikumu(“Skola drīz beigsies!”) un ielikt string mainīgā. Pēc tam to teikumu pārveidot uz (“Skola drīz atkal sāksies!”) un tad to printēt atpakaļ text.txt failā.</a:t>
+            </a:r>
+            <a:endParaRPr lang="lv-LV" dirty="0"/>
+          </a:p>
+        </p:txBody>
+      </p:sp>
+    </p:spTree>
+  </p:cSld>
+  <p:clrMapOvr>
+    <a:masterClrMapping/>
+  </p:clrMapOvr>
+</p:sld>
+</file>
+
+<file path=ppt/slides/slide8.xml><?xml version="1.0" encoding="utf-8"?>
+<p:sld xmlns:a="http://schemas.openxmlformats.org/drawingml/2006/main" xmlns:r="http://schemas.openxmlformats.org/officeDocument/2006/relationships" xmlns:p="http://schemas.openxmlformats.org/presentationml/2006/main">
+  <p:cSld>
+    <p:spTree>
+      <p:nvGrpSpPr>
+        <p:cNvPr id="1" name=""/>
+        <p:cNvGrpSpPr/>
+        <p:nvPr/>
+      </p:nvGrpSpPr>
+      <p:grpSpPr>
+        <a:xfrm>
+          <a:off x="0" y="0"/>
+          <a:ext cx="0" cy="0"/>
+          <a:chOff x="0" y="0"/>
+          <a:chExt cx="0" cy="0"/>
+        </a:xfrm>
+      </p:grpSpPr>
+      <p:sp>
+        <p:nvSpPr>
+          <p:cNvPr id="2" name="Title 1"/>
+          <p:cNvSpPr>
+            <a:spLocks noGrp="1"/>
+          </p:cNvSpPr>
+          <p:nvPr>
+            <p:ph type="title"/>
+          </p:nvPr>
+        </p:nvSpPr>
+        <p:spPr/>
+        <p:txBody>
+          <a:bodyPr/>
+          <a:lstStyle/>
+          <a:p>
+            <a:r>
+              <a:rPr lang="lv-LV" dirty="0" smtClean="0"/>
+              <a:t>Piemērs</a:t>
+            </a:r>
+            <a:endParaRPr lang="lv-LV" dirty="0"/>
+          </a:p>
+        </p:txBody>
+      </p:sp>
+      <p:sp>
+        <p:nvSpPr>
+          <p:cNvPr id="3" name="Content Placeholder 2"/>
+          <p:cNvSpPr>
+            <a:spLocks noGrp="1"/>
+          </p:cNvSpPr>
+          <p:nvPr>
+            <p:ph idx="1"/>
+          </p:nvPr>
+        </p:nvSpPr>
+        <p:spPr/>
+        <p:txBody>
+          <a:bodyPr/>
+          <a:lstStyle/>
+          <a:p>
+            <a:endParaRPr lang="lv-LV"/>
+          </a:p>
+        </p:txBody>
+      </p:sp>
+    </p:spTree>
+  </p:cSld>
+  <p:clrMapOvr>
+    <a:masterClrMapping/>
+  </p:clrMapOvr>
+</p:sld>
+</file>
+
+<file path=ppt/slides/slide9.xml><?xml version="1.0" encoding="utf-8"?>
+<p:sld xmlns:a="http://schemas.openxmlformats.org/drawingml/2006/main" xmlns:r="http://schemas.openxmlformats.org/officeDocument/2006/relationships" xmlns:p="http://schemas.openxmlformats.org/presentationml/2006/main">
+  <p:cSld>
+    <p:spTree>
+      <p:nvGrpSpPr>
+        <p:cNvPr id="1" name=""/>
+        <p:cNvGrpSpPr/>
+        <p:nvPr/>
+      </p:nvGrpSpPr>
+      <p:grpSpPr>
+        <a:xfrm>
+          <a:off x="0" y="0"/>
+          <a:ext cx="0" cy="0"/>
+          <a:chOff x="0" y="0"/>
+          <a:chExt cx="0" cy="0"/>
+        </a:xfrm>
+      </p:grpSpPr>
+      <p:sp>
+        <p:nvSpPr>
+          <p:cNvPr id="2" name="Title 1"/>
+          <p:cNvSpPr>
+            <a:spLocks noGrp="1"/>
+          </p:cNvSpPr>
+          <p:nvPr>
+            <p:ph type="title"/>
+          </p:nvPr>
+        </p:nvSpPr>
+        <p:spPr/>
+        <p:txBody>
+          <a:bodyPr/>
+          <a:lstStyle/>
+          <a:p>
+            <a:r>
+              <a:rPr lang="lv-LV" dirty="0" smtClean="0"/>
+              <a:t>3. Uzdevuma piemērs</a:t>
+            </a:r>
+            <a:endParaRPr lang="lv-LV" dirty="0"/>
+          </a:p>
+        </p:txBody>
+      </p:sp>
+      <p:sp>
+        <p:nvSpPr>
+          <p:cNvPr id="3" name="Content Placeholder 2"/>
+          <p:cNvSpPr>
+            <a:spLocks noGrp="1"/>
+          </p:cNvSpPr>
+          <p:nvPr>
+            <p:ph idx="1"/>
+          </p:nvPr>
+        </p:nvSpPr>
+        <p:spPr/>
+        <p:txBody>
+          <a:bodyPr/>
+          <a:lstStyle/>
+          <a:p>
+            <a:r>
+              <a:rPr lang="lv-LV" dirty="0" smtClean="0"/>
+              <a:t>Izveidot programmu, kas lietotāja ievadīto tekstu izvada konsolē vienā kollonā pa vienam simbolam.</a:t>
+            </a:r>
             <a:endParaRPr lang="lv-LV" dirty="0"/>
           </a:p>
         </p:txBody>

--- a/Teksta datnes informatīvais materiāls.pptx
+++ b/Teksta datnes informatīvais materiāls.pptx
@@ -158,7 +158,7 @@
             <a:fld id="{29F434F8-D001-41C5-B56B-022538BFE3FA}" type="datetimeFigureOut">
               <a:rPr lang="lv-LV" smtClean="0"/>
               <a:pPr/>
-              <a:t>09.06.2022</a:t>
+              <a:t>10.06.2022</a:t>
             </a:fld>
             <a:endParaRPr lang="lv-LV"/>
           </a:p>
@@ -877,7 +877,7 @@
             <a:fld id="{29F434F8-D001-41C5-B56B-022538BFE3FA}" type="datetimeFigureOut">
               <a:rPr lang="lv-LV" smtClean="0"/>
               <a:pPr/>
-              <a:t>09.06.2022</a:t>
+              <a:t>10.06.2022</a:t>
             </a:fld>
             <a:endParaRPr lang="lv-LV"/>
           </a:p>
@@ -1064,7 +1064,7 @@
             <a:fld id="{29F434F8-D001-41C5-B56B-022538BFE3FA}" type="datetimeFigureOut">
               <a:rPr lang="lv-LV" smtClean="0"/>
               <a:pPr/>
-              <a:t>09.06.2022</a:t>
+              <a:t>10.06.2022</a:t>
             </a:fld>
             <a:endParaRPr lang="lv-LV"/>
           </a:p>
@@ -1241,7 +1241,7 @@
             <a:fld id="{29F434F8-D001-41C5-B56B-022538BFE3FA}" type="datetimeFigureOut">
               <a:rPr lang="lv-LV" smtClean="0"/>
               <a:pPr/>
-              <a:t>09.06.2022</a:t>
+              <a:t>10.06.2022</a:t>
             </a:fld>
             <a:endParaRPr lang="lv-LV"/>
           </a:p>
@@ -2726,7 +2726,7 @@
             <a:fld id="{29F434F8-D001-41C5-B56B-022538BFE3FA}" type="datetimeFigureOut">
               <a:rPr lang="lv-LV" smtClean="0"/>
               <a:pPr/>
-              <a:t>09.06.2022</a:t>
+              <a:t>10.06.2022</a:t>
             </a:fld>
             <a:endParaRPr lang="lv-LV"/>
           </a:p>
@@ -3328,7 +3328,7 @@
             <a:fld id="{29F434F8-D001-41C5-B56B-022538BFE3FA}" type="datetimeFigureOut">
               <a:rPr lang="lv-LV" smtClean="0"/>
               <a:pPr/>
-              <a:t>09.06.2022</a:t>
+              <a:t>10.06.2022</a:t>
             </a:fld>
             <a:endParaRPr lang="lv-LV"/>
           </a:p>
@@ -3767,7 +3767,7 @@
             <a:fld id="{29F434F8-D001-41C5-B56B-022538BFE3FA}" type="datetimeFigureOut">
               <a:rPr lang="lv-LV" smtClean="0"/>
               <a:pPr/>
-              <a:t>09.06.2022</a:t>
+              <a:t>10.06.2022</a:t>
             </a:fld>
             <a:endParaRPr lang="lv-LV"/>
           </a:p>
@@ -4330,7 +4330,7 @@
             <a:fld id="{29F434F8-D001-41C5-B56B-022538BFE3FA}" type="datetimeFigureOut">
               <a:rPr lang="lv-LV" smtClean="0"/>
               <a:pPr/>
-              <a:t>09.06.2022</a:t>
+              <a:t>10.06.2022</a:t>
             </a:fld>
             <a:endParaRPr lang="lv-LV"/>
           </a:p>
@@ -4428,7 +4428,7 @@
             <a:fld id="{29F434F8-D001-41C5-B56B-022538BFE3FA}" type="datetimeFigureOut">
               <a:rPr lang="lv-LV" smtClean="0"/>
               <a:pPr/>
-              <a:t>09.06.2022</a:t>
+              <a:t>10.06.2022</a:t>
             </a:fld>
             <a:endParaRPr lang="lv-LV"/>
           </a:p>
@@ -4684,7 +4684,7 @@
             <a:fld id="{29F434F8-D001-41C5-B56B-022538BFE3FA}" type="datetimeFigureOut">
               <a:rPr lang="lv-LV" smtClean="0"/>
               <a:pPr/>
-              <a:t>09.06.2022</a:t>
+              <a:t>10.06.2022</a:t>
             </a:fld>
             <a:endParaRPr lang="lv-LV"/>
           </a:p>
@@ -5407,7 +5407,7 @@
             <a:fld id="{29F434F8-D001-41C5-B56B-022538BFE3FA}" type="datetimeFigureOut">
               <a:rPr lang="lv-LV" smtClean="0"/>
               <a:pPr/>
-              <a:t>09.06.2022</a:t>
+              <a:t>10.06.2022</a:t>
             </a:fld>
             <a:endParaRPr lang="lv-LV"/>
           </a:p>
@@ -6082,7 +6082,7 @@
             <a:fld id="{29F434F8-D001-41C5-B56B-022538BFE3FA}" type="datetimeFigureOut">
               <a:rPr lang="lv-LV" smtClean="0"/>
               <a:pPr/>
-              <a:t>09.06.2022</a:t>
+              <a:t>10.06.2022</a:t>
             </a:fld>
             <a:endParaRPr lang="lv-LV"/>
           </a:p>
@@ -6528,11 +6528,40 @@
           </a:p>
         </p:txBody>
       </p:sp>
+      <p:pic>
+        <p:nvPicPr>
+          <p:cNvPr id="15362" name="Picture 2" descr="How to Read and Write to a File in C++"/>
+          <p:cNvPicPr>
+            <a:picLocks noChangeAspect="1" noChangeArrowheads="1"/>
+          </p:cNvPicPr>
+          <p:nvPr/>
+        </p:nvPicPr>
+        <p:blipFill>
+          <a:blip r:embed="rId2"/>
+          <a:srcRect/>
+          <a:stretch>
+            <a:fillRect/>
+          </a:stretch>
+        </p:blipFill>
+        <p:spPr bwMode="auto">
+          <a:xfrm>
+            <a:off x="3500430" y="642918"/>
+            <a:ext cx="4616088" cy="2928958"/>
+          </a:xfrm>
+          <a:prstGeom prst="rect">
+            <a:avLst/>
+          </a:prstGeom>
+          <a:noFill/>
+        </p:spPr>
+      </p:pic>
     </p:spTree>
   </p:cSld>
   <p:clrMapOvr>
     <a:masterClrMapping/>
   </p:clrMapOvr>
+  <p:transition>
+    <p:dissolve/>
+  </p:transition>
 </p:sld>
 </file>
 
@@ -6588,18 +6617,202 @@
         </p:nvSpPr>
         <p:spPr/>
         <p:txBody>
-          <a:bodyPr/>
+          <a:bodyPr>
+            <a:normAutofit/>
+          </a:bodyPr>
           <a:lstStyle/>
           <a:p>
-            <a:endParaRPr lang="lv-LV"/>
-          </a:p>
-        </p:txBody>
-      </p:sp>
+            <a:pPr>
+              <a:buNone/>
+            </a:pPr>
+            <a:r>
+              <a:rPr lang="lv-LV" sz="1800" dirty="0" smtClean="0"/>
+              <a:t>#include&lt;iostream</a:t>
+            </a:r>
+            <a:r>
+              <a:rPr lang="lv-LV" sz="1800" dirty="0" smtClean="0"/>
+              <a:t>&gt;</a:t>
+            </a:r>
+          </a:p>
+          <a:p>
+            <a:pPr>
+              <a:buNone/>
+            </a:pPr>
+            <a:r>
+              <a:rPr lang="lv-LV" sz="1800" dirty="0" smtClean="0"/>
+              <a:t>using namespace std</a:t>
+            </a:r>
+            <a:r>
+              <a:rPr lang="lv-LV" sz="1800" dirty="0" smtClean="0"/>
+              <a:t>;</a:t>
+            </a:r>
+          </a:p>
+          <a:p>
+            <a:pPr>
+              <a:buNone/>
+            </a:pPr>
+            <a:r>
+              <a:rPr lang="lv-LV" sz="1800" dirty="0" smtClean="0"/>
+              <a:t>int main() </a:t>
+            </a:r>
+            <a:r>
+              <a:rPr lang="lv-LV" sz="1800" dirty="0" smtClean="0"/>
+              <a:t>{</a:t>
+            </a:r>
+          </a:p>
+          <a:p>
+            <a:pPr>
+              <a:buNone/>
+            </a:pPr>
+            <a:r>
+              <a:rPr lang="lv-LV" sz="1800" dirty="0" smtClean="0"/>
+              <a:t> string name</a:t>
+            </a:r>
+            <a:r>
+              <a:rPr lang="lv-LV" sz="1800" dirty="0" smtClean="0"/>
+              <a:t>;</a:t>
+            </a:r>
+          </a:p>
+          <a:p>
+            <a:pPr>
+              <a:buNone/>
+            </a:pPr>
+            <a:r>
+              <a:rPr lang="de-DE" sz="1800" dirty="0" smtClean="0">
+                <a:solidFill>
+                  <a:srgbClr val="FF0000"/>
+                </a:solidFill>
+              </a:rPr>
+              <a:t> cout&lt;&lt;</a:t>
+            </a:r>
+            <a:r>
+              <a:rPr lang="de-DE" sz="1800" dirty="0" smtClean="0"/>
+              <a:t>"Ievadi kādu teikumu: ";</a:t>
+            </a:r>
+            <a:r>
+              <a:rPr lang="de-DE" sz="1800" dirty="0" smtClean="0">
+                <a:solidFill>
+                  <a:srgbClr val="FF0000"/>
+                </a:solidFill>
+              </a:rPr>
+              <a:t>cin&gt;&gt;</a:t>
+            </a:r>
+            <a:r>
+              <a:rPr lang="de-DE" sz="1800" dirty="0" smtClean="0"/>
+              <a:t>name</a:t>
+            </a:r>
+            <a:r>
+              <a:rPr lang="de-DE" sz="1800" dirty="0" smtClean="0"/>
+              <a:t>;</a:t>
+            </a:r>
+            <a:endParaRPr lang="lv-LV" sz="1800" dirty="0" smtClean="0"/>
+          </a:p>
+          <a:p>
+            <a:pPr>
+              <a:buNone/>
+            </a:pPr>
+            <a:r>
+              <a:rPr lang="nn-NO" sz="1800" dirty="0" smtClean="0"/>
+              <a:t> for(int i =0; </a:t>
+            </a:r>
+            <a:r>
+              <a:rPr lang="nn-NO" sz="1800" dirty="0" smtClean="0">
+                <a:solidFill>
+                  <a:srgbClr val="FF0000"/>
+                </a:solidFill>
+              </a:rPr>
+              <a:t>i&lt;name.length()</a:t>
+            </a:r>
+            <a:r>
+              <a:rPr lang="nn-NO" sz="1800" dirty="0" smtClean="0"/>
+              <a:t>;i</a:t>
+            </a:r>
+            <a:r>
+              <a:rPr lang="nn-NO" sz="1800" dirty="0" smtClean="0"/>
+              <a:t>++){</a:t>
+            </a:r>
+            <a:endParaRPr lang="lv-LV" sz="1800" dirty="0" smtClean="0"/>
+          </a:p>
+          <a:p>
+            <a:pPr>
+              <a:buNone/>
+            </a:pPr>
+            <a:r>
+              <a:rPr lang="lv-LV" sz="1800" dirty="0" smtClean="0">
+                <a:solidFill>
+                  <a:srgbClr val="FF0000"/>
+                </a:solidFill>
+              </a:rPr>
+              <a:t> cout&lt;&lt;</a:t>
+            </a:r>
+            <a:r>
+              <a:rPr lang="lv-LV" sz="1800" dirty="0" smtClean="0"/>
+              <a:t>name[i]&lt;&lt;"\n</a:t>
+            </a:r>
+            <a:r>
+              <a:rPr lang="lv-LV" sz="1800" dirty="0" smtClean="0"/>
+              <a:t>";</a:t>
+            </a:r>
+          </a:p>
+          <a:p>
+            <a:pPr>
+              <a:buNone/>
+            </a:pPr>
+            <a:r>
+              <a:rPr lang="lv-LV" sz="1800" dirty="0" smtClean="0"/>
+              <a:t> </a:t>
+            </a:r>
+            <a:r>
+              <a:rPr lang="lv-LV" sz="1800" dirty="0" smtClean="0"/>
+              <a:t>}</a:t>
+            </a:r>
+          </a:p>
+          <a:p>
+            <a:pPr>
+              <a:buNone/>
+            </a:pPr>
+            <a:r>
+              <a:rPr lang="lv-LV" sz="1800" dirty="0" smtClean="0"/>
+              <a:t>}</a:t>
+            </a:r>
+            <a:endParaRPr lang="lv-LV" sz="1800" dirty="0"/>
+          </a:p>
+        </p:txBody>
+      </p:sp>
+      <p:pic>
+        <p:nvPicPr>
+          <p:cNvPr id="4" name="Picture 2" descr="File:ISO C++ Logo.svg - Wikimedia Commons"/>
+          <p:cNvPicPr>
+            <a:picLocks noChangeAspect="1" noChangeArrowheads="1"/>
+          </p:cNvPicPr>
+          <p:nvPr/>
+        </p:nvPicPr>
+        <p:blipFill>
+          <a:blip r:embed="rId2" cstate="print"/>
+          <a:srcRect/>
+          <a:stretch>
+            <a:fillRect/>
+          </a:stretch>
+        </p:blipFill>
+        <p:spPr bwMode="auto">
+          <a:xfrm>
+            <a:off x="8143900" y="142852"/>
+            <a:ext cx="785818" cy="883404"/>
+          </a:xfrm>
+          <a:prstGeom prst="rect">
+            <a:avLst/>
+          </a:prstGeom>
+          <a:noFill/>
+        </p:spPr>
+      </p:pic>
     </p:spTree>
   </p:cSld>
   <p:clrMapOvr>
     <a:masterClrMapping/>
   </p:clrMapOvr>
+  <p:transition>
+    <p:wipe dir="d"/>
+  </p:transition>
 </p:sld>
 </file>
 
@@ -6666,11 +6879,40 @@
           </a:p>
         </p:txBody>
       </p:sp>
+      <p:pic>
+        <p:nvPicPr>
+          <p:cNvPr id="4" name="Picture 2" descr="File:ISO C++ Logo.svg - Wikimedia Commons"/>
+          <p:cNvPicPr>
+            <a:picLocks noChangeAspect="1" noChangeArrowheads="1"/>
+          </p:cNvPicPr>
+          <p:nvPr/>
+        </p:nvPicPr>
+        <p:blipFill>
+          <a:blip r:embed="rId2" cstate="print"/>
+          <a:srcRect/>
+          <a:stretch>
+            <a:fillRect/>
+          </a:stretch>
+        </p:blipFill>
+        <p:spPr bwMode="auto">
+          <a:xfrm>
+            <a:off x="428596" y="5786454"/>
+            <a:ext cx="785818" cy="883404"/>
+          </a:xfrm>
+          <a:prstGeom prst="rect">
+            <a:avLst/>
+          </a:prstGeom>
+          <a:noFill/>
+        </p:spPr>
+      </p:pic>
     </p:spTree>
   </p:cSld>
   <p:clrMapOvr>
     <a:masterClrMapping/>
   </p:clrMapOvr>
+  <p:transition>
+    <p:wipe dir="d"/>
+  </p:transition>
 </p:sld>
 </file>
 
@@ -6726,18 +6968,231 @@
         </p:nvSpPr>
         <p:spPr/>
         <p:txBody>
-          <a:bodyPr/>
+          <a:bodyPr>
+            <a:normAutofit/>
+          </a:bodyPr>
           <a:lstStyle/>
           <a:p>
-            <a:endParaRPr lang="lv-LV"/>
-          </a:p>
-        </p:txBody>
-      </p:sp>
+            <a:pPr>
+              <a:buNone/>
+            </a:pPr>
+            <a:r>
+              <a:rPr lang="lv-LV" sz="1800" dirty="0" smtClean="0"/>
+              <a:t>#include&lt;iostream</a:t>
+            </a:r>
+            <a:r>
+              <a:rPr lang="lv-LV" sz="1800" dirty="0" smtClean="0"/>
+              <a:t>&gt;</a:t>
+            </a:r>
+          </a:p>
+          <a:p>
+            <a:pPr>
+              <a:buNone/>
+            </a:pPr>
+            <a:r>
+              <a:rPr lang="lv-LV" sz="1800" dirty="0" smtClean="0"/>
+              <a:t>using namespace std</a:t>
+            </a:r>
+            <a:r>
+              <a:rPr lang="lv-LV" sz="1800" dirty="0" smtClean="0"/>
+              <a:t>;</a:t>
+            </a:r>
+          </a:p>
+          <a:p>
+            <a:pPr>
+              <a:buNone/>
+            </a:pPr>
+            <a:r>
+              <a:rPr lang="lv-LV" sz="1800" dirty="0" smtClean="0"/>
+              <a:t>int main() </a:t>
+            </a:r>
+            <a:r>
+              <a:rPr lang="lv-LV" sz="1800" dirty="0" smtClean="0"/>
+              <a:t>{</a:t>
+            </a:r>
+          </a:p>
+          <a:p>
+            <a:pPr>
+              <a:buNone/>
+            </a:pPr>
+            <a:r>
+              <a:rPr lang="lv-LV" sz="1800" dirty="0" smtClean="0"/>
+              <a:t> string name</a:t>
+            </a:r>
+            <a:r>
+              <a:rPr lang="lv-LV" sz="1800" dirty="0" smtClean="0"/>
+              <a:t>;</a:t>
+            </a:r>
+          </a:p>
+          <a:p>
+            <a:pPr>
+              <a:buNone/>
+            </a:pPr>
+            <a:r>
+              <a:rPr lang="de-DE" sz="1800" dirty="0" smtClean="0"/>
+              <a:t> </a:t>
+            </a:r>
+            <a:r>
+              <a:rPr lang="de-DE" sz="1800" dirty="0" smtClean="0">
+                <a:solidFill>
+                  <a:srgbClr val="FF0000"/>
+                </a:solidFill>
+              </a:rPr>
+              <a:t>cout&lt;&lt;"</a:t>
+            </a:r>
+            <a:r>
+              <a:rPr lang="de-DE" sz="1800" dirty="0" smtClean="0"/>
+              <a:t>Ievadi kādu teikumu: ";</a:t>
+            </a:r>
+            <a:r>
+              <a:rPr lang="de-DE" sz="1800" dirty="0" smtClean="0">
+                <a:solidFill>
+                  <a:srgbClr val="FF0000"/>
+                </a:solidFill>
+              </a:rPr>
+              <a:t>cin&gt;&gt;</a:t>
+            </a:r>
+            <a:r>
+              <a:rPr lang="de-DE" sz="1800" dirty="0" smtClean="0"/>
+              <a:t>name</a:t>
+            </a:r>
+            <a:r>
+              <a:rPr lang="de-DE" sz="1800" dirty="0" smtClean="0"/>
+              <a:t>;</a:t>
+            </a:r>
+            <a:endParaRPr lang="lv-LV" sz="1800" dirty="0" smtClean="0"/>
+          </a:p>
+          <a:p>
+            <a:pPr>
+              <a:buNone/>
+            </a:pPr>
+            <a:r>
+              <a:rPr lang="lv-LV" sz="1800" dirty="0" smtClean="0"/>
+              <a:t> </a:t>
+            </a:r>
+            <a:r>
+              <a:rPr lang="lv-LV" sz="1800" dirty="0" smtClean="0">
+                <a:solidFill>
+                  <a:srgbClr val="FF0000"/>
+                </a:solidFill>
+              </a:rPr>
+              <a:t>cout&lt;&lt;"</a:t>
+            </a:r>
+            <a:r>
+              <a:rPr lang="lv-LV" sz="1800" dirty="0" smtClean="0"/>
+              <a:t>Apmestais vārds ir: </a:t>
+            </a:r>
+            <a:r>
+              <a:rPr lang="lv-LV" sz="1800" dirty="0" smtClean="0"/>
+              <a:t>";</a:t>
+            </a:r>
+          </a:p>
+          <a:p>
+            <a:pPr>
+              <a:buNone/>
+            </a:pPr>
+            <a:r>
+              <a:rPr lang="nn-NO" sz="1800" dirty="0" smtClean="0"/>
+              <a:t> for(int i =</a:t>
+            </a:r>
+            <a:r>
+              <a:rPr lang="nn-NO" sz="1800" dirty="0" smtClean="0">
+                <a:solidFill>
+                  <a:srgbClr val="FF0000"/>
+                </a:solidFill>
+              </a:rPr>
+              <a:t>name.length(); </a:t>
+            </a:r>
+            <a:r>
+              <a:rPr lang="nn-NO" sz="1800" dirty="0" smtClean="0"/>
+              <a:t>i&gt;=0;i-</a:t>
+            </a:r>
+            <a:r>
+              <a:rPr lang="nn-NO" sz="1800" dirty="0" smtClean="0"/>
+              <a:t>-){</a:t>
+            </a:r>
+            <a:endParaRPr lang="lv-LV" sz="1800" dirty="0" smtClean="0"/>
+          </a:p>
+          <a:p>
+            <a:pPr>
+              <a:buNone/>
+            </a:pPr>
+            <a:r>
+              <a:rPr lang="lv-LV" sz="1800" dirty="0" smtClean="0">
+                <a:solidFill>
+                  <a:srgbClr val="FF0000"/>
+                </a:solidFill>
+              </a:rPr>
+              <a:t> cout&lt;&lt;name[i</a:t>
+            </a:r>
+            <a:r>
+              <a:rPr lang="lv-LV" sz="1800" dirty="0" smtClean="0">
+                <a:solidFill>
+                  <a:srgbClr val="FF0000"/>
+                </a:solidFill>
+              </a:rPr>
+              <a:t>];</a:t>
+            </a:r>
+          </a:p>
+          <a:p>
+            <a:pPr>
+              <a:buNone/>
+            </a:pPr>
+            <a:r>
+              <a:rPr lang="lv-LV" sz="1800" dirty="0" smtClean="0"/>
+              <a:t> </a:t>
+            </a:r>
+            <a:r>
+              <a:rPr lang="lv-LV" sz="1800" dirty="0" smtClean="0"/>
+              <a:t>}</a:t>
+            </a:r>
+          </a:p>
+          <a:p>
+            <a:pPr>
+              <a:buNone/>
+            </a:pPr>
+            <a:r>
+              <a:rPr lang="lv-LV" sz="1800" dirty="0" smtClean="0"/>
+              <a:t>}</a:t>
+            </a:r>
+            <a:endParaRPr lang="lv-LV" sz="1800" dirty="0"/>
+          </a:p>
+        </p:txBody>
+      </p:sp>
+      <p:pic>
+        <p:nvPicPr>
+          <p:cNvPr id="4" name="Picture 2" descr="File:ISO C++ Logo.svg - Wikimedia Commons"/>
+          <p:cNvPicPr>
+            <a:picLocks noChangeAspect="1" noChangeArrowheads="1"/>
+          </p:cNvPicPr>
+          <p:nvPr/>
+        </p:nvPicPr>
+        <p:blipFill>
+          <a:blip r:embed="rId2" cstate="print"/>
+          <a:srcRect/>
+          <a:stretch>
+            <a:fillRect/>
+          </a:stretch>
+        </p:blipFill>
+        <p:spPr bwMode="auto">
+          <a:xfrm>
+            <a:off x="8215338" y="142852"/>
+            <a:ext cx="785818" cy="883404"/>
+          </a:xfrm>
+          <a:prstGeom prst="rect">
+            <a:avLst/>
+          </a:prstGeom>
+          <a:noFill/>
+        </p:spPr>
+      </p:pic>
     </p:spTree>
   </p:cSld>
   <p:clrMapOvr>
     <a:masterClrMapping/>
   </p:clrMapOvr>
+  <p:transition>
+    <p:wipe dir="d"/>
+  </p:transition>
 </p:sld>
 </file>
 
@@ -6842,11 +7297,40 @@
           <a:effectLst/>
         </p:spPr>
       </p:pic>
+      <p:pic>
+        <p:nvPicPr>
+          <p:cNvPr id="5" name="Picture 2" descr="File:ISO C++ Logo.svg - Wikimedia Commons"/>
+          <p:cNvPicPr>
+            <a:picLocks noChangeAspect="1" noChangeArrowheads="1"/>
+          </p:cNvPicPr>
+          <p:nvPr/>
+        </p:nvPicPr>
+        <p:blipFill>
+          <a:blip r:embed="rId3" cstate="print"/>
+          <a:srcRect/>
+          <a:stretch>
+            <a:fillRect/>
+          </a:stretch>
+        </p:blipFill>
+        <p:spPr bwMode="auto">
+          <a:xfrm>
+            <a:off x="428596" y="5786454"/>
+            <a:ext cx="785818" cy="883404"/>
+          </a:xfrm>
+          <a:prstGeom prst="rect">
+            <a:avLst/>
+          </a:prstGeom>
+          <a:noFill/>
+        </p:spPr>
+      </p:pic>
     </p:spTree>
   </p:cSld>
   <p:clrMapOvr>
     <a:masterClrMapping/>
   </p:clrMapOvr>
+  <p:transition>
+    <p:wipe dir="d"/>
+  </p:transition>
 </p:sld>
 </file>
 
@@ -6902,18 +7386,360 @@
         </p:nvSpPr>
         <p:spPr/>
         <p:txBody>
-          <a:bodyPr/>
+          <a:bodyPr>
+            <a:normAutofit fontScale="77500" lnSpcReduction="20000"/>
+          </a:bodyPr>
           <a:lstStyle/>
           <a:p>
-            <a:endParaRPr lang="lv-LV"/>
-          </a:p>
-        </p:txBody>
-      </p:sp>
+            <a:pPr>
+              <a:buNone/>
+            </a:pPr>
+            <a:r>
+              <a:rPr lang="lv-LV" sz="1800" dirty="0" smtClean="0"/>
+              <a:t>#include&lt;iostream</a:t>
+            </a:r>
+            <a:r>
+              <a:rPr lang="lv-LV" sz="1800" dirty="0" smtClean="0"/>
+              <a:t>&gt;</a:t>
+            </a:r>
+          </a:p>
+          <a:p>
+            <a:pPr>
+              <a:buNone/>
+            </a:pPr>
+            <a:r>
+              <a:rPr lang="lv-LV" sz="1800" dirty="0" smtClean="0">
+                <a:solidFill>
+                  <a:srgbClr val="FF0000"/>
+                </a:solidFill>
+              </a:rPr>
+              <a:t>#include &lt;fstream</a:t>
+            </a:r>
+            <a:r>
+              <a:rPr lang="lv-LV" sz="1800" dirty="0" smtClean="0">
+                <a:solidFill>
+                  <a:srgbClr val="FF0000"/>
+                </a:solidFill>
+              </a:rPr>
+              <a:t>&gt;</a:t>
+            </a:r>
+          </a:p>
+          <a:p>
+            <a:pPr>
+              <a:buNone/>
+            </a:pPr>
+            <a:r>
+              <a:rPr lang="lv-LV" sz="1800" dirty="0" smtClean="0"/>
+              <a:t>using namespace std</a:t>
+            </a:r>
+            <a:r>
+              <a:rPr lang="lv-LV" sz="1800" dirty="0" smtClean="0"/>
+              <a:t>;</a:t>
+            </a:r>
+          </a:p>
+          <a:p>
+            <a:pPr>
+              <a:buNone/>
+            </a:pPr>
+            <a:r>
+              <a:rPr lang="lv-LV" sz="1800" dirty="0" smtClean="0"/>
+              <a:t>int main() </a:t>
+            </a:r>
+            <a:r>
+              <a:rPr lang="lv-LV" sz="1800" dirty="0" smtClean="0"/>
+              <a:t>{</a:t>
+            </a:r>
+          </a:p>
+          <a:p>
+            <a:pPr>
+              <a:buNone/>
+            </a:pPr>
+            <a:r>
+              <a:rPr lang="lv-LV" sz="1800" dirty="0" smtClean="0">
+                <a:solidFill>
+                  <a:srgbClr val="FF0000"/>
+                </a:solidFill>
+              </a:rPr>
+              <a:t>ofstream file("ASCII.txt</a:t>
+            </a:r>
+            <a:r>
+              <a:rPr lang="lv-LV" sz="1800" dirty="0" smtClean="0">
+                <a:solidFill>
+                  <a:srgbClr val="FF0000"/>
+                </a:solidFill>
+              </a:rPr>
+              <a:t>");</a:t>
+            </a:r>
+          </a:p>
+          <a:p>
+            <a:pPr>
+              <a:buNone/>
+            </a:pPr>
+            <a:r>
+              <a:rPr lang="lv-LV" sz="1800" dirty="0" smtClean="0">
+                <a:solidFill>
+                  <a:srgbClr val="FF0000"/>
+                </a:solidFill>
+              </a:rPr>
+              <a:t> file &lt;&lt; " __________\</a:t>
+            </a:r>
+            <a:r>
+              <a:rPr lang="lv-LV" sz="1800" dirty="0" smtClean="0">
+                <a:solidFill>
+                  <a:srgbClr val="FF0000"/>
+                </a:solidFill>
+              </a:rPr>
+              <a:t>n“</a:t>
+            </a:r>
+          </a:p>
+          <a:p>
+            <a:pPr>
+              <a:buNone/>
+            </a:pPr>
+            <a:r>
+              <a:rPr lang="lv-LV" sz="1800" dirty="0" smtClean="0">
+                <a:solidFill>
+                  <a:srgbClr val="FF0000"/>
+                </a:solidFill>
+              </a:rPr>
+              <a:t> "| ________ |\</a:t>
+            </a:r>
+            <a:r>
+              <a:rPr lang="lv-LV" sz="1800" dirty="0" smtClean="0">
+                <a:solidFill>
+                  <a:srgbClr val="FF0000"/>
+                </a:solidFill>
+              </a:rPr>
+              <a:t>n“</a:t>
+            </a:r>
+          </a:p>
+          <a:p>
+            <a:pPr>
+              <a:buNone/>
+            </a:pPr>
+            <a:r>
+              <a:rPr lang="lv-LV" sz="1800" dirty="0" smtClean="0">
+                <a:solidFill>
+                  <a:srgbClr val="FF0000"/>
+                </a:solidFill>
+              </a:rPr>
+              <a:t> "||12345678||\</a:t>
+            </a:r>
+            <a:r>
+              <a:rPr lang="lv-LV" sz="1800" dirty="0" smtClean="0">
+                <a:solidFill>
+                  <a:srgbClr val="FF0000"/>
+                </a:solidFill>
+              </a:rPr>
+              <a:t>n“</a:t>
+            </a:r>
+          </a:p>
+          <a:p>
+            <a:pPr>
+              <a:buNone/>
+            </a:pPr>
+            <a:r>
+              <a:rPr lang="lv-LV" sz="1800" dirty="0" smtClean="0">
+                <a:solidFill>
+                  <a:srgbClr val="FF0000"/>
+                </a:solidFill>
+              </a:rPr>
+              <a:t> "|\"\"\"\"\"\"\"\"\"\"|\</a:t>
+            </a:r>
+            <a:r>
+              <a:rPr lang="lv-LV" sz="1800" dirty="0" smtClean="0">
+                <a:solidFill>
+                  <a:srgbClr val="FF0000"/>
+                </a:solidFill>
+              </a:rPr>
+              <a:t>n“</a:t>
+            </a:r>
+          </a:p>
+          <a:p>
+            <a:pPr>
+              <a:buNone/>
+            </a:pPr>
+            <a:r>
+              <a:rPr lang="lv-LV" sz="1800" dirty="0" smtClean="0">
+                <a:solidFill>
+                  <a:srgbClr val="FF0000"/>
+                </a:solidFill>
+              </a:rPr>
+              <a:t> "|[M|#|C][-]|\</a:t>
+            </a:r>
+            <a:r>
+              <a:rPr lang="lv-LV" sz="1800" dirty="0" smtClean="0">
+                <a:solidFill>
+                  <a:srgbClr val="FF0000"/>
+                </a:solidFill>
+              </a:rPr>
+              <a:t>n“</a:t>
+            </a:r>
+          </a:p>
+          <a:p>
+            <a:pPr>
+              <a:buNone/>
+            </a:pPr>
+            <a:r>
+              <a:rPr lang="lv-LV" sz="1800" dirty="0" smtClean="0">
+                <a:solidFill>
+                  <a:srgbClr val="FF0000"/>
+                </a:solidFill>
+              </a:rPr>
+              <a:t> "|[7|8|9][+]|\</a:t>
+            </a:r>
+            <a:r>
+              <a:rPr lang="lv-LV" sz="1800" dirty="0" smtClean="0">
+                <a:solidFill>
+                  <a:srgbClr val="FF0000"/>
+                </a:solidFill>
+              </a:rPr>
+              <a:t>n“</a:t>
+            </a:r>
+          </a:p>
+          <a:p>
+            <a:pPr>
+              <a:buNone/>
+            </a:pPr>
+            <a:r>
+              <a:rPr lang="lv-LV" sz="1800" dirty="0" smtClean="0">
+                <a:solidFill>
+                  <a:srgbClr val="FF0000"/>
+                </a:solidFill>
+              </a:rPr>
+              <a:t> "|[4|5|6][x]|\</a:t>
+            </a:r>
+            <a:r>
+              <a:rPr lang="lv-LV" sz="1800" dirty="0" smtClean="0">
+                <a:solidFill>
+                  <a:srgbClr val="FF0000"/>
+                </a:solidFill>
+              </a:rPr>
+              <a:t>n“</a:t>
+            </a:r>
+          </a:p>
+          <a:p>
+            <a:pPr>
+              <a:buNone/>
+            </a:pPr>
+            <a:r>
+              <a:rPr lang="lv-LV" sz="1800" dirty="0" smtClean="0">
+                <a:solidFill>
+                  <a:srgbClr val="FF0000"/>
+                </a:solidFill>
+              </a:rPr>
+              <a:t> "|[1|2|3][%]|\</a:t>
+            </a:r>
+            <a:r>
+              <a:rPr lang="lv-LV" sz="1800" dirty="0" smtClean="0">
+                <a:solidFill>
+                  <a:srgbClr val="FF0000"/>
+                </a:solidFill>
+              </a:rPr>
+              <a:t>n“</a:t>
+            </a:r>
+          </a:p>
+          <a:p>
+            <a:pPr>
+              <a:buNone/>
+            </a:pPr>
+            <a:r>
+              <a:rPr lang="lv-LV" sz="1800" dirty="0" smtClean="0">
+                <a:solidFill>
+                  <a:srgbClr val="FF0000"/>
+                </a:solidFill>
+              </a:rPr>
+              <a:t> "|[.|O|:][=]|\</a:t>
+            </a:r>
+            <a:r>
+              <a:rPr lang="lv-LV" sz="1800" dirty="0" smtClean="0">
+                <a:solidFill>
+                  <a:srgbClr val="FF0000"/>
+                </a:solidFill>
+              </a:rPr>
+              <a:t>n“</a:t>
+            </a:r>
+          </a:p>
+          <a:p>
+            <a:pPr>
+              <a:buNone/>
+            </a:pPr>
+            <a:r>
+              <a:rPr lang="lv-LV" sz="1800" dirty="0" smtClean="0">
+                <a:solidFill>
+                  <a:srgbClr val="FF0000"/>
+                </a:solidFill>
+              </a:rPr>
+              <a:t> "\"----------\"\n</a:t>
+            </a:r>
+            <a:r>
+              <a:rPr lang="lv-LV" sz="1800" dirty="0" smtClean="0">
+                <a:solidFill>
+                  <a:srgbClr val="FF0000"/>
+                </a:solidFill>
+              </a:rPr>
+              <a:t>";</a:t>
+            </a:r>
+          </a:p>
+          <a:p>
+            <a:pPr>
+              <a:buNone/>
+            </a:pPr>
+            <a:r>
+              <a:rPr lang="lv-LV" sz="1800" dirty="0" smtClean="0"/>
+              <a:t>file.close</a:t>
+            </a:r>
+            <a:r>
+              <a:rPr lang="lv-LV" sz="1800" dirty="0" smtClean="0"/>
+              <a:t>();</a:t>
+            </a:r>
+          </a:p>
+          <a:p>
+            <a:pPr>
+              <a:buNone/>
+            </a:pPr>
+            <a:r>
+              <a:rPr lang="lv-LV" sz="1800" dirty="0" smtClean="0"/>
+              <a:t>}</a:t>
+            </a:r>
+            <a:endParaRPr lang="lv-LV" sz="1800" dirty="0"/>
+          </a:p>
+        </p:txBody>
+      </p:sp>
+      <p:pic>
+        <p:nvPicPr>
+          <p:cNvPr id="4" name="Picture 2" descr="File:ISO C++ Logo.svg - Wikimedia Commons"/>
+          <p:cNvPicPr>
+            <a:picLocks noChangeAspect="1" noChangeArrowheads="1"/>
+          </p:cNvPicPr>
+          <p:nvPr/>
+        </p:nvPicPr>
+        <p:blipFill>
+          <a:blip r:embed="rId2" cstate="print"/>
+          <a:srcRect/>
+          <a:stretch>
+            <a:fillRect/>
+          </a:stretch>
+        </p:blipFill>
+        <p:spPr bwMode="auto">
+          <a:xfrm>
+            <a:off x="8215338" y="142852"/>
+            <a:ext cx="785818" cy="883404"/>
+          </a:xfrm>
+          <a:prstGeom prst="rect">
+            <a:avLst/>
+          </a:prstGeom>
+          <a:noFill/>
+        </p:spPr>
+      </p:pic>
     </p:spTree>
   </p:cSld>
   <p:clrMapOvr>
     <a:masterClrMapping/>
   </p:clrMapOvr>
+  <p:transition>
+    <p:wipe dir="d"/>
+  </p:transition>
 </p:sld>
 </file>
 
@@ -6976,33 +7802,58 @@
               <a:rPr lang="lv-LV" sz="2400" dirty="0" smtClean="0">
                 <a:hlinkClick r:id="rId2"/>
               </a:rPr>
-              <a:t>http://</a:t>
-            </a:r>
+              <a:t>http://www.yorku.ca/pkashiya/binary/text-data.html</a:t>
+            </a:r>
+            <a:endParaRPr lang="lv-LV" sz="2400" dirty="0" smtClean="0"/>
+          </a:p>
+          <a:p>
             <a:r>
               <a:rPr lang="lv-LV" sz="2400" dirty="0" smtClean="0">
-                <a:hlinkClick r:id="rId2"/>
+                <a:hlinkClick r:id="rId3" action="ppaction://hlinksldjump"/>
               </a:rPr>
-              <a:t>www.yorku.ca/pkashiya/binary/text-data.html</a:t>
+              <a:t>https://www.asciiart.eu/electronics/calculators</a:t>
             </a:r>
             <a:endParaRPr lang="lv-LV" sz="2400" dirty="0" smtClean="0"/>
           </a:p>
           <a:p>
-            <a:r>
-              <a:rPr lang="lv-LV" sz="2400" dirty="0" smtClean="0"/>
-              <a:t>https://www.asciiart.eu/electronics/calculators</a:t>
-            </a:r>
-            <a:endParaRPr lang="lv-LV" sz="2400" dirty="0" smtClean="0"/>
-          </a:p>
-          <a:p>
             <a:endParaRPr lang="lv-LV" dirty="0"/>
           </a:p>
         </p:txBody>
       </p:sp>
+      <p:pic>
+        <p:nvPicPr>
+          <p:cNvPr id="4" name="Picture 2" descr="File:ISO C++ Logo.svg - Wikimedia Commons"/>
+          <p:cNvPicPr>
+            <a:picLocks noChangeAspect="1" noChangeArrowheads="1"/>
+          </p:cNvPicPr>
+          <p:nvPr/>
+        </p:nvPicPr>
+        <p:blipFill>
+          <a:blip r:embed="rId4" cstate="print"/>
+          <a:srcRect/>
+          <a:stretch>
+            <a:fillRect/>
+          </a:stretch>
+        </p:blipFill>
+        <p:spPr bwMode="auto">
+          <a:xfrm>
+            <a:off x="428596" y="5786454"/>
+            <a:ext cx="785818" cy="883404"/>
+          </a:xfrm>
+          <a:prstGeom prst="rect">
+            <a:avLst/>
+          </a:prstGeom>
+          <a:noFill/>
+        </p:spPr>
+      </p:pic>
     </p:spTree>
   </p:cSld>
   <p:clrMapOvr>
     <a:masterClrMapping/>
   </p:clrMapOvr>
+  <p:transition>
+    <p:wipe dir="d"/>
+  </p:transition>
 </p:sld>
 </file>
 
@@ -7063,96 +7914,84 @@
           <a:p>
             <a:r>
               <a:rPr lang="lv-LV" dirty="0" smtClean="0"/>
-              <a:t>Kas ir teksta datnes</a:t>
-            </a:r>
+              <a:t>Kas ir teksta datnes?</a:t>
+            </a:r>
+          </a:p>
+          <a:p>
             <a:r>
               <a:rPr lang="lv-LV" dirty="0" smtClean="0"/>
-              <a:t>?</a:t>
+              <a:t>Kā C++ darbojās ar teksta datnēm?</a:t>
             </a:r>
           </a:p>
           <a:p>
             <a:r>
               <a:rPr lang="lv-LV" dirty="0" smtClean="0"/>
-              <a:t>Kā C++ darbojās ar teksta datnēm</a:t>
-            </a:r>
+              <a:t>1. Uzdevuma piemērs</a:t>
+            </a:r>
+          </a:p>
+          <a:p>
             <a:r>
               <a:rPr lang="lv-LV" dirty="0" smtClean="0"/>
-              <a:t>?</a:t>
+              <a:t>2. Uzdevuma piemērs</a:t>
             </a:r>
           </a:p>
           <a:p>
             <a:r>
               <a:rPr lang="lv-LV" dirty="0" smtClean="0"/>
-              <a:t>1. Uzdevuma </a:t>
-            </a:r>
+              <a:t>3. Uzdevuma piemērs</a:t>
+            </a:r>
+          </a:p>
+          <a:p>
             <a:r>
               <a:rPr lang="lv-LV" dirty="0" smtClean="0"/>
-              <a:t>piemērs</a:t>
+              <a:t>4. Uzdevuma piemērs</a:t>
             </a:r>
           </a:p>
           <a:p>
             <a:r>
               <a:rPr lang="lv-LV" dirty="0" smtClean="0"/>
-              <a:t>2. </a:t>
-            </a:r>
-            <a:r>
-              <a:rPr lang="lv-LV" dirty="0" smtClean="0"/>
-              <a:t>Uzdevuma </a:t>
-            </a:r>
-            <a:r>
-              <a:rPr lang="lv-LV" dirty="0" smtClean="0"/>
-              <a:t>piemērs</a:t>
-            </a:r>
-          </a:p>
-          <a:p>
-            <a:r>
-              <a:rPr lang="lv-LV" dirty="0" smtClean="0"/>
-              <a:t>3. </a:t>
-            </a:r>
-            <a:r>
-              <a:rPr lang="lv-LV" dirty="0" smtClean="0"/>
-              <a:t>Uzdevuma </a:t>
-            </a:r>
-            <a:r>
-              <a:rPr lang="lv-LV" dirty="0" smtClean="0"/>
-              <a:t>piemērs</a:t>
-            </a:r>
-          </a:p>
-          <a:p>
-            <a:r>
-              <a:rPr lang="lv-LV" dirty="0" smtClean="0"/>
-              <a:t>4. </a:t>
-            </a:r>
-            <a:r>
-              <a:rPr lang="lv-LV" dirty="0" smtClean="0"/>
-              <a:t>Uzdevuma </a:t>
-            </a:r>
-            <a:r>
-              <a:rPr lang="lv-LV" dirty="0" smtClean="0"/>
-              <a:t>piemērs</a:t>
-            </a:r>
-          </a:p>
-          <a:p>
-            <a:r>
-              <a:rPr lang="lv-LV" dirty="0" smtClean="0"/>
-              <a:t>5. </a:t>
-            </a:r>
-            <a:r>
-              <a:rPr lang="lv-LV" dirty="0" smtClean="0"/>
-              <a:t>Uzdevuma piemērs</a:t>
-            </a:r>
-            <a:endParaRPr lang="lv-LV" dirty="0" smtClean="0"/>
+              <a:t>5. Uzdevuma piemērs</a:t>
+            </a:r>
           </a:p>
           <a:p>
             <a:endParaRPr lang="lv-LV" dirty="0"/>
           </a:p>
         </p:txBody>
       </p:sp>
+      <p:pic>
+        <p:nvPicPr>
+          <p:cNvPr id="4" name="Picture 2" descr="File:ISO C++ Logo.svg - Wikimedia Commons"/>
+          <p:cNvPicPr>
+            <a:picLocks noChangeAspect="1" noChangeArrowheads="1"/>
+          </p:cNvPicPr>
+          <p:nvPr/>
+        </p:nvPicPr>
+        <p:blipFill>
+          <a:blip r:embed="rId2" cstate="print"/>
+          <a:srcRect/>
+          <a:stretch>
+            <a:fillRect/>
+          </a:stretch>
+        </p:blipFill>
+        <p:spPr bwMode="auto">
+          <a:xfrm>
+            <a:off x="428596" y="5786454"/>
+            <a:ext cx="785818" cy="883404"/>
+          </a:xfrm>
+          <a:prstGeom prst="rect">
+            <a:avLst/>
+          </a:prstGeom>
+          <a:noFill/>
+        </p:spPr>
+      </p:pic>
     </p:spTree>
   </p:cSld>
   <p:clrMapOvr>
     <a:masterClrMapping/>
   </p:clrMapOvr>
+  <p:transition>
+    <p:wipe dir="d"/>
+  </p:transition>
 </p:sld>
 </file>
 
@@ -7173,6 +8012,32 @@
           <a:chExt cx="0" cy="0"/>
         </a:xfrm>
       </p:grpSpPr>
+      <p:pic>
+        <p:nvPicPr>
+          <p:cNvPr id="13314" name="Picture 2" descr="Text Data"/>
+          <p:cNvPicPr>
+            <a:picLocks noChangeAspect="1" noChangeArrowheads="1"/>
+          </p:cNvPicPr>
+          <p:nvPr/>
+        </p:nvPicPr>
+        <p:blipFill>
+          <a:blip r:embed="rId2"/>
+          <a:srcRect/>
+          <a:stretch>
+            <a:fillRect/>
+          </a:stretch>
+        </p:blipFill>
+        <p:spPr bwMode="auto">
+          <a:xfrm>
+            <a:off x="4071934" y="4929198"/>
+            <a:ext cx="4643470" cy="1718085"/>
+          </a:xfrm>
+          <a:prstGeom prst="rect">
+            <a:avLst/>
+          </a:prstGeom>
+          <a:noFill/>
+        </p:spPr>
+      </p:pic>
       <p:sp>
         <p:nvSpPr>
           <p:cNvPr id="2" name="Title 1"/>
@@ -7183,7 +8048,12 @@
             <p:ph type="title"/>
           </p:nvPr>
         </p:nvSpPr>
-        <p:spPr/>
+        <p:spPr>
+          <a:xfrm>
+            <a:off x="357158" y="0"/>
+            <a:ext cx="7772400" cy="914400"/>
+          </a:xfrm>
+        </p:spPr>
         <p:txBody>
           <a:bodyPr/>
           <a:lstStyle/>
@@ -7206,7 +8076,12 @@
             <p:ph idx="1"/>
           </p:nvPr>
         </p:nvSpPr>
-        <p:spPr/>
+        <p:spPr>
+          <a:xfrm>
+            <a:off x="428596" y="714356"/>
+            <a:ext cx="7772400" cy="4572000"/>
+          </a:xfrm>
+        </p:spPr>
         <p:txBody>
           <a:bodyPr>
             <a:normAutofit/>
@@ -7239,11 +8114,40 @@
           </a:p>
         </p:txBody>
       </p:sp>
+      <p:pic>
+        <p:nvPicPr>
+          <p:cNvPr id="5" name="Picture 2" descr="File:ISO C++ Logo.svg - Wikimedia Commons"/>
+          <p:cNvPicPr>
+            <a:picLocks noChangeAspect="1" noChangeArrowheads="1"/>
+          </p:cNvPicPr>
+          <p:nvPr/>
+        </p:nvPicPr>
+        <p:blipFill>
+          <a:blip r:embed="rId3" cstate="print"/>
+          <a:srcRect/>
+          <a:stretch>
+            <a:fillRect/>
+          </a:stretch>
+        </p:blipFill>
+        <p:spPr bwMode="auto">
+          <a:xfrm>
+            <a:off x="428596" y="5786454"/>
+            <a:ext cx="785818" cy="883404"/>
+          </a:xfrm>
+          <a:prstGeom prst="rect">
+            <a:avLst/>
+          </a:prstGeom>
+          <a:noFill/>
+        </p:spPr>
+      </p:pic>
     </p:spTree>
   </p:cSld>
   <p:clrMapOvr>
     <a:masterClrMapping/>
   </p:clrMapOvr>
+  <p:transition>
+    <p:wipe dir="d"/>
+  </p:transition>
 </p:sld>
 </file>
 
@@ -7306,35 +8210,20 @@
           <a:p>
             <a:r>
               <a:rPr lang="lv-LV" sz="2400" dirty="0" smtClean="0"/>
-              <a:t>Ir dažādi veidi kā var izvadīt un ievadīt teksta </a:t>
-            </a:r>
+              <a:t>Ir dažādi veidi kā var izvadīt un ievadīt teksta datnes.</a:t>
+            </a:r>
+          </a:p>
+          <a:p>
             <a:r>
               <a:rPr lang="lv-LV" sz="2400" dirty="0" smtClean="0"/>
-              <a:t>datnes.</a:t>
-            </a:r>
-            <a:endParaRPr lang="lv-LV" sz="2400" dirty="0" smtClean="0"/>
+              <a:t>Izvade: cout&lt;&lt;, printf(), system().</a:t>
+            </a:r>
           </a:p>
           <a:p>
             <a:r>
               <a:rPr lang="lv-LV" sz="2400" dirty="0" smtClean="0"/>
-              <a:t>Izvade: cout&lt;&lt;, printf(), system</a:t>
-            </a:r>
-            <a:r>
-              <a:rPr lang="lv-LV" sz="2400" dirty="0" smtClean="0"/>
-              <a:t>().</a:t>
-            </a:r>
-            <a:endParaRPr lang="lv-LV" sz="2400" dirty="0" smtClean="0"/>
-          </a:p>
-          <a:p>
-            <a:r>
-              <a:rPr lang="lv-LV" sz="2400" dirty="0" smtClean="0"/>
-              <a:t>Ievade: cin</a:t>
-            </a:r>
-            <a:r>
-              <a:rPr lang="lv-LV" sz="2400" dirty="0" smtClean="0"/>
-              <a:t>&gt;&gt;.</a:t>
-            </a:r>
-            <a:endParaRPr lang="lv-LV" sz="2400" dirty="0" smtClean="0"/>
+              <a:t>Ievade: cin&gt;&gt;.</a:t>
+            </a:r>
           </a:p>
           <a:p>
             <a:r>
@@ -7351,11 +8240,7 @@
           <a:p>
             <a:r>
               <a:rPr lang="lv-LV" sz="2400" dirty="0" smtClean="0"/>
-              <a:t>Viena string vērtība ir char masīvs</a:t>
-            </a:r>
-            <a:r>
-              <a:rPr lang="lv-LV" sz="2400" dirty="0" smtClean="0"/>
-              <a:t>.</a:t>
+              <a:t>Viena string vērtība ir char masīvs.</a:t>
             </a:r>
           </a:p>
           <a:p>
@@ -7367,11 +8252,40 @@
           </a:p>
         </p:txBody>
       </p:sp>
+      <p:pic>
+        <p:nvPicPr>
+          <p:cNvPr id="6" name="Picture 2" descr="File:ISO C++ Logo.svg - Wikimedia Commons"/>
+          <p:cNvPicPr>
+            <a:picLocks noChangeAspect="1" noChangeArrowheads="1"/>
+          </p:cNvPicPr>
+          <p:nvPr/>
+        </p:nvPicPr>
+        <p:blipFill>
+          <a:blip r:embed="rId2" cstate="print"/>
+          <a:srcRect/>
+          <a:stretch>
+            <a:fillRect/>
+          </a:stretch>
+        </p:blipFill>
+        <p:spPr bwMode="auto">
+          <a:xfrm>
+            <a:off x="428596" y="5786454"/>
+            <a:ext cx="785818" cy="883404"/>
+          </a:xfrm>
+          <a:prstGeom prst="rect">
+            <a:avLst/>
+          </a:prstGeom>
+          <a:noFill/>
+        </p:spPr>
+      </p:pic>
     </p:spTree>
   </p:cSld>
   <p:clrMapOvr>
     <a:masterClrMapping/>
   </p:clrMapOvr>
+  <p:transition>
+    <p:wipe dir="d"/>
+  </p:transition>
 </p:sld>
 </file>
 
@@ -7432,21 +8346,46 @@
           <a:p>
             <a:r>
               <a:rPr lang="lv-LV" dirty="0" smtClean="0"/>
-              <a:t>Ar string mainīgo palīdzību un datnes ievades </a:t>
-            </a:r>
-            <a:r>
-              <a:rPr lang="lv-LV" dirty="0" smtClean="0"/>
-              <a:t>palīdzību lietotājam jāsaliek kopā teikums “Man miegs nāk ;).”(konsolē paziņo teikumu). Nosacījums ir tāds, ka ir jāizmanto par katru vārdu savs string mainīgais kuru lietotājs ievada.</a:t>
+              <a:t>Ar string mainīgo palīdzību un datnes ievades palīdzību lietotājam jāsaliek kopā teikums “Man miegs nāk ;).”(konsolē paziņo teikumu). Nosacījums ir tāds, ka ir jāizmanto par katru vārdu savs string mainīgais kuru lietotājs ievada.</a:t>
             </a:r>
             <a:endParaRPr lang="lv-LV" dirty="0"/>
           </a:p>
         </p:txBody>
       </p:sp>
+      <p:pic>
+        <p:nvPicPr>
+          <p:cNvPr id="4" name="Picture 2" descr="File:ISO C++ Logo.svg - Wikimedia Commons"/>
+          <p:cNvPicPr>
+            <a:picLocks noChangeAspect="1" noChangeArrowheads="1"/>
+          </p:cNvPicPr>
+          <p:nvPr/>
+        </p:nvPicPr>
+        <p:blipFill>
+          <a:blip r:embed="rId2" cstate="print"/>
+          <a:srcRect/>
+          <a:stretch>
+            <a:fillRect/>
+          </a:stretch>
+        </p:blipFill>
+        <p:spPr bwMode="auto">
+          <a:xfrm>
+            <a:off x="428596" y="5786454"/>
+            <a:ext cx="785818" cy="883404"/>
+          </a:xfrm>
+          <a:prstGeom prst="rect">
+            <a:avLst/>
+          </a:prstGeom>
+          <a:noFill/>
+        </p:spPr>
+      </p:pic>
     </p:spTree>
   </p:cSld>
   <p:clrMapOvr>
     <a:masterClrMapping/>
   </p:clrMapOvr>
+  <p:transition>
+    <p:wipe dir="d"/>
+  </p:transition>
 </p:sld>
 </file>
 
@@ -7502,18 +8441,354 @@
         </p:nvSpPr>
         <p:spPr/>
         <p:txBody>
-          <a:bodyPr/>
+          <a:bodyPr>
+            <a:normAutofit fontScale="92500" lnSpcReduction="20000"/>
+          </a:bodyPr>
           <a:lstStyle/>
           <a:p>
-            <a:endParaRPr lang="lv-LV"/>
-          </a:p>
-        </p:txBody>
-      </p:sp>
+            <a:pPr>
+              <a:buNone/>
+            </a:pPr>
+            <a:r>
+              <a:rPr lang="lv-LV" sz="2000" dirty="0" smtClean="0"/>
+              <a:t>#include&lt;iostream</a:t>
+            </a:r>
+            <a:r>
+              <a:rPr lang="lv-LV" sz="2000" dirty="0" smtClean="0"/>
+              <a:t>&gt;</a:t>
+            </a:r>
+          </a:p>
+          <a:p>
+            <a:pPr>
+              <a:buNone/>
+            </a:pPr>
+            <a:r>
+              <a:rPr lang="lv-LV" sz="2000" dirty="0" smtClean="0"/>
+              <a:t>using namespace std;</a:t>
+            </a:r>
+          </a:p>
+          <a:p>
+            <a:pPr>
+              <a:buNone/>
+            </a:pPr>
+            <a:r>
+              <a:rPr lang="lv-LV" sz="2000" dirty="0" smtClean="0"/>
+              <a:t>int main() {</a:t>
+            </a:r>
+          </a:p>
+          <a:p>
+            <a:pPr>
+              <a:buNone/>
+            </a:pPr>
+            <a:r>
+              <a:rPr lang="lv-LV" sz="2000" dirty="0" smtClean="0"/>
+              <a:t>    string s1,s2,s3, s4, name="";</a:t>
+            </a:r>
+          </a:p>
+          <a:p>
+            <a:pPr>
+              <a:buNone/>
+            </a:pPr>
+            <a:r>
+              <a:rPr lang="lv-LV" sz="2000" dirty="0" smtClean="0">
+                <a:solidFill>
+                  <a:srgbClr val="FF0000"/>
+                </a:solidFill>
+              </a:rPr>
+              <a:t>cout&lt;&lt;</a:t>
+            </a:r>
+            <a:r>
+              <a:rPr lang="lv-LV" sz="2000" dirty="0" smtClean="0"/>
+              <a:t>"\"Man miegs nāk ;).\"  Ievadi vārdu ik pa atstarpi \n";</a:t>
+            </a:r>
+          </a:p>
+          <a:p>
+            <a:pPr>
+              <a:buNone/>
+            </a:pPr>
+            <a:r>
+              <a:rPr lang="lv-LV" sz="2000" dirty="0" smtClean="0"/>
+              <a:t>do{</a:t>
+            </a:r>
+          </a:p>
+          <a:p>
+            <a:pPr>
+              <a:buNone/>
+            </a:pPr>
+            <a:r>
+              <a:rPr lang="lv-LV" sz="2000" dirty="0" smtClean="0">
+                <a:solidFill>
+                  <a:srgbClr val="FF0000"/>
+                </a:solidFill>
+              </a:rPr>
+              <a:t>cout&lt;&lt;"</a:t>
+            </a:r>
+            <a:r>
+              <a:rPr lang="lv-LV" sz="2000" dirty="0" smtClean="0"/>
+              <a:t>Ievadi pirmo vārdu: </a:t>
+            </a:r>
+            <a:r>
+              <a:rPr lang="lv-LV" sz="2000" dirty="0" smtClean="0">
+                <a:solidFill>
+                  <a:srgbClr val="FF0000"/>
+                </a:solidFill>
+              </a:rPr>
+              <a:t>"</a:t>
+            </a:r>
+            <a:r>
+              <a:rPr lang="lv-LV" sz="2000" dirty="0" smtClean="0"/>
+              <a:t>; </a:t>
+            </a:r>
+            <a:r>
+              <a:rPr lang="lv-LV" sz="2000" dirty="0" smtClean="0">
+                <a:solidFill>
+                  <a:srgbClr val="FF0000"/>
+                </a:solidFill>
+              </a:rPr>
+              <a:t>cin&gt;&gt;</a:t>
+            </a:r>
+            <a:r>
+              <a:rPr lang="lv-LV" sz="2000" dirty="0" smtClean="0"/>
+              <a:t>s1;</a:t>
+            </a:r>
+          </a:p>
+          <a:p>
+            <a:pPr>
+              <a:buNone/>
+            </a:pPr>
+            <a:r>
+              <a:rPr lang="lv-LV" sz="2000" dirty="0" smtClean="0">
+                <a:solidFill>
+                  <a:srgbClr val="FF0000"/>
+                </a:solidFill>
+              </a:rPr>
+              <a:t>cout&lt;&lt;"</a:t>
+            </a:r>
+            <a:r>
+              <a:rPr lang="lv-LV" sz="2000" dirty="0" smtClean="0"/>
+              <a:t>Ievadi otro vārdu: </a:t>
+            </a:r>
+            <a:r>
+              <a:rPr lang="lv-LV" sz="2000" dirty="0" smtClean="0">
+                <a:solidFill>
+                  <a:srgbClr val="FF0000"/>
+                </a:solidFill>
+              </a:rPr>
+              <a:t>"</a:t>
+            </a:r>
+            <a:r>
+              <a:rPr lang="lv-LV" sz="2000" dirty="0" smtClean="0"/>
+              <a:t>; </a:t>
+            </a:r>
+            <a:r>
+              <a:rPr lang="lv-LV" sz="2000" dirty="0" smtClean="0">
+                <a:solidFill>
+                  <a:srgbClr val="FF0000"/>
+                </a:solidFill>
+              </a:rPr>
+              <a:t>cin&gt;&gt;</a:t>
+            </a:r>
+            <a:r>
+              <a:rPr lang="lv-LV" sz="2000" dirty="0" smtClean="0"/>
+              <a:t>s2;</a:t>
+            </a:r>
+          </a:p>
+          <a:p>
+            <a:pPr>
+              <a:buNone/>
+            </a:pPr>
+            <a:r>
+              <a:rPr lang="lv-LV" sz="2000" dirty="0" smtClean="0">
+                <a:solidFill>
+                  <a:srgbClr val="FF0000"/>
+                </a:solidFill>
+              </a:rPr>
+              <a:t>cout&lt;&lt;"</a:t>
+            </a:r>
+            <a:r>
+              <a:rPr lang="lv-LV" sz="2000" dirty="0" smtClean="0"/>
+              <a:t>Ievadi trešo vārdu: </a:t>
+            </a:r>
+            <a:r>
+              <a:rPr lang="lv-LV" sz="2000" dirty="0" smtClean="0">
+                <a:solidFill>
+                  <a:srgbClr val="FF0000"/>
+                </a:solidFill>
+              </a:rPr>
+              <a:t>"</a:t>
+            </a:r>
+            <a:r>
+              <a:rPr lang="lv-LV" sz="2000" dirty="0" smtClean="0"/>
+              <a:t>; </a:t>
+            </a:r>
+            <a:r>
+              <a:rPr lang="lv-LV" sz="2000" dirty="0" smtClean="0">
+                <a:solidFill>
+                  <a:srgbClr val="FF0000"/>
+                </a:solidFill>
+              </a:rPr>
+              <a:t>cin&gt;&gt;</a:t>
+            </a:r>
+            <a:r>
+              <a:rPr lang="lv-LV" sz="2000" dirty="0" smtClean="0"/>
+              <a:t>s3;</a:t>
+            </a:r>
+          </a:p>
+          <a:p>
+            <a:pPr>
+              <a:buNone/>
+            </a:pPr>
+            <a:r>
+              <a:rPr lang="lv-LV" sz="2000" dirty="0" smtClean="0">
+                <a:solidFill>
+                  <a:srgbClr val="FF0000"/>
+                </a:solidFill>
+              </a:rPr>
+              <a:t>cout&lt;&lt;"</a:t>
+            </a:r>
+            <a:r>
+              <a:rPr lang="lv-LV" sz="2000" dirty="0" smtClean="0"/>
+              <a:t>Ievadi ceturto virkni: </a:t>
+            </a:r>
+            <a:r>
+              <a:rPr lang="lv-LV" sz="2000" dirty="0" smtClean="0">
+                <a:solidFill>
+                  <a:srgbClr val="FF0000"/>
+                </a:solidFill>
+              </a:rPr>
+              <a:t>"</a:t>
+            </a:r>
+            <a:r>
+              <a:rPr lang="lv-LV" sz="2000" dirty="0" smtClean="0"/>
+              <a:t>; </a:t>
+            </a:r>
+            <a:r>
+              <a:rPr lang="lv-LV" sz="2000" dirty="0" smtClean="0">
+                <a:solidFill>
+                  <a:srgbClr val="FF0000"/>
+                </a:solidFill>
+              </a:rPr>
+              <a:t>cin&gt;</a:t>
+            </a:r>
+            <a:r>
+              <a:rPr lang="lv-LV" sz="2000" dirty="0" smtClean="0"/>
+              <a:t>&gt;s4</a:t>
+            </a:r>
+            <a:r>
+              <a:rPr lang="lv-LV" sz="2000" dirty="0" smtClean="0"/>
+              <a:t>;</a:t>
+            </a:r>
+          </a:p>
+          <a:p>
+            <a:pPr>
+              <a:buNone/>
+            </a:pPr>
+            <a:r>
+              <a:rPr lang="lv-LV" sz="2000" dirty="0" smtClean="0"/>
+              <a:t> name = </a:t>
+            </a:r>
+            <a:r>
+              <a:rPr lang="lv-LV" sz="2000" dirty="0" smtClean="0">
+                <a:solidFill>
+                  <a:srgbClr val="FF0000"/>
+                </a:solidFill>
+              </a:rPr>
+              <a:t>s1+" "+s2+" "+s3+" "+s4</a:t>
+            </a:r>
+            <a:r>
+              <a:rPr lang="lv-LV" sz="2000" dirty="0" smtClean="0"/>
+              <a:t>;</a:t>
+            </a:r>
+          </a:p>
+          <a:p>
+            <a:pPr>
+              <a:buNone/>
+            </a:pPr>
+            <a:r>
+              <a:rPr lang="lv-LV" sz="2000" dirty="0" smtClean="0"/>
+              <a:t>}while(name!="Man miegs nāk ;).");</a:t>
+            </a:r>
+          </a:p>
+          <a:p>
+            <a:pPr>
+              <a:buNone/>
+            </a:pPr>
+            <a:r>
+              <a:rPr lang="lv-LV" sz="2000" dirty="0" smtClean="0">
+                <a:solidFill>
+                  <a:srgbClr val="FF0000"/>
+                </a:solidFill>
+              </a:rPr>
+              <a:t>cout&lt;&lt;"\</a:t>
+            </a:r>
+            <a:r>
+              <a:rPr lang="lv-LV" sz="2000" dirty="0" smtClean="0"/>
+              <a:t>nPareizi darīts!!</a:t>
+            </a:r>
+            <a:r>
+              <a:rPr lang="lv-LV" sz="2000" dirty="0" smtClean="0">
+                <a:solidFill>
+                  <a:srgbClr val="FF0000"/>
+                </a:solidFill>
+              </a:rPr>
+              <a:t>"</a:t>
+            </a:r>
+            <a:r>
+              <a:rPr lang="lv-LV" sz="2000" dirty="0" smtClean="0"/>
+              <a:t>;</a:t>
+            </a:r>
+          </a:p>
+          <a:p>
+            <a:pPr>
+              <a:buNone/>
+            </a:pPr>
+            <a:r>
+              <a:rPr lang="lv-LV" sz="2000" dirty="0" smtClean="0"/>
+              <a:t>}</a:t>
+            </a:r>
+          </a:p>
+          <a:p>
+            <a:pPr>
+              <a:buNone/>
+            </a:pPr>
+            <a:endParaRPr lang="lv-LV" sz="2000" dirty="0"/>
+          </a:p>
+        </p:txBody>
+      </p:sp>
+      <p:pic>
+        <p:nvPicPr>
+          <p:cNvPr id="4" name="Picture 2" descr="File:ISO C++ Logo.svg - Wikimedia Commons"/>
+          <p:cNvPicPr>
+            <a:picLocks noChangeAspect="1" noChangeArrowheads="1"/>
+          </p:cNvPicPr>
+          <p:nvPr/>
+        </p:nvPicPr>
+        <p:blipFill>
+          <a:blip r:embed="rId2" cstate="print"/>
+          <a:srcRect/>
+          <a:stretch>
+            <a:fillRect/>
+          </a:stretch>
+        </p:blipFill>
+        <p:spPr bwMode="auto">
+          <a:xfrm>
+            <a:off x="8215338" y="142852"/>
+            <a:ext cx="785818" cy="883404"/>
+          </a:xfrm>
+          <a:prstGeom prst="rect">
+            <a:avLst/>
+          </a:prstGeom>
+          <a:noFill/>
+        </p:spPr>
+      </p:pic>
     </p:spTree>
   </p:cSld>
   <p:clrMapOvr>
     <a:masterClrMapping/>
   </p:clrMapOvr>
+  <p:transition>
+    <p:wipe dir="d"/>
+  </p:transition>
 </p:sld>
 </file>
 
@@ -7580,11 +8855,40 @@
           </a:p>
         </p:txBody>
       </p:sp>
+      <p:pic>
+        <p:nvPicPr>
+          <p:cNvPr id="4" name="Picture 2" descr="File:ISO C++ Logo.svg - Wikimedia Commons"/>
+          <p:cNvPicPr>
+            <a:picLocks noChangeAspect="1" noChangeArrowheads="1"/>
+          </p:cNvPicPr>
+          <p:nvPr/>
+        </p:nvPicPr>
+        <p:blipFill>
+          <a:blip r:embed="rId2" cstate="print"/>
+          <a:srcRect/>
+          <a:stretch>
+            <a:fillRect/>
+          </a:stretch>
+        </p:blipFill>
+        <p:spPr bwMode="auto">
+          <a:xfrm>
+            <a:off x="428596" y="5786454"/>
+            <a:ext cx="785818" cy="883404"/>
+          </a:xfrm>
+          <a:prstGeom prst="rect">
+            <a:avLst/>
+          </a:prstGeom>
+          <a:noFill/>
+        </p:spPr>
+      </p:pic>
     </p:spTree>
   </p:cSld>
   <p:clrMapOvr>
     <a:masterClrMapping/>
   </p:clrMapOvr>
+  <p:transition>
+    <p:wipe dir="d"/>
+  </p:transition>
 </p:sld>
 </file>
 
@@ -7640,18 +8944,260 @@
         </p:nvSpPr>
         <p:spPr/>
         <p:txBody>
-          <a:bodyPr/>
+          <a:bodyPr>
+            <a:normAutofit lnSpcReduction="10000"/>
+          </a:bodyPr>
           <a:lstStyle/>
           <a:p>
-            <a:endParaRPr lang="lv-LV"/>
-          </a:p>
-        </p:txBody>
-      </p:sp>
+            <a:pPr>
+              <a:buNone/>
+            </a:pPr>
+            <a:r>
+              <a:rPr lang="lv-LV" sz="1800" dirty="0" smtClean="0"/>
+              <a:t>#include&lt;iostream</a:t>
+            </a:r>
+            <a:r>
+              <a:rPr lang="lv-LV" sz="1800" dirty="0" smtClean="0"/>
+              <a:t>&gt;</a:t>
+            </a:r>
+          </a:p>
+          <a:p>
+            <a:pPr>
+              <a:buNone/>
+            </a:pPr>
+            <a:r>
+              <a:rPr lang="lv-LV" sz="1800" dirty="0" smtClean="0">
+                <a:solidFill>
+                  <a:srgbClr val="FF0000"/>
+                </a:solidFill>
+              </a:rPr>
+              <a:t>#include &lt;</a:t>
+            </a:r>
+            <a:r>
+              <a:rPr lang="lv-LV" sz="1800" dirty="0" smtClean="0">
+                <a:solidFill>
+                  <a:srgbClr val="FF0000"/>
+                </a:solidFill>
+              </a:rPr>
+              <a:t>fstream&gt;</a:t>
+            </a:r>
+          </a:p>
+          <a:p>
+            <a:pPr>
+              <a:buNone/>
+            </a:pPr>
+            <a:r>
+              <a:rPr lang="lv-LV" sz="1800" dirty="0" smtClean="0"/>
+              <a:t>using namespace std</a:t>
+            </a:r>
+            <a:r>
+              <a:rPr lang="lv-LV" sz="1800" dirty="0" smtClean="0"/>
+              <a:t>;</a:t>
+            </a:r>
+          </a:p>
+          <a:p>
+            <a:pPr>
+              <a:buNone/>
+            </a:pPr>
+            <a:r>
+              <a:rPr lang="lv-LV" sz="1800" dirty="0" smtClean="0"/>
+              <a:t>int main() </a:t>
+            </a:r>
+            <a:r>
+              <a:rPr lang="lv-LV" sz="1800" dirty="0" smtClean="0"/>
+              <a:t>{</a:t>
+            </a:r>
+          </a:p>
+          <a:p>
+            <a:pPr>
+              <a:buNone/>
+            </a:pPr>
+            <a:r>
+              <a:rPr lang="lv-LV" sz="1800" dirty="0" smtClean="0">
+                <a:solidFill>
+                  <a:srgbClr val="FF0000"/>
+                </a:solidFill>
+              </a:rPr>
+              <a:t> ifstream file ("text.txt</a:t>
+            </a:r>
+            <a:r>
+              <a:rPr lang="lv-LV" sz="1800" dirty="0" smtClean="0">
+                <a:solidFill>
+                  <a:srgbClr val="FF0000"/>
+                </a:solidFill>
+              </a:rPr>
+              <a:t>");</a:t>
+            </a:r>
+          </a:p>
+          <a:p>
+            <a:pPr>
+              <a:buNone/>
+            </a:pPr>
+            <a:r>
+              <a:rPr lang="lv-LV" sz="1800" dirty="0" smtClean="0"/>
+              <a:t>string name</a:t>
+            </a:r>
+            <a:r>
+              <a:rPr lang="lv-LV" sz="1800" dirty="0" smtClean="0"/>
+              <a:t>;</a:t>
+            </a:r>
+          </a:p>
+          <a:p>
+            <a:pPr>
+              <a:buNone/>
+            </a:pPr>
+            <a:r>
+              <a:rPr lang="lv-LV" sz="1800" dirty="0" smtClean="0">
+                <a:solidFill>
+                  <a:srgbClr val="FF0000"/>
+                </a:solidFill>
+              </a:rPr>
+              <a:t> getline (file, name</a:t>
+            </a:r>
+            <a:r>
+              <a:rPr lang="lv-LV" sz="1800" dirty="0" smtClean="0">
+                <a:solidFill>
+                  <a:srgbClr val="FF0000"/>
+                </a:solidFill>
+              </a:rPr>
+              <a:t>);</a:t>
+            </a:r>
+          </a:p>
+          <a:p>
+            <a:pPr>
+              <a:buNone/>
+            </a:pPr>
+            <a:r>
+              <a:rPr lang="lv-LV" sz="1800" dirty="0" smtClean="0"/>
+              <a:t> cout&lt;&lt;"No \""&lt;&lt;name&lt;&lt;"\" pārveido uz \"Skola drīz atkal sāksies</a:t>
+            </a:r>
+            <a:r>
+              <a:rPr lang="lv-LV" sz="1800" dirty="0" smtClean="0"/>
+              <a:t>!\"";</a:t>
+            </a:r>
+          </a:p>
+          <a:p>
+            <a:pPr>
+              <a:buNone/>
+            </a:pPr>
+            <a:r>
+              <a:rPr lang="lv-LV" sz="1800" dirty="0" smtClean="0"/>
+              <a:t> name = </a:t>
+            </a:r>
+            <a:r>
+              <a:rPr lang="lv-LV" sz="1800" dirty="0" smtClean="0">
+                <a:solidFill>
+                  <a:srgbClr val="FF0000"/>
+                </a:solidFill>
+              </a:rPr>
+              <a:t>name.substr(0,12)+"</a:t>
+            </a:r>
+            <a:r>
+              <a:rPr lang="lv-LV" sz="1800" dirty="0" smtClean="0"/>
+              <a:t>atkal sāksies</a:t>
+            </a:r>
+            <a:r>
+              <a:rPr lang="lv-LV" sz="1800" dirty="0" smtClean="0"/>
+              <a:t>!";</a:t>
+            </a:r>
+          </a:p>
+          <a:p>
+            <a:pPr>
+              <a:buNone/>
+            </a:pPr>
+            <a:r>
+              <a:rPr lang="lv-LV" sz="1800" dirty="0" smtClean="0"/>
+              <a:t> </a:t>
+            </a:r>
+            <a:r>
+              <a:rPr lang="lv-LV" sz="1800" dirty="0" smtClean="0">
+                <a:solidFill>
+                  <a:srgbClr val="FF0000"/>
+                </a:solidFill>
+              </a:rPr>
+              <a:t>ofstream MyFile("text.txt</a:t>
+            </a:r>
+            <a:r>
+              <a:rPr lang="lv-LV" sz="1800" dirty="0" smtClean="0">
+                <a:solidFill>
+                  <a:srgbClr val="FF0000"/>
+                </a:solidFill>
+              </a:rPr>
+              <a:t>");</a:t>
+            </a:r>
+          </a:p>
+          <a:p>
+            <a:pPr>
+              <a:buNone/>
+            </a:pPr>
+            <a:r>
+              <a:rPr lang="lv-LV" sz="1800" dirty="0" smtClean="0"/>
+              <a:t> MyFile &lt;&lt; name</a:t>
+            </a:r>
+            <a:r>
+              <a:rPr lang="lv-LV" sz="1800" dirty="0" smtClean="0"/>
+              <a:t>;</a:t>
+            </a:r>
+          </a:p>
+          <a:p>
+            <a:pPr>
+              <a:buNone/>
+            </a:pPr>
+            <a:r>
+              <a:rPr lang="lv-LV" sz="1800" dirty="0" smtClean="0"/>
+              <a:t>MyFile.close</a:t>
+            </a:r>
+            <a:r>
+              <a:rPr lang="lv-LV" sz="1800" dirty="0" smtClean="0"/>
+              <a:t>();</a:t>
+            </a:r>
+          </a:p>
+          <a:p>
+            <a:pPr>
+              <a:buNone/>
+            </a:pPr>
+            <a:r>
+              <a:rPr lang="lv-LV" sz="1800" dirty="0" smtClean="0"/>
+              <a:t>}</a:t>
+            </a:r>
+            <a:endParaRPr lang="lv-LV" sz="1800" dirty="0"/>
+          </a:p>
+        </p:txBody>
+      </p:sp>
+      <p:pic>
+        <p:nvPicPr>
+          <p:cNvPr id="4" name="Picture 2" descr="File:ISO C++ Logo.svg - Wikimedia Commons"/>
+          <p:cNvPicPr>
+            <a:picLocks noChangeAspect="1" noChangeArrowheads="1"/>
+          </p:cNvPicPr>
+          <p:nvPr/>
+        </p:nvPicPr>
+        <p:blipFill>
+          <a:blip r:embed="rId2" cstate="print"/>
+          <a:srcRect/>
+          <a:stretch>
+            <a:fillRect/>
+          </a:stretch>
+        </p:blipFill>
+        <p:spPr bwMode="auto">
+          <a:xfrm>
+            <a:off x="8215338" y="142852"/>
+            <a:ext cx="785818" cy="883404"/>
+          </a:xfrm>
+          <a:prstGeom prst="rect">
+            <a:avLst/>
+          </a:prstGeom>
+          <a:noFill/>
+        </p:spPr>
+      </p:pic>
     </p:spTree>
   </p:cSld>
   <p:clrMapOvr>
     <a:masterClrMapping/>
   </p:clrMapOvr>
+  <p:transition>
+    <p:wipe dir="d"/>
+  </p:transition>
 </p:sld>
 </file>
 
@@ -7718,11 +9264,40 @@
           </a:p>
         </p:txBody>
       </p:sp>
+      <p:pic>
+        <p:nvPicPr>
+          <p:cNvPr id="4" name="Picture 2" descr="File:ISO C++ Logo.svg - Wikimedia Commons"/>
+          <p:cNvPicPr>
+            <a:picLocks noChangeAspect="1" noChangeArrowheads="1"/>
+          </p:cNvPicPr>
+          <p:nvPr/>
+        </p:nvPicPr>
+        <p:blipFill>
+          <a:blip r:embed="rId2" cstate="print"/>
+          <a:srcRect/>
+          <a:stretch>
+            <a:fillRect/>
+          </a:stretch>
+        </p:blipFill>
+        <p:spPr bwMode="auto">
+          <a:xfrm>
+            <a:off x="428596" y="5786454"/>
+            <a:ext cx="785818" cy="883404"/>
+          </a:xfrm>
+          <a:prstGeom prst="rect">
+            <a:avLst/>
+          </a:prstGeom>
+          <a:noFill/>
+        </p:spPr>
+      </p:pic>
     </p:spTree>
   </p:cSld>
   <p:clrMapOvr>
     <a:masterClrMapping/>
   </p:clrMapOvr>
+  <p:transition>
+    <p:wipe dir="d"/>
+  </p:transition>
 </p:sld>
 </file>
 

--- a/Teksta datnes informatīvais materiāls.pptx
+++ b/Teksta datnes informatīvais materiāls.pptx
@@ -158,7 +158,7 @@
             <a:fld id="{29F434F8-D001-41C5-B56B-022538BFE3FA}" type="datetimeFigureOut">
               <a:rPr lang="lv-LV" smtClean="0"/>
               <a:pPr/>
-              <a:t>10.06.2022</a:t>
+              <a:t>12.06.2022</a:t>
             </a:fld>
             <a:endParaRPr lang="lv-LV"/>
           </a:p>
@@ -877,7 +877,7 @@
             <a:fld id="{29F434F8-D001-41C5-B56B-022538BFE3FA}" type="datetimeFigureOut">
               <a:rPr lang="lv-LV" smtClean="0"/>
               <a:pPr/>
-              <a:t>10.06.2022</a:t>
+              <a:t>12.06.2022</a:t>
             </a:fld>
             <a:endParaRPr lang="lv-LV"/>
           </a:p>
@@ -1064,7 +1064,7 @@
             <a:fld id="{29F434F8-D001-41C5-B56B-022538BFE3FA}" type="datetimeFigureOut">
               <a:rPr lang="lv-LV" smtClean="0"/>
               <a:pPr/>
-              <a:t>10.06.2022</a:t>
+              <a:t>12.06.2022</a:t>
             </a:fld>
             <a:endParaRPr lang="lv-LV"/>
           </a:p>
@@ -1241,7 +1241,7 @@
             <a:fld id="{29F434F8-D001-41C5-B56B-022538BFE3FA}" type="datetimeFigureOut">
               <a:rPr lang="lv-LV" smtClean="0"/>
               <a:pPr/>
-              <a:t>10.06.2022</a:t>
+              <a:t>12.06.2022</a:t>
             </a:fld>
             <a:endParaRPr lang="lv-LV"/>
           </a:p>
@@ -2726,7 +2726,7 @@
             <a:fld id="{29F434F8-D001-41C5-B56B-022538BFE3FA}" type="datetimeFigureOut">
               <a:rPr lang="lv-LV" smtClean="0"/>
               <a:pPr/>
-              <a:t>10.06.2022</a:t>
+              <a:t>12.06.2022</a:t>
             </a:fld>
             <a:endParaRPr lang="lv-LV"/>
           </a:p>
@@ -3328,7 +3328,7 @@
             <a:fld id="{29F434F8-D001-41C5-B56B-022538BFE3FA}" type="datetimeFigureOut">
               <a:rPr lang="lv-LV" smtClean="0"/>
               <a:pPr/>
-              <a:t>10.06.2022</a:t>
+              <a:t>12.06.2022</a:t>
             </a:fld>
             <a:endParaRPr lang="lv-LV"/>
           </a:p>
@@ -3767,7 +3767,7 @@
             <a:fld id="{29F434F8-D001-41C5-B56B-022538BFE3FA}" type="datetimeFigureOut">
               <a:rPr lang="lv-LV" smtClean="0"/>
               <a:pPr/>
-              <a:t>10.06.2022</a:t>
+              <a:t>12.06.2022</a:t>
             </a:fld>
             <a:endParaRPr lang="lv-LV"/>
           </a:p>
@@ -4330,7 +4330,7 @@
             <a:fld id="{29F434F8-D001-41C5-B56B-022538BFE3FA}" type="datetimeFigureOut">
               <a:rPr lang="lv-LV" smtClean="0"/>
               <a:pPr/>
-              <a:t>10.06.2022</a:t>
+              <a:t>12.06.2022</a:t>
             </a:fld>
             <a:endParaRPr lang="lv-LV"/>
           </a:p>
@@ -4428,7 +4428,7 @@
             <a:fld id="{29F434F8-D001-41C5-B56B-022538BFE3FA}" type="datetimeFigureOut">
               <a:rPr lang="lv-LV" smtClean="0"/>
               <a:pPr/>
-              <a:t>10.06.2022</a:t>
+              <a:t>12.06.2022</a:t>
             </a:fld>
             <a:endParaRPr lang="lv-LV"/>
           </a:p>
@@ -4684,7 +4684,7 @@
             <a:fld id="{29F434F8-D001-41C5-B56B-022538BFE3FA}" type="datetimeFigureOut">
               <a:rPr lang="lv-LV" smtClean="0"/>
               <a:pPr/>
-              <a:t>10.06.2022</a:t>
+              <a:t>12.06.2022</a:t>
             </a:fld>
             <a:endParaRPr lang="lv-LV"/>
           </a:p>
@@ -5407,7 +5407,7 @@
             <a:fld id="{29F434F8-D001-41C5-B56B-022538BFE3FA}" type="datetimeFigureOut">
               <a:rPr lang="lv-LV" smtClean="0"/>
               <a:pPr/>
-              <a:t>10.06.2022</a:t>
+              <a:t>12.06.2022</a:t>
             </a:fld>
             <a:endParaRPr lang="lv-LV"/>
           </a:p>
@@ -6082,7 +6082,7 @@
             <a:fld id="{29F434F8-D001-41C5-B56B-022538BFE3FA}" type="datetimeFigureOut">
               <a:rPr lang="lv-LV" smtClean="0"/>
               <a:pPr/>
-              <a:t>10.06.2022</a:t>
+              <a:t>12.06.2022</a:t>
             </a:fld>
             <a:endParaRPr lang="lv-LV"/>
           </a:p>
@@ -6627,11 +6627,16 @@
             </a:pPr>
             <a:r>
               <a:rPr lang="lv-LV" sz="1800" dirty="0" smtClean="0"/>
-              <a:t>#include&lt;iostream</a:t>
-            </a:r>
+              <a:t>#include&lt;iostream&gt;</a:t>
+            </a:r>
+          </a:p>
+          <a:p>
+            <a:pPr>
+              <a:buNone/>
+            </a:pPr>
             <a:r>
               <a:rPr lang="lv-LV" sz="1800" dirty="0" smtClean="0"/>
-              <a:t>&gt;</a:t>
+              <a:t>using namespace std;</a:t>
             </a:r>
           </a:p>
           <a:p>
@@ -6640,37 +6645,16 @@
             </a:pPr>
             <a:r>
               <a:rPr lang="lv-LV" sz="1800" dirty="0" smtClean="0"/>
-              <a:t>using namespace std</a:t>
-            </a:r>
+              <a:t>int main() {</a:t>
+            </a:r>
+          </a:p>
+          <a:p>
+            <a:pPr>
+              <a:buNone/>
+            </a:pPr>
             <a:r>
               <a:rPr lang="lv-LV" sz="1800" dirty="0" smtClean="0"/>
-              <a:t>;</a:t>
-            </a:r>
-          </a:p>
-          <a:p>
-            <a:pPr>
-              <a:buNone/>
-            </a:pPr>
-            <a:r>
-              <a:rPr lang="lv-LV" sz="1800" dirty="0" smtClean="0"/>
-              <a:t>int main() </a:t>
-            </a:r>
-            <a:r>
-              <a:rPr lang="lv-LV" sz="1800" dirty="0" smtClean="0"/>
-              <a:t>{</a:t>
-            </a:r>
-          </a:p>
-          <a:p>
-            <a:pPr>
-              <a:buNone/>
-            </a:pPr>
-            <a:r>
-              <a:rPr lang="lv-LV" sz="1800" dirty="0" smtClean="0"/>
-              <a:t> string name</a:t>
-            </a:r>
-            <a:r>
-              <a:rPr lang="lv-LV" sz="1800" dirty="0" smtClean="0"/>
-              <a:t>;</a:t>
+              <a:t> string name;</a:t>
             </a:r>
           </a:p>
           <a:p>
@@ -6699,11 +6683,7 @@
             </a:r>
             <a:r>
               <a:rPr lang="de-DE" sz="1800" dirty="0" smtClean="0"/>
-              <a:t>name</a:t>
-            </a:r>
-            <a:r>
-              <a:rPr lang="de-DE" sz="1800" dirty="0" smtClean="0"/>
-              <a:t>;</a:t>
+              <a:t>name;</a:t>
             </a:r>
             <a:endParaRPr lang="lv-LV" sz="1800" dirty="0" smtClean="0"/>
           </a:p>
@@ -6725,11 +6705,7 @@
             </a:r>
             <a:r>
               <a:rPr lang="nn-NO" sz="1800" dirty="0" smtClean="0"/>
-              <a:t>;i</a:t>
-            </a:r>
-            <a:r>
-              <a:rPr lang="nn-NO" sz="1800" dirty="0" smtClean="0"/>
-              <a:t>++){</a:t>
+              <a:t>;i++){</a:t>
             </a:r>
             <a:endParaRPr lang="lv-LV" sz="1800" dirty="0" smtClean="0"/>
           </a:p>
@@ -6747,24 +6723,16 @@
             </a:r>
             <a:r>
               <a:rPr lang="lv-LV" sz="1800" dirty="0" smtClean="0"/>
-              <a:t>name[i]&lt;&lt;"\n</a:t>
-            </a:r>
+              <a:t>name[i]&lt;&lt;"\n";</a:t>
+            </a:r>
+          </a:p>
+          <a:p>
+            <a:pPr>
+              <a:buNone/>
+            </a:pPr>
             <a:r>
               <a:rPr lang="lv-LV" sz="1800" dirty="0" smtClean="0"/>
-              <a:t>";</a:t>
-            </a:r>
-          </a:p>
-          <a:p>
-            <a:pPr>
-              <a:buNone/>
-            </a:pPr>
-            <a:r>
-              <a:rPr lang="lv-LV" sz="1800" dirty="0" smtClean="0"/>
-              <a:t> </a:t>
-            </a:r>
-            <a:r>
-              <a:rPr lang="lv-LV" sz="1800" dirty="0" smtClean="0"/>
-              <a:t>}</a:t>
+              <a:t> }</a:t>
             </a:r>
           </a:p>
           <a:p>
@@ -6978,11 +6946,16 @@
             </a:pPr>
             <a:r>
               <a:rPr lang="lv-LV" sz="1800" dirty="0" smtClean="0"/>
-              <a:t>#include&lt;iostream</a:t>
-            </a:r>
+              <a:t>#include&lt;iostream&gt;</a:t>
+            </a:r>
+          </a:p>
+          <a:p>
+            <a:pPr>
+              <a:buNone/>
+            </a:pPr>
             <a:r>
               <a:rPr lang="lv-LV" sz="1800" dirty="0" smtClean="0"/>
-              <a:t>&gt;</a:t>
+              <a:t>using namespace std;</a:t>
             </a:r>
           </a:p>
           <a:p>
@@ -6991,37 +6964,16 @@
             </a:pPr>
             <a:r>
               <a:rPr lang="lv-LV" sz="1800" dirty="0" smtClean="0"/>
-              <a:t>using namespace std</a:t>
-            </a:r>
+              <a:t>int main() {</a:t>
+            </a:r>
+          </a:p>
+          <a:p>
+            <a:pPr>
+              <a:buNone/>
+            </a:pPr>
             <a:r>
               <a:rPr lang="lv-LV" sz="1800" dirty="0" smtClean="0"/>
-              <a:t>;</a:t>
-            </a:r>
-          </a:p>
-          <a:p>
-            <a:pPr>
-              <a:buNone/>
-            </a:pPr>
-            <a:r>
-              <a:rPr lang="lv-LV" sz="1800" dirty="0" smtClean="0"/>
-              <a:t>int main() </a:t>
-            </a:r>
-            <a:r>
-              <a:rPr lang="lv-LV" sz="1800" dirty="0" smtClean="0"/>
-              <a:t>{</a:t>
-            </a:r>
-          </a:p>
-          <a:p>
-            <a:pPr>
-              <a:buNone/>
-            </a:pPr>
-            <a:r>
-              <a:rPr lang="lv-LV" sz="1800" dirty="0" smtClean="0"/>
-              <a:t> string name</a:t>
-            </a:r>
-            <a:r>
-              <a:rPr lang="lv-LV" sz="1800" dirty="0" smtClean="0"/>
-              <a:t>;</a:t>
+              <a:t> string name;</a:t>
             </a:r>
           </a:p>
           <a:p>
@@ -7054,11 +7006,7 @@
             </a:r>
             <a:r>
               <a:rPr lang="de-DE" sz="1800" dirty="0" smtClean="0"/>
-              <a:t>name</a:t>
-            </a:r>
-            <a:r>
-              <a:rPr lang="de-DE" sz="1800" dirty="0" smtClean="0"/>
-              <a:t>;</a:t>
+              <a:t>name;</a:t>
             </a:r>
             <a:endParaRPr lang="lv-LV" sz="1800" dirty="0" smtClean="0"/>
           </a:p>
@@ -7080,11 +7028,7 @@
             </a:r>
             <a:r>
               <a:rPr lang="lv-LV" sz="1800" dirty="0" smtClean="0"/>
-              <a:t>Apmestais vārds ir: </a:t>
-            </a:r>
-            <a:r>
-              <a:rPr lang="lv-LV" sz="1800" dirty="0" smtClean="0"/>
-              <a:t>";</a:t>
+              <a:t>Apmestais vārds ir: ";</a:t>
             </a:r>
           </a:p>
           <a:p>
@@ -7105,11 +7049,7 @@
             </a:r>
             <a:r>
               <a:rPr lang="nn-NO" sz="1800" dirty="0" smtClean="0"/>
-              <a:t>i&gt;=0;i-</a:t>
-            </a:r>
-            <a:r>
-              <a:rPr lang="nn-NO" sz="1800" dirty="0" smtClean="0"/>
-              <a:t>-){</a:t>
+              <a:t>i&gt;=0;i--){</a:t>
             </a:r>
             <a:endParaRPr lang="lv-LV" sz="1800" dirty="0" smtClean="0"/>
           </a:p>
@@ -7123,15 +7063,7 @@
                   <a:srgbClr val="FF0000"/>
                 </a:solidFill>
               </a:rPr>
-              <a:t> cout&lt;&lt;name[i</a:t>
-            </a:r>
-            <a:r>
-              <a:rPr lang="lv-LV" sz="1800" dirty="0" smtClean="0">
-                <a:solidFill>
-                  <a:srgbClr val="FF0000"/>
-                </a:solidFill>
-              </a:rPr>
-              <a:t>];</a:t>
+              <a:t> cout&lt;&lt;name[i];</a:t>
             </a:r>
           </a:p>
           <a:p>
@@ -7140,11 +7072,7 @@
             </a:pPr>
             <a:r>
               <a:rPr lang="lv-LV" sz="1800" dirty="0" smtClean="0"/>
-              <a:t> </a:t>
-            </a:r>
-            <a:r>
-              <a:rPr lang="lv-LV" sz="1800" dirty="0" smtClean="0"/>
-              <a:t>}</a:t>
+              <a:t> }</a:t>
             </a:r>
           </a:p>
           <a:p>
@@ -7396,11 +7324,7 @@
             </a:pPr>
             <a:r>
               <a:rPr lang="lv-LV" sz="1800" dirty="0" smtClean="0"/>
-              <a:t>#include&lt;iostream</a:t>
-            </a:r>
-            <a:r>
-              <a:rPr lang="lv-LV" sz="1800" dirty="0" smtClean="0"/>
-              <a:t>&gt;</a:t>
+              <a:t>#include&lt;iostream&gt;</a:t>
             </a:r>
           </a:p>
           <a:p>
@@ -7413,41 +7337,38 @@
                   <a:srgbClr val="FF0000"/>
                 </a:solidFill>
               </a:rPr>
-              <a:t>#include &lt;fstream</a:t>
-            </a:r>
+              <a:t>#include &lt;fstream&gt;</a:t>
+            </a:r>
+          </a:p>
+          <a:p>
+            <a:pPr>
+              <a:buNone/>
+            </a:pPr>
+            <a:r>
+              <a:rPr lang="lv-LV" sz="1800" dirty="0" smtClean="0"/>
+              <a:t>using namespace std;</a:t>
+            </a:r>
+          </a:p>
+          <a:p>
+            <a:pPr>
+              <a:buNone/>
+            </a:pPr>
+            <a:r>
+              <a:rPr lang="lv-LV" sz="1800" dirty="0" smtClean="0"/>
+              <a:t>int main() {</a:t>
+            </a:r>
+          </a:p>
+          <a:p>
+            <a:pPr>
+              <a:buNone/>
+            </a:pPr>
             <a:r>
               <a:rPr lang="lv-LV" sz="1800" dirty="0" smtClean="0">
                 <a:solidFill>
                   <a:srgbClr val="FF0000"/>
                 </a:solidFill>
               </a:rPr>
-              <a:t>&gt;</a:t>
-            </a:r>
-          </a:p>
-          <a:p>
-            <a:pPr>
-              <a:buNone/>
-            </a:pPr>
-            <a:r>
-              <a:rPr lang="lv-LV" sz="1800" dirty="0" smtClean="0"/>
-              <a:t>using namespace std</a:t>
-            </a:r>
-            <a:r>
-              <a:rPr lang="lv-LV" sz="1800" dirty="0" smtClean="0"/>
-              <a:t>;</a:t>
-            </a:r>
-          </a:p>
-          <a:p>
-            <a:pPr>
-              <a:buNone/>
-            </a:pPr>
-            <a:r>
-              <a:rPr lang="lv-LV" sz="1800" dirty="0" smtClean="0"/>
-              <a:t>int main() </a:t>
-            </a:r>
-            <a:r>
-              <a:rPr lang="lv-LV" sz="1800" dirty="0" smtClean="0"/>
-              <a:t>{</a:t>
+              <a:t>ofstream file("ASCII.txt");</a:t>
             </a:r>
           </a:p>
           <a:p>
@@ -7460,15 +7381,20 @@
                   <a:srgbClr val="FF0000"/>
                 </a:solidFill>
               </a:rPr>
-              <a:t>ofstream file("ASCII.txt</a:t>
-            </a:r>
+              <a:t> file &lt;&lt; " __________\n“</a:t>
+            </a:r>
+          </a:p>
+          <a:p>
+            <a:pPr>
+              <a:buNone/>
+            </a:pPr>
             <a:r>
               <a:rPr lang="lv-LV" sz="1800" dirty="0" smtClean="0">
                 <a:solidFill>
                   <a:srgbClr val="FF0000"/>
                 </a:solidFill>
               </a:rPr>
-              <a:t>");</a:t>
+              <a:t> "| ________ |\n“</a:t>
             </a:r>
           </a:p>
           <a:p>
@@ -7481,15 +7407,20 @@
                   <a:srgbClr val="FF0000"/>
                 </a:solidFill>
               </a:rPr>
-              <a:t> file &lt;&lt; " __________\</a:t>
-            </a:r>
+              <a:t> "||12345678||\n“</a:t>
+            </a:r>
+          </a:p>
+          <a:p>
+            <a:pPr>
+              <a:buNone/>
+            </a:pPr>
             <a:r>
               <a:rPr lang="lv-LV" sz="1800" dirty="0" smtClean="0">
                 <a:solidFill>
                   <a:srgbClr val="FF0000"/>
                 </a:solidFill>
               </a:rPr>
-              <a:t>n“</a:t>
+              <a:t> "|\"\"\"\"\"\"\"\"\"\"|\n“</a:t>
             </a:r>
           </a:p>
           <a:p>
@@ -7502,15 +7433,20 @@
                   <a:srgbClr val="FF0000"/>
                 </a:solidFill>
               </a:rPr>
-              <a:t> "| ________ |\</a:t>
-            </a:r>
+              <a:t> "|[M|#|C][-]|\n“</a:t>
+            </a:r>
+          </a:p>
+          <a:p>
+            <a:pPr>
+              <a:buNone/>
+            </a:pPr>
             <a:r>
               <a:rPr lang="lv-LV" sz="1800" dirty="0" smtClean="0">
                 <a:solidFill>
                   <a:srgbClr val="FF0000"/>
                 </a:solidFill>
               </a:rPr>
-              <a:t>n“</a:t>
+              <a:t> "|[7|8|9][+]|\n“</a:t>
             </a:r>
           </a:p>
           <a:p>
@@ -7523,15 +7459,20 @@
                   <a:srgbClr val="FF0000"/>
                 </a:solidFill>
               </a:rPr>
-              <a:t> "||12345678||\</a:t>
-            </a:r>
+              <a:t> "|[4|5|6][x]|\n“</a:t>
+            </a:r>
+          </a:p>
+          <a:p>
+            <a:pPr>
+              <a:buNone/>
+            </a:pPr>
             <a:r>
               <a:rPr lang="lv-LV" sz="1800" dirty="0" smtClean="0">
                 <a:solidFill>
                   <a:srgbClr val="FF0000"/>
                 </a:solidFill>
               </a:rPr>
-              <a:t>n“</a:t>
+              <a:t> "|[1|2|3][%]|\n“</a:t>
             </a:r>
           </a:p>
           <a:p>
@@ -7544,15 +7485,20 @@
                   <a:srgbClr val="FF0000"/>
                 </a:solidFill>
               </a:rPr>
-              <a:t> "|\"\"\"\"\"\"\"\"\"\"|\</a:t>
-            </a:r>
+              <a:t> "|[.|O|:][=]|\n“</a:t>
+            </a:r>
+          </a:p>
+          <a:p>
+            <a:pPr>
+              <a:buNone/>
+            </a:pPr>
             <a:r>
               <a:rPr lang="lv-LV" sz="1800" dirty="0" smtClean="0">
                 <a:solidFill>
                   <a:srgbClr val="FF0000"/>
                 </a:solidFill>
               </a:rPr>
-              <a:t>n“</a:t>
+              <a:t> "\"----------\"\n";</a:t>
             </a:r>
           </a:p>
           <a:p>
@@ -7560,138 +7506,8 @@
               <a:buNone/>
             </a:pPr>
             <a:r>
-              <a:rPr lang="lv-LV" sz="1800" dirty="0" smtClean="0">
-                <a:solidFill>
-                  <a:srgbClr val="FF0000"/>
-                </a:solidFill>
-              </a:rPr>
-              <a:t> "|[M|#|C][-]|\</a:t>
-            </a:r>
-            <a:r>
-              <a:rPr lang="lv-LV" sz="1800" dirty="0" smtClean="0">
-                <a:solidFill>
-                  <a:srgbClr val="FF0000"/>
-                </a:solidFill>
-              </a:rPr>
-              <a:t>n“</a:t>
-            </a:r>
-          </a:p>
-          <a:p>
-            <a:pPr>
-              <a:buNone/>
-            </a:pPr>
-            <a:r>
-              <a:rPr lang="lv-LV" sz="1800" dirty="0" smtClean="0">
-                <a:solidFill>
-                  <a:srgbClr val="FF0000"/>
-                </a:solidFill>
-              </a:rPr>
-              <a:t> "|[7|8|9][+]|\</a:t>
-            </a:r>
-            <a:r>
-              <a:rPr lang="lv-LV" sz="1800" dirty="0" smtClean="0">
-                <a:solidFill>
-                  <a:srgbClr val="FF0000"/>
-                </a:solidFill>
-              </a:rPr>
-              <a:t>n“</a:t>
-            </a:r>
-          </a:p>
-          <a:p>
-            <a:pPr>
-              <a:buNone/>
-            </a:pPr>
-            <a:r>
-              <a:rPr lang="lv-LV" sz="1800" dirty="0" smtClean="0">
-                <a:solidFill>
-                  <a:srgbClr val="FF0000"/>
-                </a:solidFill>
-              </a:rPr>
-              <a:t> "|[4|5|6][x]|\</a:t>
-            </a:r>
-            <a:r>
-              <a:rPr lang="lv-LV" sz="1800" dirty="0" smtClean="0">
-                <a:solidFill>
-                  <a:srgbClr val="FF0000"/>
-                </a:solidFill>
-              </a:rPr>
-              <a:t>n“</a:t>
-            </a:r>
-          </a:p>
-          <a:p>
-            <a:pPr>
-              <a:buNone/>
-            </a:pPr>
-            <a:r>
-              <a:rPr lang="lv-LV" sz="1800" dirty="0" smtClean="0">
-                <a:solidFill>
-                  <a:srgbClr val="FF0000"/>
-                </a:solidFill>
-              </a:rPr>
-              <a:t> "|[1|2|3][%]|\</a:t>
-            </a:r>
-            <a:r>
-              <a:rPr lang="lv-LV" sz="1800" dirty="0" smtClean="0">
-                <a:solidFill>
-                  <a:srgbClr val="FF0000"/>
-                </a:solidFill>
-              </a:rPr>
-              <a:t>n“</a:t>
-            </a:r>
-          </a:p>
-          <a:p>
-            <a:pPr>
-              <a:buNone/>
-            </a:pPr>
-            <a:r>
-              <a:rPr lang="lv-LV" sz="1800" dirty="0" smtClean="0">
-                <a:solidFill>
-                  <a:srgbClr val="FF0000"/>
-                </a:solidFill>
-              </a:rPr>
-              <a:t> "|[.|O|:][=]|\</a:t>
-            </a:r>
-            <a:r>
-              <a:rPr lang="lv-LV" sz="1800" dirty="0" smtClean="0">
-                <a:solidFill>
-                  <a:srgbClr val="FF0000"/>
-                </a:solidFill>
-              </a:rPr>
-              <a:t>n“</a:t>
-            </a:r>
-          </a:p>
-          <a:p>
-            <a:pPr>
-              <a:buNone/>
-            </a:pPr>
-            <a:r>
-              <a:rPr lang="lv-LV" sz="1800" dirty="0" smtClean="0">
-                <a:solidFill>
-                  <a:srgbClr val="FF0000"/>
-                </a:solidFill>
-              </a:rPr>
-              <a:t> "\"----------\"\n</a:t>
-            </a:r>
-            <a:r>
-              <a:rPr lang="lv-LV" sz="1800" dirty="0" smtClean="0">
-                <a:solidFill>
-                  <a:srgbClr val="FF0000"/>
-                </a:solidFill>
-              </a:rPr>
-              <a:t>";</a:t>
-            </a:r>
-          </a:p>
-          <a:p>
-            <a:pPr>
-              <a:buNone/>
-            </a:pPr>
-            <a:r>
               <a:rPr lang="lv-LV" sz="1800" dirty="0" smtClean="0"/>
-              <a:t>file.close</a:t>
-            </a:r>
-            <a:r>
-              <a:rPr lang="lv-LV" sz="1800" dirty="0" smtClean="0"/>
-              <a:t>();</a:t>
+              <a:t>file.close();</a:t>
             </a:r>
           </a:p>
           <a:p>
@@ -8246,7 +8062,15 @@
           <a:p>
             <a:r>
               <a:rPr lang="lv-LV" sz="2400" dirty="0" smtClean="0"/>
-              <a:t>Var arī nolasīt un izprintēt ar ofstream, ifstream, fstream palīdzību.</a:t>
+              <a:t>Var arī nolasīt un </a:t>
+            </a:r>
+            <a:r>
+              <a:rPr lang="lv-LV" sz="2400" dirty="0" smtClean="0"/>
+              <a:t>izprintēt failus </a:t>
+            </a:r>
+            <a:r>
+              <a:rPr lang="lv-LV" sz="2400" dirty="0" smtClean="0"/>
+              <a:t>ar ofstream, ifstream, fstream palīdzību.</a:t>
             </a:r>
             <a:endParaRPr lang="lv-LV" sz="2400" dirty="0"/>
           </a:p>
@@ -8451,11 +8275,7 @@
             </a:pPr>
             <a:r>
               <a:rPr lang="lv-LV" sz="2000" dirty="0" smtClean="0"/>
-              <a:t>#include&lt;iostream</a:t>
-            </a:r>
-            <a:r>
-              <a:rPr lang="lv-LV" sz="2000" dirty="0" smtClean="0"/>
-              <a:t>&gt;</a:t>
+              <a:t>#include&lt;iostream&gt;</a:t>
             </a:r>
           </a:p>
           <a:p>
@@ -8672,11 +8492,7 @@
             </a:r>
             <a:r>
               <a:rPr lang="lv-LV" sz="2000" dirty="0" smtClean="0"/>
-              <a:t>&gt;s4</a:t>
-            </a:r>
-            <a:r>
-              <a:rPr lang="lv-LV" sz="2000" dirty="0" smtClean="0"/>
-              <a:t>;</a:t>
+              <a:t>&gt;s4;</a:t>
             </a:r>
           </a:p>
           <a:p>
@@ -8954,11 +8770,7 @@
             </a:pPr>
             <a:r>
               <a:rPr lang="lv-LV" sz="1800" dirty="0" smtClean="0"/>
-              <a:t>#include&lt;iostream</a:t>
-            </a:r>
-            <a:r>
-              <a:rPr lang="lv-LV" sz="1800" dirty="0" smtClean="0"/>
-              <a:t>&gt;</a:t>
+              <a:t>#include&lt;iostream&gt;</a:t>
             </a:r>
           </a:p>
           <a:p>
@@ -8971,15 +8783,38 @@
                   <a:srgbClr val="FF0000"/>
                 </a:solidFill>
               </a:rPr>
-              <a:t>#include &lt;</a:t>
-            </a:r>
+              <a:t>#include &lt;fstream&gt;</a:t>
+            </a:r>
+          </a:p>
+          <a:p>
+            <a:pPr>
+              <a:buNone/>
+            </a:pPr>
+            <a:r>
+              <a:rPr lang="lv-LV" sz="1800" dirty="0" smtClean="0"/>
+              <a:t>using namespace std;</a:t>
+            </a:r>
+          </a:p>
+          <a:p>
+            <a:pPr>
+              <a:buNone/>
+            </a:pPr>
+            <a:r>
+              <a:rPr lang="lv-LV" sz="1800" dirty="0" smtClean="0"/>
+              <a:t>int main() {</a:t>
+            </a:r>
+          </a:p>
+          <a:p>
+            <a:pPr>
+              <a:buNone/>
+            </a:pPr>
             <a:r>
               <a:rPr lang="lv-LV" sz="1800" dirty="0" smtClean="0">
                 <a:solidFill>
                   <a:srgbClr val="FF0000"/>
                 </a:solidFill>
               </a:rPr>
-              <a:t>fstream&gt;</a:t>
+              <a:t> ifstream file ("text.txt");</a:t>
             </a:r>
           </a:p>
           <a:p>
@@ -8988,24 +8823,7 @@
             </a:pPr>
             <a:r>
               <a:rPr lang="lv-LV" sz="1800" dirty="0" smtClean="0"/>
-              <a:t>using namespace std</a:t>
-            </a:r>
-            <a:r>
-              <a:rPr lang="lv-LV" sz="1800" dirty="0" smtClean="0"/>
-              <a:t>;</a:t>
-            </a:r>
-          </a:p>
-          <a:p>
-            <a:pPr>
-              <a:buNone/>
-            </a:pPr>
-            <a:r>
-              <a:rPr lang="lv-LV" sz="1800" dirty="0" smtClean="0"/>
-              <a:t>int main() </a:t>
-            </a:r>
-            <a:r>
-              <a:rPr lang="lv-LV" sz="1800" dirty="0" smtClean="0"/>
-              <a:t>{</a:t>
+              <a:t>string name;</a:t>
             </a:r>
           </a:p>
           <a:p>
@@ -9018,15 +8836,7 @@
                   <a:srgbClr val="FF0000"/>
                 </a:solidFill>
               </a:rPr>
-              <a:t> ifstream file ("text.txt</a:t>
-            </a:r>
-            <a:r>
-              <a:rPr lang="lv-LV" sz="1800" dirty="0" smtClean="0">
-                <a:solidFill>
-                  <a:srgbClr val="FF0000"/>
-                </a:solidFill>
-              </a:rPr>
-              <a:t>");</a:t>
+              <a:t> getline (file, name);</a:t>
             </a:r>
           </a:p>
           <a:p>
@@ -9035,45 +8845,7 @@
             </a:pPr>
             <a:r>
               <a:rPr lang="lv-LV" sz="1800" dirty="0" smtClean="0"/>
-              <a:t>string name</a:t>
-            </a:r>
-            <a:r>
-              <a:rPr lang="lv-LV" sz="1800" dirty="0" smtClean="0"/>
-              <a:t>;</a:t>
-            </a:r>
-          </a:p>
-          <a:p>
-            <a:pPr>
-              <a:buNone/>
-            </a:pPr>
-            <a:r>
-              <a:rPr lang="lv-LV" sz="1800" dirty="0" smtClean="0">
-                <a:solidFill>
-                  <a:srgbClr val="FF0000"/>
-                </a:solidFill>
-              </a:rPr>
-              <a:t> getline (file, name</a:t>
-            </a:r>
-            <a:r>
-              <a:rPr lang="lv-LV" sz="1800" dirty="0" smtClean="0">
-                <a:solidFill>
-                  <a:srgbClr val="FF0000"/>
-                </a:solidFill>
-              </a:rPr>
-              <a:t>);</a:t>
-            </a:r>
-          </a:p>
-          <a:p>
-            <a:pPr>
-              <a:buNone/>
-            </a:pPr>
-            <a:r>
-              <a:rPr lang="lv-LV" sz="1800" dirty="0" smtClean="0"/>
-              <a:t> cout&lt;&lt;"No \""&lt;&lt;name&lt;&lt;"\" pārveido uz \"Skola drīz atkal sāksies</a:t>
-            </a:r>
-            <a:r>
-              <a:rPr lang="lv-LV" sz="1800" dirty="0" smtClean="0"/>
-              <a:t>!\"";</a:t>
+              <a:t> cout&lt;&lt;"No \""&lt;&lt;name&lt;&lt;"\" pārveido uz \"Skola drīz atkal sāksies!\"";</a:t>
             </a:r>
           </a:p>
           <a:p>
@@ -9094,11 +8866,7 @@
             </a:r>
             <a:r>
               <a:rPr lang="lv-LV" sz="1800" dirty="0" smtClean="0"/>
-              <a:t>atkal sāksies</a:t>
-            </a:r>
-            <a:r>
-              <a:rPr lang="lv-LV" sz="1800" dirty="0" smtClean="0"/>
-              <a:t>!";</a:t>
+              <a:t>atkal sāksies!";</a:t>
             </a:r>
           </a:p>
           <a:p>
@@ -9115,15 +8883,7 @@
                   <a:srgbClr val="FF0000"/>
                 </a:solidFill>
               </a:rPr>
-              <a:t>ofstream MyFile("text.txt</a:t>
-            </a:r>
-            <a:r>
-              <a:rPr lang="lv-LV" sz="1800" dirty="0" smtClean="0">
-                <a:solidFill>
-                  <a:srgbClr val="FF0000"/>
-                </a:solidFill>
-              </a:rPr>
-              <a:t>");</a:t>
+              <a:t>ofstream MyFile("text.txt");</a:t>
             </a:r>
           </a:p>
           <a:p>
@@ -9132,24 +8892,16 @@
             </a:pPr>
             <a:r>
               <a:rPr lang="lv-LV" sz="1800" dirty="0" smtClean="0"/>
-              <a:t> MyFile &lt;&lt; name</a:t>
-            </a:r>
+              <a:t> MyFile &lt;&lt; name;</a:t>
+            </a:r>
+          </a:p>
+          <a:p>
+            <a:pPr>
+              <a:buNone/>
+            </a:pPr>
             <a:r>
               <a:rPr lang="lv-LV" sz="1800" dirty="0" smtClean="0"/>
-              <a:t>;</a:t>
-            </a:r>
-          </a:p>
-          <a:p>
-            <a:pPr>
-              <a:buNone/>
-            </a:pPr>
-            <a:r>
-              <a:rPr lang="lv-LV" sz="1800" dirty="0" smtClean="0"/>
-              <a:t>MyFile.close</a:t>
-            </a:r>
-            <a:r>
-              <a:rPr lang="lv-LV" sz="1800" dirty="0" smtClean="0"/>
-              <a:t>();</a:t>
+              <a:t>MyFile.close();</a:t>
             </a:r>
           </a:p>
           <a:p>

--- a/Teksta datnes informatīvais materiāls.pptx
+++ b/Teksta datnes informatīvais materiāls.pptx
@@ -6683,7 +6683,21 @@
             </a:r>
             <a:r>
               <a:rPr lang="de-DE" sz="1800" dirty="0" smtClean="0"/>
-              <a:t>name;</a:t>
+              <a:t>name</a:t>
+            </a:r>
+            <a:r>
+              <a:rPr lang="de-DE" sz="1800" dirty="0" smtClean="0"/>
+              <a:t>;</a:t>
+            </a:r>
+            <a:endParaRPr lang="lv-LV" sz="1800" dirty="0" smtClean="0"/>
+          </a:p>
+          <a:p>
+            <a:pPr>
+              <a:buNone/>
+            </a:pPr>
+            <a:r>
+              <a:rPr lang="lv-LV" sz="1800" dirty="0" smtClean="0"/>
+              <a:t>//funkcijas kā .length() nolasa string vērtības garumu</a:t>
             </a:r>
             <a:endParaRPr lang="lv-LV" sz="1800" dirty="0" smtClean="0"/>
           </a:p>
@@ -8062,15 +8076,7 @@
           <a:p>
             <a:r>
               <a:rPr lang="lv-LV" sz="2400" dirty="0" smtClean="0"/>
-              <a:t>Var arī nolasīt un </a:t>
-            </a:r>
-            <a:r>
-              <a:rPr lang="lv-LV" sz="2400" dirty="0" smtClean="0"/>
-              <a:t>izprintēt failus </a:t>
-            </a:r>
-            <a:r>
-              <a:rPr lang="lv-LV" sz="2400" dirty="0" smtClean="0"/>
-              <a:t>ar ofstream, ifstream, fstream palīdzību.</a:t>
+              <a:t>Var arī nolasīt un izprintēt failus ar ofstream, ifstream, fstream palīdzību.</a:t>
             </a:r>
             <a:endParaRPr lang="lv-LV" sz="2400" dirty="0"/>
           </a:p>
@@ -8266,7 +8272,7 @@
         <p:spPr/>
         <p:txBody>
           <a:bodyPr>
-            <a:normAutofit fontScale="92500" lnSpcReduction="20000"/>
+            <a:normAutofit fontScale="70000" lnSpcReduction="20000"/>
           </a:bodyPr>
           <a:lstStyle/>
           <a:p>
@@ -8302,8 +8308,22 @@
             </a:pPr>
             <a:r>
               <a:rPr lang="lv-LV" sz="2000" dirty="0" smtClean="0"/>
-              <a:t>    string s1,s2,s3, s4, name="";</a:t>
-            </a:r>
+              <a:t>    string s1,s2,s3, s4, name</a:t>
+            </a:r>
+            <a:r>
+              <a:rPr lang="lv-LV" sz="2000" dirty="0" smtClean="0"/>
+              <a:t>="";</a:t>
+            </a:r>
+          </a:p>
+          <a:p>
+            <a:pPr>
+              <a:buNone/>
+            </a:pPr>
+            <a:r>
+              <a:rPr lang="lv-LV" sz="2000" dirty="0" smtClean="0"/>
+              <a:t>//cout izvada tekstu konsolē</a:t>
+            </a:r>
+            <a:endParaRPr lang="lv-LV" sz="2000" dirty="0" smtClean="0"/>
           </a:p>
           <a:p>
             <a:pPr>
@@ -8328,8 +8348,26 @@
             </a:pPr>
             <a:r>
               <a:rPr lang="lv-LV" sz="2000" dirty="0" smtClean="0"/>
-              <a:t>do{</a:t>
-            </a:r>
+              <a:t>do</a:t>
+            </a:r>
+            <a:r>
+              <a:rPr lang="lv-LV" sz="2000" dirty="0" smtClean="0"/>
+              <a:t>{</a:t>
+            </a:r>
+          </a:p>
+          <a:p>
+            <a:pPr>
+              <a:buNone/>
+            </a:pPr>
+            <a:r>
+              <a:rPr lang="lv-LV" sz="2000" dirty="0" smtClean="0"/>
+              <a:t> </a:t>
+            </a:r>
+            <a:r>
+              <a:rPr lang="lv-LV" sz="2000" dirty="0" smtClean="0"/>
+              <a:t>                                                            // cin ļauj lietotājam ievadīt vērtību konsolē</a:t>
+            </a:r>
+            <a:endParaRPr lang="lv-LV" sz="2000" dirty="0" smtClean="0"/>
           </a:p>
           <a:p>
             <a:pPr>
@@ -8492,8 +8530,22 @@
             </a:r>
             <a:r>
               <a:rPr lang="lv-LV" sz="2000" dirty="0" smtClean="0"/>
-              <a:t>&gt;s4;</a:t>
-            </a:r>
+              <a:t>&gt;s4</a:t>
+            </a:r>
+            <a:r>
+              <a:rPr lang="lv-LV" sz="2000" dirty="0" smtClean="0"/>
+              <a:t>;</a:t>
+            </a:r>
+          </a:p>
+          <a:p>
+            <a:pPr>
+              <a:buNone/>
+            </a:pPr>
+            <a:r>
+              <a:rPr lang="lv-LV" sz="2000" dirty="0" smtClean="0"/>
+              <a:t>//Var matemātiski string vērtības sasummēt kopā</a:t>
+            </a:r>
+            <a:endParaRPr lang="lv-LV" sz="2000" dirty="0" smtClean="0"/>
           </a:p>
           <a:p>
             <a:pPr>
@@ -8761,7 +8813,7 @@
         <p:spPr/>
         <p:txBody>
           <a:bodyPr>
-            <a:normAutofit lnSpcReduction="10000"/>
+            <a:normAutofit fontScale="85000" lnSpcReduction="20000"/>
           </a:bodyPr>
           <a:lstStyle/>
           <a:p>
@@ -8770,8 +8822,13 @@
             </a:pPr>
             <a:r>
               <a:rPr lang="lv-LV" sz="1800" dirty="0" smtClean="0"/>
-              <a:t>#include&lt;iostream&gt;</a:t>
-            </a:r>
+              <a:t>#include&lt;iostream</a:t>
+            </a:r>
+            <a:r>
+              <a:rPr lang="lv-LV" sz="1800" dirty="0" smtClean="0"/>
+              <a:t>&gt;</a:t>
+            </a:r>
+            <a:endParaRPr lang="lv-LV" sz="1800" dirty="0" smtClean="0"/>
           </a:p>
           <a:p>
             <a:pPr>
@@ -8801,8 +8858,22 @@
             </a:pPr>
             <a:r>
               <a:rPr lang="lv-LV" sz="1800" dirty="0" smtClean="0"/>
-              <a:t>int main() {</a:t>
-            </a:r>
+              <a:t>int main() </a:t>
+            </a:r>
+            <a:r>
+              <a:rPr lang="lv-LV" sz="1800" dirty="0" smtClean="0"/>
+              <a:t>{</a:t>
+            </a:r>
+          </a:p>
+          <a:p>
+            <a:pPr>
+              <a:buNone/>
+            </a:pPr>
+            <a:r>
+              <a:rPr lang="lv-LV" sz="1800" dirty="0" smtClean="0"/>
+              <a:t>//ifstream atver un ļauj nolasīt failu</a:t>
+            </a:r>
+            <a:endParaRPr lang="lv-LV" sz="1800" dirty="0" smtClean="0"/>
           </a:p>
           <a:p>
             <a:pPr>
@@ -8823,8 +8894,22 @@
             </a:pPr>
             <a:r>
               <a:rPr lang="lv-LV" sz="1800" dirty="0" smtClean="0"/>
-              <a:t>string name;</a:t>
-            </a:r>
+              <a:t>string name</a:t>
+            </a:r>
+            <a:r>
+              <a:rPr lang="lv-LV" sz="1800" dirty="0" smtClean="0"/>
+              <a:t>;</a:t>
+            </a:r>
+          </a:p>
+          <a:p>
+            <a:pPr>
+              <a:buNone/>
+            </a:pPr>
+            <a:r>
+              <a:rPr lang="lv-LV" sz="1800" dirty="0" smtClean="0"/>
+              <a:t>//Ar getline nolasa visu rindu</a:t>
+            </a:r>
+            <a:endParaRPr lang="lv-LV" sz="1800" dirty="0" smtClean="0"/>
           </a:p>
           <a:p>
             <a:pPr>
@@ -8866,8 +8951,22 @@
             </a:r>
             <a:r>
               <a:rPr lang="lv-LV" sz="1800" dirty="0" smtClean="0"/>
-              <a:t>atkal sāksies!";</a:t>
-            </a:r>
+              <a:t>atkal sāksies</a:t>
+            </a:r>
+            <a:r>
+              <a:rPr lang="lv-LV" sz="1800" dirty="0" smtClean="0"/>
+              <a:t>!";</a:t>
+            </a:r>
+          </a:p>
+          <a:p>
+            <a:pPr>
+              <a:buNone/>
+            </a:pPr>
+            <a:r>
+              <a:rPr lang="lv-LV" sz="1800" dirty="0" smtClean="0"/>
+              <a:t>//ofstream atver un ieraksta failā</a:t>
+            </a:r>
+            <a:endParaRPr lang="lv-LV" sz="1800" dirty="0" smtClean="0"/>
           </a:p>
           <a:p>
             <a:pPr>
